--- a/lecture-materials/Databases/comparison/comparison.pptx
+++ b/lecture-materials/Databases/comparison/comparison.pptx
@@ -5,7 +5,7 @@
     <p:sldMasterId id="2147483648" r:id="rId1"/>
   </p:sldMasterIdLst>
   <p:notesMasterIdLst>
-    <p:notesMasterId r:id="rId7"/>
+    <p:notesMasterId r:id="rId21"/>
   </p:notesMasterIdLst>
   <p:sldIdLst>
     <p:sldId id="256" r:id="rId2"/>
@@ -13,6 +13,20 @@
     <p:sldId id="259" r:id="rId4"/>
     <p:sldId id="257" r:id="rId5"/>
     <p:sldId id="260" r:id="rId6"/>
+    <p:sldId id="261" r:id="rId7"/>
+    <p:sldId id="262" r:id="rId8"/>
+    <p:sldId id="263" r:id="rId9"/>
+    <p:sldId id="264" r:id="rId10"/>
+    <p:sldId id="265" r:id="rId11"/>
+    <p:sldId id="266" r:id="rId12"/>
+    <p:sldId id="267" r:id="rId13"/>
+    <p:sldId id="268" r:id="rId14"/>
+    <p:sldId id="269" r:id="rId15"/>
+    <p:sldId id="270" r:id="rId16"/>
+    <p:sldId id="271" r:id="rId17"/>
+    <p:sldId id="272" r:id="rId18"/>
+    <p:sldId id="273" r:id="rId19"/>
+    <p:sldId id="274" r:id="rId20"/>
   </p:sldIdLst>
   <p:sldSz cx="12192000" cy="6858000"/>
   <p:notesSz cx="6858000" cy="9144000"/>
@@ -201,7 +215,7 @@
           <a:p>
             <a:fld id="{D0B46B46-006B-4C62-A569-0F6505C56C12}" type="datetimeFigureOut">
               <a:rPr lang="en-US" smtClean="0"/>
-              <a:t>12/3/23</a:t>
+              <a:t>12/4/23</a:t>
             </a:fld>
             <a:endParaRPr lang="en-US"/>
           </a:p>
@@ -600,7 +614,7 @@
           <a:p>
             <a:fld id="{42C810F2-240D-47DD-AD54-6DDB515CABCA}" type="datetimeFigureOut">
               <a:rPr lang="en-US" smtClean="0"/>
-              <a:t>12/3/23</a:t>
+              <a:t>12/4/23</a:t>
             </a:fld>
             <a:endParaRPr lang="en-US"/>
           </a:p>
@@ -770,7 +784,7 @@
           <a:p>
             <a:fld id="{42C810F2-240D-47DD-AD54-6DDB515CABCA}" type="datetimeFigureOut">
               <a:rPr lang="en-US" smtClean="0"/>
-              <a:t>12/3/23</a:t>
+              <a:t>12/4/23</a:t>
             </a:fld>
             <a:endParaRPr lang="en-US"/>
           </a:p>
@@ -950,7 +964,7 @@
           <a:p>
             <a:fld id="{42C810F2-240D-47DD-AD54-6DDB515CABCA}" type="datetimeFigureOut">
               <a:rPr lang="en-US" smtClean="0"/>
-              <a:t>12/3/23</a:t>
+              <a:t>12/4/23</a:t>
             </a:fld>
             <a:endParaRPr lang="en-US"/>
           </a:p>
@@ -1120,7 +1134,7 @@
           <a:p>
             <a:fld id="{42C810F2-240D-47DD-AD54-6DDB515CABCA}" type="datetimeFigureOut">
               <a:rPr lang="en-US" smtClean="0"/>
-              <a:t>12/3/23</a:t>
+              <a:t>12/4/23</a:t>
             </a:fld>
             <a:endParaRPr lang="en-US"/>
           </a:p>
@@ -1366,7 +1380,7 @@
           <a:p>
             <a:fld id="{42C810F2-240D-47DD-AD54-6DDB515CABCA}" type="datetimeFigureOut">
               <a:rPr lang="en-US" smtClean="0"/>
-              <a:t>12/3/23</a:t>
+              <a:t>12/4/23</a:t>
             </a:fld>
             <a:endParaRPr lang="en-US"/>
           </a:p>
@@ -1598,7 +1612,7 @@
           <a:p>
             <a:fld id="{42C810F2-240D-47DD-AD54-6DDB515CABCA}" type="datetimeFigureOut">
               <a:rPr lang="en-US" smtClean="0"/>
-              <a:t>12/3/23</a:t>
+              <a:t>12/4/23</a:t>
             </a:fld>
             <a:endParaRPr lang="en-US"/>
           </a:p>
@@ -1965,7 +1979,7 @@
           <a:p>
             <a:fld id="{42C810F2-240D-47DD-AD54-6DDB515CABCA}" type="datetimeFigureOut">
               <a:rPr lang="en-US" smtClean="0"/>
-              <a:t>12/3/23</a:t>
+              <a:t>12/4/23</a:t>
             </a:fld>
             <a:endParaRPr lang="en-US"/>
           </a:p>
@@ -2083,7 +2097,7 @@
           <a:p>
             <a:fld id="{42C810F2-240D-47DD-AD54-6DDB515CABCA}" type="datetimeFigureOut">
               <a:rPr lang="en-US" smtClean="0"/>
-              <a:t>12/3/23</a:t>
+              <a:t>12/4/23</a:t>
             </a:fld>
             <a:endParaRPr lang="en-US"/>
           </a:p>
@@ -2178,7 +2192,7 @@
           <a:p>
             <a:fld id="{42C810F2-240D-47DD-AD54-6DDB515CABCA}" type="datetimeFigureOut">
               <a:rPr lang="en-US" smtClean="0"/>
-              <a:t>12/3/23</a:t>
+              <a:t>12/4/23</a:t>
             </a:fld>
             <a:endParaRPr lang="en-US"/>
           </a:p>
@@ -2455,7 +2469,7 @@
           <a:p>
             <a:fld id="{42C810F2-240D-47DD-AD54-6DDB515CABCA}" type="datetimeFigureOut">
               <a:rPr lang="en-US" smtClean="0"/>
-              <a:t>12/3/23</a:t>
+              <a:t>12/4/23</a:t>
             </a:fld>
             <a:endParaRPr lang="en-US"/>
           </a:p>
@@ -2708,7 +2722,7 @@
           <a:p>
             <a:fld id="{42C810F2-240D-47DD-AD54-6DDB515CABCA}" type="datetimeFigureOut">
               <a:rPr lang="en-US" smtClean="0"/>
-              <a:t>12/3/23</a:t>
+              <a:t>12/4/23</a:t>
             </a:fld>
             <a:endParaRPr lang="en-US"/>
           </a:p>
@@ -2921,7 +2935,7 @@
           <a:p>
             <a:fld id="{42C810F2-240D-47DD-AD54-6DDB515CABCA}" type="datetimeFigureOut">
               <a:rPr lang="en-US" smtClean="0"/>
-              <a:t>12/3/23</a:t>
+              <a:t>12/4/23</a:t>
             </a:fld>
             <a:endParaRPr lang="en-US"/>
           </a:p>
@@ -3905,6 +3919,6600 @@
       <p:bldP spid="2" grpId="0"/>
     </p:bldLst>
   </p:timing>
+</p:sld>
+</file>
+
+<file path=ppt/slides/slide10.xml><?xml version="1.0" encoding="utf-8"?>
+<p:sld xmlns:a="http://schemas.openxmlformats.org/drawingml/2006/main" xmlns:r="http://schemas.openxmlformats.org/officeDocument/2006/relationships" xmlns:p="http://schemas.openxmlformats.org/presentationml/2006/main">
+  <p:cSld>
+    <p:bg>
+      <p:bgPr>
+        <a:solidFill>
+          <a:schemeClr val="bg1"/>
+        </a:solidFill>
+        <a:effectLst/>
+      </p:bgPr>
+    </p:bg>
+    <p:spTree>
+      <p:nvGrpSpPr>
+        <p:cNvPr id="1" name=""/>
+        <p:cNvGrpSpPr/>
+        <p:nvPr/>
+      </p:nvGrpSpPr>
+      <p:grpSpPr>
+        <a:xfrm>
+          <a:off x="0" y="0"/>
+          <a:ext cx="0" cy="0"/>
+          <a:chOff x="0" y="0"/>
+          <a:chExt cx="0" cy="0"/>
+        </a:xfrm>
+      </p:grpSpPr>
+      <p:sp useBgFill="1">
+        <p:nvSpPr>
+          <p:cNvPr id="9" name="Rectangle 8">
+            <a:extLst>
+              <a:ext uri="{FF2B5EF4-FFF2-40B4-BE49-F238E27FC236}">
+                <a16:creationId xmlns:a16="http://schemas.microsoft.com/office/drawing/2014/main" id="{2C61293E-6EBE-43EF-A52C-9BEBFD7679D4}"/>
+              </a:ext>
+              <a:ext uri="{C183D7F6-B498-43B3-948B-1728B52AA6E4}">
+                <adec:decorative xmlns:adec="http://schemas.microsoft.com/office/drawing/2017/decorative" val="1"/>
+              </a:ext>
+            </a:extLst>
+          </p:cNvPr>
+          <p:cNvSpPr>
+            <a:spLocks noGrp="1" noRot="1" noChangeAspect="1" noMove="1" noResize="1" noEditPoints="1" noAdjustHandles="1" noChangeArrowheads="1" noChangeShapeType="1" noTextEdit="1"/>
+          </p:cNvSpPr>
+          <p:nvPr>
+            <p:extLst>
+              <p:ext uri="{386F3935-93C4-4BCD-93E2-E3B085C9AB24}">
+                <p16:designElem xmlns:p16="http://schemas.microsoft.com/office/powerpoint/2015/main" val="1"/>
+              </p:ext>
+            </p:extLst>
+          </p:nvPr>
+        </p:nvSpPr>
+        <p:spPr>
+          <a:xfrm>
+            <a:off x="0" y="0"/>
+            <a:ext cx="12188952" cy="6858000"/>
+          </a:xfrm>
+          <a:prstGeom prst="rect">
+            <a:avLst/>
+          </a:prstGeom>
+          <a:ln>
+            <a:noFill/>
+          </a:ln>
+        </p:spPr>
+        <p:style>
+          <a:lnRef idx="2">
+            <a:schemeClr val="accent1">
+              <a:shade val="50000"/>
+            </a:schemeClr>
+          </a:lnRef>
+          <a:fillRef idx="1">
+            <a:schemeClr val="accent1"/>
+          </a:fillRef>
+          <a:effectRef idx="0">
+            <a:schemeClr val="accent1"/>
+          </a:effectRef>
+          <a:fontRef idx="minor">
+            <a:schemeClr val="lt1"/>
+          </a:fontRef>
+        </p:style>
+        <p:txBody>
+          <a:bodyPr rtlCol="0" anchor="ctr"/>
+          <a:lstStyle/>
+          <a:p>
+            <a:pPr algn="ctr"/>
+            <a:endParaRPr lang="en-US"/>
+          </a:p>
+        </p:txBody>
+      </p:sp>
+      <p:sp>
+        <p:nvSpPr>
+          <p:cNvPr id="2" name="Title 1">
+            <a:extLst>
+              <a:ext uri="{FF2B5EF4-FFF2-40B4-BE49-F238E27FC236}">
+                <a16:creationId xmlns:a16="http://schemas.microsoft.com/office/drawing/2014/main" id="{78CA6976-3C94-7225-F4F2-B2B95AA2AD3F}"/>
+              </a:ext>
+            </a:extLst>
+          </p:cNvPr>
+          <p:cNvSpPr>
+            <a:spLocks noGrp="1"/>
+          </p:cNvSpPr>
+          <p:nvPr>
+            <p:ph type="title"/>
+          </p:nvPr>
+        </p:nvSpPr>
+        <p:spPr>
+          <a:xfrm>
+            <a:off x="5297762" y="329184"/>
+            <a:ext cx="6251110" cy="1783080"/>
+          </a:xfrm>
+        </p:spPr>
+        <p:txBody>
+          <a:bodyPr anchor="b">
+            <a:normAutofit/>
+          </a:bodyPr>
+          <a:lstStyle/>
+          <a:p>
+            <a:r>
+              <a:rPr lang="en-CH" sz="5400" dirty="0"/>
+              <a:t>Question</a:t>
+            </a:r>
+          </a:p>
+        </p:txBody>
+      </p:sp>
+      <p:pic>
+        <p:nvPicPr>
+          <p:cNvPr id="5" name="Picture 4" descr="Many question marks on black background">
+            <a:extLst>
+              <a:ext uri="{FF2B5EF4-FFF2-40B4-BE49-F238E27FC236}">
+                <a16:creationId xmlns:a16="http://schemas.microsoft.com/office/drawing/2014/main" id="{1E2CD7CE-575E-E731-1428-4E1C0EEEBA01}"/>
+              </a:ext>
+            </a:extLst>
+          </p:cNvPr>
+          <p:cNvPicPr>
+            <a:picLocks noChangeAspect="1"/>
+          </p:cNvPicPr>
+          <p:nvPr/>
+        </p:nvPicPr>
+        <p:blipFill rotWithShape="1">
+          <a:blip r:embed="rId2"/>
+          <a:srcRect l="58573" r="2" b="2"/>
+          <a:stretch/>
+        </p:blipFill>
+        <p:spPr>
+          <a:xfrm>
+            <a:off x="1" y="10"/>
+            <a:ext cx="4657344" cy="6857990"/>
+          </a:xfrm>
+          <a:custGeom>
+            <a:avLst/>
+            <a:gdLst/>
+            <a:ahLst/>
+            <a:cxnLst/>
+            <a:rect l="l" t="t" r="r" b="b"/>
+            <a:pathLst>
+              <a:path w="4657344" h="6858000">
+                <a:moveTo>
+                  <a:pt x="0" y="0"/>
+                </a:moveTo>
+                <a:lnTo>
+                  <a:pt x="3429755" y="0"/>
+                </a:lnTo>
+                <a:lnTo>
+                  <a:pt x="3526016" y="148742"/>
+                </a:lnTo>
+                <a:cubicBezTo>
+                  <a:pt x="3657740" y="365513"/>
+                  <a:pt x="3777402" y="589569"/>
+                  <a:pt x="3886489" y="819975"/>
+                </a:cubicBezTo>
+                <a:cubicBezTo>
+                  <a:pt x="3891856" y="833492"/>
+                  <a:pt x="3900663" y="845393"/>
+                  <a:pt x="3912049" y="854514"/>
+                </a:cubicBezTo>
+                <a:cubicBezTo>
+                  <a:pt x="3897352" y="819849"/>
+                  <a:pt x="3883037" y="784928"/>
+                  <a:pt x="3868083" y="750263"/>
+                </a:cubicBezTo>
+                <a:cubicBezTo>
+                  <a:pt x="3806989" y="608712"/>
+                  <a:pt x="3742478" y="469145"/>
+                  <a:pt x="3674155" y="331786"/>
+                </a:cubicBezTo>
+                <a:lnTo>
+                  <a:pt x="3496656" y="0"/>
+                </a:lnTo>
+                <a:lnTo>
+                  <a:pt x="3554371" y="0"/>
+                </a:lnTo>
+                <a:lnTo>
+                  <a:pt x="3661621" y="196614"/>
+                </a:lnTo>
+                <a:cubicBezTo>
+                  <a:pt x="3856899" y="573253"/>
+                  <a:pt x="4021071" y="966066"/>
+                  <a:pt x="4161279" y="1371196"/>
+                </a:cubicBezTo>
+                <a:cubicBezTo>
+                  <a:pt x="4379525" y="2007265"/>
+                  <a:pt x="4530141" y="2664286"/>
+                  <a:pt x="4610660" y="3331516"/>
+                </a:cubicBezTo>
+                <a:cubicBezTo>
+                  <a:pt x="4652837" y="3672965"/>
+                  <a:pt x="4671625" y="4013908"/>
+                  <a:pt x="4645040" y="4357388"/>
+                </a:cubicBezTo>
+                <a:cubicBezTo>
+                  <a:pt x="4613599" y="4758899"/>
+                  <a:pt x="4566181" y="5157998"/>
+                  <a:pt x="4485789" y="5552906"/>
+                </a:cubicBezTo>
+                <a:cubicBezTo>
+                  <a:pt x="4397121" y="5988893"/>
+                  <a:pt x="4276748" y="6414594"/>
+                  <a:pt x="4117769" y="6828295"/>
+                </a:cubicBezTo>
+                <a:lnTo>
+                  <a:pt x="4105288" y="6858000"/>
+                </a:lnTo>
+                <a:lnTo>
+                  <a:pt x="4052520" y="6858000"/>
+                </a:lnTo>
+                <a:lnTo>
+                  <a:pt x="4059369" y="6841549"/>
+                </a:lnTo>
+                <a:cubicBezTo>
+                  <a:pt x="4147276" y="6614016"/>
+                  <a:pt x="4224193" y="6380817"/>
+                  <a:pt x="4291518" y="6142729"/>
+                </a:cubicBezTo>
+                <a:cubicBezTo>
+                  <a:pt x="4350055" y="5935370"/>
+                  <a:pt x="4393256" y="5723695"/>
+                  <a:pt x="4443357" y="5513923"/>
+                </a:cubicBezTo>
+                <a:cubicBezTo>
+                  <a:pt x="4444541" y="5502788"/>
+                  <a:pt x="4445137" y="5491601"/>
+                  <a:pt x="4445146" y="5480401"/>
+                </a:cubicBezTo>
+                <a:cubicBezTo>
+                  <a:pt x="4408465" y="5607635"/>
+                  <a:pt x="4379196" y="5719759"/>
+                  <a:pt x="4344559" y="5830359"/>
+                </a:cubicBezTo>
+                <a:cubicBezTo>
+                  <a:pt x="4254261" y="6118381"/>
+                  <a:pt x="4150112" y="6398531"/>
+                  <a:pt x="4031702" y="6670527"/>
+                </a:cubicBezTo>
+                <a:lnTo>
+                  <a:pt x="3943824" y="6858000"/>
+                </a:lnTo>
+                <a:lnTo>
+                  <a:pt x="0" y="6858000"/>
+                </a:lnTo>
+                <a:close/>
+              </a:path>
+            </a:pathLst>
+          </a:custGeom>
+        </p:spPr>
+      </p:pic>
+      <p:sp>
+        <p:nvSpPr>
+          <p:cNvPr id="11" name="sketchy line">
+            <a:extLst>
+              <a:ext uri="{FF2B5EF4-FFF2-40B4-BE49-F238E27FC236}">
+                <a16:creationId xmlns:a16="http://schemas.microsoft.com/office/drawing/2014/main" id="{21540236-BFD5-4A9D-8840-4703E7F76825}"/>
+              </a:ext>
+              <a:ext uri="{C183D7F6-B498-43B3-948B-1728B52AA6E4}">
+                <adec:decorative xmlns:adec="http://schemas.microsoft.com/office/drawing/2017/decorative" val="1"/>
+              </a:ext>
+            </a:extLst>
+          </p:cNvPr>
+          <p:cNvSpPr>
+            <a:spLocks noGrp="1" noRot="1" noChangeAspect="1" noMove="1" noResize="1" noEditPoints="1" noAdjustHandles="1" noChangeArrowheads="1" noChangeShapeType="1" noTextEdit="1"/>
+          </p:cNvSpPr>
+          <p:nvPr>
+            <p:extLst>
+              <p:ext uri="{386F3935-93C4-4BCD-93E2-E3B085C9AB24}">
+                <p16:designElem xmlns:p16="http://schemas.microsoft.com/office/powerpoint/2015/main" val="1"/>
+              </p:ext>
+            </p:extLst>
+          </p:nvPr>
+        </p:nvSpPr>
+        <p:spPr>
+          <a:xfrm>
+            <a:off x="5297762" y="2374947"/>
+            <a:ext cx="4243589" cy="18288"/>
+          </a:xfrm>
+          <a:custGeom>
+            <a:avLst/>
+            <a:gdLst>
+              <a:gd name="connsiteX0" fmla="*/ 0 w 4243589"/>
+              <a:gd name="connsiteY0" fmla="*/ 0 h 18288"/>
+              <a:gd name="connsiteX1" fmla="*/ 478919 w 4243589"/>
+              <a:gd name="connsiteY1" fmla="*/ 0 h 18288"/>
+              <a:gd name="connsiteX2" fmla="*/ 957839 w 4243589"/>
+              <a:gd name="connsiteY2" fmla="*/ 0 h 18288"/>
+              <a:gd name="connsiteX3" fmla="*/ 1521630 w 4243589"/>
+              <a:gd name="connsiteY3" fmla="*/ 0 h 18288"/>
+              <a:gd name="connsiteX4" fmla="*/ 2212729 w 4243589"/>
+              <a:gd name="connsiteY4" fmla="*/ 0 h 18288"/>
+              <a:gd name="connsiteX5" fmla="*/ 2734084 w 4243589"/>
+              <a:gd name="connsiteY5" fmla="*/ 0 h 18288"/>
+              <a:gd name="connsiteX6" fmla="*/ 3255439 w 4243589"/>
+              <a:gd name="connsiteY6" fmla="*/ 0 h 18288"/>
+              <a:gd name="connsiteX7" fmla="*/ 4243589 w 4243589"/>
+              <a:gd name="connsiteY7" fmla="*/ 0 h 18288"/>
+              <a:gd name="connsiteX8" fmla="*/ 4243589 w 4243589"/>
+              <a:gd name="connsiteY8" fmla="*/ 18288 h 18288"/>
+              <a:gd name="connsiteX9" fmla="*/ 3594926 w 4243589"/>
+              <a:gd name="connsiteY9" fmla="*/ 18288 h 18288"/>
+              <a:gd name="connsiteX10" fmla="*/ 3073571 w 4243589"/>
+              <a:gd name="connsiteY10" fmla="*/ 18288 h 18288"/>
+              <a:gd name="connsiteX11" fmla="*/ 2552216 w 4243589"/>
+              <a:gd name="connsiteY11" fmla="*/ 18288 h 18288"/>
+              <a:gd name="connsiteX12" fmla="*/ 1903553 w 4243589"/>
+              <a:gd name="connsiteY12" fmla="*/ 18288 h 18288"/>
+              <a:gd name="connsiteX13" fmla="*/ 1212454 w 4243589"/>
+              <a:gd name="connsiteY13" fmla="*/ 18288 h 18288"/>
+              <a:gd name="connsiteX14" fmla="*/ 733535 w 4243589"/>
+              <a:gd name="connsiteY14" fmla="*/ 18288 h 18288"/>
+              <a:gd name="connsiteX15" fmla="*/ 0 w 4243589"/>
+              <a:gd name="connsiteY15" fmla="*/ 18288 h 18288"/>
+              <a:gd name="connsiteX16" fmla="*/ 0 w 4243589"/>
+              <a:gd name="connsiteY16" fmla="*/ 0 h 18288"/>
+            </a:gdLst>
+            <a:ahLst/>
+            <a:cxnLst>
+              <a:cxn ang="0">
+                <a:pos x="connsiteX0" y="connsiteY0"/>
+              </a:cxn>
+              <a:cxn ang="0">
+                <a:pos x="connsiteX1" y="connsiteY1"/>
+              </a:cxn>
+              <a:cxn ang="0">
+                <a:pos x="connsiteX2" y="connsiteY2"/>
+              </a:cxn>
+              <a:cxn ang="0">
+                <a:pos x="connsiteX3" y="connsiteY3"/>
+              </a:cxn>
+              <a:cxn ang="0">
+                <a:pos x="connsiteX4" y="connsiteY4"/>
+              </a:cxn>
+              <a:cxn ang="0">
+                <a:pos x="connsiteX5" y="connsiteY5"/>
+              </a:cxn>
+              <a:cxn ang="0">
+                <a:pos x="connsiteX6" y="connsiteY6"/>
+              </a:cxn>
+              <a:cxn ang="0">
+                <a:pos x="connsiteX7" y="connsiteY7"/>
+              </a:cxn>
+              <a:cxn ang="0">
+                <a:pos x="connsiteX8" y="connsiteY8"/>
+              </a:cxn>
+              <a:cxn ang="0">
+                <a:pos x="connsiteX9" y="connsiteY9"/>
+              </a:cxn>
+              <a:cxn ang="0">
+                <a:pos x="connsiteX10" y="connsiteY10"/>
+              </a:cxn>
+              <a:cxn ang="0">
+                <a:pos x="connsiteX11" y="connsiteY11"/>
+              </a:cxn>
+              <a:cxn ang="0">
+                <a:pos x="connsiteX12" y="connsiteY12"/>
+              </a:cxn>
+              <a:cxn ang="0">
+                <a:pos x="connsiteX13" y="connsiteY13"/>
+              </a:cxn>
+              <a:cxn ang="0">
+                <a:pos x="connsiteX14" y="connsiteY14"/>
+              </a:cxn>
+              <a:cxn ang="0">
+                <a:pos x="connsiteX15" y="connsiteY15"/>
+              </a:cxn>
+              <a:cxn ang="0">
+                <a:pos x="connsiteX16" y="connsiteY16"/>
+              </a:cxn>
+            </a:cxnLst>
+            <a:rect l="l" t="t" r="r" b="b"/>
+            <a:pathLst>
+              <a:path w="4243589" h="18288" fill="none" extrusionOk="0">
+                <a:moveTo>
+                  <a:pt x="0" y="0"/>
+                </a:moveTo>
+                <a:cubicBezTo>
+                  <a:pt x="213395" y="-21006"/>
+                  <a:pt x="307421" y="-18116"/>
+                  <a:pt x="478919" y="0"/>
+                </a:cubicBezTo>
+                <a:cubicBezTo>
+                  <a:pt x="650417" y="18116"/>
+                  <a:pt x="831092" y="-21237"/>
+                  <a:pt x="957839" y="0"/>
+                </a:cubicBezTo>
+                <a:cubicBezTo>
+                  <a:pt x="1084586" y="21237"/>
+                  <a:pt x="1301682" y="25124"/>
+                  <a:pt x="1521630" y="0"/>
+                </a:cubicBezTo>
+                <a:cubicBezTo>
+                  <a:pt x="1741578" y="-25124"/>
+                  <a:pt x="1970269" y="-29139"/>
+                  <a:pt x="2212729" y="0"/>
+                </a:cubicBezTo>
+                <a:cubicBezTo>
+                  <a:pt x="2455189" y="29139"/>
+                  <a:pt x="2558847" y="-4796"/>
+                  <a:pt x="2734084" y="0"/>
+                </a:cubicBezTo>
+                <a:cubicBezTo>
+                  <a:pt x="2909321" y="4796"/>
+                  <a:pt x="3097217" y="-13409"/>
+                  <a:pt x="3255439" y="0"/>
+                </a:cubicBezTo>
+                <a:cubicBezTo>
+                  <a:pt x="3413662" y="13409"/>
+                  <a:pt x="3979999" y="-10121"/>
+                  <a:pt x="4243589" y="0"/>
+                </a:cubicBezTo>
+                <a:cubicBezTo>
+                  <a:pt x="4244484" y="8974"/>
+                  <a:pt x="4243043" y="9359"/>
+                  <a:pt x="4243589" y="18288"/>
+                </a:cubicBezTo>
+                <a:cubicBezTo>
+                  <a:pt x="4058777" y="31246"/>
+                  <a:pt x="3910348" y="3158"/>
+                  <a:pt x="3594926" y="18288"/>
+                </a:cubicBezTo>
+                <a:cubicBezTo>
+                  <a:pt x="3279504" y="33418"/>
+                  <a:pt x="3319955" y="-3977"/>
+                  <a:pt x="3073571" y="18288"/>
+                </a:cubicBezTo>
+                <a:cubicBezTo>
+                  <a:pt x="2827187" y="40553"/>
+                  <a:pt x="2767387" y="1863"/>
+                  <a:pt x="2552216" y="18288"/>
+                </a:cubicBezTo>
+                <a:cubicBezTo>
+                  <a:pt x="2337046" y="34713"/>
+                  <a:pt x="2181871" y="19527"/>
+                  <a:pt x="1903553" y="18288"/>
+                </a:cubicBezTo>
+                <a:cubicBezTo>
+                  <a:pt x="1625235" y="17049"/>
+                  <a:pt x="1557672" y="24174"/>
+                  <a:pt x="1212454" y="18288"/>
+                </a:cubicBezTo>
+                <a:cubicBezTo>
+                  <a:pt x="867236" y="12402"/>
+                  <a:pt x="874382" y="15627"/>
+                  <a:pt x="733535" y="18288"/>
+                </a:cubicBezTo>
+                <a:cubicBezTo>
+                  <a:pt x="592688" y="20949"/>
+                  <a:pt x="183477" y="14753"/>
+                  <a:pt x="0" y="18288"/>
+                </a:cubicBezTo>
+                <a:cubicBezTo>
+                  <a:pt x="-229" y="14222"/>
+                  <a:pt x="509" y="5816"/>
+                  <a:pt x="0" y="0"/>
+                </a:cubicBezTo>
+                <a:close/>
+              </a:path>
+              <a:path w="4243589" h="18288" stroke="0" extrusionOk="0">
+                <a:moveTo>
+                  <a:pt x="0" y="0"/>
+                </a:moveTo>
+                <a:cubicBezTo>
+                  <a:pt x="143690" y="16630"/>
+                  <a:pt x="266667" y="14847"/>
+                  <a:pt x="521355" y="0"/>
+                </a:cubicBezTo>
+                <a:cubicBezTo>
+                  <a:pt x="776043" y="-14847"/>
+                  <a:pt x="814491" y="-17363"/>
+                  <a:pt x="1000275" y="0"/>
+                </a:cubicBezTo>
+                <a:cubicBezTo>
+                  <a:pt x="1186059" y="17363"/>
+                  <a:pt x="1352504" y="-23507"/>
+                  <a:pt x="1521630" y="0"/>
+                </a:cubicBezTo>
+                <a:cubicBezTo>
+                  <a:pt x="1690756" y="23507"/>
+                  <a:pt x="1889525" y="5871"/>
+                  <a:pt x="2127857" y="0"/>
+                </a:cubicBezTo>
+                <a:cubicBezTo>
+                  <a:pt x="2366189" y="-5871"/>
+                  <a:pt x="2620628" y="-27997"/>
+                  <a:pt x="2776520" y="0"/>
+                </a:cubicBezTo>
+                <a:cubicBezTo>
+                  <a:pt x="2932412" y="27997"/>
+                  <a:pt x="3131683" y="-25073"/>
+                  <a:pt x="3467618" y="0"/>
+                </a:cubicBezTo>
+                <a:cubicBezTo>
+                  <a:pt x="3803553" y="25073"/>
+                  <a:pt x="4017371" y="3071"/>
+                  <a:pt x="4243589" y="0"/>
+                </a:cubicBezTo>
+                <a:cubicBezTo>
+                  <a:pt x="4243134" y="6162"/>
+                  <a:pt x="4243492" y="11775"/>
+                  <a:pt x="4243589" y="18288"/>
+                </a:cubicBezTo>
+                <a:cubicBezTo>
+                  <a:pt x="4017834" y="-5779"/>
+                  <a:pt x="3834586" y="13376"/>
+                  <a:pt x="3594926" y="18288"/>
+                </a:cubicBezTo>
+                <a:cubicBezTo>
+                  <a:pt x="3355266" y="23200"/>
+                  <a:pt x="3204179" y="2869"/>
+                  <a:pt x="2903827" y="18288"/>
+                </a:cubicBezTo>
+                <a:cubicBezTo>
+                  <a:pt x="2603475" y="33707"/>
+                  <a:pt x="2526187" y="46187"/>
+                  <a:pt x="2212729" y="18288"/>
+                </a:cubicBezTo>
+                <a:cubicBezTo>
+                  <a:pt x="1899271" y="-9611"/>
+                  <a:pt x="1966289" y="29692"/>
+                  <a:pt x="1733809" y="18288"/>
+                </a:cubicBezTo>
+                <a:cubicBezTo>
+                  <a:pt x="1501329" y="6884"/>
+                  <a:pt x="1343612" y="12492"/>
+                  <a:pt x="1085146" y="18288"/>
+                </a:cubicBezTo>
+                <a:cubicBezTo>
+                  <a:pt x="826680" y="24084"/>
+                  <a:pt x="778184" y="35607"/>
+                  <a:pt x="521355" y="18288"/>
+                </a:cubicBezTo>
+                <a:cubicBezTo>
+                  <a:pt x="264526" y="969"/>
+                  <a:pt x="120277" y="4268"/>
+                  <a:pt x="0" y="18288"/>
+                </a:cubicBezTo>
+                <a:cubicBezTo>
+                  <a:pt x="766" y="10800"/>
+                  <a:pt x="-457" y="8180"/>
+                  <a:pt x="0" y="0"/>
+                </a:cubicBezTo>
+                <a:close/>
+              </a:path>
+            </a:pathLst>
+          </a:custGeom>
+          <a:solidFill>
+            <a:schemeClr val="accent2"/>
+          </a:solidFill>
+          <a:ln w="44450" cap="rnd">
+            <a:solidFill>
+              <a:schemeClr val="accent2"/>
+            </a:solidFill>
+            <a:round/>
+            <a:extLst>
+              <a:ext uri="{C807C97D-BFC1-408E-A445-0C87EB9F89A2}">
+                <ask:lineSketchStyleProps xmlns:ask="http://schemas.microsoft.com/office/drawing/2018/sketchyshapes" sd="2727557108">
+                  <a:prstGeom prst="rect">
+                    <a:avLst/>
+                  </a:prstGeom>
+                  <ask:type>
+                    <ask:lineSketchFreehand/>
+                  </ask:type>
+                </ask:lineSketchStyleProps>
+              </a:ext>
+            </a:extLst>
+          </a:ln>
+        </p:spPr>
+        <p:style>
+          <a:lnRef idx="2">
+            <a:schemeClr val="accent1">
+              <a:shade val="50000"/>
+            </a:schemeClr>
+          </a:lnRef>
+          <a:fillRef idx="1">
+            <a:schemeClr val="accent1"/>
+          </a:fillRef>
+          <a:effectRef idx="0">
+            <a:schemeClr val="accent1"/>
+          </a:effectRef>
+          <a:fontRef idx="minor">
+            <a:schemeClr val="lt1"/>
+          </a:fontRef>
+        </p:style>
+        <p:txBody>
+          <a:bodyPr rtlCol="0" anchor="ctr"/>
+          <a:lstStyle/>
+          <a:p>
+            <a:pPr algn="ctr"/>
+            <a:endParaRPr lang="en-US"/>
+          </a:p>
+        </p:txBody>
+      </p:sp>
+      <p:sp>
+        <p:nvSpPr>
+          <p:cNvPr id="3" name="Content Placeholder 2">
+            <a:extLst>
+              <a:ext uri="{FF2B5EF4-FFF2-40B4-BE49-F238E27FC236}">
+                <a16:creationId xmlns:a16="http://schemas.microsoft.com/office/drawing/2014/main" id="{E158DE29-B945-C52C-772E-020B430F3279}"/>
+              </a:ext>
+            </a:extLst>
+          </p:cNvPr>
+          <p:cNvSpPr>
+            <a:spLocks noGrp="1"/>
+          </p:cNvSpPr>
+          <p:nvPr>
+            <p:ph idx="1"/>
+          </p:nvPr>
+        </p:nvSpPr>
+        <p:spPr>
+          <a:xfrm>
+            <a:off x="5297762" y="2706624"/>
+            <a:ext cx="6251110" cy="3483864"/>
+          </a:xfrm>
+        </p:spPr>
+        <p:txBody>
+          <a:bodyPr>
+            <a:normAutofit/>
+          </a:bodyPr>
+          <a:lstStyle/>
+          <a:p>
+            <a:pPr marL="457200" lvl="1" indent="0" algn="l">
+              <a:buNone/>
+            </a:pPr>
+            <a:r>
+              <a:rPr lang="en-GB" dirty="0"/>
+              <a:t>Your application requires an immutable ledger for traceability and auditing purposes. Which AWS database service is specifically designed for this use case?</a:t>
+            </a:r>
+            <a:br>
+              <a:rPr lang="en-GB" dirty="0"/>
+            </a:br>
+            <a:endParaRPr lang="en-CH" dirty="0"/>
+          </a:p>
+        </p:txBody>
+      </p:sp>
+    </p:spTree>
+    <p:extLst>
+      <p:ext uri="{BB962C8B-B14F-4D97-AF65-F5344CB8AC3E}">
+        <p14:creationId xmlns:p14="http://schemas.microsoft.com/office/powerpoint/2010/main" val="3767118019"/>
+      </p:ext>
+    </p:extLst>
+  </p:cSld>
+  <p:clrMapOvr>
+    <a:masterClrMapping/>
+  </p:clrMapOvr>
+</p:sld>
+</file>
+
+<file path=ppt/slides/slide11.xml><?xml version="1.0" encoding="utf-8"?>
+<p:sld xmlns:a="http://schemas.openxmlformats.org/drawingml/2006/main" xmlns:r="http://schemas.openxmlformats.org/officeDocument/2006/relationships" xmlns:p="http://schemas.openxmlformats.org/presentationml/2006/main">
+  <p:cSld>
+    <p:bg>
+      <p:bgPr>
+        <a:solidFill>
+          <a:schemeClr val="bg1"/>
+        </a:solidFill>
+        <a:effectLst/>
+      </p:bgPr>
+    </p:bg>
+    <p:spTree>
+      <p:nvGrpSpPr>
+        <p:cNvPr id="1" name=""/>
+        <p:cNvGrpSpPr/>
+        <p:nvPr/>
+      </p:nvGrpSpPr>
+      <p:grpSpPr>
+        <a:xfrm>
+          <a:off x="0" y="0"/>
+          <a:ext cx="0" cy="0"/>
+          <a:chOff x="0" y="0"/>
+          <a:chExt cx="0" cy="0"/>
+        </a:xfrm>
+      </p:grpSpPr>
+      <p:sp useBgFill="1">
+        <p:nvSpPr>
+          <p:cNvPr id="9" name="Rectangle 8">
+            <a:extLst>
+              <a:ext uri="{FF2B5EF4-FFF2-40B4-BE49-F238E27FC236}">
+                <a16:creationId xmlns:a16="http://schemas.microsoft.com/office/drawing/2014/main" id="{2C61293E-6EBE-43EF-A52C-9BEBFD7679D4}"/>
+              </a:ext>
+              <a:ext uri="{C183D7F6-B498-43B3-948B-1728B52AA6E4}">
+                <adec:decorative xmlns:adec="http://schemas.microsoft.com/office/drawing/2017/decorative" val="1"/>
+              </a:ext>
+            </a:extLst>
+          </p:cNvPr>
+          <p:cNvSpPr>
+            <a:spLocks noGrp="1" noRot="1" noChangeAspect="1" noMove="1" noResize="1" noEditPoints="1" noAdjustHandles="1" noChangeArrowheads="1" noChangeShapeType="1" noTextEdit="1"/>
+          </p:cNvSpPr>
+          <p:nvPr>
+            <p:extLst>
+              <p:ext uri="{386F3935-93C4-4BCD-93E2-E3B085C9AB24}">
+                <p16:designElem xmlns:p16="http://schemas.microsoft.com/office/powerpoint/2015/main" val="1"/>
+              </p:ext>
+            </p:extLst>
+          </p:nvPr>
+        </p:nvSpPr>
+        <p:spPr>
+          <a:xfrm>
+            <a:off x="0" y="0"/>
+            <a:ext cx="12188952" cy="6858000"/>
+          </a:xfrm>
+          <a:prstGeom prst="rect">
+            <a:avLst/>
+          </a:prstGeom>
+          <a:ln>
+            <a:noFill/>
+          </a:ln>
+        </p:spPr>
+        <p:style>
+          <a:lnRef idx="2">
+            <a:schemeClr val="accent1">
+              <a:shade val="50000"/>
+            </a:schemeClr>
+          </a:lnRef>
+          <a:fillRef idx="1">
+            <a:schemeClr val="accent1"/>
+          </a:fillRef>
+          <a:effectRef idx="0">
+            <a:schemeClr val="accent1"/>
+          </a:effectRef>
+          <a:fontRef idx="minor">
+            <a:schemeClr val="lt1"/>
+          </a:fontRef>
+        </p:style>
+        <p:txBody>
+          <a:bodyPr rtlCol="0" anchor="ctr"/>
+          <a:lstStyle/>
+          <a:p>
+            <a:pPr algn="ctr"/>
+            <a:endParaRPr lang="en-US"/>
+          </a:p>
+        </p:txBody>
+      </p:sp>
+      <p:sp>
+        <p:nvSpPr>
+          <p:cNvPr id="2" name="Title 1">
+            <a:extLst>
+              <a:ext uri="{FF2B5EF4-FFF2-40B4-BE49-F238E27FC236}">
+                <a16:creationId xmlns:a16="http://schemas.microsoft.com/office/drawing/2014/main" id="{78CA6976-3C94-7225-F4F2-B2B95AA2AD3F}"/>
+              </a:ext>
+            </a:extLst>
+          </p:cNvPr>
+          <p:cNvSpPr>
+            <a:spLocks noGrp="1"/>
+          </p:cNvSpPr>
+          <p:nvPr>
+            <p:ph type="title"/>
+          </p:nvPr>
+        </p:nvSpPr>
+        <p:spPr>
+          <a:xfrm>
+            <a:off x="5297762" y="329184"/>
+            <a:ext cx="6251110" cy="1783080"/>
+          </a:xfrm>
+        </p:spPr>
+        <p:txBody>
+          <a:bodyPr anchor="b">
+            <a:normAutofit/>
+          </a:bodyPr>
+          <a:lstStyle/>
+          <a:p>
+            <a:r>
+              <a:rPr lang="en-CH" sz="5400" dirty="0"/>
+              <a:t>Question</a:t>
+            </a:r>
+          </a:p>
+        </p:txBody>
+      </p:sp>
+      <p:pic>
+        <p:nvPicPr>
+          <p:cNvPr id="5" name="Picture 4" descr="Many question marks on black background">
+            <a:extLst>
+              <a:ext uri="{FF2B5EF4-FFF2-40B4-BE49-F238E27FC236}">
+                <a16:creationId xmlns:a16="http://schemas.microsoft.com/office/drawing/2014/main" id="{1E2CD7CE-575E-E731-1428-4E1C0EEEBA01}"/>
+              </a:ext>
+            </a:extLst>
+          </p:cNvPr>
+          <p:cNvPicPr>
+            <a:picLocks noChangeAspect="1"/>
+          </p:cNvPicPr>
+          <p:nvPr/>
+        </p:nvPicPr>
+        <p:blipFill rotWithShape="1">
+          <a:blip r:embed="rId2"/>
+          <a:srcRect l="58573" r="2" b="2"/>
+          <a:stretch/>
+        </p:blipFill>
+        <p:spPr>
+          <a:xfrm>
+            <a:off x="1" y="10"/>
+            <a:ext cx="4657344" cy="6857990"/>
+          </a:xfrm>
+          <a:custGeom>
+            <a:avLst/>
+            <a:gdLst/>
+            <a:ahLst/>
+            <a:cxnLst/>
+            <a:rect l="l" t="t" r="r" b="b"/>
+            <a:pathLst>
+              <a:path w="4657344" h="6858000">
+                <a:moveTo>
+                  <a:pt x="0" y="0"/>
+                </a:moveTo>
+                <a:lnTo>
+                  <a:pt x="3429755" y="0"/>
+                </a:lnTo>
+                <a:lnTo>
+                  <a:pt x="3526016" y="148742"/>
+                </a:lnTo>
+                <a:cubicBezTo>
+                  <a:pt x="3657740" y="365513"/>
+                  <a:pt x="3777402" y="589569"/>
+                  <a:pt x="3886489" y="819975"/>
+                </a:cubicBezTo>
+                <a:cubicBezTo>
+                  <a:pt x="3891856" y="833492"/>
+                  <a:pt x="3900663" y="845393"/>
+                  <a:pt x="3912049" y="854514"/>
+                </a:cubicBezTo>
+                <a:cubicBezTo>
+                  <a:pt x="3897352" y="819849"/>
+                  <a:pt x="3883037" y="784928"/>
+                  <a:pt x="3868083" y="750263"/>
+                </a:cubicBezTo>
+                <a:cubicBezTo>
+                  <a:pt x="3806989" y="608712"/>
+                  <a:pt x="3742478" y="469145"/>
+                  <a:pt x="3674155" y="331786"/>
+                </a:cubicBezTo>
+                <a:lnTo>
+                  <a:pt x="3496656" y="0"/>
+                </a:lnTo>
+                <a:lnTo>
+                  <a:pt x="3554371" y="0"/>
+                </a:lnTo>
+                <a:lnTo>
+                  <a:pt x="3661621" y="196614"/>
+                </a:lnTo>
+                <a:cubicBezTo>
+                  <a:pt x="3856899" y="573253"/>
+                  <a:pt x="4021071" y="966066"/>
+                  <a:pt x="4161279" y="1371196"/>
+                </a:cubicBezTo>
+                <a:cubicBezTo>
+                  <a:pt x="4379525" y="2007265"/>
+                  <a:pt x="4530141" y="2664286"/>
+                  <a:pt x="4610660" y="3331516"/>
+                </a:cubicBezTo>
+                <a:cubicBezTo>
+                  <a:pt x="4652837" y="3672965"/>
+                  <a:pt x="4671625" y="4013908"/>
+                  <a:pt x="4645040" y="4357388"/>
+                </a:cubicBezTo>
+                <a:cubicBezTo>
+                  <a:pt x="4613599" y="4758899"/>
+                  <a:pt x="4566181" y="5157998"/>
+                  <a:pt x="4485789" y="5552906"/>
+                </a:cubicBezTo>
+                <a:cubicBezTo>
+                  <a:pt x="4397121" y="5988893"/>
+                  <a:pt x="4276748" y="6414594"/>
+                  <a:pt x="4117769" y="6828295"/>
+                </a:cubicBezTo>
+                <a:lnTo>
+                  <a:pt x="4105288" y="6858000"/>
+                </a:lnTo>
+                <a:lnTo>
+                  <a:pt x="4052520" y="6858000"/>
+                </a:lnTo>
+                <a:lnTo>
+                  <a:pt x="4059369" y="6841549"/>
+                </a:lnTo>
+                <a:cubicBezTo>
+                  <a:pt x="4147276" y="6614016"/>
+                  <a:pt x="4224193" y="6380817"/>
+                  <a:pt x="4291518" y="6142729"/>
+                </a:cubicBezTo>
+                <a:cubicBezTo>
+                  <a:pt x="4350055" y="5935370"/>
+                  <a:pt x="4393256" y="5723695"/>
+                  <a:pt x="4443357" y="5513923"/>
+                </a:cubicBezTo>
+                <a:cubicBezTo>
+                  <a:pt x="4444541" y="5502788"/>
+                  <a:pt x="4445137" y="5491601"/>
+                  <a:pt x="4445146" y="5480401"/>
+                </a:cubicBezTo>
+                <a:cubicBezTo>
+                  <a:pt x="4408465" y="5607635"/>
+                  <a:pt x="4379196" y="5719759"/>
+                  <a:pt x="4344559" y="5830359"/>
+                </a:cubicBezTo>
+                <a:cubicBezTo>
+                  <a:pt x="4254261" y="6118381"/>
+                  <a:pt x="4150112" y="6398531"/>
+                  <a:pt x="4031702" y="6670527"/>
+                </a:cubicBezTo>
+                <a:lnTo>
+                  <a:pt x="3943824" y="6858000"/>
+                </a:lnTo>
+                <a:lnTo>
+                  <a:pt x="0" y="6858000"/>
+                </a:lnTo>
+                <a:close/>
+              </a:path>
+            </a:pathLst>
+          </a:custGeom>
+        </p:spPr>
+      </p:pic>
+      <p:sp>
+        <p:nvSpPr>
+          <p:cNvPr id="11" name="sketchy line">
+            <a:extLst>
+              <a:ext uri="{FF2B5EF4-FFF2-40B4-BE49-F238E27FC236}">
+                <a16:creationId xmlns:a16="http://schemas.microsoft.com/office/drawing/2014/main" id="{21540236-BFD5-4A9D-8840-4703E7F76825}"/>
+              </a:ext>
+              <a:ext uri="{C183D7F6-B498-43B3-948B-1728B52AA6E4}">
+                <adec:decorative xmlns:adec="http://schemas.microsoft.com/office/drawing/2017/decorative" val="1"/>
+              </a:ext>
+            </a:extLst>
+          </p:cNvPr>
+          <p:cNvSpPr>
+            <a:spLocks noGrp="1" noRot="1" noChangeAspect="1" noMove="1" noResize="1" noEditPoints="1" noAdjustHandles="1" noChangeArrowheads="1" noChangeShapeType="1" noTextEdit="1"/>
+          </p:cNvSpPr>
+          <p:nvPr>
+            <p:extLst>
+              <p:ext uri="{386F3935-93C4-4BCD-93E2-E3B085C9AB24}">
+                <p16:designElem xmlns:p16="http://schemas.microsoft.com/office/powerpoint/2015/main" val="1"/>
+              </p:ext>
+            </p:extLst>
+          </p:nvPr>
+        </p:nvSpPr>
+        <p:spPr>
+          <a:xfrm>
+            <a:off x="5297762" y="2374947"/>
+            <a:ext cx="4243589" cy="18288"/>
+          </a:xfrm>
+          <a:custGeom>
+            <a:avLst/>
+            <a:gdLst>
+              <a:gd name="connsiteX0" fmla="*/ 0 w 4243589"/>
+              <a:gd name="connsiteY0" fmla="*/ 0 h 18288"/>
+              <a:gd name="connsiteX1" fmla="*/ 478919 w 4243589"/>
+              <a:gd name="connsiteY1" fmla="*/ 0 h 18288"/>
+              <a:gd name="connsiteX2" fmla="*/ 957839 w 4243589"/>
+              <a:gd name="connsiteY2" fmla="*/ 0 h 18288"/>
+              <a:gd name="connsiteX3" fmla="*/ 1521630 w 4243589"/>
+              <a:gd name="connsiteY3" fmla="*/ 0 h 18288"/>
+              <a:gd name="connsiteX4" fmla="*/ 2212729 w 4243589"/>
+              <a:gd name="connsiteY4" fmla="*/ 0 h 18288"/>
+              <a:gd name="connsiteX5" fmla="*/ 2734084 w 4243589"/>
+              <a:gd name="connsiteY5" fmla="*/ 0 h 18288"/>
+              <a:gd name="connsiteX6" fmla="*/ 3255439 w 4243589"/>
+              <a:gd name="connsiteY6" fmla="*/ 0 h 18288"/>
+              <a:gd name="connsiteX7" fmla="*/ 4243589 w 4243589"/>
+              <a:gd name="connsiteY7" fmla="*/ 0 h 18288"/>
+              <a:gd name="connsiteX8" fmla="*/ 4243589 w 4243589"/>
+              <a:gd name="connsiteY8" fmla="*/ 18288 h 18288"/>
+              <a:gd name="connsiteX9" fmla="*/ 3594926 w 4243589"/>
+              <a:gd name="connsiteY9" fmla="*/ 18288 h 18288"/>
+              <a:gd name="connsiteX10" fmla="*/ 3073571 w 4243589"/>
+              <a:gd name="connsiteY10" fmla="*/ 18288 h 18288"/>
+              <a:gd name="connsiteX11" fmla="*/ 2552216 w 4243589"/>
+              <a:gd name="connsiteY11" fmla="*/ 18288 h 18288"/>
+              <a:gd name="connsiteX12" fmla="*/ 1903553 w 4243589"/>
+              <a:gd name="connsiteY12" fmla="*/ 18288 h 18288"/>
+              <a:gd name="connsiteX13" fmla="*/ 1212454 w 4243589"/>
+              <a:gd name="connsiteY13" fmla="*/ 18288 h 18288"/>
+              <a:gd name="connsiteX14" fmla="*/ 733535 w 4243589"/>
+              <a:gd name="connsiteY14" fmla="*/ 18288 h 18288"/>
+              <a:gd name="connsiteX15" fmla="*/ 0 w 4243589"/>
+              <a:gd name="connsiteY15" fmla="*/ 18288 h 18288"/>
+              <a:gd name="connsiteX16" fmla="*/ 0 w 4243589"/>
+              <a:gd name="connsiteY16" fmla="*/ 0 h 18288"/>
+            </a:gdLst>
+            <a:ahLst/>
+            <a:cxnLst>
+              <a:cxn ang="0">
+                <a:pos x="connsiteX0" y="connsiteY0"/>
+              </a:cxn>
+              <a:cxn ang="0">
+                <a:pos x="connsiteX1" y="connsiteY1"/>
+              </a:cxn>
+              <a:cxn ang="0">
+                <a:pos x="connsiteX2" y="connsiteY2"/>
+              </a:cxn>
+              <a:cxn ang="0">
+                <a:pos x="connsiteX3" y="connsiteY3"/>
+              </a:cxn>
+              <a:cxn ang="0">
+                <a:pos x="connsiteX4" y="connsiteY4"/>
+              </a:cxn>
+              <a:cxn ang="0">
+                <a:pos x="connsiteX5" y="connsiteY5"/>
+              </a:cxn>
+              <a:cxn ang="0">
+                <a:pos x="connsiteX6" y="connsiteY6"/>
+              </a:cxn>
+              <a:cxn ang="0">
+                <a:pos x="connsiteX7" y="connsiteY7"/>
+              </a:cxn>
+              <a:cxn ang="0">
+                <a:pos x="connsiteX8" y="connsiteY8"/>
+              </a:cxn>
+              <a:cxn ang="0">
+                <a:pos x="connsiteX9" y="connsiteY9"/>
+              </a:cxn>
+              <a:cxn ang="0">
+                <a:pos x="connsiteX10" y="connsiteY10"/>
+              </a:cxn>
+              <a:cxn ang="0">
+                <a:pos x="connsiteX11" y="connsiteY11"/>
+              </a:cxn>
+              <a:cxn ang="0">
+                <a:pos x="connsiteX12" y="connsiteY12"/>
+              </a:cxn>
+              <a:cxn ang="0">
+                <a:pos x="connsiteX13" y="connsiteY13"/>
+              </a:cxn>
+              <a:cxn ang="0">
+                <a:pos x="connsiteX14" y="connsiteY14"/>
+              </a:cxn>
+              <a:cxn ang="0">
+                <a:pos x="connsiteX15" y="connsiteY15"/>
+              </a:cxn>
+              <a:cxn ang="0">
+                <a:pos x="connsiteX16" y="connsiteY16"/>
+              </a:cxn>
+            </a:cxnLst>
+            <a:rect l="l" t="t" r="r" b="b"/>
+            <a:pathLst>
+              <a:path w="4243589" h="18288" fill="none" extrusionOk="0">
+                <a:moveTo>
+                  <a:pt x="0" y="0"/>
+                </a:moveTo>
+                <a:cubicBezTo>
+                  <a:pt x="213395" y="-21006"/>
+                  <a:pt x="307421" y="-18116"/>
+                  <a:pt x="478919" y="0"/>
+                </a:cubicBezTo>
+                <a:cubicBezTo>
+                  <a:pt x="650417" y="18116"/>
+                  <a:pt x="831092" y="-21237"/>
+                  <a:pt x="957839" y="0"/>
+                </a:cubicBezTo>
+                <a:cubicBezTo>
+                  <a:pt x="1084586" y="21237"/>
+                  <a:pt x="1301682" y="25124"/>
+                  <a:pt x="1521630" y="0"/>
+                </a:cubicBezTo>
+                <a:cubicBezTo>
+                  <a:pt x="1741578" y="-25124"/>
+                  <a:pt x="1970269" y="-29139"/>
+                  <a:pt x="2212729" y="0"/>
+                </a:cubicBezTo>
+                <a:cubicBezTo>
+                  <a:pt x="2455189" y="29139"/>
+                  <a:pt x="2558847" y="-4796"/>
+                  <a:pt x="2734084" y="0"/>
+                </a:cubicBezTo>
+                <a:cubicBezTo>
+                  <a:pt x="2909321" y="4796"/>
+                  <a:pt x="3097217" y="-13409"/>
+                  <a:pt x="3255439" y="0"/>
+                </a:cubicBezTo>
+                <a:cubicBezTo>
+                  <a:pt x="3413662" y="13409"/>
+                  <a:pt x="3979999" y="-10121"/>
+                  <a:pt x="4243589" y="0"/>
+                </a:cubicBezTo>
+                <a:cubicBezTo>
+                  <a:pt x="4244484" y="8974"/>
+                  <a:pt x="4243043" y="9359"/>
+                  <a:pt x="4243589" y="18288"/>
+                </a:cubicBezTo>
+                <a:cubicBezTo>
+                  <a:pt x="4058777" y="31246"/>
+                  <a:pt x="3910348" y="3158"/>
+                  <a:pt x="3594926" y="18288"/>
+                </a:cubicBezTo>
+                <a:cubicBezTo>
+                  <a:pt x="3279504" y="33418"/>
+                  <a:pt x="3319955" y="-3977"/>
+                  <a:pt x="3073571" y="18288"/>
+                </a:cubicBezTo>
+                <a:cubicBezTo>
+                  <a:pt x="2827187" y="40553"/>
+                  <a:pt x="2767387" y="1863"/>
+                  <a:pt x="2552216" y="18288"/>
+                </a:cubicBezTo>
+                <a:cubicBezTo>
+                  <a:pt x="2337046" y="34713"/>
+                  <a:pt x="2181871" y="19527"/>
+                  <a:pt x="1903553" y="18288"/>
+                </a:cubicBezTo>
+                <a:cubicBezTo>
+                  <a:pt x="1625235" y="17049"/>
+                  <a:pt x="1557672" y="24174"/>
+                  <a:pt x="1212454" y="18288"/>
+                </a:cubicBezTo>
+                <a:cubicBezTo>
+                  <a:pt x="867236" y="12402"/>
+                  <a:pt x="874382" y="15627"/>
+                  <a:pt x="733535" y="18288"/>
+                </a:cubicBezTo>
+                <a:cubicBezTo>
+                  <a:pt x="592688" y="20949"/>
+                  <a:pt x="183477" y="14753"/>
+                  <a:pt x="0" y="18288"/>
+                </a:cubicBezTo>
+                <a:cubicBezTo>
+                  <a:pt x="-229" y="14222"/>
+                  <a:pt x="509" y="5816"/>
+                  <a:pt x="0" y="0"/>
+                </a:cubicBezTo>
+                <a:close/>
+              </a:path>
+              <a:path w="4243589" h="18288" stroke="0" extrusionOk="0">
+                <a:moveTo>
+                  <a:pt x="0" y="0"/>
+                </a:moveTo>
+                <a:cubicBezTo>
+                  <a:pt x="143690" y="16630"/>
+                  <a:pt x="266667" y="14847"/>
+                  <a:pt x="521355" y="0"/>
+                </a:cubicBezTo>
+                <a:cubicBezTo>
+                  <a:pt x="776043" y="-14847"/>
+                  <a:pt x="814491" y="-17363"/>
+                  <a:pt x="1000275" y="0"/>
+                </a:cubicBezTo>
+                <a:cubicBezTo>
+                  <a:pt x="1186059" y="17363"/>
+                  <a:pt x="1352504" y="-23507"/>
+                  <a:pt x="1521630" y="0"/>
+                </a:cubicBezTo>
+                <a:cubicBezTo>
+                  <a:pt x="1690756" y="23507"/>
+                  <a:pt x="1889525" y="5871"/>
+                  <a:pt x="2127857" y="0"/>
+                </a:cubicBezTo>
+                <a:cubicBezTo>
+                  <a:pt x="2366189" y="-5871"/>
+                  <a:pt x="2620628" y="-27997"/>
+                  <a:pt x="2776520" y="0"/>
+                </a:cubicBezTo>
+                <a:cubicBezTo>
+                  <a:pt x="2932412" y="27997"/>
+                  <a:pt x="3131683" y="-25073"/>
+                  <a:pt x="3467618" y="0"/>
+                </a:cubicBezTo>
+                <a:cubicBezTo>
+                  <a:pt x="3803553" y="25073"/>
+                  <a:pt x="4017371" y="3071"/>
+                  <a:pt x="4243589" y="0"/>
+                </a:cubicBezTo>
+                <a:cubicBezTo>
+                  <a:pt x="4243134" y="6162"/>
+                  <a:pt x="4243492" y="11775"/>
+                  <a:pt x="4243589" y="18288"/>
+                </a:cubicBezTo>
+                <a:cubicBezTo>
+                  <a:pt x="4017834" y="-5779"/>
+                  <a:pt x="3834586" y="13376"/>
+                  <a:pt x="3594926" y="18288"/>
+                </a:cubicBezTo>
+                <a:cubicBezTo>
+                  <a:pt x="3355266" y="23200"/>
+                  <a:pt x="3204179" y="2869"/>
+                  <a:pt x="2903827" y="18288"/>
+                </a:cubicBezTo>
+                <a:cubicBezTo>
+                  <a:pt x="2603475" y="33707"/>
+                  <a:pt x="2526187" y="46187"/>
+                  <a:pt x="2212729" y="18288"/>
+                </a:cubicBezTo>
+                <a:cubicBezTo>
+                  <a:pt x="1899271" y="-9611"/>
+                  <a:pt x="1966289" y="29692"/>
+                  <a:pt x="1733809" y="18288"/>
+                </a:cubicBezTo>
+                <a:cubicBezTo>
+                  <a:pt x="1501329" y="6884"/>
+                  <a:pt x="1343612" y="12492"/>
+                  <a:pt x="1085146" y="18288"/>
+                </a:cubicBezTo>
+                <a:cubicBezTo>
+                  <a:pt x="826680" y="24084"/>
+                  <a:pt x="778184" y="35607"/>
+                  <a:pt x="521355" y="18288"/>
+                </a:cubicBezTo>
+                <a:cubicBezTo>
+                  <a:pt x="264526" y="969"/>
+                  <a:pt x="120277" y="4268"/>
+                  <a:pt x="0" y="18288"/>
+                </a:cubicBezTo>
+                <a:cubicBezTo>
+                  <a:pt x="766" y="10800"/>
+                  <a:pt x="-457" y="8180"/>
+                  <a:pt x="0" y="0"/>
+                </a:cubicBezTo>
+                <a:close/>
+              </a:path>
+            </a:pathLst>
+          </a:custGeom>
+          <a:solidFill>
+            <a:schemeClr val="accent2"/>
+          </a:solidFill>
+          <a:ln w="44450" cap="rnd">
+            <a:solidFill>
+              <a:schemeClr val="accent2"/>
+            </a:solidFill>
+            <a:round/>
+            <a:extLst>
+              <a:ext uri="{C807C97D-BFC1-408E-A445-0C87EB9F89A2}">
+                <ask:lineSketchStyleProps xmlns:ask="http://schemas.microsoft.com/office/drawing/2018/sketchyshapes" sd="2727557108">
+                  <a:prstGeom prst="rect">
+                    <a:avLst/>
+                  </a:prstGeom>
+                  <ask:type>
+                    <ask:lineSketchFreehand/>
+                  </ask:type>
+                </ask:lineSketchStyleProps>
+              </a:ext>
+            </a:extLst>
+          </a:ln>
+        </p:spPr>
+        <p:style>
+          <a:lnRef idx="2">
+            <a:schemeClr val="accent1">
+              <a:shade val="50000"/>
+            </a:schemeClr>
+          </a:lnRef>
+          <a:fillRef idx="1">
+            <a:schemeClr val="accent1"/>
+          </a:fillRef>
+          <a:effectRef idx="0">
+            <a:schemeClr val="accent1"/>
+          </a:effectRef>
+          <a:fontRef idx="minor">
+            <a:schemeClr val="lt1"/>
+          </a:fontRef>
+        </p:style>
+        <p:txBody>
+          <a:bodyPr rtlCol="0" anchor="ctr"/>
+          <a:lstStyle/>
+          <a:p>
+            <a:pPr algn="ctr"/>
+            <a:endParaRPr lang="en-US"/>
+          </a:p>
+        </p:txBody>
+      </p:sp>
+      <p:sp>
+        <p:nvSpPr>
+          <p:cNvPr id="3" name="Content Placeholder 2">
+            <a:extLst>
+              <a:ext uri="{FF2B5EF4-FFF2-40B4-BE49-F238E27FC236}">
+                <a16:creationId xmlns:a16="http://schemas.microsoft.com/office/drawing/2014/main" id="{E158DE29-B945-C52C-772E-020B430F3279}"/>
+              </a:ext>
+            </a:extLst>
+          </p:cNvPr>
+          <p:cNvSpPr>
+            <a:spLocks noGrp="1"/>
+          </p:cNvSpPr>
+          <p:nvPr>
+            <p:ph idx="1"/>
+          </p:nvPr>
+        </p:nvSpPr>
+        <p:spPr>
+          <a:xfrm>
+            <a:off x="5297762" y="2706624"/>
+            <a:ext cx="6251110" cy="3483864"/>
+          </a:xfrm>
+        </p:spPr>
+        <p:txBody>
+          <a:bodyPr>
+            <a:normAutofit/>
+          </a:bodyPr>
+          <a:lstStyle/>
+          <a:p>
+            <a:r>
+              <a:rPr lang="en-GB" dirty="0"/>
+              <a:t>Your application deals with semi-structured data with dynamic schemas. Which AWS database service provides compatibility with MongoDB and supports flexible document structures?</a:t>
+            </a:r>
+            <a:endParaRPr lang="en-CH" dirty="0"/>
+          </a:p>
+        </p:txBody>
+      </p:sp>
+    </p:spTree>
+    <p:extLst>
+      <p:ext uri="{BB962C8B-B14F-4D97-AF65-F5344CB8AC3E}">
+        <p14:creationId xmlns:p14="http://schemas.microsoft.com/office/powerpoint/2010/main" val="580692136"/>
+      </p:ext>
+    </p:extLst>
+  </p:cSld>
+  <p:clrMapOvr>
+    <a:masterClrMapping/>
+  </p:clrMapOvr>
+</p:sld>
+</file>
+
+<file path=ppt/slides/slide12.xml><?xml version="1.0" encoding="utf-8"?>
+<p:sld xmlns:a="http://schemas.openxmlformats.org/drawingml/2006/main" xmlns:r="http://schemas.openxmlformats.org/officeDocument/2006/relationships" xmlns:p="http://schemas.openxmlformats.org/presentationml/2006/main">
+  <p:cSld>
+    <p:bg>
+      <p:bgPr>
+        <a:solidFill>
+          <a:schemeClr val="bg1"/>
+        </a:solidFill>
+        <a:effectLst/>
+      </p:bgPr>
+    </p:bg>
+    <p:spTree>
+      <p:nvGrpSpPr>
+        <p:cNvPr id="1" name=""/>
+        <p:cNvGrpSpPr/>
+        <p:nvPr/>
+      </p:nvGrpSpPr>
+      <p:grpSpPr>
+        <a:xfrm>
+          <a:off x="0" y="0"/>
+          <a:ext cx="0" cy="0"/>
+          <a:chOff x="0" y="0"/>
+          <a:chExt cx="0" cy="0"/>
+        </a:xfrm>
+      </p:grpSpPr>
+      <p:sp useBgFill="1">
+        <p:nvSpPr>
+          <p:cNvPr id="9" name="Rectangle 8">
+            <a:extLst>
+              <a:ext uri="{FF2B5EF4-FFF2-40B4-BE49-F238E27FC236}">
+                <a16:creationId xmlns:a16="http://schemas.microsoft.com/office/drawing/2014/main" id="{2C61293E-6EBE-43EF-A52C-9BEBFD7679D4}"/>
+              </a:ext>
+              <a:ext uri="{C183D7F6-B498-43B3-948B-1728B52AA6E4}">
+                <adec:decorative xmlns:adec="http://schemas.microsoft.com/office/drawing/2017/decorative" val="1"/>
+              </a:ext>
+            </a:extLst>
+          </p:cNvPr>
+          <p:cNvSpPr>
+            <a:spLocks noGrp="1" noRot="1" noChangeAspect="1" noMove="1" noResize="1" noEditPoints="1" noAdjustHandles="1" noChangeArrowheads="1" noChangeShapeType="1" noTextEdit="1"/>
+          </p:cNvSpPr>
+          <p:nvPr>
+            <p:extLst>
+              <p:ext uri="{386F3935-93C4-4BCD-93E2-E3B085C9AB24}">
+                <p16:designElem xmlns:p16="http://schemas.microsoft.com/office/powerpoint/2015/main" val="1"/>
+              </p:ext>
+            </p:extLst>
+          </p:nvPr>
+        </p:nvSpPr>
+        <p:spPr>
+          <a:xfrm>
+            <a:off x="0" y="0"/>
+            <a:ext cx="12188952" cy="6858000"/>
+          </a:xfrm>
+          <a:prstGeom prst="rect">
+            <a:avLst/>
+          </a:prstGeom>
+          <a:ln>
+            <a:noFill/>
+          </a:ln>
+        </p:spPr>
+        <p:style>
+          <a:lnRef idx="2">
+            <a:schemeClr val="accent1">
+              <a:shade val="50000"/>
+            </a:schemeClr>
+          </a:lnRef>
+          <a:fillRef idx="1">
+            <a:schemeClr val="accent1"/>
+          </a:fillRef>
+          <a:effectRef idx="0">
+            <a:schemeClr val="accent1"/>
+          </a:effectRef>
+          <a:fontRef idx="minor">
+            <a:schemeClr val="lt1"/>
+          </a:fontRef>
+        </p:style>
+        <p:txBody>
+          <a:bodyPr rtlCol="0" anchor="ctr"/>
+          <a:lstStyle/>
+          <a:p>
+            <a:pPr algn="ctr"/>
+            <a:endParaRPr lang="en-US"/>
+          </a:p>
+        </p:txBody>
+      </p:sp>
+      <p:sp>
+        <p:nvSpPr>
+          <p:cNvPr id="2" name="Title 1">
+            <a:extLst>
+              <a:ext uri="{FF2B5EF4-FFF2-40B4-BE49-F238E27FC236}">
+                <a16:creationId xmlns:a16="http://schemas.microsoft.com/office/drawing/2014/main" id="{78CA6976-3C94-7225-F4F2-B2B95AA2AD3F}"/>
+              </a:ext>
+            </a:extLst>
+          </p:cNvPr>
+          <p:cNvSpPr>
+            <a:spLocks noGrp="1"/>
+          </p:cNvSpPr>
+          <p:nvPr>
+            <p:ph type="title"/>
+          </p:nvPr>
+        </p:nvSpPr>
+        <p:spPr>
+          <a:xfrm>
+            <a:off x="5297762" y="329184"/>
+            <a:ext cx="6251110" cy="1783080"/>
+          </a:xfrm>
+        </p:spPr>
+        <p:txBody>
+          <a:bodyPr anchor="b">
+            <a:normAutofit/>
+          </a:bodyPr>
+          <a:lstStyle/>
+          <a:p>
+            <a:r>
+              <a:rPr lang="en-CH" sz="5400" dirty="0"/>
+              <a:t>Question</a:t>
+            </a:r>
+          </a:p>
+        </p:txBody>
+      </p:sp>
+      <p:pic>
+        <p:nvPicPr>
+          <p:cNvPr id="5" name="Picture 4" descr="Many question marks on black background">
+            <a:extLst>
+              <a:ext uri="{FF2B5EF4-FFF2-40B4-BE49-F238E27FC236}">
+                <a16:creationId xmlns:a16="http://schemas.microsoft.com/office/drawing/2014/main" id="{1E2CD7CE-575E-E731-1428-4E1C0EEEBA01}"/>
+              </a:ext>
+            </a:extLst>
+          </p:cNvPr>
+          <p:cNvPicPr>
+            <a:picLocks noChangeAspect="1"/>
+          </p:cNvPicPr>
+          <p:nvPr/>
+        </p:nvPicPr>
+        <p:blipFill rotWithShape="1">
+          <a:blip r:embed="rId2"/>
+          <a:srcRect l="58573" r="2" b="2"/>
+          <a:stretch/>
+        </p:blipFill>
+        <p:spPr>
+          <a:xfrm>
+            <a:off x="1" y="10"/>
+            <a:ext cx="4657344" cy="6857990"/>
+          </a:xfrm>
+          <a:custGeom>
+            <a:avLst/>
+            <a:gdLst/>
+            <a:ahLst/>
+            <a:cxnLst/>
+            <a:rect l="l" t="t" r="r" b="b"/>
+            <a:pathLst>
+              <a:path w="4657344" h="6858000">
+                <a:moveTo>
+                  <a:pt x="0" y="0"/>
+                </a:moveTo>
+                <a:lnTo>
+                  <a:pt x="3429755" y="0"/>
+                </a:lnTo>
+                <a:lnTo>
+                  <a:pt x="3526016" y="148742"/>
+                </a:lnTo>
+                <a:cubicBezTo>
+                  <a:pt x="3657740" y="365513"/>
+                  <a:pt x="3777402" y="589569"/>
+                  <a:pt x="3886489" y="819975"/>
+                </a:cubicBezTo>
+                <a:cubicBezTo>
+                  <a:pt x="3891856" y="833492"/>
+                  <a:pt x="3900663" y="845393"/>
+                  <a:pt x="3912049" y="854514"/>
+                </a:cubicBezTo>
+                <a:cubicBezTo>
+                  <a:pt x="3897352" y="819849"/>
+                  <a:pt x="3883037" y="784928"/>
+                  <a:pt x="3868083" y="750263"/>
+                </a:cubicBezTo>
+                <a:cubicBezTo>
+                  <a:pt x="3806989" y="608712"/>
+                  <a:pt x="3742478" y="469145"/>
+                  <a:pt x="3674155" y="331786"/>
+                </a:cubicBezTo>
+                <a:lnTo>
+                  <a:pt x="3496656" y="0"/>
+                </a:lnTo>
+                <a:lnTo>
+                  <a:pt x="3554371" y="0"/>
+                </a:lnTo>
+                <a:lnTo>
+                  <a:pt x="3661621" y="196614"/>
+                </a:lnTo>
+                <a:cubicBezTo>
+                  <a:pt x="3856899" y="573253"/>
+                  <a:pt x="4021071" y="966066"/>
+                  <a:pt x="4161279" y="1371196"/>
+                </a:cubicBezTo>
+                <a:cubicBezTo>
+                  <a:pt x="4379525" y="2007265"/>
+                  <a:pt x="4530141" y="2664286"/>
+                  <a:pt x="4610660" y="3331516"/>
+                </a:cubicBezTo>
+                <a:cubicBezTo>
+                  <a:pt x="4652837" y="3672965"/>
+                  <a:pt x="4671625" y="4013908"/>
+                  <a:pt x="4645040" y="4357388"/>
+                </a:cubicBezTo>
+                <a:cubicBezTo>
+                  <a:pt x="4613599" y="4758899"/>
+                  <a:pt x="4566181" y="5157998"/>
+                  <a:pt x="4485789" y="5552906"/>
+                </a:cubicBezTo>
+                <a:cubicBezTo>
+                  <a:pt x="4397121" y="5988893"/>
+                  <a:pt x="4276748" y="6414594"/>
+                  <a:pt x="4117769" y="6828295"/>
+                </a:cubicBezTo>
+                <a:lnTo>
+                  <a:pt x="4105288" y="6858000"/>
+                </a:lnTo>
+                <a:lnTo>
+                  <a:pt x="4052520" y="6858000"/>
+                </a:lnTo>
+                <a:lnTo>
+                  <a:pt x="4059369" y="6841549"/>
+                </a:lnTo>
+                <a:cubicBezTo>
+                  <a:pt x="4147276" y="6614016"/>
+                  <a:pt x="4224193" y="6380817"/>
+                  <a:pt x="4291518" y="6142729"/>
+                </a:cubicBezTo>
+                <a:cubicBezTo>
+                  <a:pt x="4350055" y="5935370"/>
+                  <a:pt x="4393256" y="5723695"/>
+                  <a:pt x="4443357" y="5513923"/>
+                </a:cubicBezTo>
+                <a:cubicBezTo>
+                  <a:pt x="4444541" y="5502788"/>
+                  <a:pt x="4445137" y="5491601"/>
+                  <a:pt x="4445146" y="5480401"/>
+                </a:cubicBezTo>
+                <a:cubicBezTo>
+                  <a:pt x="4408465" y="5607635"/>
+                  <a:pt x="4379196" y="5719759"/>
+                  <a:pt x="4344559" y="5830359"/>
+                </a:cubicBezTo>
+                <a:cubicBezTo>
+                  <a:pt x="4254261" y="6118381"/>
+                  <a:pt x="4150112" y="6398531"/>
+                  <a:pt x="4031702" y="6670527"/>
+                </a:cubicBezTo>
+                <a:lnTo>
+                  <a:pt x="3943824" y="6858000"/>
+                </a:lnTo>
+                <a:lnTo>
+                  <a:pt x="0" y="6858000"/>
+                </a:lnTo>
+                <a:close/>
+              </a:path>
+            </a:pathLst>
+          </a:custGeom>
+        </p:spPr>
+      </p:pic>
+      <p:sp>
+        <p:nvSpPr>
+          <p:cNvPr id="11" name="sketchy line">
+            <a:extLst>
+              <a:ext uri="{FF2B5EF4-FFF2-40B4-BE49-F238E27FC236}">
+                <a16:creationId xmlns:a16="http://schemas.microsoft.com/office/drawing/2014/main" id="{21540236-BFD5-4A9D-8840-4703E7F76825}"/>
+              </a:ext>
+              <a:ext uri="{C183D7F6-B498-43B3-948B-1728B52AA6E4}">
+                <adec:decorative xmlns:adec="http://schemas.microsoft.com/office/drawing/2017/decorative" val="1"/>
+              </a:ext>
+            </a:extLst>
+          </p:cNvPr>
+          <p:cNvSpPr>
+            <a:spLocks noGrp="1" noRot="1" noChangeAspect="1" noMove="1" noResize="1" noEditPoints="1" noAdjustHandles="1" noChangeArrowheads="1" noChangeShapeType="1" noTextEdit="1"/>
+          </p:cNvSpPr>
+          <p:nvPr>
+            <p:extLst>
+              <p:ext uri="{386F3935-93C4-4BCD-93E2-E3B085C9AB24}">
+                <p16:designElem xmlns:p16="http://schemas.microsoft.com/office/powerpoint/2015/main" val="1"/>
+              </p:ext>
+            </p:extLst>
+          </p:nvPr>
+        </p:nvSpPr>
+        <p:spPr>
+          <a:xfrm>
+            <a:off x="5297762" y="2374947"/>
+            <a:ext cx="4243589" cy="18288"/>
+          </a:xfrm>
+          <a:custGeom>
+            <a:avLst/>
+            <a:gdLst>
+              <a:gd name="connsiteX0" fmla="*/ 0 w 4243589"/>
+              <a:gd name="connsiteY0" fmla="*/ 0 h 18288"/>
+              <a:gd name="connsiteX1" fmla="*/ 478919 w 4243589"/>
+              <a:gd name="connsiteY1" fmla="*/ 0 h 18288"/>
+              <a:gd name="connsiteX2" fmla="*/ 957839 w 4243589"/>
+              <a:gd name="connsiteY2" fmla="*/ 0 h 18288"/>
+              <a:gd name="connsiteX3" fmla="*/ 1521630 w 4243589"/>
+              <a:gd name="connsiteY3" fmla="*/ 0 h 18288"/>
+              <a:gd name="connsiteX4" fmla="*/ 2212729 w 4243589"/>
+              <a:gd name="connsiteY4" fmla="*/ 0 h 18288"/>
+              <a:gd name="connsiteX5" fmla="*/ 2734084 w 4243589"/>
+              <a:gd name="connsiteY5" fmla="*/ 0 h 18288"/>
+              <a:gd name="connsiteX6" fmla="*/ 3255439 w 4243589"/>
+              <a:gd name="connsiteY6" fmla="*/ 0 h 18288"/>
+              <a:gd name="connsiteX7" fmla="*/ 4243589 w 4243589"/>
+              <a:gd name="connsiteY7" fmla="*/ 0 h 18288"/>
+              <a:gd name="connsiteX8" fmla="*/ 4243589 w 4243589"/>
+              <a:gd name="connsiteY8" fmla="*/ 18288 h 18288"/>
+              <a:gd name="connsiteX9" fmla="*/ 3594926 w 4243589"/>
+              <a:gd name="connsiteY9" fmla="*/ 18288 h 18288"/>
+              <a:gd name="connsiteX10" fmla="*/ 3073571 w 4243589"/>
+              <a:gd name="connsiteY10" fmla="*/ 18288 h 18288"/>
+              <a:gd name="connsiteX11" fmla="*/ 2552216 w 4243589"/>
+              <a:gd name="connsiteY11" fmla="*/ 18288 h 18288"/>
+              <a:gd name="connsiteX12" fmla="*/ 1903553 w 4243589"/>
+              <a:gd name="connsiteY12" fmla="*/ 18288 h 18288"/>
+              <a:gd name="connsiteX13" fmla="*/ 1212454 w 4243589"/>
+              <a:gd name="connsiteY13" fmla="*/ 18288 h 18288"/>
+              <a:gd name="connsiteX14" fmla="*/ 733535 w 4243589"/>
+              <a:gd name="connsiteY14" fmla="*/ 18288 h 18288"/>
+              <a:gd name="connsiteX15" fmla="*/ 0 w 4243589"/>
+              <a:gd name="connsiteY15" fmla="*/ 18288 h 18288"/>
+              <a:gd name="connsiteX16" fmla="*/ 0 w 4243589"/>
+              <a:gd name="connsiteY16" fmla="*/ 0 h 18288"/>
+            </a:gdLst>
+            <a:ahLst/>
+            <a:cxnLst>
+              <a:cxn ang="0">
+                <a:pos x="connsiteX0" y="connsiteY0"/>
+              </a:cxn>
+              <a:cxn ang="0">
+                <a:pos x="connsiteX1" y="connsiteY1"/>
+              </a:cxn>
+              <a:cxn ang="0">
+                <a:pos x="connsiteX2" y="connsiteY2"/>
+              </a:cxn>
+              <a:cxn ang="0">
+                <a:pos x="connsiteX3" y="connsiteY3"/>
+              </a:cxn>
+              <a:cxn ang="0">
+                <a:pos x="connsiteX4" y="connsiteY4"/>
+              </a:cxn>
+              <a:cxn ang="0">
+                <a:pos x="connsiteX5" y="connsiteY5"/>
+              </a:cxn>
+              <a:cxn ang="0">
+                <a:pos x="connsiteX6" y="connsiteY6"/>
+              </a:cxn>
+              <a:cxn ang="0">
+                <a:pos x="connsiteX7" y="connsiteY7"/>
+              </a:cxn>
+              <a:cxn ang="0">
+                <a:pos x="connsiteX8" y="connsiteY8"/>
+              </a:cxn>
+              <a:cxn ang="0">
+                <a:pos x="connsiteX9" y="connsiteY9"/>
+              </a:cxn>
+              <a:cxn ang="0">
+                <a:pos x="connsiteX10" y="connsiteY10"/>
+              </a:cxn>
+              <a:cxn ang="0">
+                <a:pos x="connsiteX11" y="connsiteY11"/>
+              </a:cxn>
+              <a:cxn ang="0">
+                <a:pos x="connsiteX12" y="connsiteY12"/>
+              </a:cxn>
+              <a:cxn ang="0">
+                <a:pos x="connsiteX13" y="connsiteY13"/>
+              </a:cxn>
+              <a:cxn ang="0">
+                <a:pos x="connsiteX14" y="connsiteY14"/>
+              </a:cxn>
+              <a:cxn ang="0">
+                <a:pos x="connsiteX15" y="connsiteY15"/>
+              </a:cxn>
+              <a:cxn ang="0">
+                <a:pos x="connsiteX16" y="connsiteY16"/>
+              </a:cxn>
+            </a:cxnLst>
+            <a:rect l="l" t="t" r="r" b="b"/>
+            <a:pathLst>
+              <a:path w="4243589" h="18288" fill="none" extrusionOk="0">
+                <a:moveTo>
+                  <a:pt x="0" y="0"/>
+                </a:moveTo>
+                <a:cubicBezTo>
+                  <a:pt x="213395" y="-21006"/>
+                  <a:pt x="307421" y="-18116"/>
+                  <a:pt x="478919" y="0"/>
+                </a:cubicBezTo>
+                <a:cubicBezTo>
+                  <a:pt x="650417" y="18116"/>
+                  <a:pt x="831092" y="-21237"/>
+                  <a:pt x="957839" y="0"/>
+                </a:cubicBezTo>
+                <a:cubicBezTo>
+                  <a:pt x="1084586" y="21237"/>
+                  <a:pt x="1301682" y="25124"/>
+                  <a:pt x="1521630" y="0"/>
+                </a:cubicBezTo>
+                <a:cubicBezTo>
+                  <a:pt x="1741578" y="-25124"/>
+                  <a:pt x="1970269" y="-29139"/>
+                  <a:pt x="2212729" y="0"/>
+                </a:cubicBezTo>
+                <a:cubicBezTo>
+                  <a:pt x="2455189" y="29139"/>
+                  <a:pt x="2558847" y="-4796"/>
+                  <a:pt x="2734084" y="0"/>
+                </a:cubicBezTo>
+                <a:cubicBezTo>
+                  <a:pt x="2909321" y="4796"/>
+                  <a:pt x="3097217" y="-13409"/>
+                  <a:pt x="3255439" y="0"/>
+                </a:cubicBezTo>
+                <a:cubicBezTo>
+                  <a:pt x="3413662" y="13409"/>
+                  <a:pt x="3979999" y="-10121"/>
+                  <a:pt x="4243589" y="0"/>
+                </a:cubicBezTo>
+                <a:cubicBezTo>
+                  <a:pt x="4244484" y="8974"/>
+                  <a:pt x="4243043" y="9359"/>
+                  <a:pt x="4243589" y="18288"/>
+                </a:cubicBezTo>
+                <a:cubicBezTo>
+                  <a:pt x="4058777" y="31246"/>
+                  <a:pt x="3910348" y="3158"/>
+                  <a:pt x="3594926" y="18288"/>
+                </a:cubicBezTo>
+                <a:cubicBezTo>
+                  <a:pt x="3279504" y="33418"/>
+                  <a:pt x="3319955" y="-3977"/>
+                  <a:pt x="3073571" y="18288"/>
+                </a:cubicBezTo>
+                <a:cubicBezTo>
+                  <a:pt x="2827187" y="40553"/>
+                  <a:pt x="2767387" y="1863"/>
+                  <a:pt x="2552216" y="18288"/>
+                </a:cubicBezTo>
+                <a:cubicBezTo>
+                  <a:pt x="2337046" y="34713"/>
+                  <a:pt x="2181871" y="19527"/>
+                  <a:pt x="1903553" y="18288"/>
+                </a:cubicBezTo>
+                <a:cubicBezTo>
+                  <a:pt x="1625235" y="17049"/>
+                  <a:pt x="1557672" y="24174"/>
+                  <a:pt x="1212454" y="18288"/>
+                </a:cubicBezTo>
+                <a:cubicBezTo>
+                  <a:pt x="867236" y="12402"/>
+                  <a:pt x="874382" y="15627"/>
+                  <a:pt x="733535" y="18288"/>
+                </a:cubicBezTo>
+                <a:cubicBezTo>
+                  <a:pt x="592688" y="20949"/>
+                  <a:pt x="183477" y="14753"/>
+                  <a:pt x="0" y="18288"/>
+                </a:cubicBezTo>
+                <a:cubicBezTo>
+                  <a:pt x="-229" y="14222"/>
+                  <a:pt x="509" y="5816"/>
+                  <a:pt x="0" y="0"/>
+                </a:cubicBezTo>
+                <a:close/>
+              </a:path>
+              <a:path w="4243589" h="18288" stroke="0" extrusionOk="0">
+                <a:moveTo>
+                  <a:pt x="0" y="0"/>
+                </a:moveTo>
+                <a:cubicBezTo>
+                  <a:pt x="143690" y="16630"/>
+                  <a:pt x="266667" y="14847"/>
+                  <a:pt x="521355" y="0"/>
+                </a:cubicBezTo>
+                <a:cubicBezTo>
+                  <a:pt x="776043" y="-14847"/>
+                  <a:pt x="814491" y="-17363"/>
+                  <a:pt x="1000275" y="0"/>
+                </a:cubicBezTo>
+                <a:cubicBezTo>
+                  <a:pt x="1186059" y="17363"/>
+                  <a:pt x="1352504" y="-23507"/>
+                  <a:pt x="1521630" y="0"/>
+                </a:cubicBezTo>
+                <a:cubicBezTo>
+                  <a:pt x="1690756" y="23507"/>
+                  <a:pt x="1889525" y="5871"/>
+                  <a:pt x="2127857" y="0"/>
+                </a:cubicBezTo>
+                <a:cubicBezTo>
+                  <a:pt x="2366189" y="-5871"/>
+                  <a:pt x="2620628" y="-27997"/>
+                  <a:pt x="2776520" y="0"/>
+                </a:cubicBezTo>
+                <a:cubicBezTo>
+                  <a:pt x="2932412" y="27997"/>
+                  <a:pt x="3131683" y="-25073"/>
+                  <a:pt x="3467618" y="0"/>
+                </a:cubicBezTo>
+                <a:cubicBezTo>
+                  <a:pt x="3803553" y="25073"/>
+                  <a:pt x="4017371" y="3071"/>
+                  <a:pt x="4243589" y="0"/>
+                </a:cubicBezTo>
+                <a:cubicBezTo>
+                  <a:pt x="4243134" y="6162"/>
+                  <a:pt x="4243492" y="11775"/>
+                  <a:pt x="4243589" y="18288"/>
+                </a:cubicBezTo>
+                <a:cubicBezTo>
+                  <a:pt x="4017834" y="-5779"/>
+                  <a:pt x="3834586" y="13376"/>
+                  <a:pt x="3594926" y="18288"/>
+                </a:cubicBezTo>
+                <a:cubicBezTo>
+                  <a:pt x="3355266" y="23200"/>
+                  <a:pt x="3204179" y="2869"/>
+                  <a:pt x="2903827" y="18288"/>
+                </a:cubicBezTo>
+                <a:cubicBezTo>
+                  <a:pt x="2603475" y="33707"/>
+                  <a:pt x="2526187" y="46187"/>
+                  <a:pt x="2212729" y="18288"/>
+                </a:cubicBezTo>
+                <a:cubicBezTo>
+                  <a:pt x="1899271" y="-9611"/>
+                  <a:pt x="1966289" y="29692"/>
+                  <a:pt x="1733809" y="18288"/>
+                </a:cubicBezTo>
+                <a:cubicBezTo>
+                  <a:pt x="1501329" y="6884"/>
+                  <a:pt x="1343612" y="12492"/>
+                  <a:pt x="1085146" y="18288"/>
+                </a:cubicBezTo>
+                <a:cubicBezTo>
+                  <a:pt x="826680" y="24084"/>
+                  <a:pt x="778184" y="35607"/>
+                  <a:pt x="521355" y="18288"/>
+                </a:cubicBezTo>
+                <a:cubicBezTo>
+                  <a:pt x="264526" y="969"/>
+                  <a:pt x="120277" y="4268"/>
+                  <a:pt x="0" y="18288"/>
+                </a:cubicBezTo>
+                <a:cubicBezTo>
+                  <a:pt x="766" y="10800"/>
+                  <a:pt x="-457" y="8180"/>
+                  <a:pt x="0" y="0"/>
+                </a:cubicBezTo>
+                <a:close/>
+              </a:path>
+            </a:pathLst>
+          </a:custGeom>
+          <a:solidFill>
+            <a:schemeClr val="accent2"/>
+          </a:solidFill>
+          <a:ln w="44450" cap="rnd">
+            <a:solidFill>
+              <a:schemeClr val="accent2"/>
+            </a:solidFill>
+            <a:round/>
+            <a:extLst>
+              <a:ext uri="{C807C97D-BFC1-408E-A445-0C87EB9F89A2}">
+                <ask:lineSketchStyleProps xmlns:ask="http://schemas.microsoft.com/office/drawing/2018/sketchyshapes" sd="2727557108">
+                  <a:prstGeom prst="rect">
+                    <a:avLst/>
+                  </a:prstGeom>
+                  <ask:type>
+                    <ask:lineSketchFreehand/>
+                  </ask:type>
+                </ask:lineSketchStyleProps>
+              </a:ext>
+            </a:extLst>
+          </a:ln>
+        </p:spPr>
+        <p:style>
+          <a:lnRef idx="2">
+            <a:schemeClr val="accent1">
+              <a:shade val="50000"/>
+            </a:schemeClr>
+          </a:lnRef>
+          <a:fillRef idx="1">
+            <a:schemeClr val="accent1"/>
+          </a:fillRef>
+          <a:effectRef idx="0">
+            <a:schemeClr val="accent1"/>
+          </a:effectRef>
+          <a:fontRef idx="minor">
+            <a:schemeClr val="lt1"/>
+          </a:fontRef>
+        </p:style>
+        <p:txBody>
+          <a:bodyPr rtlCol="0" anchor="ctr"/>
+          <a:lstStyle/>
+          <a:p>
+            <a:pPr algn="ctr"/>
+            <a:endParaRPr lang="en-US"/>
+          </a:p>
+        </p:txBody>
+      </p:sp>
+      <p:sp>
+        <p:nvSpPr>
+          <p:cNvPr id="3" name="Content Placeholder 2">
+            <a:extLst>
+              <a:ext uri="{FF2B5EF4-FFF2-40B4-BE49-F238E27FC236}">
+                <a16:creationId xmlns:a16="http://schemas.microsoft.com/office/drawing/2014/main" id="{E158DE29-B945-C52C-772E-020B430F3279}"/>
+              </a:ext>
+            </a:extLst>
+          </p:cNvPr>
+          <p:cNvSpPr>
+            <a:spLocks noGrp="1"/>
+          </p:cNvSpPr>
+          <p:nvPr>
+            <p:ph idx="1"/>
+          </p:nvPr>
+        </p:nvSpPr>
+        <p:spPr>
+          <a:xfrm>
+            <a:off x="5297762" y="2706624"/>
+            <a:ext cx="6251110" cy="3483864"/>
+          </a:xfrm>
+        </p:spPr>
+        <p:txBody>
+          <a:bodyPr>
+            <a:normAutofit/>
+          </a:bodyPr>
+          <a:lstStyle/>
+          <a:p>
+            <a:r>
+              <a:rPr lang="en-GB" dirty="0"/>
+              <a:t>Your application experiences heavy read operations, and you want to accelerate these reads by utilizing an in-memory cache. Which AWS database service meets this requirement?</a:t>
+            </a:r>
+            <a:endParaRPr lang="en-CH" dirty="0"/>
+          </a:p>
+        </p:txBody>
+      </p:sp>
+    </p:spTree>
+    <p:extLst>
+      <p:ext uri="{BB962C8B-B14F-4D97-AF65-F5344CB8AC3E}">
+        <p14:creationId xmlns:p14="http://schemas.microsoft.com/office/powerpoint/2010/main" val="4079468248"/>
+      </p:ext>
+    </p:extLst>
+  </p:cSld>
+  <p:clrMapOvr>
+    <a:masterClrMapping/>
+  </p:clrMapOvr>
+</p:sld>
+</file>
+
+<file path=ppt/slides/slide13.xml><?xml version="1.0" encoding="utf-8"?>
+<p:sld xmlns:a="http://schemas.openxmlformats.org/drawingml/2006/main" xmlns:r="http://schemas.openxmlformats.org/officeDocument/2006/relationships" xmlns:p="http://schemas.openxmlformats.org/presentationml/2006/main">
+  <p:cSld>
+    <p:bg>
+      <p:bgPr>
+        <a:solidFill>
+          <a:schemeClr val="bg1"/>
+        </a:solidFill>
+        <a:effectLst/>
+      </p:bgPr>
+    </p:bg>
+    <p:spTree>
+      <p:nvGrpSpPr>
+        <p:cNvPr id="1" name=""/>
+        <p:cNvGrpSpPr/>
+        <p:nvPr/>
+      </p:nvGrpSpPr>
+      <p:grpSpPr>
+        <a:xfrm>
+          <a:off x="0" y="0"/>
+          <a:ext cx="0" cy="0"/>
+          <a:chOff x="0" y="0"/>
+          <a:chExt cx="0" cy="0"/>
+        </a:xfrm>
+      </p:grpSpPr>
+      <p:sp useBgFill="1">
+        <p:nvSpPr>
+          <p:cNvPr id="9" name="Rectangle 8">
+            <a:extLst>
+              <a:ext uri="{FF2B5EF4-FFF2-40B4-BE49-F238E27FC236}">
+                <a16:creationId xmlns:a16="http://schemas.microsoft.com/office/drawing/2014/main" id="{2C61293E-6EBE-43EF-A52C-9BEBFD7679D4}"/>
+              </a:ext>
+              <a:ext uri="{C183D7F6-B498-43B3-948B-1728B52AA6E4}">
+                <adec:decorative xmlns:adec="http://schemas.microsoft.com/office/drawing/2017/decorative" val="1"/>
+              </a:ext>
+            </a:extLst>
+          </p:cNvPr>
+          <p:cNvSpPr>
+            <a:spLocks noGrp="1" noRot="1" noChangeAspect="1" noMove="1" noResize="1" noEditPoints="1" noAdjustHandles="1" noChangeArrowheads="1" noChangeShapeType="1" noTextEdit="1"/>
+          </p:cNvSpPr>
+          <p:nvPr>
+            <p:extLst>
+              <p:ext uri="{386F3935-93C4-4BCD-93E2-E3B085C9AB24}">
+                <p16:designElem xmlns:p16="http://schemas.microsoft.com/office/powerpoint/2015/main" val="1"/>
+              </p:ext>
+            </p:extLst>
+          </p:nvPr>
+        </p:nvSpPr>
+        <p:spPr>
+          <a:xfrm>
+            <a:off x="0" y="0"/>
+            <a:ext cx="12188952" cy="6858000"/>
+          </a:xfrm>
+          <a:prstGeom prst="rect">
+            <a:avLst/>
+          </a:prstGeom>
+          <a:ln>
+            <a:noFill/>
+          </a:ln>
+        </p:spPr>
+        <p:style>
+          <a:lnRef idx="2">
+            <a:schemeClr val="accent1">
+              <a:shade val="50000"/>
+            </a:schemeClr>
+          </a:lnRef>
+          <a:fillRef idx="1">
+            <a:schemeClr val="accent1"/>
+          </a:fillRef>
+          <a:effectRef idx="0">
+            <a:schemeClr val="accent1"/>
+          </a:effectRef>
+          <a:fontRef idx="minor">
+            <a:schemeClr val="lt1"/>
+          </a:fontRef>
+        </p:style>
+        <p:txBody>
+          <a:bodyPr rtlCol="0" anchor="ctr"/>
+          <a:lstStyle/>
+          <a:p>
+            <a:pPr algn="ctr"/>
+            <a:endParaRPr lang="en-US"/>
+          </a:p>
+        </p:txBody>
+      </p:sp>
+      <p:sp>
+        <p:nvSpPr>
+          <p:cNvPr id="2" name="Title 1">
+            <a:extLst>
+              <a:ext uri="{FF2B5EF4-FFF2-40B4-BE49-F238E27FC236}">
+                <a16:creationId xmlns:a16="http://schemas.microsoft.com/office/drawing/2014/main" id="{78CA6976-3C94-7225-F4F2-B2B95AA2AD3F}"/>
+              </a:ext>
+            </a:extLst>
+          </p:cNvPr>
+          <p:cNvSpPr>
+            <a:spLocks noGrp="1"/>
+          </p:cNvSpPr>
+          <p:nvPr>
+            <p:ph type="title"/>
+          </p:nvPr>
+        </p:nvSpPr>
+        <p:spPr>
+          <a:xfrm>
+            <a:off x="5297762" y="329184"/>
+            <a:ext cx="6251110" cy="1783080"/>
+          </a:xfrm>
+        </p:spPr>
+        <p:txBody>
+          <a:bodyPr anchor="b">
+            <a:normAutofit/>
+          </a:bodyPr>
+          <a:lstStyle/>
+          <a:p>
+            <a:r>
+              <a:rPr lang="en-CH" sz="5400" dirty="0"/>
+              <a:t>Question</a:t>
+            </a:r>
+          </a:p>
+        </p:txBody>
+      </p:sp>
+      <p:pic>
+        <p:nvPicPr>
+          <p:cNvPr id="5" name="Picture 4" descr="Many question marks on black background">
+            <a:extLst>
+              <a:ext uri="{FF2B5EF4-FFF2-40B4-BE49-F238E27FC236}">
+                <a16:creationId xmlns:a16="http://schemas.microsoft.com/office/drawing/2014/main" id="{1E2CD7CE-575E-E731-1428-4E1C0EEEBA01}"/>
+              </a:ext>
+            </a:extLst>
+          </p:cNvPr>
+          <p:cNvPicPr>
+            <a:picLocks noChangeAspect="1"/>
+          </p:cNvPicPr>
+          <p:nvPr/>
+        </p:nvPicPr>
+        <p:blipFill rotWithShape="1">
+          <a:blip r:embed="rId2"/>
+          <a:srcRect l="58573" r="2" b="2"/>
+          <a:stretch/>
+        </p:blipFill>
+        <p:spPr>
+          <a:xfrm>
+            <a:off x="1" y="10"/>
+            <a:ext cx="4657344" cy="6857990"/>
+          </a:xfrm>
+          <a:custGeom>
+            <a:avLst/>
+            <a:gdLst/>
+            <a:ahLst/>
+            <a:cxnLst/>
+            <a:rect l="l" t="t" r="r" b="b"/>
+            <a:pathLst>
+              <a:path w="4657344" h="6858000">
+                <a:moveTo>
+                  <a:pt x="0" y="0"/>
+                </a:moveTo>
+                <a:lnTo>
+                  <a:pt x="3429755" y="0"/>
+                </a:lnTo>
+                <a:lnTo>
+                  <a:pt x="3526016" y="148742"/>
+                </a:lnTo>
+                <a:cubicBezTo>
+                  <a:pt x="3657740" y="365513"/>
+                  <a:pt x="3777402" y="589569"/>
+                  <a:pt x="3886489" y="819975"/>
+                </a:cubicBezTo>
+                <a:cubicBezTo>
+                  <a:pt x="3891856" y="833492"/>
+                  <a:pt x="3900663" y="845393"/>
+                  <a:pt x="3912049" y="854514"/>
+                </a:cubicBezTo>
+                <a:cubicBezTo>
+                  <a:pt x="3897352" y="819849"/>
+                  <a:pt x="3883037" y="784928"/>
+                  <a:pt x="3868083" y="750263"/>
+                </a:cubicBezTo>
+                <a:cubicBezTo>
+                  <a:pt x="3806989" y="608712"/>
+                  <a:pt x="3742478" y="469145"/>
+                  <a:pt x="3674155" y="331786"/>
+                </a:cubicBezTo>
+                <a:lnTo>
+                  <a:pt x="3496656" y="0"/>
+                </a:lnTo>
+                <a:lnTo>
+                  <a:pt x="3554371" y="0"/>
+                </a:lnTo>
+                <a:lnTo>
+                  <a:pt x="3661621" y="196614"/>
+                </a:lnTo>
+                <a:cubicBezTo>
+                  <a:pt x="3856899" y="573253"/>
+                  <a:pt x="4021071" y="966066"/>
+                  <a:pt x="4161279" y="1371196"/>
+                </a:cubicBezTo>
+                <a:cubicBezTo>
+                  <a:pt x="4379525" y="2007265"/>
+                  <a:pt x="4530141" y="2664286"/>
+                  <a:pt x="4610660" y="3331516"/>
+                </a:cubicBezTo>
+                <a:cubicBezTo>
+                  <a:pt x="4652837" y="3672965"/>
+                  <a:pt x="4671625" y="4013908"/>
+                  <a:pt x="4645040" y="4357388"/>
+                </a:cubicBezTo>
+                <a:cubicBezTo>
+                  <a:pt x="4613599" y="4758899"/>
+                  <a:pt x="4566181" y="5157998"/>
+                  <a:pt x="4485789" y="5552906"/>
+                </a:cubicBezTo>
+                <a:cubicBezTo>
+                  <a:pt x="4397121" y="5988893"/>
+                  <a:pt x="4276748" y="6414594"/>
+                  <a:pt x="4117769" y="6828295"/>
+                </a:cubicBezTo>
+                <a:lnTo>
+                  <a:pt x="4105288" y="6858000"/>
+                </a:lnTo>
+                <a:lnTo>
+                  <a:pt x="4052520" y="6858000"/>
+                </a:lnTo>
+                <a:lnTo>
+                  <a:pt x="4059369" y="6841549"/>
+                </a:lnTo>
+                <a:cubicBezTo>
+                  <a:pt x="4147276" y="6614016"/>
+                  <a:pt x="4224193" y="6380817"/>
+                  <a:pt x="4291518" y="6142729"/>
+                </a:cubicBezTo>
+                <a:cubicBezTo>
+                  <a:pt x="4350055" y="5935370"/>
+                  <a:pt x="4393256" y="5723695"/>
+                  <a:pt x="4443357" y="5513923"/>
+                </a:cubicBezTo>
+                <a:cubicBezTo>
+                  <a:pt x="4444541" y="5502788"/>
+                  <a:pt x="4445137" y="5491601"/>
+                  <a:pt x="4445146" y="5480401"/>
+                </a:cubicBezTo>
+                <a:cubicBezTo>
+                  <a:pt x="4408465" y="5607635"/>
+                  <a:pt x="4379196" y="5719759"/>
+                  <a:pt x="4344559" y="5830359"/>
+                </a:cubicBezTo>
+                <a:cubicBezTo>
+                  <a:pt x="4254261" y="6118381"/>
+                  <a:pt x="4150112" y="6398531"/>
+                  <a:pt x="4031702" y="6670527"/>
+                </a:cubicBezTo>
+                <a:lnTo>
+                  <a:pt x="3943824" y="6858000"/>
+                </a:lnTo>
+                <a:lnTo>
+                  <a:pt x="0" y="6858000"/>
+                </a:lnTo>
+                <a:close/>
+              </a:path>
+            </a:pathLst>
+          </a:custGeom>
+        </p:spPr>
+      </p:pic>
+      <p:sp>
+        <p:nvSpPr>
+          <p:cNvPr id="11" name="sketchy line">
+            <a:extLst>
+              <a:ext uri="{FF2B5EF4-FFF2-40B4-BE49-F238E27FC236}">
+                <a16:creationId xmlns:a16="http://schemas.microsoft.com/office/drawing/2014/main" id="{21540236-BFD5-4A9D-8840-4703E7F76825}"/>
+              </a:ext>
+              <a:ext uri="{C183D7F6-B498-43B3-948B-1728B52AA6E4}">
+                <adec:decorative xmlns:adec="http://schemas.microsoft.com/office/drawing/2017/decorative" val="1"/>
+              </a:ext>
+            </a:extLst>
+          </p:cNvPr>
+          <p:cNvSpPr>
+            <a:spLocks noGrp="1" noRot="1" noChangeAspect="1" noMove="1" noResize="1" noEditPoints="1" noAdjustHandles="1" noChangeArrowheads="1" noChangeShapeType="1" noTextEdit="1"/>
+          </p:cNvSpPr>
+          <p:nvPr>
+            <p:extLst>
+              <p:ext uri="{386F3935-93C4-4BCD-93E2-E3B085C9AB24}">
+                <p16:designElem xmlns:p16="http://schemas.microsoft.com/office/powerpoint/2015/main" val="1"/>
+              </p:ext>
+            </p:extLst>
+          </p:nvPr>
+        </p:nvSpPr>
+        <p:spPr>
+          <a:xfrm>
+            <a:off x="5297762" y="2374947"/>
+            <a:ext cx="4243589" cy="18288"/>
+          </a:xfrm>
+          <a:custGeom>
+            <a:avLst/>
+            <a:gdLst>
+              <a:gd name="connsiteX0" fmla="*/ 0 w 4243589"/>
+              <a:gd name="connsiteY0" fmla="*/ 0 h 18288"/>
+              <a:gd name="connsiteX1" fmla="*/ 478919 w 4243589"/>
+              <a:gd name="connsiteY1" fmla="*/ 0 h 18288"/>
+              <a:gd name="connsiteX2" fmla="*/ 957839 w 4243589"/>
+              <a:gd name="connsiteY2" fmla="*/ 0 h 18288"/>
+              <a:gd name="connsiteX3" fmla="*/ 1521630 w 4243589"/>
+              <a:gd name="connsiteY3" fmla="*/ 0 h 18288"/>
+              <a:gd name="connsiteX4" fmla="*/ 2212729 w 4243589"/>
+              <a:gd name="connsiteY4" fmla="*/ 0 h 18288"/>
+              <a:gd name="connsiteX5" fmla="*/ 2734084 w 4243589"/>
+              <a:gd name="connsiteY5" fmla="*/ 0 h 18288"/>
+              <a:gd name="connsiteX6" fmla="*/ 3255439 w 4243589"/>
+              <a:gd name="connsiteY6" fmla="*/ 0 h 18288"/>
+              <a:gd name="connsiteX7" fmla="*/ 4243589 w 4243589"/>
+              <a:gd name="connsiteY7" fmla="*/ 0 h 18288"/>
+              <a:gd name="connsiteX8" fmla="*/ 4243589 w 4243589"/>
+              <a:gd name="connsiteY8" fmla="*/ 18288 h 18288"/>
+              <a:gd name="connsiteX9" fmla="*/ 3594926 w 4243589"/>
+              <a:gd name="connsiteY9" fmla="*/ 18288 h 18288"/>
+              <a:gd name="connsiteX10" fmla="*/ 3073571 w 4243589"/>
+              <a:gd name="connsiteY10" fmla="*/ 18288 h 18288"/>
+              <a:gd name="connsiteX11" fmla="*/ 2552216 w 4243589"/>
+              <a:gd name="connsiteY11" fmla="*/ 18288 h 18288"/>
+              <a:gd name="connsiteX12" fmla="*/ 1903553 w 4243589"/>
+              <a:gd name="connsiteY12" fmla="*/ 18288 h 18288"/>
+              <a:gd name="connsiteX13" fmla="*/ 1212454 w 4243589"/>
+              <a:gd name="connsiteY13" fmla="*/ 18288 h 18288"/>
+              <a:gd name="connsiteX14" fmla="*/ 733535 w 4243589"/>
+              <a:gd name="connsiteY14" fmla="*/ 18288 h 18288"/>
+              <a:gd name="connsiteX15" fmla="*/ 0 w 4243589"/>
+              <a:gd name="connsiteY15" fmla="*/ 18288 h 18288"/>
+              <a:gd name="connsiteX16" fmla="*/ 0 w 4243589"/>
+              <a:gd name="connsiteY16" fmla="*/ 0 h 18288"/>
+            </a:gdLst>
+            <a:ahLst/>
+            <a:cxnLst>
+              <a:cxn ang="0">
+                <a:pos x="connsiteX0" y="connsiteY0"/>
+              </a:cxn>
+              <a:cxn ang="0">
+                <a:pos x="connsiteX1" y="connsiteY1"/>
+              </a:cxn>
+              <a:cxn ang="0">
+                <a:pos x="connsiteX2" y="connsiteY2"/>
+              </a:cxn>
+              <a:cxn ang="0">
+                <a:pos x="connsiteX3" y="connsiteY3"/>
+              </a:cxn>
+              <a:cxn ang="0">
+                <a:pos x="connsiteX4" y="connsiteY4"/>
+              </a:cxn>
+              <a:cxn ang="0">
+                <a:pos x="connsiteX5" y="connsiteY5"/>
+              </a:cxn>
+              <a:cxn ang="0">
+                <a:pos x="connsiteX6" y="connsiteY6"/>
+              </a:cxn>
+              <a:cxn ang="0">
+                <a:pos x="connsiteX7" y="connsiteY7"/>
+              </a:cxn>
+              <a:cxn ang="0">
+                <a:pos x="connsiteX8" y="connsiteY8"/>
+              </a:cxn>
+              <a:cxn ang="0">
+                <a:pos x="connsiteX9" y="connsiteY9"/>
+              </a:cxn>
+              <a:cxn ang="0">
+                <a:pos x="connsiteX10" y="connsiteY10"/>
+              </a:cxn>
+              <a:cxn ang="0">
+                <a:pos x="connsiteX11" y="connsiteY11"/>
+              </a:cxn>
+              <a:cxn ang="0">
+                <a:pos x="connsiteX12" y="connsiteY12"/>
+              </a:cxn>
+              <a:cxn ang="0">
+                <a:pos x="connsiteX13" y="connsiteY13"/>
+              </a:cxn>
+              <a:cxn ang="0">
+                <a:pos x="connsiteX14" y="connsiteY14"/>
+              </a:cxn>
+              <a:cxn ang="0">
+                <a:pos x="connsiteX15" y="connsiteY15"/>
+              </a:cxn>
+              <a:cxn ang="0">
+                <a:pos x="connsiteX16" y="connsiteY16"/>
+              </a:cxn>
+            </a:cxnLst>
+            <a:rect l="l" t="t" r="r" b="b"/>
+            <a:pathLst>
+              <a:path w="4243589" h="18288" fill="none" extrusionOk="0">
+                <a:moveTo>
+                  <a:pt x="0" y="0"/>
+                </a:moveTo>
+                <a:cubicBezTo>
+                  <a:pt x="213395" y="-21006"/>
+                  <a:pt x="307421" y="-18116"/>
+                  <a:pt x="478919" y="0"/>
+                </a:cubicBezTo>
+                <a:cubicBezTo>
+                  <a:pt x="650417" y="18116"/>
+                  <a:pt x="831092" y="-21237"/>
+                  <a:pt x="957839" y="0"/>
+                </a:cubicBezTo>
+                <a:cubicBezTo>
+                  <a:pt x="1084586" y="21237"/>
+                  <a:pt x="1301682" y="25124"/>
+                  <a:pt x="1521630" y="0"/>
+                </a:cubicBezTo>
+                <a:cubicBezTo>
+                  <a:pt x="1741578" y="-25124"/>
+                  <a:pt x="1970269" y="-29139"/>
+                  <a:pt x="2212729" y="0"/>
+                </a:cubicBezTo>
+                <a:cubicBezTo>
+                  <a:pt x="2455189" y="29139"/>
+                  <a:pt x="2558847" y="-4796"/>
+                  <a:pt x="2734084" y="0"/>
+                </a:cubicBezTo>
+                <a:cubicBezTo>
+                  <a:pt x="2909321" y="4796"/>
+                  <a:pt x="3097217" y="-13409"/>
+                  <a:pt x="3255439" y="0"/>
+                </a:cubicBezTo>
+                <a:cubicBezTo>
+                  <a:pt x="3413662" y="13409"/>
+                  <a:pt x="3979999" y="-10121"/>
+                  <a:pt x="4243589" y="0"/>
+                </a:cubicBezTo>
+                <a:cubicBezTo>
+                  <a:pt x="4244484" y="8974"/>
+                  <a:pt x="4243043" y="9359"/>
+                  <a:pt x="4243589" y="18288"/>
+                </a:cubicBezTo>
+                <a:cubicBezTo>
+                  <a:pt x="4058777" y="31246"/>
+                  <a:pt x="3910348" y="3158"/>
+                  <a:pt x="3594926" y="18288"/>
+                </a:cubicBezTo>
+                <a:cubicBezTo>
+                  <a:pt x="3279504" y="33418"/>
+                  <a:pt x="3319955" y="-3977"/>
+                  <a:pt x="3073571" y="18288"/>
+                </a:cubicBezTo>
+                <a:cubicBezTo>
+                  <a:pt x="2827187" y="40553"/>
+                  <a:pt x="2767387" y="1863"/>
+                  <a:pt x="2552216" y="18288"/>
+                </a:cubicBezTo>
+                <a:cubicBezTo>
+                  <a:pt x="2337046" y="34713"/>
+                  <a:pt x="2181871" y="19527"/>
+                  <a:pt x="1903553" y="18288"/>
+                </a:cubicBezTo>
+                <a:cubicBezTo>
+                  <a:pt x="1625235" y="17049"/>
+                  <a:pt x="1557672" y="24174"/>
+                  <a:pt x="1212454" y="18288"/>
+                </a:cubicBezTo>
+                <a:cubicBezTo>
+                  <a:pt x="867236" y="12402"/>
+                  <a:pt x="874382" y="15627"/>
+                  <a:pt x="733535" y="18288"/>
+                </a:cubicBezTo>
+                <a:cubicBezTo>
+                  <a:pt x="592688" y="20949"/>
+                  <a:pt x="183477" y="14753"/>
+                  <a:pt x="0" y="18288"/>
+                </a:cubicBezTo>
+                <a:cubicBezTo>
+                  <a:pt x="-229" y="14222"/>
+                  <a:pt x="509" y="5816"/>
+                  <a:pt x="0" y="0"/>
+                </a:cubicBezTo>
+                <a:close/>
+              </a:path>
+              <a:path w="4243589" h="18288" stroke="0" extrusionOk="0">
+                <a:moveTo>
+                  <a:pt x="0" y="0"/>
+                </a:moveTo>
+                <a:cubicBezTo>
+                  <a:pt x="143690" y="16630"/>
+                  <a:pt x="266667" y="14847"/>
+                  <a:pt x="521355" y="0"/>
+                </a:cubicBezTo>
+                <a:cubicBezTo>
+                  <a:pt x="776043" y="-14847"/>
+                  <a:pt x="814491" y="-17363"/>
+                  <a:pt x="1000275" y="0"/>
+                </a:cubicBezTo>
+                <a:cubicBezTo>
+                  <a:pt x="1186059" y="17363"/>
+                  <a:pt x="1352504" y="-23507"/>
+                  <a:pt x="1521630" y="0"/>
+                </a:cubicBezTo>
+                <a:cubicBezTo>
+                  <a:pt x="1690756" y="23507"/>
+                  <a:pt x="1889525" y="5871"/>
+                  <a:pt x="2127857" y="0"/>
+                </a:cubicBezTo>
+                <a:cubicBezTo>
+                  <a:pt x="2366189" y="-5871"/>
+                  <a:pt x="2620628" y="-27997"/>
+                  <a:pt x="2776520" y="0"/>
+                </a:cubicBezTo>
+                <a:cubicBezTo>
+                  <a:pt x="2932412" y="27997"/>
+                  <a:pt x="3131683" y="-25073"/>
+                  <a:pt x="3467618" y="0"/>
+                </a:cubicBezTo>
+                <a:cubicBezTo>
+                  <a:pt x="3803553" y="25073"/>
+                  <a:pt x="4017371" y="3071"/>
+                  <a:pt x="4243589" y="0"/>
+                </a:cubicBezTo>
+                <a:cubicBezTo>
+                  <a:pt x="4243134" y="6162"/>
+                  <a:pt x="4243492" y="11775"/>
+                  <a:pt x="4243589" y="18288"/>
+                </a:cubicBezTo>
+                <a:cubicBezTo>
+                  <a:pt x="4017834" y="-5779"/>
+                  <a:pt x="3834586" y="13376"/>
+                  <a:pt x="3594926" y="18288"/>
+                </a:cubicBezTo>
+                <a:cubicBezTo>
+                  <a:pt x="3355266" y="23200"/>
+                  <a:pt x="3204179" y="2869"/>
+                  <a:pt x="2903827" y="18288"/>
+                </a:cubicBezTo>
+                <a:cubicBezTo>
+                  <a:pt x="2603475" y="33707"/>
+                  <a:pt x="2526187" y="46187"/>
+                  <a:pt x="2212729" y="18288"/>
+                </a:cubicBezTo>
+                <a:cubicBezTo>
+                  <a:pt x="1899271" y="-9611"/>
+                  <a:pt x="1966289" y="29692"/>
+                  <a:pt x="1733809" y="18288"/>
+                </a:cubicBezTo>
+                <a:cubicBezTo>
+                  <a:pt x="1501329" y="6884"/>
+                  <a:pt x="1343612" y="12492"/>
+                  <a:pt x="1085146" y="18288"/>
+                </a:cubicBezTo>
+                <a:cubicBezTo>
+                  <a:pt x="826680" y="24084"/>
+                  <a:pt x="778184" y="35607"/>
+                  <a:pt x="521355" y="18288"/>
+                </a:cubicBezTo>
+                <a:cubicBezTo>
+                  <a:pt x="264526" y="969"/>
+                  <a:pt x="120277" y="4268"/>
+                  <a:pt x="0" y="18288"/>
+                </a:cubicBezTo>
+                <a:cubicBezTo>
+                  <a:pt x="766" y="10800"/>
+                  <a:pt x="-457" y="8180"/>
+                  <a:pt x="0" y="0"/>
+                </a:cubicBezTo>
+                <a:close/>
+              </a:path>
+            </a:pathLst>
+          </a:custGeom>
+          <a:solidFill>
+            <a:schemeClr val="accent2"/>
+          </a:solidFill>
+          <a:ln w="44450" cap="rnd">
+            <a:solidFill>
+              <a:schemeClr val="accent2"/>
+            </a:solidFill>
+            <a:round/>
+            <a:extLst>
+              <a:ext uri="{C807C97D-BFC1-408E-A445-0C87EB9F89A2}">
+                <ask:lineSketchStyleProps xmlns:ask="http://schemas.microsoft.com/office/drawing/2018/sketchyshapes" sd="2727557108">
+                  <a:prstGeom prst="rect">
+                    <a:avLst/>
+                  </a:prstGeom>
+                  <ask:type>
+                    <ask:lineSketchFreehand/>
+                  </ask:type>
+                </ask:lineSketchStyleProps>
+              </a:ext>
+            </a:extLst>
+          </a:ln>
+        </p:spPr>
+        <p:style>
+          <a:lnRef idx="2">
+            <a:schemeClr val="accent1">
+              <a:shade val="50000"/>
+            </a:schemeClr>
+          </a:lnRef>
+          <a:fillRef idx="1">
+            <a:schemeClr val="accent1"/>
+          </a:fillRef>
+          <a:effectRef idx="0">
+            <a:schemeClr val="accent1"/>
+          </a:effectRef>
+          <a:fontRef idx="minor">
+            <a:schemeClr val="lt1"/>
+          </a:fontRef>
+        </p:style>
+        <p:txBody>
+          <a:bodyPr rtlCol="0" anchor="ctr"/>
+          <a:lstStyle/>
+          <a:p>
+            <a:pPr algn="ctr"/>
+            <a:endParaRPr lang="en-US"/>
+          </a:p>
+        </p:txBody>
+      </p:sp>
+      <p:sp>
+        <p:nvSpPr>
+          <p:cNvPr id="3" name="Content Placeholder 2">
+            <a:extLst>
+              <a:ext uri="{FF2B5EF4-FFF2-40B4-BE49-F238E27FC236}">
+                <a16:creationId xmlns:a16="http://schemas.microsoft.com/office/drawing/2014/main" id="{E158DE29-B945-C52C-772E-020B430F3279}"/>
+              </a:ext>
+            </a:extLst>
+          </p:cNvPr>
+          <p:cNvSpPr>
+            <a:spLocks noGrp="1"/>
+          </p:cNvSpPr>
+          <p:nvPr>
+            <p:ph idx="1"/>
+          </p:nvPr>
+        </p:nvSpPr>
+        <p:spPr>
+          <a:xfrm>
+            <a:off x="5297762" y="2706624"/>
+            <a:ext cx="6251110" cy="3483864"/>
+          </a:xfrm>
+        </p:spPr>
+        <p:txBody>
+          <a:bodyPr>
+            <a:normAutofit/>
+          </a:bodyPr>
+          <a:lstStyle/>
+          <a:p>
+            <a:r>
+              <a:rPr lang="en-GB" dirty="0"/>
+              <a:t>Your application relies on Apache Cassandra for distributed, highly available databases. Which AWS database service offers a managed Apache Cassandra service?</a:t>
+            </a:r>
+            <a:endParaRPr lang="en-CH" dirty="0"/>
+          </a:p>
+        </p:txBody>
+      </p:sp>
+    </p:spTree>
+    <p:extLst>
+      <p:ext uri="{BB962C8B-B14F-4D97-AF65-F5344CB8AC3E}">
+        <p14:creationId xmlns:p14="http://schemas.microsoft.com/office/powerpoint/2010/main" val="3975465262"/>
+      </p:ext>
+    </p:extLst>
+  </p:cSld>
+  <p:clrMapOvr>
+    <a:masterClrMapping/>
+  </p:clrMapOvr>
+</p:sld>
+</file>
+
+<file path=ppt/slides/slide14.xml><?xml version="1.0" encoding="utf-8"?>
+<p:sld xmlns:a="http://schemas.openxmlformats.org/drawingml/2006/main" xmlns:r="http://schemas.openxmlformats.org/officeDocument/2006/relationships" xmlns:p="http://schemas.openxmlformats.org/presentationml/2006/main">
+  <p:cSld>
+    <p:bg>
+      <p:bgPr>
+        <a:solidFill>
+          <a:schemeClr val="bg1"/>
+        </a:solidFill>
+        <a:effectLst/>
+      </p:bgPr>
+    </p:bg>
+    <p:spTree>
+      <p:nvGrpSpPr>
+        <p:cNvPr id="1" name=""/>
+        <p:cNvGrpSpPr/>
+        <p:nvPr/>
+      </p:nvGrpSpPr>
+      <p:grpSpPr>
+        <a:xfrm>
+          <a:off x="0" y="0"/>
+          <a:ext cx="0" cy="0"/>
+          <a:chOff x="0" y="0"/>
+          <a:chExt cx="0" cy="0"/>
+        </a:xfrm>
+      </p:grpSpPr>
+      <p:sp useBgFill="1">
+        <p:nvSpPr>
+          <p:cNvPr id="9" name="Rectangle 8">
+            <a:extLst>
+              <a:ext uri="{FF2B5EF4-FFF2-40B4-BE49-F238E27FC236}">
+                <a16:creationId xmlns:a16="http://schemas.microsoft.com/office/drawing/2014/main" id="{2C61293E-6EBE-43EF-A52C-9BEBFD7679D4}"/>
+              </a:ext>
+              <a:ext uri="{C183D7F6-B498-43B3-948B-1728B52AA6E4}">
+                <adec:decorative xmlns:adec="http://schemas.microsoft.com/office/drawing/2017/decorative" val="1"/>
+              </a:ext>
+            </a:extLst>
+          </p:cNvPr>
+          <p:cNvSpPr>
+            <a:spLocks noGrp="1" noRot="1" noChangeAspect="1" noMove="1" noResize="1" noEditPoints="1" noAdjustHandles="1" noChangeArrowheads="1" noChangeShapeType="1" noTextEdit="1"/>
+          </p:cNvSpPr>
+          <p:nvPr>
+            <p:extLst>
+              <p:ext uri="{386F3935-93C4-4BCD-93E2-E3B085C9AB24}">
+                <p16:designElem xmlns:p16="http://schemas.microsoft.com/office/powerpoint/2015/main" val="1"/>
+              </p:ext>
+            </p:extLst>
+          </p:nvPr>
+        </p:nvSpPr>
+        <p:spPr>
+          <a:xfrm>
+            <a:off x="0" y="0"/>
+            <a:ext cx="12188952" cy="6858000"/>
+          </a:xfrm>
+          <a:prstGeom prst="rect">
+            <a:avLst/>
+          </a:prstGeom>
+          <a:ln>
+            <a:noFill/>
+          </a:ln>
+        </p:spPr>
+        <p:style>
+          <a:lnRef idx="2">
+            <a:schemeClr val="accent1">
+              <a:shade val="50000"/>
+            </a:schemeClr>
+          </a:lnRef>
+          <a:fillRef idx="1">
+            <a:schemeClr val="accent1"/>
+          </a:fillRef>
+          <a:effectRef idx="0">
+            <a:schemeClr val="accent1"/>
+          </a:effectRef>
+          <a:fontRef idx="minor">
+            <a:schemeClr val="lt1"/>
+          </a:fontRef>
+        </p:style>
+        <p:txBody>
+          <a:bodyPr rtlCol="0" anchor="ctr"/>
+          <a:lstStyle/>
+          <a:p>
+            <a:pPr algn="ctr"/>
+            <a:endParaRPr lang="en-US"/>
+          </a:p>
+        </p:txBody>
+      </p:sp>
+      <p:sp>
+        <p:nvSpPr>
+          <p:cNvPr id="2" name="Title 1">
+            <a:extLst>
+              <a:ext uri="{FF2B5EF4-FFF2-40B4-BE49-F238E27FC236}">
+                <a16:creationId xmlns:a16="http://schemas.microsoft.com/office/drawing/2014/main" id="{78CA6976-3C94-7225-F4F2-B2B95AA2AD3F}"/>
+              </a:ext>
+            </a:extLst>
+          </p:cNvPr>
+          <p:cNvSpPr>
+            <a:spLocks noGrp="1"/>
+          </p:cNvSpPr>
+          <p:nvPr>
+            <p:ph type="title"/>
+          </p:nvPr>
+        </p:nvSpPr>
+        <p:spPr>
+          <a:xfrm>
+            <a:off x="5297762" y="329184"/>
+            <a:ext cx="6251110" cy="1783080"/>
+          </a:xfrm>
+        </p:spPr>
+        <p:txBody>
+          <a:bodyPr anchor="b">
+            <a:normAutofit/>
+          </a:bodyPr>
+          <a:lstStyle/>
+          <a:p>
+            <a:r>
+              <a:rPr lang="en-CH" sz="5400" dirty="0"/>
+              <a:t>Question</a:t>
+            </a:r>
+          </a:p>
+        </p:txBody>
+      </p:sp>
+      <p:pic>
+        <p:nvPicPr>
+          <p:cNvPr id="5" name="Picture 4" descr="Many question marks on black background">
+            <a:extLst>
+              <a:ext uri="{FF2B5EF4-FFF2-40B4-BE49-F238E27FC236}">
+                <a16:creationId xmlns:a16="http://schemas.microsoft.com/office/drawing/2014/main" id="{1E2CD7CE-575E-E731-1428-4E1C0EEEBA01}"/>
+              </a:ext>
+            </a:extLst>
+          </p:cNvPr>
+          <p:cNvPicPr>
+            <a:picLocks noChangeAspect="1"/>
+          </p:cNvPicPr>
+          <p:nvPr/>
+        </p:nvPicPr>
+        <p:blipFill rotWithShape="1">
+          <a:blip r:embed="rId2"/>
+          <a:srcRect l="58573" r="2" b="2"/>
+          <a:stretch/>
+        </p:blipFill>
+        <p:spPr>
+          <a:xfrm>
+            <a:off x="1" y="10"/>
+            <a:ext cx="4657344" cy="6857990"/>
+          </a:xfrm>
+          <a:custGeom>
+            <a:avLst/>
+            <a:gdLst/>
+            <a:ahLst/>
+            <a:cxnLst/>
+            <a:rect l="l" t="t" r="r" b="b"/>
+            <a:pathLst>
+              <a:path w="4657344" h="6858000">
+                <a:moveTo>
+                  <a:pt x="0" y="0"/>
+                </a:moveTo>
+                <a:lnTo>
+                  <a:pt x="3429755" y="0"/>
+                </a:lnTo>
+                <a:lnTo>
+                  <a:pt x="3526016" y="148742"/>
+                </a:lnTo>
+                <a:cubicBezTo>
+                  <a:pt x="3657740" y="365513"/>
+                  <a:pt x="3777402" y="589569"/>
+                  <a:pt x="3886489" y="819975"/>
+                </a:cubicBezTo>
+                <a:cubicBezTo>
+                  <a:pt x="3891856" y="833492"/>
+                  <a:pt x="3900663" y="845393"/>
+                  <a:pt x="3912049" y="854514"/>
+                </a:cubicBezTo>
+                <a:cubicBezTo>
+                  <a:pt x="3897352" y="819849"/>
+                  <a:pt x="3883037" y="784928"/>
+                  <a:pt x="3868083" y="750263"/>
+                </a:cubicBezTo>
+                <a:cubicBezTo>
+                  <a:pt x="3806989" y="608712"/>
+                  <a:pt x="3742478" y="469145"/>
+                  <a:pt x="3674155" y="331786"/>
+                </a:cubicBezTo>
+                <a:lnTo>
+                  <a:pt x="3496656" y="0"/>
+                </a:lnTo>
+                <a:lnTo>
+                  <a:pt x="3554371" y="0"/>
+                </a:lnTo>
+                <a:lnTo>
+                  <a:pt x="3661621" y="196614"/>
+                </a:lnTo>
+                <a:cubicBezTo>
+                  <a:pt x="3856899" y="573253"/>
+                  <a:pt x="4021071" y="966066"/>
+                  <a:pt x="4161279" y="1371196"/>
+                </a:cubicBezTo>
+                <a:cubicBezTo>
+                  <a:pt x="4379525" y="2007265"/>
+                  <a:pt x="4530141" y="2664286"/>
+                  <a:pt x="4610660" y="3331516"/>
+                </a:cubicBezTo>
+                <a:cubicBezTo>
+                  <a:pt x="4652837" y="3672965"/>
+                  <a:pt x="4671625" y="4013908"/>
+                  <a:pt x="4645040" y="4357388"/>
+                </a:cubicBezTo>
+                <a:cubicBezTo>
+                  <a:pt x="4613599" y="4758899"/>
+                  <a:pt x="4566181" y="5157998"/>
+                  <a:pt x="4485789" y="5552906"/>
+                </a:cubicBezTo>
+                <a:cubicBezTo>
+                  <a:pt x="4397121" y="5988893"/>
+                  <a:pt x="4276748" y="6414594"/>
+                  <a:pt x="4117769" y="6828295"/>
+                </a:cubicBezTo>
+                <a:lnTo>
+                  <a:pt x="4105288" y="6858000"/>
+                </a:lnTo>
+                <a:lnTo>
+                  <a:pt x="4052520" y="6858000"/>
+                </a:lnTo>
+                <a:lnTo>
+                  <a:pt x="4059369" y="6841549"/>
+                </a:lnTo>
+                <a:cubicBezTo>
+                  <a:pt x="4147276" y="6614016"/>
+                  <a:pt x="4224193" y="6380817"/>
+                  <a:pt x="4291518" y="6142729"/>
+                </a:cubicBezTo>
+                <a:cubicBezTo>
+                  <a:pt x="4350055" y="5935370"/>
+                  <a:pt x="4393256" y="5723695"/>
+                  <a:pt x="4443357" y="5513923"/>
+                </a:cubicBezTo>
+                <a:cubicBezTo>
+                  <a:pt x="4444541" y="5502788"/>
+                  <a:pt x="4445137" y="5491601"/>
+                  <a:pt x="4445146" y="5480401"/>
+                </a:cubicBezTo>
+                <a:cubicBezTo>
+                  <a:pt x="4408465" y="5607635"/>
+                  <a:pt x="4379196" y="5719759"/>
+                  <a:pt x="4344559" y="5830359"/>
+                </a:cubicBezTo>
+                <a:cubicBezTo>
+                  <a:pt x="4254261" y="6118381"/>
+                  <a:pt x="4150112" y="6398531"/>
+                  <a:pt x="4031702" y="6670527"/>
+                </a:cubicBezTo>
+                <a:lnTo>
+                  <a:pt x="3943824" y="6858000"/>
+                </a:lnTo>
+                <a:lnTo>
+                  <a:pt x="0" y="6858000"/>
+                </a:lnTo>
+                <a:close/>
+              </a:path>
+            </a:pathLst>
+          </a:custGeom>
+        </p:spPr>
+      </p:pic>
+      <p:sp>
+        <p:nvSpPr>
+          <p:cNvPr id="11" name="sketchy line">
+            <a:extLst>
+              <a:ext uri="{FF2B5EF4-FFF2-40B4-BE49-F238E27FC236}">
+                <a16:creationId xmlns:a16="http://schemas.microsoft.com/office/drawing/2014/main" id="{21540236-BFD5-4A9D-8840-4703E7F76825}"/>
+              </a:ext>
+              <a:ext uri="{C183D7F6-B498-43B3-948B-1728B52AA6E4}">
+                <adec:decorative xmlns:adec="http://schemas.microsoft.com/office/drawing/2017/decorative" val="1"/>
+              </a:ext>
+            </a:extLst>
+          </p:cNvPr>
+          <p:cNvSpPr>
+            <a:spLocks noGrp="1" noRot="1" noChangeAspect="1" noMove="1" noResize="1" noEditPoints="1" noAdjustHandles="1" noChangeArrowheads="1" noChangeShapeType="1" noTextEdit="1"/>
+          </p:cNvSpPr>
+          <p:nvPr>
+            <p:extLst>
+              <p:ext uri="{386F3935-93C4-4BCD-93E2-E3B085C9AB24}">
+                <p16:designElem xmlns:p16="http://schemas.microsoft.com/office/powerpoint/2015/main" val="1"/>
+              </p:ext>
+            </p:extLst>
+          </p:nvPr>
+        </p:nvSpPr>
+        <p:spPr>
+          <a:xfrm>
+            <a:off x="5297762" y="2374947"/>
+            <a:ext cx="4243589" cy="18288"/>
+          </a:xfrm>
+          <a:custGeom>
+            <a:avLst/>
+            <a:gdLst>
+              <a:gd name="connsiteX0" fmla="*/ 0 w 4243589"/>
+              <a:gd name="connsiteY0" fmla="*/ 0 h 18288"/>
+              <a:gd name="connsiteX1" fmla="*/ 478919 w 4243589"/>
+              <a:gd name="connsiteY1" fmla="*/ 0 h 18288"/>
+              <a:gd name="connsiteX2" fmla="*/ 957839 w 4243589"/>
+              <a:gd name="connsiteY2" fmla="*/ 0 h 18288"/>
+              <a:gd name="connsiteX3" fmla="*/ 1521630 w 4243589"/>
+              <a:gd name="connsiteY3" fmla="*/ 0 h 18288"/>
+              <a:gd name="connsiteX4" fmla="*/ 2212729 w 4243589"/>
+              <a:gd name="connsiteY4" fmla="*/ 0 h 18288"/>
+              <a:gd name="connsiteX5" fmla="*/ 2734084 w 4243589"/>
+              <a:gd name="connsiteY5" fmla="*/ 0 h 18288"/>
+              <a:gd name="connsiteX6" fmla="*/ 3255439 w 4243589"/>
+              <a:gd name="connsiteY6" fmla="*/ 0 h 18288"/>
+              <a:gd name="connsiteX7" fmla="*/ 4243589 w 4243589"/>
+              <a:gd name="connsiteY7" fmla="*/ 0 h 18288"/>
+              <a:gd name="connsiteX8" fmla="*/ 4243589 w 4243589"/>
+              <a:gd name="connsiteY8" fmla="*/ 18288 h 18288"/>
+              <a:gd name="connsiteX9" fmla="*/ 3594926 w 4243589"/>
+              <a:gd name="connsiteY9" fmla="*/ 18288 h 18288"/>
+              <a:gd name="connsiteX10" fmla="*/ 3073571 w 4243589"/>
+              <a:gd name="connsiteY10" fmla="*/ 18288 h 18288"/>
+              <a:gd name="connsiteX11" fmla="*/ 2552216 w 4243589"/>
+              <a:gd name="connsiteY11" fmla="*/ 18288 h 18288"/>
+              <a:gd name="connsiteX12" fmla="*/ 1903553 w 4243589"/>
+              <a:gd name="connsiteY12" fmla="*/ 18288 h 18288"/>
+              <a:gd name="connsiteX13" fmla="*/ 1212454 w 4243589"/>
+              <a:gd name="connsiteY13" fmla="*/ 18288 h 18288"/>
+              <a:gd name="connsiteX14" fmla="*/ 733535 w 4243589"/>
+              <a:gd name="connsiteY14" fmla="*/ 18288 h 18288"/>
+              <a:gd name="connsiteX15" fmla="*/ 0 w 4243589"/>
+              <a:gd name="connsiteY15" fmla="*/ 18288 h 18288"/>
+              <a:gd name="connsiteX16" fmla="*/ 0 w 4243589"/>
+              <a:gd name="connsiteY16" fmla="*/ 0 h 18288"/>
+            </a:gdLst>
+            <a:ahLst/>
+            <a:cxnLst>
+              <a:cxn ang="0">
+                <a:pos x="connsiteX0" y="connsiteY0"/>
+              </a:cxn>
+              <a:cxn ang="0">
+                <a:pos x="connsiteX1" y="connsiteY1"/>
+              </a:cxn>
+              <a:cxn ang="0">
+                <a:pos x="connsiteX2" y="connsiteY2"/>
+              </a:cxn>
+              <a:cxn ang="0">
+                <a:pos x="connsiteX3" y="connsiteY3"/>
+              </a:cxn>
+              <a:cxn ang="0">
+                <a:pos x="connsiteX4" y="connsiteY4"/>
+              </a:cxn>
+              <a:cxn ang="0">
+                <a:pos x="connsiteX5" y="connsiteY5"/>
+              </a:cxn>
+              <a:cxn ang="0">
+                <a:pos x="connsiteX6" y="connsiteY6"/>
+              </a:cxn>
+              <a:cxn ang="0">
+                <a:pos x="connsiteX7" y="connsiteY7"/>
+              </a:cxn>
+              <a:cxn ang="0">
+                <a:pos x="connsiteX8" y="connsiteY8"/>
+              </a:cxn>
+              <a:cxn ang="0">
+                <a:pos x="connsiteX9" y="connsiteY9"/>
+              </a:cxn>
+              <a:cxn ang="0">
+                <a:pos x="connsiteX10" y="connsiteY10"/>
+              </a:cxn>
+              <a:cxn ang="0">
+                <a:pos x="connsiteX11" y="connsiteY11"/>
+              </a:cxn>
+              <a:cxn ang="0">
+                <a:pos x="connsiteX12" y="connsiteY12"/>
+              </a:cxn>
+              <a:cxn ang="0">
+                <a:pos x="connsiteX13" y="connsiteY13"/>
+              </a:cxn>
+              <a:cxn ang="0">
+                <a:pos x="connsiteX14" y="connsiteY14"/>
+              </a:cxn>
+              <a:cxn ang="0">
+                <a:pos x="connsiteX15" y="connsiteY15"/>
+              </a:cxn>
+              <a:cxn ang="0">
+                <a:pos x="connsiteX16" y="connsiteY16"/>
+              </a:cxn>
+            </a:cxnLst>
+            <a:rect l="l" t="t" r="r" b="b"/>
+            <a:pathLst>
+              <a:path w="4243589" h="18288" fill="none" extrusionOk="0">
+                <a:moveTo>
+                  <a:pt x="0" y="0"/>
+                </a:moveTo>
+                <a:cubicBezTo>
+                  <a:pt x="213395" y="-21006"/>
+                  <a:pt x="307421" y="-18116"/>
+                  <a:pt x="478919" y="0"/>
+                </a:cubicBezTo>
+                <a:cubicBezTo>
+                  <a:pt x="650417" y="18116"/>
+                  <a:pt x="831092" y="-21237"/>
+                  <a:pt x="957839" y="0"/>
+                </a:cubicBezTo>
+                <a:cubicBezTo>
+                  <a:pt x="1084586" y="21237"/>
+                  <a:pt x="1301682" y="25124"/>
+                  <a:pt x="1521630" y="0"/>
+                </a:cubicBezTo>
+                <a:cubicBezTo>
+                  <a:pt x="1741578" y="-25124"/>
+                  <a:pt x="1970269" y="-29139"/>
+                  <a:pt x="2212729" y="0"/>
+                </a:cubicBezTo>
+                <a:cubicBezTo>
+                  <a:pt x="2455189" y="29139"/>
+                  <a:pt x="2558847" y="-4796"/>
+                  <a:pt x="2734084" y="0"/>
+                </a:cubicBezTo>
+                <a:cubicBezTo>
+                  <a:pt x="2909321" y="4796"/>
+                  <a:pt x="3097217" y="-13409"/>
+                  <a:pt x="3255439" y="0"/>
+                </a:cubicBezTo>
+                <a:cubicBezTo>
+                  <a:pt x="3413662" y="13409"/>
+                  <a:pt x="3979999" y="-10121"/>
+                  <a:pt x="4243589" y="0"/>
+                </a:cubicBezTo>
+                <a:cubicBezTo>
+                  <a:pt x="4244484" y="8974"/>
+                  <a:pt x="4243043" y="9359"/>
+                  <a:pt x="4243589" y="18288"/>
+                </a:cubicBezTo>
+                <a:cubicBezTo>
+                  <a:pt x="4058777" y="31246"/>
+                  <a:pt x="3910348" y="3158"/>
+                  <a:pt x="3594926" y="18288"/>
+                </a:cubicBezTo>
+                <a:cubicBezTo>
+                  <a:pt x="3279504" y="33418"/>
+                  <a:pt x="3319955" y="-3977"/>
+                  <a:pt x="3073571" y="18288"/>
+                </a:cubicBezTo>
+                <a:cubicBezTo>
+                  <a:pt x="2827187" y="40553"/>
+                  <a:pt x="2767387" y="1863"/>
+                  <a:pt x="2552216" y="18288"/>
+                </a:cubicBezTo>
+                <a:cubicBezTo>
+                  <a:pt x="2337046" y="34713"/>
+                  <a:pt x="2181871" y="19527"/>
+                  <a:pt x="1903553" y="18288"/>
+                </a:cubicBezTo>
+                <a:cubicBezTo>
+                  <a:pt x="1625235" y="17049"/>
+                  <a:pt x="1557672" y="24174"/>
+                  <a:pt x="1212454" y="18288"/>
+                </a:cubicBezTo>
+                <a:cubicBezTo>
+                  <a:pt x="867236" y="12402"/>
+                  <a:pt x="874382" y="15627"/>
+                  <a:pt x="733535" y="18288"/>
+                </a:cubicBezTo>
+                <a:cubicBezTo>
+                  <a:pt x="592688" y="20949"/>
+                  <a:pt x="183477" y="14753"/>
+                  <a:pt x="0" y="18288"/>
+                </a:cubicBezTo>
+                <a:cubicBezTo>
+                  <a:pt x="-229" y="14222"/>
+                  <a:pt x="509" y="5816"/>
+                  <a:pt x="0" y="0"/>
+                </a:cubicBezTo>
+                <a:close/>
+              </a:path>
+              <a:path w="4243589" h="18288" stroke="0" extrusionOk="0">
+                <a:moveTo>
+                  <a:pt x="0" y="0"/>
+                </a:moveTo>
+                <a:cubicBezTo>
+                  <a:pt x="143690" y="16630"/>
+                  <a:pt x="266667" y="14847"/>
+                  <a:pt x="521355" y="0"/>
+                </a:cubicBezTo>
+                <a:cubicBezTo>
+                  <a:pt x="776043" y="-14847"/>
+                  <a:pt x="814491" y="-17363"/>
+                  <a:pt x="1000275" y="0"/>
+                </a:cubicBezTo>
+                <a:cubicBezTo>
+                  <a:pt x="1186059" y="17363"/>
+                  <a:pt x="1352504" y="-23507"/>
+                  <a:pt x="1521630" y="0"/>
+                </a:cubicBezTo>
+                <a:cubicBezTo>
+                  <a:pt x="1690756" y="23507"/>
+                  <a:pt x="1889525" y="5871"/>
+                  <a:pt x="2127857" y="0"/>
+                </a:cubicBezTo>
+                <a:cubicBezTo>
+                  <a:pt x="2366189" y="-5871"/>
+                  <a:pt x="2620628" y="-27997"/>
+                  <a:pt x="2776520" y="0"/>
+                </a:cubicBezTo>
+                <a:cubicBezTo>
+                  <a:pt x="2932412" y="27997"/>
+                  <a:pt x="3131683" y="-25073"/>
+                  <a:pt x="3467618" y="0"/>
+                </a:cubicBezTo>
+                <a:cubicBezTo>
+                  <a:pt x="3803553" y="25073"/>
+                  <a:pt x="4017371" y="3071"/>
+                  <a:pt x="4243589" y="0"/>
+                </a:cubicBezTo>
+                <a:cubicBezTo>
+                  <a:pt x="4243134" y="6162"/>
+                  <a:pt x="4243492" y="11775"/>
+                  <a:pt x="4243589" y="18288"/>
+                </a:cubicBezTo>
+                <a:cubicBezTo>
+                  <a:pt x="4017834" y="-5779"/>
+                  <a:pt x="3834586" y="13376"/>
+                  <a:pt x="3594926" y="18288"/>
+                </a:cubicBezTo>
+                <a:cubicBezTo>
+                  <a:pt x="3355266" y="23200"/>
+                  <a:pt x="3204179" y="2869"/>
+                  <a:pt x="2903827" y="18288"/>
+                </a:cubicBezTo>
+                <a:cubicBezTo>
+                  <a:pt x="2603475" y="33707"/>
+                  <a:pt x="2526187" y="46187"/>
+                  <a:pt x="2212729" y="18288"/>
+                </a:cubicBezTo>
+                <a:cubicBezTo>
+                  <a:pt x="1899271" y="-9611"/>
+                  <a:pt x="1966289" y="29692"/>
+                  <a:pt x="1733809" y="18288"/>
+                </a:cubicBezTo>
+                <a:cubicBezTo>
+                  <a:pt x="1501329" y="6884"/>
+                  <a:pt x="1343612" y="12492"/>
+                  <a:pt x="1085146" y="18288"/>
+                </a:cubicBezTo>
+                <a:cubicBezTo>
+                  <a:pt x="826680" y="24084"/>
+                  <a:pt x="778184" y="35607"/>
+                  <a:pt x="521355" y="18288"/>
+                </a:cubicBezTo>
+                <a:cubicBezTo>
+                  <a:pt x="264526" y="969"/>
+                  <a:pt x="120277" y="4268"/>
+                  <a:pt x="0" y="18288"/>
+                </a:cubicBezTo>
+                <a:cubicBezTo>
+                  <a:pt x="766" y="10800"/>
+                  <a:pt x="-457" y="8180"/>
+                  <a:pt x="0" y="0"/>
+                </a:cubicBezTo>
+                <a:close/>
+              </a:path>
+            </a:pathLst>
+          </a:custGeom>
+          <a:solidFill>
+            <a:schemeClr val="accent2"/>
+          </a:solidFill>
+          <a:ln w="44450" cap="rnd">
+            <a:solidFill>
+              <a:schemeClr val="accent2"/>
+            </a:solidFill>
+            <a:round/>
+            <a:extLst>
+              <a:ext uri="{C807C97D-BFC1-408E-A445-0C87EB9F89A2}">
+                <ask:lineSketchStyleProps xmlns:ask="http://schemas.microsoft.com/office/drawing/2018/sketchyshapes" sd="2727557108">
+                  <a:prstGeom prst="rect">
+                    <a:avLst/>
+                  </a:prstGeom>
+                  <ask:type>
+                    <ask:lineSketchFreehand/>
+                  </ask:type>
+                </ask:lineSketchStyleProps>
+              </a:ext>
+            </a:extLst>
+          </a:ln>
+        </p:spPr>
+        <p:style>
+          <a:lnRef idx="2">
+            <a:schemeClr val="accent1">
+              <a:shade val="50000"/>
+            </a:schemeClr>
+          </a:lnRef>
+          <a:fillRef idx="1">
+            <a:schemeClr val="accent1"/>
+          </a:fillRef>
+          <a:effectRef idx="0">
+            <a:schemeClr val="accent1"/>
+          </a:effectRef>
+          <a:fontRef idx="minor">
+            <a:schemeClr val="lt1"/>
+          </a:fontRef>
+        </p:style>
+        <p:txBody>
+          <a:bodyPr rtlCol="0" anchor="ctr"/>
+          <a:lstStyle/>
+          <a:p>
+            <a:pPr algn="ctr"/>
+            <a:endParaRPr lang="en-US"/>
+          </a:p>
+        </p:txBody>
+      </p:sp>
+      <p:sp>
+        <p:nvSpPr>
+          <p:cNvPr id="3" name="Content Placeholder 2">
+            <a:extLst>
+              <a:ext uri="{FF2B5EF4-FFF2-40B4-BE49-F238E27FC236}">
+                <a16:creationId xmlns:a16="http://schemas.microsoft.com/office/drawing/2014/main" id="{E158DE29-B945-C52C-772E-020B430F3279}"/>
+              </a:ext>
+            </a:extLst>
+          </p:cNvPr>
+          <p:cNvSpPr>
+            <a:spLocks noGrp="1"/>
+          </p:cNvSpPr>
+          <p:nvPr>
+            <p:ph idx="1"/>
+          </p:nvPr>
+        </p:nvSpPr>
+        <p:spPr>
+          <a:xfrm>
+            <a:off x="5297762" y="2706624"/>
+            <a:ext cx="6251110" cy="3483864"/>
+          </a:xfrm>
+        </p:spPr>
+        <p:txBody>
+          <a:bodyPr>
+            <a:normAutofit/>
+          </a:bodyPr>
+          <a:lstStyle/>
+          <a:p>
+            <a:r>
+              <a:rPr lang="en-GB" dirty="0"/>
+              <a:t>Your project involves </a:t>
+            </a:r>
+            <a:r>
+              <a:rPr lang="en-GB" dirty="0" err="1"/>
+              <a:t>analyzing</a:t>
+            </a:r>
+            <a:r>
+              <a:rPr lang="en-GB" dirty="0"/>
+              <a:t> and querying relationships between various entities. Which AWS database service is specifically designed for managing highly connected data?</a:t>
+            </a:r>
+            <a:endParaRPr lang="en-CH" dirty="0"/>
+          </a:p>
+        </p:txBody>
+      </p:sp>
+    </p:spTree>
+    <p:extLst>
+      <p:ext uri="{BB962C8B-B14F-4D97-AF65-F5344CB8AC3E}">
+        <p14:creationId xmlns:p14="http://schemas.microsoft.com/office/powerpoint/2010/main" val="1037909328"/>
+      </p:ext>
+    </p:extLst>
+  </p:cSld>
+  <p:clrMapOvr>
+    <a:masterClrMapping/>
+  </p:clrMapOvr>
+</p:sld>
+</file>
+
+<file path=ppt/slides/slide15.xml><?xml version="1.0" encoding="utf-8"?>
+<p:sld xmlns:a="http://schemas.openxmlformats.org/drawingml/2006/main" xmlns:r="http://schemas.openxmlformats.org/officeDocument/2006/relationships" xmlns:p="http://schemas.openxmlformats.org/presentationml/2006/main">
+  <p:cSld>
+    <p:bg>
+      <p:bgPr>
+        <a:solidFill>
+          <a:schemeClr val="bg1"/>
+        </a:solidFill>
+        <a:effectLst/>
+      </p:bgPr>
+    </p:bg>
+    <p:spTree>
+      <p:nvGrpSpPr>
+        <p:cNvPr id="1" name=""/>
+        <p:cNvGrpSpPr/>
+        <p:nvPr/>
+      </p:nvGrpSpPr>
+      <p:grpSpPr>
+        <a:xfrm>
+          <a:off x="0" y="0"/>
+          <a:ext cx="0" cy="0"/>
+          <a:chOff x="0" y="0"/>
+          <a:chExt cx="0" cy="0"/>
+        </a:xfrm>
+      </p:grpSpPr>
+      <p:sp useBgFill="1">
+        <p:nvSpPr>
+          <p:cNvPr id="9" name="Rectangle 8">
+            <a:extLst>
+              <a:ext uri="{FF2B5EF4-FFF2-40B4-BE49-F238E27FC236}">
+                <a16:creationId xmlns:a16="http://schemas.microsoft.com/office/drawing/2014/main" id="{2C61293E-6EBE-43EF-A52C-9BEBFD7679D4}"/>
+              </a:ext>
+              <a:ext uri="{C183D7F6-B498-43B3-948B-1728B52AA6E4}">
+                <adec:decorative xmlns:adec="http://schemas.microsoft.com/office/drawing/2017/decorative" val="1"/>
+              </a:ext>
+            </a:extLst>
+          </p:cNvPr>
+          <p:cNvSpPr>
+            <a:spLocks noGrp="1" noRot="1" noChangeAspect="1" noMove="1" noResize="1" noEditPoints="1" noAdjustHandles="1" noChangeArrowheads="1" noChangeShapeType="1" noTextEdit="1"/>
+          </p:cNvSpPr>
+          <p:nvPr>
+            <p:extLst>
+              <p:ext uri="{386F3935-93C4-4BCD-93E2-E3B085C9AB24}">
+                <p16:designElem xmlns:p16="http://schemas.microsoft.com/office/powerpoint/2015/main" val="1"/>
+              </p:ext>
+            </p:extLst>
+          </p:nvPr>
+        </p:nvSpPr>
+        <p:spPr>
+          <a:xfrm>
+            <a:off x="0" y="0"/>
+            <a:ext cx="12188952" cy="6858000"/>
+          </a:xfrm>
+          <a:prstGeom prst="rect">
+            <a:avLst/>
+          </a:prstGeom>
+          <a:ln>
+            <a:noFill/>
+          </a:ln>
+        </p:spPr>
+        <p:style>
+          <a:lnRef idx="2">
+            <a:schemeClr val="accent1">
+              <a:shade val="50000"/>
+            </a:schemeClr>
+          </a:lnRef>
+          <a:fillRef idx="1">
+            <a:schemeClr val="accent1"/>
+          </a:fillRef>
+          <a:effectRef idx="0">
+            <a:schemeClr val="accent1"/>
+          </a:effectRef>
+          <a:fontRef idx="minor">
+            <a:schemeClr val="lt1"/>
+          </a:fontRef>
+        </p:style>
+        <p:txBody>
+          <a:bodyPr rtlCol="0" anchor="ctr"/>
+          <a:lstStyle/>
+          <a:p>
+            <a:pPr algn="ctr"/>
+            <a:endParaRPr lang="en-US"/>
+          </a:p>
+        </p:txBody>
+      </p:sp>
+      <p:sp>
+        <p:nvSpPr>
+          <p:cNvPr id="2" name="Title 1">
+            <a:extLst>
+              <a:ext uri="{FF2B5EF4-FFF2-40B4-BE49-F238E27FC236}">
+                <a16:creationId xmlns:a16="http://schemas.microsoft.com/office/drawing/2014/main" id="{78CA6976-3C94-7225-F4F2-B2B95AA2AD3F}"/>
+              </a:ext>
+            </a:extLst>
+          </p:cNvPr>
+          <p:cNvSpPr>
+            <a:spLocks noGrp="1"/>
+          </p:cNvSpPr>
+          <p:nvPr>
+            <p:ph type="title"/>
+          </p:nvPr>
+        </p:nvSpPr>
+        <p:spPr>
+          <a:xfrm>
+            <a:off x="5297762" y="329184"/>
+            <a:ext cx="6251110" cy="1783080"/>
+          </a:xfrm>
+        </p:spPr>
+        <p:txBody>
+          <a:bodyPr anchor="b">
+            <a:normAutofit/>
+          </a:bodyPr>
+          <a:lstStyle/>
+          <a:p>
+            <a:r>
+              <a:rPr lang="en-CH" sz="5400" dirty="0"/>
+              <a:t>Question</a:t>
+            </a:r>
+          </a:p>
+        </p:txBody>
+      </p:sp>
+      <p:pic>
+        <p:nvPicPr>
+          <p:cNvPr id="5" name="Picture 4" descr="Many question marks on black background">
+            <a:extLst>
+              <a:ext uri="{FF2B5EF4-FFF2-40B4-BE49-F238E27FC236}">
+                <a16:creationId xmlns:a16="http://schemas.microsoft.com/office/drawing/2014/main" id="{1E2CD7CE-575E-E731-1428-4E1C0EEEBA01}"/>
+              </a:ext>
+            </a:extLst>
+          </p:cNvPr>
+          <p:cNvPicPr>
+            <a:picLocks noChangeAspect="1"/>
+          </p:cNvPicPr>
+          <p:nvPr/>
+        </p:nvPicPr>
+        <p:blipFill rotWithShape="1">
+          <a:blip r:embed="rId2"/>
+          <a:srcRect l="58573" r="2" b="2"/>
+          <a:stretch/>
+        </p:blipFill>
+        <p:spPr>
+          <a:xfrm>
+            <a:off x="1" y="10"/>
+            <a:ext cx="4657344" cy="6857990"/>
+          </a:xfrm>
+          <a:custGeom>
+            <a:avLst/>
+            <a:gdLst/>
+            <a:ahLst/>
+            <a:cxnLst/>
+            <a:rect l="l" t="t" r="r" b="b"/>
+            <a:pathLst>
+              <a:path w="4657344" h="6858000">
+                <a:moveTo>
+                  <a:pt x="0" y="0"/>
+                </a:moveTo>
+                <a:lnTo>
+                  <a:pt x="3429755" y="0"/>
+                </a:lnTo>
+                <a:lnTo>
+                  <a:pt x="3526016" y="148742"/>
+                </a:lnTo>
+                <a:cubicBezTo>
+                  <a:pt x="3657740" y="365513"/>
+                  <a:pt x="3777402" y="589569"/>
+                  <a:pt x="3886489" y="819975"/>
+                </a:cubicBezTo>
+                <a:cubicBezTo>
+                  <a:pt x="3891856" y="833492"/>
+                  <a:pt x="3900663" y="845393"/>
+                  <a:pt x="3912049" y="854514"/>
+                </a:cubicBezTo>
+                <a:cubicBezTo>
+                  <a:pt x="3897352" y="819849"/>
+                  <a:pt x="3883037" y="784928"/>
+                  <a:pt x="3868083" y="750263"/>
+                </a:cubicBezTo>
+                <a:cubicBezTo>
+                  <a:pt x="3806989" y="608712"/>
+                  <a:pt x="3742478" y="469145"/>
+                  <a:pt x="3674155" y="331786"/>
+                </a:cubicBezTo>
+                <a:lnTo>
+                  <a:pt x="3496656" y="0"/>
+                </a:lnTo>
+                <a:lnTo>
+                  <a:pt x="3554371" y="0"/>
+                </a:lnTo>
+                <a:lnTo>
+                  <a:pt x="3661621" y="196614"/>
+                </a:lnTo>
+                <a:cubicBezTo>
+                  <a:pt x="3856899" y="573253"/>
+                  <a:pt x="4021071" y="966066"/>
+                  <a:pt x="4161279" y="1371196"/>
+                </a:cubicBezTo>
+                <a:cubicBezTo>
+                  <a:pt x="4379525" y="2007265"/>
+                  <a:pt x="4530141" y="2664286"/>
+                  <a:pt x="4610660" y="3331516"/>
+                </a:cubicBezTo>
+                <a:cubicBezTo>
+                  <a:pt x="4652837" y="3672965"/>
+                  <a:pt x="4671625" y="4013908"/>
+                  <a:pt x="4645040" y="4357388"/>
+                </a:cubicBezTo>
+                <a:cubicBezTo>
+                  <a:pt x="4613599" y="4758899"/>
+                  <a:pt x="4566181" y="5157998"/>
+                  <a:pt x="4485789" y="5552906"/>
+                </a:cubicBezTo>
+                <a:cubicBezTo>
+                  <a:pt x="4397121" y="5988893"/>
+                  <a:pt x="4276748" y="6414594"/>
+                  <a:pt x="4117769" y="6828295"/>
+                </a:cubicBezTo>
+                <a:lnTo>
+                  <a:pt x="4105288" y="6858000"/>
+                </a:lnTo>
+                <a:lnTo>
+                  <a:pt x="4052520" y="6858000"/>
+                </a:lnTo>
+                <a:lnTo>
+                  <a:pt x="4059369" y="6841549"/>
+                </a:lnTo>
+                <a:cubicBezTo>
+                  <a:pt x="4147276" y="6614016"/>
+                  <a:pt x="4224193" y="6380817"/>
+                  <a:pt x="4291518" y="6142729"/>
+                </a:cubicBezTo>
+                <a:cubicBezTo>
+                  <a:pt x="4350055" y="5935370"/>
+                  <a:pt x="4393256" y="5723695"/>
+                  <a:pt x="4443357" y="5513923"/>
+                </a:cubicBezTo>
+                <a:cubicBezTo>
+                  <a:pt x="4444541" y="5502788"/>
+                  <a:pt x="4445137" y="5491601"/>
+                  <a:pt x="4445146" y="5480401"/>
+                </a:cubicBezTo>
+                <a:cubicBezTo>
+                  <a:pt x="4408465" y="5607635"/>
+                  <a:pt x="4379196" y="5719759"/>
+                  <a:pt x="4344559" y="5830359"/>
+                </a:cubicBezTo>
+                <a:cubicBezTo>
+                  <a:pt x="4254261" y="6118381"/>
+                  <a:pt x="4150112" y="6398531"/>
+                  <a:pt x="4031702" y="6670527"/>
+                </a:cubicBezTo>
+                <a:lnTo>
+                  <a:pt x="3943824" y="6858000"/>
+                </a:lnTo>
+                <a:lnTo>
+                  <a:pt x="0" y="6858000"/>
+                </a:lnTo>
+                <a:close/>
+              </a:path>
+            </a:pathLst>
+          </a:custGeom>
+        </p:spPr>
+      </p:pic>
+      <p:sp>
+        <p:nvSpPr>
+          <p:cNvPr id="11" name="sketchy line">
+            <a:extLst>
+              <a:ext uri="{FF2B5EF4-FFF2-40B4-BE49-F238E27FC236}">
+                <a16:creationId xmlns:a16="http://schemas.microsoft.com/office/drawing/2014/main" id="{21540236-BFD5-4A9D-8840-4703E7F76825}"/>
+              </a:ext>
+              <a:ext uri="{C183D7F6-B498-43B3-948B-1728B52AA6E4}">
+                <adec:decorative xmlns:adec="http://schemas.microsoft.com/office/drawing/2017/decorative" val="1"/>
+              </a:ext>
+            </a:extLst>
+          </p:cNvPr>
+          <p:cNvSpPr>
+            <a:spLocks noGrp="1" noRot="1" noChangeAspect="1" noMove="1" noResize="1" noEditPoints="1" noAdjustHandles="1" noChangeArrowheads="1" noChangeShapeType="1" noTextEdit="1"/>
+          </p:cNvSpPr>
+          <p:nvPr>
+            <p:extLst>
+              <p:ext uri="{386F3935-93C4-4BCD-93E2-E3B085C9AB24}">
+                <p16:designElem xmlns:p16="http://schemas.microsoft.com/office/powerpoint/2015/main" val="1"/>
+              </p:ext>
+            </p:extLst>
+          </p:nvPr>
+        </p:nvSpPr>
+        <p:spPr>
+          <a:xfrm>
+            <a:off x="5297762" y="2374947"/>
+            <a:ext cx="4243589" cy="18288"/>
+          </a:xfrm>
+          <a:custGeom>
+            <a:avLst/>
+            <a:gdLst>
+              <a:gd name="connsiteX0" fmla="*/ 0 w 4243589"/>
+              <a:gd name="connsiteY0" fmla="*/ 0 h 18288"/>
+              <a:gd name="connsiteX1" fmla="*/ 478919 w 4243589"/>
+              <a:gd name="connsiteY1" fmla="*/ 0 h 18288"/>
+              <a:gd name="connsiteX2" fmla="*/ 957839 w 4243589"/>
+              <a:gd name="connsiteY2" fmla="*/ 0 h 18288"/>
+              <a:gd name="connsiteX3" fmla="*/ 1521630 w 4243589"/>
+              <a:gd name="connsiteY3" fmla="*/ 0 h 18288"/>
+              <a:gd name="connsiteX4" fmla="*/ 2212729 w 4243589"/>
+              <a:gd name="connsiteY4" fmla="*/ 0 h 18288"/>
+              <a:gd name="connsiteX5" fmla="*/ 2734084 w 4243589"/>
+              <a:gd name="connsiteY5" fmla="*/ 0 h 18288"/>
+              <a:gd name="connsiteX6" fmla="*/ 3255439 w 4243589"/>
+              <a:gd name="connsiteY6" fmla="*/ 0 h 18288"/>
+              <a:gd name="connsiteX7" fmla="*/ 4243589 w 4243589"/>
+              <a:gd name="connsiteY7" fmla="*/ 0 h 18288"/>
+              <a:gd name="connsiteX8" fmla="*/ 4243589 w 4243589"/>
+              <a:gd name="connsiteY8" fmla="*/ 18288 h 18288"/>
+              <a:gd name="connsiteX9" fmla="*/ 3594926 w 4243589"/>
+              <a:gd name="connsiteY9" fmla="*/ 18288 h 18288"/>
+              <a:gd name="connsiteX10" fmla="*/ 3073571 w 4243589"/>
+              <a:gd name="connsiteY10" fmla="*/ 18288 h 18288"/>
+              <a:gd name="connsiteX11" fmla="*/ 2552216 w 4243589"/>
+              <a:gd name="connsiteY11" fmla="*/ 18288 h 18288"/>
+              <a:gd name="connsiteX12" fmla="*/ 1903553 w 4243589"/>
+              <a:gd name="connsiteY12" fmla="*/ 18288 h 18288"/>
+              <a:gd name="connsiteX13" fmla="*/ 1212454 w 4243589"/>
+              <a:gd name="connsiteY13" fmla="*/ 18288 h 18288"/>
+              <a:gd name="connsiteX14" fmla="*/ 733535 w 4243589"/>
+              <a:gd name="connsiteY14" fmla="*/ 18288 h 18288"/>
+              <a:gd name="connsiteX15" fmla="*/ 0 w 4243589"/>
+              <a:gd name="connsiteY15" fmla="*/ 18288 h 18288"/>
+              <a:gd name="connsiteX16" fmla="*/ 0 w 4243589"/>
+              <a:gd name="connsiteY16" fmla="*/ 0 h 18288"/>
+            </a:gdLst>
+            <a:ahLst/>
+            <a:cxnLst>
+              <a:cxn ang="0">
+                <a:pos x="connsiteX0" y="connsiteY0"/>
+              </a:cxn>
+              <a:cxn ang="0">
+                <a:pos x="connsiteX1" y="connsiteY1"/>
+              </a:cxn>
+              <a:cxn ang="0">
+                <a:pos x="connsiteX2" y="connsiteY2"/>
+              </a:cxn>
+              <a:cxn ang="0">
+                <a:pos x="connsiteX3" y="connsiteY3"/>
+              </a:cxn>
+              <a:cxn ang="0">
+                <a:pos x="connsiteX4" y="connsiteY4"/>
+              </a:cxn>
+              <a:cxn ang="0">
+                <a:pos x="connsiteX5" y="connsiteY5"/>
+              </a:cxn>
+              <a:cxn ang="0">
+                <a:pos x="connsiteX6" y="connsiteY6"/>
+              </a:cxn>
+              <a:cxn ang="0">
+                <a:pos x="connsiteX7" y="connsiteY7"/>
+              </a:cxn>
+              <a:cxn ang="0">
+                <a:pos x="connsiteX8" y="connsiteY8"/>
+              </a:cxn>
+              <a:cxn ang="0">
+                <a:pos x="connsiteX9" y="connsiteY9"/>
+              </a:cxn>
+              <a:cxn ang="0">
+                <a:pos x="connsiteX10" y="connsiteY10"/>
+              </a:cxn>
+              <a:cxn ang="0">
+                <a:pos x="connsiteX11" y="connsiteY11"/>
+              </a:cxn>
+              <a:cxn ang="0">
+                <a:pos x="connsiteX12" y="connsiteY12"/>
+              </a:cxn>
+              <a:cxn ang="0">
+                <a:pos x="connsiteX13" y="connsiteY13"/>
+              </a:cxn>
+              <a:cxn ang="0">
+                <a:pos x="connsiteX14" y="connsiteY14"/>
+              </a:cxn>
+              <a:cxn ang="0">
+                <a:pos x="connsiteX15" y="connsiteY15"/>
+              </a:cxn>
+              <a:cxn ang="0">
+                <a:pos x="connsiteX16" y="connsiteY16"/>
+              </a:cxn>
+            </a:cxnLst>
+            <a:rect l="l" t="t" r="r" b="b"/>
+            <a:pathLst>
+              <a:path w="4243589" h="18288" fill="none" extrusionOk="0">
+                <a:moveTo>
+                  <a:pt x="0" y="0"/>
+                </a:moveTo>
+                <a:cubicBezTo>
+                  <a:pt x="213395" y="-21006"/>
+                  <a:pt x="307421" y="-18116"/>
+                  <a:pt x="478919" y="0"/>
+                </a:cubicBezTo>
+                <a:cubicBezTo>
+                  <a:pt x="650417" y="18116"/>
+                  <a:pt x="831092" y="-21237"/>
+                  <a:pt x="957839" y="0"/>
+                </a:cubicBezTo>
+                <a:cubicBezTo>
+                  <a:pt x="1084586" y="21237"/>
+                  <a:pt x="1301682" y="25124"/>
+                  <a:pt x="1521630" y="0"/>
+                </a:cubicBezTo>
+                <a:cubicBezTo>
+                  <a:pt x="1741578" y="-25124"/>
+                  <a:pt x="1970269" y="-29139"/>
+                  <a:pt x="2212729" y="0"/>
+                </a:cubicBezTo>
+                <a:cubicBezTo>
+                  <a:pt x="2455189" y="29139"/>
+                  <a:pt x="2558847" y="-4796"/>
+                  <a:pt x="2734084" y="0"/>
+                </a:cubicBezTo>
+                <a:cubicBezTo>
+                  <a:pt x="2909321" y="4796"/>
+                  <a:pt x="3097217" y="-13409"/>
+                  <a:pt x="3255439" y="0"/>
+                </a:cubicBezTo>
+                <a:cubicBezTo>
+                  <a:pt x="3413662" y="13409"/>
+                  <a:pt x="3979999" y="-10121"/>
+                  <a:pt x="4243589" y="0"/>
+                </a:cubicBezTo>
+                <a:cubicBezTo>
+                  <a:pt x="4244484" y="8974"/>
+                  <a:pt x="4243043" y="9359"/>
+                  <a:pt x="4243589" y="18288"/>
+                </a:cubicBezTo>
+                <a:cubicBezTo>
+                  <a:pt x="4058777" y="31246"/>
+                  <a:pt x="3910348" y="3158"/>
+                  <a:pt x="3594926" y="18288"/>
+                </a:cubicBezTo>
+                <a:cubicBezTo>
+                  <a:pt x="3279504" y="33418"/>
+                  <a:pt x="3319955" y="-3977"/>
+                  <a:pt x="3073571" y="18288"/>
+                </a:cubicBezTo>
+                <a:cubicBezTo>
+                  <a:pt x="2827187" y="40553"/>
+                  <a:pt x="2767387" y="1863"/>
+                  <a:pt x="2552216" y="18288"/>
+                </a:cubicBezTo>
+                <a:cubicBezTo>
+                  <a:pt x="2337046" y="34713"/>
+                  <a:pt x="2181871" y="19527"/>
+                  <a:pt x="1903553" y="18288"/>
+                </a:cubicBezTo>
+                <a:cubicBezTo>
+                  <a:pt x="1625235" y="17049"/>
+                  <a:pt x="1557672" y="24174"/>
+                  <a:pt x="1212454" y="18288"/>
+                </a:cubicBezTo>
+                <a:cubicBezTo>
+                  <a:pt x="867236" y="12402"/>
+                  <a:pt x="874382" y="15627"/>
+                  <a:pt x="733535" y="18288"/>
+                </a:cubicBezTo>
+                <a:cubicBezTo>
+                  <a:pt x="592688" y="20949"/>
+                  <a:pt x="183477" y="14753"/>
+                  <a:pt x="0" y="18288"/>
+                </a:cubicBezTo>
+                <a:cubicBezTo>
+                  <a:pt x="-229" y="14222"/>
+                  <a:pt x="509" y="5816"/>
+                  <a:pt x="0" y="0"/>
+                </a:cubicBezTo>
+                <a:close/>
+              </a:path>
+              <a:path w="4243589" h="18288" stroke="0" extrusionOk="0">
+                <a:moveTo>
+                  <a:pt x="0" y="0"/>
+                </a:moveTo>
+                <a:cubicBezTo>
+                  <a:pt x="143690" y="16630"/>
+                  <a:pt x="266667" y="14847"/>
+                  <a:pt x="521355" y="0"/>
+                </a:cubicBezTo>
+                <a:cubicBezTo>
+                  <a:pt x="776043" y="-14847"/>
+                  <a:pt x="814491" y="-17363"/>
+                  <a:pt x="1000275" y="0"/>
+                </a:cubicBezTo>
+                <a:cubicBezTo>
+                  <a:pt x="1186059" y="17363"/>
+                  <a:pt x="1352504" y="-23507"/>
+                  <a:pt x="1521630" y="0"/>
+                </a:cubicBezTo>
+                <a:cubicBezTo>
+                  <a:pt x="1690756" y="23507"/>
+                  <a:pt x="1889525" y="5871"/>
+                  <a:pt x="2127857" y="0"/>
+                </a:cubicBezTo>
+                <a:cubicBezTo>
+                  <a:pt x="2366189" y="-5871"/>
+                  <a:pt x="2620628" y="-27997"/>
+                  <a:pt x="2776520" y="0"/>
+                </a:cubicBezTo>
+                <a:cubicBezTo>
+                  <a:pt x="2932412" y="27997"/>
+                  <a:pt x="3131683" y="-25073"/>
+                  <a:pt x="3467618" y="0"/>
+                </a:cubicBezTo>
+                <a:cubicBezTo>
+                  <a:pt x="3803553" y="25073"/>
+                  <a:pt x="4017371" y="3071"/>
+                  <a:pt x="4243589" y="0"/>
+                </a:cubicBezTo>
+                <a:cubicBezTo>
+                  <a:pt x="4243134" y="6162"/>
+                  <a:pt x="4243492" y="11775"/>
+                  <a:pt x="4243589" y="18288"/>
+                </a:cubicBezTo>
+                <a:cubicBezTo>
+                  <a:pt x="4017834" y="-5779"/>
+                  <a:pt x="3834586" y="13376"/>
+                  <a:pt x="3594926" y="18288"/>
+                </a:cubicBezTo>
+                <a:cubicBezTo>
+                  <a:pt x="3355266" y="23200"/>
+                  <a:pt x="3204179" y="2869"/>
+                  <a:pt x="2903827" y="18288"/>
+                </a:cubicBezTo>
+                <a:cubicBezTo>
+                  <a:pt x="2603475" y="33707"/>
+                  <a:pt x="2526187" y="46187"/>
+                  <a:pt x="2212729" y="18288"/>
+                </a:cubicBezTo>
+                <a:cubicBezTo>
+                  <a:pt x="1899271" y="-9611"/>
+                  <a:pt x="1966289" y="29692"/>
+                  <a:pt x="1733809" y="18288"/>
+                </a:cubicBezTo>
+                <a:cubicBezTo>
+                  <a:pt x="1501329" y="6884"/>
+                  <a:pt x="1343612" y="12492"/>
+                  <a:pt x="1085146" y="18288"/>
+                </a:cubicBezTo>
+                <a:cubicBezTo>
+                  <a:pt x="826680" y="24084"/>
+                  <a:pt x="778184" y="35607"/>
+                  <a:pt x="521355" y="18288"/>
+                </a:cubicBezTo>
+                <a:cubicBezTo>
+                  <a:pt x="264526" y="969"/>
+                  <a:pt x="120277" y="4268"/>
+                  <a:pt x="0" y="18288"/>
+                </a:cubicBezTo>
+                <a:cubicBezTo>
+                  <a:pt x="766" y="10800"/>
+                  <a:pt x="-457" y="8180"/>
+                  <a:pt x="0" y="0"/>
+                </a:cubicBezTo>
+                <a:close/>
+              </a:path>
+            </a:pathLst>
+          </a:custGeom>
+          <a:solidFill>
+            <a:schemeClr val="accent2"/>
+          </a:solidFill>
+          <a:ln w="44450" cap="rnd">
+            <a:solidFill>
+              <a:schemeClr val="accent2"/>
+            </a:solidFill>
+            <a:round/>
+            <a:extLst>
+              <a:ext uri="{C807C97D-BFC1-408E-A445-0C87EB9F89A2}">
+                <ask:lineSketchStyleProps xmlns:ask="http://schemas.microsoft.com/office/drawing/2018/sketchyshapes" sd="2727557108">
+                  <a:prstGeom prst="rect">
+                    <a:avLst/>
+                  </a:prstGeom>
+                  <ask:type>
+                    <ask:lineSketchFreehand/>
+                  </ask:type>
+                </ask:lineSketchStyleProps>
+              </a:ext>
+            </a:extLst>
+          </a:ln>
+        </p:spPr>
+        <p:style>
+          <a:lnRef idx="2">
+            <a:schemeClr val="accent1">
+              <a:shade val="50000"/>
+            </a:schemeClr>
+          </a:lnRef>
+          <a:fillRef idx="1">
+            <a:schemeClr val="accent1"/>
+          </a:fillRef>
+          <a:effectRef idx="0">
+            <a:schemeClr val="accent1"/>
+          </a:effectRef>
+          <a:fontRef idx="minor">
+            <a:schemeClr val="lt1"/>
+          </a:fontRef>
+        </p:style>
+        <p:txBody>
+          <a:bodyPr rtlCol="0" anchor="ctr"/>
+          <a:lstStyle/>
+          <a:p>
+            <a:pPr algn="ctr"/>
+            <a:endParaRPr lang="en-US"/>
+          </a:p>
+        </p:txBody>
+      </p:sp>
+      <p:sp>
+        <p:nvSpPr>
+          <p:cNvPr id="3" name="Content Placeholder 2">
+            <a:extLst>
+              <a:ext uri="{FF2B5EF4-FFF2-40B4-BE49-F238E27FC236}">
+                <a16:creationId xmlns:a16="http://schemas.microsoft.com/office/drawing/2014/main" id="{E158DE29-B945-C52C-772E-020B430F3279}"/>
+              </a:ext>
+            </a:extLst>
+          </p:cNvPr>
+          <p:cNvSpPr>
+            <a:spLocks noGrp="1"/>
+          </p:cNvSpPr>
+          <p:nvPr>
+            <p:ph idx="1"/>
+          </p:nvPr>
+        </p:nvSpPr>
+        <p:spPr>
+          <a:xfrm>
+            <a:off x="5297762" y="2706624"/>
+            <a:ext cx="6251110" cy="3483864"/>
+          </a:xfrm>
+        </p:spPr>
+        <p:txBody>
+          <a:bodyPr>
+            <a:normAutofit/>
+          </a:bodyPr>
+          <a:lstStyle/>
+          <a:p>
+            <a:r>
+              <a:rPr lang="en-GB" dirty="0"/>
+              <a:t>Your IoT application generates a massive amount of time-series data. Which AWS database service is optimized for storing and querying time-series data efficiently?</a:t>
+            </a:r>
+            <a:endParaRPr lang="en-CH" dirty="0"/>
+          </a:p>
+        </p:txBody>
+      </p:sp>
+    </p:spTree>
+    <p:extLst>
+      <p:ext uri="{BB962C8B-B14F-4D97-AF65-F5344CB8AC3E}">
+        <p14:creationId xmlns:p14="http://schemas.microsoft.com/office/powerpoint/2010/main" val="4233426188"/>
+      </p:ext>
+    </p:extLst>
+  </p:cSld>
+  <p:clrMapOvr>
+    <a:masterClrMapping/>
+  </p:clrMapOvr>
+</p:sld>
+</file>
+
+<file path=ppt/slides/slide16.xml><?xml version="1.0" encoding="utf-8"?>
+<p:sld xmlns:a="http://schemas.openxmlformats.org/drawingml/2006/main" xmlns:r="http://schemas.openxmlformats.org/officeDocument/2006/relationships" xmlns:p="http://schemas.openxmlformats.org/presentationml/2006/main">
+  <p:cSld>
+    <p:bg>
+      <p:bgPr>
+        <a:solidFill>
+          <a:schemeClr val="bg1"/>
+        </a:solidFill>
+        <a:effectLst/>
+      </p:bgPr>
+    </p:bg>
+    <p:spTree>
+      <p:nvGrpSpPr>
+        <p:cNvPr id="1" name=""/>
+        <p:cNvGrpSpPr/>
+        <p:nvPr/>
+      </p:nvGrpSpPr>
+      <p:grpSpPr>
+        <a:xfrm>
+          <a:off x="0" y="0"/>
+          <a:ext cx="0" cy="0"/>
+          <a:chOff x="0" y="0"/>
+          <a:chExt cx="0" cy="0"/>
+        </a:xfrm>
+      </p:grpSpPr>
+      <p:sp useBgFill="1">
+        <p:nvSpPr>
+          <p:cNvPr id="9" name="Rectangle 8">
+            <a:extLst>
+              <a:ext uri="{FF2B5EF4-FFF2-40B4-BE49-F238E27FC236}">
+                <a16:creationId xmlns:a16="http://schemas.microsoft.com/office/drawing/2014/main" id="{2C61293E-6EBE-43EF-A52C-9BEBFD7679D4}"/>
+              </a:ext>
+              <a:ext uri="{C183D7F6-B498-43B3-948B-1728B52AA6E4}">
+                <adec:decorative xmlns:adec="http://schemas.microsoft.com/office/drawing/2017/decorative" val="1"/>
+              </a:ext>
+            </a:extLst>
+          </p:cNvPr>
+          <p:cNvSpPr>
+            <a:spLocks noGrp="1" noRot="1" noChangeAspect="1" noMove="1" noResize="1" noEditPoints="1" noAdjustHandles="1" noChangeArrowheads="1" noChangeShapeType="1" noTextEdit="1"/>
+          </p:cNvSpPr>
+          <p:nvPr>
+            <p:extLst>
+              <p:ext uri="{386F3935-93C4-4BCD-93E2-E3B085C9AB24}">
+                <p16:designElem xmlns:p16="http://schemas.microsoft.com/office/powerpoint/2015/main" val="1"/>
+              </p:ext>
+            </p:extLst>
+          </p:nvPr>
+        </p:nvSpPr>
+        <p:spPr>
+          <a:xfrm>
+            <a:off x="0" y="0"/>
+            <a:ext cx="12188952" cy="6858000"/>
+          </a:xfrm>
+          <a:prstGeom prst="rect">
+            <a:avLst/>
+          </a:prstGeom>
+          <a:ln>
+            <a:noFill/>
+          </a:ln>
+        </p:spPr>
+        <p:style>
+          <a:lnRef idx="2">
+            <a:schemeClr val="accent1">
+              <a:shade val="50000"/>
+            </a:schemeClr>
+          </a:lnRef>
+          <a:fillRef idx="1">
+            <a:schemeClr val="accent1"/>
+          </a:fillRef>
+          <a:effectRef idx="0">
+            <a:schemeClr val="accent1"/>
+          </a:effectRef>
+          <a:fontRef idx="minor">
+            <a:schemeClr val="lt1"/>
+          </a:fontRef>
+        </p:style>
+        <p:txBody>
+          <a:bodyPr rtlCol="0" anchor="ctr"/>
+          <a:lstStyle/>
+          <a:p>
+            <a:pPr algn="ctr"/>
+            <a:endParaRPr lang="en-US"/>
+          </a:p>
+        </p:txBody>
+      </p:sp>
+      <p:sp>
+        <p:nvSpPr>
+          <p:cNvPr id="2" name="Title 1">
+            <a:extLst>
+              <a:ext uri="{FF2B5EF4-FFF2-40B4-BE49-F238E27FC236}">
+                <a16:creationId xmlns:a16="http://schemas.microsoft.com/office/drawing/2014/main" id="{78CA6976-3C94-7225-F4F2-B2B95AA2AD3F}"/>
+              </a:ext>
+            </a:extLst>
+          </p:cNvPr>
+          <p:cNvSpPr>
+            <a:spLocks noGrp="1"/>
+          </p:cNvSpPr>
+          <p:nvPr>
+            <p:ph type="title"/>
+          </p:nvPr>
+        </p:nvSpPr>
+        <p:spPr>
+          <a:xfrm>
+            <a:off x="5297762" y="329184"/>
+            <a:ext cx="6251110" cy="1783080"/>
+          </a:xfrm>
+        </p:spPr>
+        <p:txBody>
+          <a:bodyPr anchor="b">
+            <a:normAutofit/>
+          </a:bodyPr>
+          <a:lstStyle/>
+          <a:p>
+            <a:r>
+              <a:rPr lang="en-CH" sz="5400" dirty="0"/>
+              <a:t>Question</a:t>
+            </a:r>
+          </a:p>
+        </p:txBody>
+      </p:sp>
+      <p:pic>
+        <p:nvPicPr>
+          <p:cNvPr id="5" name="Picture 4" descr="Many question marks on black background">
+            <a:extLst>
+              <a:ext uri="{FF2B5EF4-FFF2-40B4-BE49-F238E27FC236}">
+                <a16:creationId xmlns:a16="http://schemas.microsoft.com/office/drawing/2014/main" id="{1E2CD7CE-575E-E731-1428-4E1C0EEEBA01}"/>
+              </a:ext>
+            </a:extLst>
+          </p:cNvPr>
+          <p:cNvPicPr>
+            <a:picLocks noChangeAspect="1"/>
+          </p:cNvPicPr>
+          <p:nvPr/>
+        </p:nvPicPr>
+        <p:blipFill rotWithShape="1">
+          <a:blip r:embed="rId2"/>
+          <a:srcRect l="58573" r="2" b="2"/>
+          <a:stretch/>
+        </p:blipFill>
+        <p:spPr>
+          <a:xfrm>
+            <a:off x="1" y="10"/>
+            <a:ext cx="4657344" cy="6857990"/>
+          </a:xfrm>
+          <a:custGeom>
+            <a:avLst/>
+            <a:gdLst/>
+            <a:ahLst/>
+            <a:cxnLst/>
+            <a:rect l="l" t="t" r="r" b="b"/>
+            <a:pathLst>
+              <a:path w="4657344" h="6858000">
+                <a:moveTo>
+                  <a:pt x="0" y="0"/>
+                </a:moveTo>
+                <a:lnTo>
+                  <a:pt x="3429755" y="0"/>
+                </a:lnTo>
+                <a:lnTo>
+                  <a:pt x="3526016" y="148742"/>
+                </a:lnTo>
+                <a:cubicBezTo>
+                  <a:pt x="3657740" y="365513"/>
+                  <a:pt x="3777402" y="589569"/>
+                  <a:pt x="3886489" y="819975"/>
+                </a:cubicBezTo>
+                <a:cubicBezTo>
+                  <a:pt x="3891856" y="833492"/>
+                  <a:pt x="3900663" y="845393"/>
+                  <a:pt x="3912049" y="854514"/>
+                </a:cubicBezTo>
+                <a:cubicBezTo>
+                  <a:pt x="3897352" y="819849"/>
+                  <a:pt x="3883037" y="784928"/>
+                  <a:pt x="3868083" y="750263"/>
+                </a:cubicBezTo>
+                <a:cubicBezTo>
+                  <a:pt x="3806989" y="608712"/>
+                  <a:pt x="3742478" y="469145"/>
+                  <a:pt x="3674155" y="331786"/>
+                </a:cubicBezTo>
+                <a:lnTo>
+                  <a:pt x="3496656" y="0"/>
+                </a:lnTo>
+                <a:lnTo>
+                  <a:pt x="3554371" y="0"/>
+                </a:lnTo>
+                <a:lnTo>
+                  <a:pt x="3661621" y="196614"/>
+                </a:lnTo>
+                <a:cubicBezTo>
+                  <a:pt x="3856899" y="573253"/>
+                  <a:pt x="4021071" y="966066"/>
+                  <a:pt x="4161279" y="1371196"/>
+                </a:cubicBezTo>
+                <a:cubicBezTo>
+                  <a:pt x="4379525" y="2007265"/>
+                  <a:pt x="4530141" y="2664286"/>
+                  <a:pt x="4610660" y="3331516"/>
+                </a:cubicBezTo>
+                <a:cubicBezTo>
+                  <a:pt x="4652837" y="3672965"/>
+                  <a:pt x="4671625" y="4013908"/>
+                  <a:pt x="4645040" y="4357388"/>
+                </a:cubicBezTo>
+                <a:cubicBezTo>
+                  <a:pt x="4613599" y="4758899"/>
+                  <a:pt x="4566181" y="5157998"/>
+                  <a:pt x="4485789" y="5552906"/>
+                </a:cubicBezTo>
+                <a:cubicBezTo>
+                  <a:pt x="4397121" y="5988893"/>
+                  <a:pt x="4276748" y="6414594"/>
+                  <a:pt x="4117769" y="6828295"/>
+                </a:cubicBezTo>
+                <a:lnTo>
+                  <a:pt x="4105288" y="6858000"/>
+                </a:lnTo>
+                <a:lnTo>
+                  <a:pt x="4052520" y="6858000"/>
+                </a:lnTo>
+                <a:lnTo>
+                  <a:pt x="4059369" y="6841549"/>
+                </a:lnTo>
+                <a:cubicBezTo>
+                  <a:pt x="4147276" y="6614016"/>
+                  <a:pt x="4224193" y="6380817"/>
+                  <a:pt x="4291518" y="6142729"/>
+                </a:cubicBezTo>
+                <a:cubicBezTo>
+                  <a:pt x="4350055" y="5935370"/>
+                  <a:pt x="4393256" y="5723695"/>
+                  <a:pt x="4443357" y="5513923"/>
+                </a:cubicBezTo>
+                <a:cubicBezTo>
+                  <a:pt x="4444541" y="5502788"/>
+                  <a:pt x="4445137" y="5491601"/>
+                  <a:pt x="4445146" y="5480401"/>
+                </a:cubicBezTo>
+                <a:cubicBezTo>
+                  <a:pt x="4408465" y="5607635"/>
+                  <a:pt x="4379196" y="5719759"/>
+                  <a:pt x="4344559" y="5830359"/>
+                </a:cubicBezTo>
+                <a:cubicBezTo>
+                  <a:pt x="4254261" y="6118381"/>
+                  <a:pt x="4150112" y="6398531"/>
+                  <a:pt x="4031702" y="6670527"/>
+                </a:cubicBezTo>
+                <a:lnTo>
+                  <a:pt x="3943824" y="6858000"/>
+                </a:lnTo>
+                <a:lnTo>
+                  <a:pt x="0" y="6858000"/>
+                </a:lnTo>
+                <a:close/>
+              </a:path>
+            </a:pathLst>
+          </a:custGeom>
+        </p:spPr>
+      </p:pic>
+      <p:sp>
+        <p:nvSpPr>
+          <p:cNvPr id="11" name="sketchy line">
+            <a:extLst>
+              <a:ext uri="{FF2B5EF4-FFF2-40B4-BE49-F238E27FC236}">
+                <a16:creationId xmlns:a16="http://schemas.microsoft.com/office/drawing/2014/main" id="{21540236-BFD5-4A9D-8840-4703E7F76825}"/>
+              </a:ext>
+              <a:ext uri="{C183D7F6-B498-43B3-948B-1728B52AA6E4}">
+                <adec:decorative xmlns:adec="http://schemas.microsoft.com/office/drawing/2017/decorative" val="1"/>
+              </a:ext>
+            </a:extLst>
+          </p:cNvPr>
+          <p:cNvSpPr>
+            <a:spLocks noGrp="1" noRot="1" noChangeAspect="1" noMove="1" noResize="1" noEditPoints="1" noAdjustHandles="1" noChangeArrowheads="1" noChangeShapeType="1" noTextEdit="1"/>
+          </p:cNvSpPr>
+          <p:nvPr>
+            <p:extLst>
+              <p:ext uri="{386F3935-93C4-4BCD-93E2-E3B085C9AB24}">
+                <p16:designElem xmlns:p16="http://schemas.microsoft.com/office/powerpoint/2015/main" val="1"/>
+              </p:ext>
+            </p:extLst>
+          </p:nvPr>
+        </p:nvSpPr>
+        <p:spPr>
+          <a:xfrm>
+            <a:off x="5297762" y="2374947"/>
+            <a:ext cx="4243589" cy="18288"/>
+          </a:xfrm>
+          <a:custGeom>
+            <a:avLst/>
+            <a:gdLst>
+              <a:gd name="connsiteX0" fmla="*/ 0 w 4243589"/>
+              <a:gd name="connsiteY0" fmla="*/ 0 h 18288"/>
+              <a:gd name="connsiteX1" fmla="*/ 478919 w 4243589"/>
+              <a:gd name="connsiteY1" fmla="*/ 0 h 18288"/>
+              <a:gd name="connsiteX2" fmla="*/ 957839 w 4243589"/>
+              <a:gd name="connsiteY2" fmla="*/ 0 h 18288"/>
+              <a:gd name="connsiteX3" fmla="*/ 1521630 w 4243589"/>
+              <a:gd name="connsiteY3" fmla="*/ 0 h 18288"/>
+              <a:gd name="connsiteX4" fmla="*/ 2212729 w 4243589"/>
+              <a:gd name="connsiteY4" fmla="*/ 0 h 18288"/>
+              <a:gd name="connsiteX5" fmla="*/ 2734084 w 4243589"/>
+              <a:gd name="connsiteY5" fmla="*/ 0 h 18288"/>
+              <a:gd name="connsiteX6" fmla="*/ 3255439 w 4243589"/>
+              <a:gd name="connsiteY6" fmla="*/ 0 h 18288"/>
+              <a:gd name="connsiteX7" fmla="*/ 4243589 w 4243589"/>
+              <a:gd name="connsiteY7" fmla="*/ 0 h 18288"/>
+              <a:gd name="connsiteX8" fmla="*/ 4243589 w 4243589"/>
+              <a:gd name="connsiteY8" fmla="*/ 18288 h 18288"/>
+              <a:gd name="connsiteX9" fmla="*/ 3594926 w 4243589"/>
+              <a:gd name="connsiteY9" fmla="*/ 18288 h 18288"/>
+              <a:gd name="connsiteX10" fmla="*/ 3073571 w 4243589"/>
+              <a:gd name="connsiteY10" fmla="*/ 18288 h 18288"/>
+              <a:gd name="connsiteX11" fmla="*/ 2552216 w 4243589"/>
+              <a:gd name="connsiteY11" fmla="*/ 18288 h 18288"/>
+              <a:gd name="connsiteX12" fmla="*/ 1903553 w 4243589"/>
+              <a:gd name="connsiteY12" fmla="*/ 18288 h 18288"/>
+              <a:gd name="connsiteX13" fmla="*/ 1212454 w 4243589"/>
+              <a:gd name="connsiteY13" fmla="*/ 18288 h 18288"/>
+              <a:gd name="connsiteX14" fmla="*/ 733535 w 4243589"/>
+              <a:gd name="connsiteY14" fmla="*/ 18288 h 18288"/>
+              <a:gd name="connsiteX15" fmla="*/ 0 w 4243589"/>
+              <a:gd name="connsiteY15" fmla="*/ 18288 h 18288"/>
+              <a:gd name="connsiteX16" fmla="*/ 0 w 4243589"/>
+              <a:gd name="connsiteY16" fmla="*/ 0 h 18288"/>
+            </a:gdLst>
+            <a:ahLst/>
+            <a:cxnLst>
+              <a:cxn ang="0">
+                <a:pos x="connsiteX0" y="connsiteY0"/>
+              </a:cxn>
+              <a:cxn ang="0">
+                <a:pos x="connsiteX1" y="connsiteY1"/>
+              </a:cxn>
+              <a:cxn ang="0">
+                <a:pos x="connsiteX2" y="connsiteY2"/>
+              </a:cxn>
+              <a:cxn ang="0">
+                <a:pos x="connsiteX3" y="connsiteY3"/>
+              </a:cxn>
+              <a:cxn ang="0">
+                <a:pos x="connsiteX4" y="connsiteY4"/>
+              </a:cxn>
+              <a:cxn ang="0">
+                <a:pos x="connsiteX5" y="connsiteY5"/>
+              </a:cxn>
+              <a:cxn ang="0">
+                <a:pos x="connsiteX6" y="connsiteY6"/>
+              </a:cxn>
+              <a:cxn ang="0">
+                <a:pos x="connsiteX7" y="connsiteY7"/>
+              </a:cxn>
+              <a:cxn ang="0">
+                <a:pos x="connsiteX8" y="connsiteY8"/>
+              </a:cxn>
+              <a:cxn ang="0">
+                <a:pos x="connsiteX9" y="connsiteY9"/>
+              </a:cxn>
+              <a:cxn ang="0">
+                <a:pos x="connsiteX10" y="connsiteY10"/>
+              </a:cxn>
+              <a:cxn ang="0">
+                <a:pos x="connsiteX11" y="connsiteY11"/>
+              </a:cxn>
+              <a:cxn ang="0">
+                <a:pos x="connsiteX12" y="connsiteY12"/>
+              </a:cxn>
+              <a:cxn ang="0">
+                <a:pos x="connsiteX13" y="connsiteY13"/>
+              </a:cxn>
+              <a:cxn ang="0">
+                <a:pos x="connsiteX14" y="connsiteY14"/>
+              </a:cxn>
+              <a:cxn ang="0">
+                <a:pos x="connsiteX15" y="connsiteY15"/>
+              </a:cxn>
+              <a:cxn ang="0">
+                <a:pos x="connsiteX16" y="connsiteY16"/>
+              </a:cxn>
+            </a:cxnLst>
+            <a:rect l="l" t="t" r="r" b="b"/>
+            <a:pathLst>
+              <a:path w="4243589" h="18288" fill="none" extrusionOk="0">
+                <a:moveTo>
+                  <a:pt x="0" y="0"/>
+                </a:moveTo>
+                <a:cubicBezTo>
+                  <a:pt x="213395" y="-21006"/>
+                  <a:pt x="307421" y="-18116"/>
+                  <a:pt x="478919" y="0"/>
+                </a:cubicBezTo>
+                <a:cubicBezTo>
+                  <a:pt x="650417" y="18116"/>
+                  <a:pt x="831092" y="-21237"/>
+                  <a:pt x="957839" y="0"/>
+                </a:cubicBezTo>
+                <a:cubicBezTo>
+                  <a:pt x="1084586" y="21237"/>
+                  <a:pt x="1301682" y="25124"/>
+                  <a:pt x="1521630" y="0"/>
+                </a:cubicBezTo>
+                <a:cubicBezTo>
+                  <a:pt x="1741578" y="-25124"/>
+                  <a:pt x="1970269" y="-29139"/>
+                  <a:pt x="2212729" y="0"/>
+                </a:cubicBezTo>
+                <a:cubicBezTo>
+                  <a:pt x="2455189" y="29139"/>
+                  <a:pt x="2558847" y="-4796"/>
+                  <a:pt x="2734084" y="0"/>
+                </a:cubicBezTo>
+                <a:cubicBezTo>
+                  <a:pt x="2909321" y="4796"/>
+                  <a:pt x="3097217" y="-13409"/>
+                  <a:pt x="3255439" y="0"/>
+                </a:cubicBezTo>
+                <a:cubicBezTo>
+                  <a:pt x="3413662" y="13409"/>
+                  <a:pt x="3979999" y="-10121"/>
+                  <a:pt x="4243589" y="0"/>
+                </a:cubicBezTo>
+                <a:cubicBezTo>
+                  <a:pt x="4244484" y="8974"/>
+                  <a:pt x="4243043" y="9359"/>
+                  <a:pt x="4243589" y="18288"/>
+                </a:cubicBezTo>
+                <a:cubicBezTo>
+                  <a:pt x="4058777" y="31246"/>
+                  <a:pt x="3910348" y="3158"/>
+                  <a:pt x="3594926" y="18288"/>
+                </a:cubicBezTo>
+                <a:cubicBezTo>
+                  <a:pt x="3279504" y="33418"/>
+                  <a:pt x="3319955" y="-3977"/>
+                  <a:pt x="3073571" y="18288"/>
+                </a:cubicBezTo>
+                <a:cubicBezTo>
+                  <a:pt x="2827187" y="40553"/>
+                  <a:pt x="2767387" y="1863"/>
+                  <a:pt x="2552216" y="18288"/>
+                </a:cubicBezTo>
+                <a:cubicBezTo>
+                  <a:pt x="2337046" y="34713"/>
+                  <a:pt x="2181871" y="19527"/>
+                  <a:pt x="1903553" y="18288"/>
+                </a:cubicBezTo>
+                <a:cubicBezTo>
+                  <a:pt x="1625235" y="17049"/>
+                  <a:pt x="1557672" y="24174"/>
+                  <a:pt x="1212454" y="18288"/>
+                </a:cubicBezTo>
+                <a:cubicBezTo>
+                  <a:pt x="867236" y="12402"/>
+                  <a:pt x="874382" y="15627"/>
+                  <a:pt x="733535" y="18288"/>
+                </a:cubicBezTo>
+                <a:cubicBezTo>
+                  <a:pt x="592688" y="20949"/>
+                  <a:pt x="183477" y="14753"/>
+                  <a:pt x="0" y="18288"/>
+                </a:cubicBezTo>
+                <a:cubicBezTo>
+                  <a:pt x="-229" y="14222"/>
+                  <a:pt x="509" y="5816"/>
+                  <a:pt x="0" y="0"/>
+                </a:cubicBezTo>
+                <a:close/>
+              </a:path>
+              <a:path w="4243589" h="18288" stroke="0" extrusionOk="0">
+                <a:moveTo>
+                  <a:pt x="0" y="0"/>
+                </a:moveTo>
+                <a:cubicBezTo>
+                  <a:pt x="143690" y="16630"/>
+                  <a:pt x="266667" y="14847"/>
+                  <a:pt x="521355" y="0"/>
+                </a:cubicBezTo>
+                <a:cubicBezTo>
+                  <a:pt x="776043" y="-14847"/>
+                  <a:pt x="814491" y="-17363"/>
+                  <a:pt x="1000275" y="0"/>
+                </a:cubicBezTo>
+                <a:cubicBezTo>
+                  <a:pt x="1186059" y="17363"/>
+                  <a:pt x="1352504" y="-23507"/>
+                  <a:pt x="1521630" y="0"/>
+                </a:cubicBezTo>
+                <a:cubicBezTo>
+                  <a:pt x="1690756" y="23507"/>
+                  <a:pt x="1889525" y="5871"/>
+                  <a:pt x="2127857" y="0"/>
+                </a:cubicBezTo>
+                <a:cubicBezTo>
+                  <a:pt x="2366189" y="-5871"/>
+                  <a:pt x="2620628" y="-27997"/>
+                  <a:pt x="2776520" y="0"/>
+                </a:cubicBezTo>
+                <a:cubicBezTo>
+                  <a:pt x="2932412" y="27997"/>
+                  <a:pt x="3131683" y="-25073"/>
+                  <a:pt x="3467618" y="0"/>
+                </a:cubicBezTo>
+                <a:cubicBezTo>
+                  <a:pt x="3803553" y="25073"/>
+                  <a:pt x="4017371" y="3071"/>
+                  <a:pt x="4243589" y="0"/>
+                </a:cubicBezTo>
+                <a:cubicBezTo>
+                  <a:pt x="4243134" y="6162"/>
+                  <a:pt x="4243492" y="11775"/>
+                  <a:pt x="4243589" y="18288"/>
+                </a:cubicBezTo>
+                <a:cubicBezTo>
+                  <a:pt x="4017834" y="-5779"/>
+                  <a:pt x="3834586" y="13376"/>
+                  <a:pt x="3594926" y="18288"/>
+                </a:cubicBezTo>
+                <a:cubicBezTo>
+                  <a:pt x="3355266" y="23200"/>
+                  <a:pt x="3204179" y="2869"/>
+                  <a:pt x="2903827" y="18288"/>
+                </a:cubicBezTo>
+                <a:cubicBezTo>
+                  <a:pt x="2603475" y="33707"/>
+                  <a:pt x="2526187" y="46187"/>
+                  <a:pt x="2212729" y="18288"/>
+                </a:cubicBezTo>
+                <a:cubicBezTo>
+                  <a:pt x="1899271" y="-9611"/>
+                  <a:pt x="1966289" y="29692"/>
+                  <a:pt x="1733809" y="18288"/>
+                </a:cubicBezTo>
+                <a:cubicBezTo>
+                  <a:pt x="1501329" y="6884"/>
+                  <a:pt x="1343612" y="12492"/>
+                  <a:pt x="1085146" y="18288"/>
+                </a:cubicBezTo>
+                <a:cubicBezTo>
+                  <a:pt x="826680" y="24084"/>
+                  <a:pt x="778184" y="35607"/>
+                  <a:pt x="521355" y="18288"/>
+                </a:cubicBezTo>
+                <a:cubicBezTo>
+                  <a:pt x="264526" y="969"/>
+                  <a:pt x="120277" y="4268"/>
+                  <a:pt x="0" y="18288"/>
+                </a:cubicBezTo>
+                <a:cubicBezTo>
+                  <a:pt x="766" y="10800"/>
+                  <a:pt x="-457" y="8180"/>
+                  <a:pt x="0" y="0"/>
+                </a:cubicBezTo>
+                <a:close/>
+              </a:path>
+            </a:pathLst>
+          </a:custGeom>
+          <a:solidFill>
+            <a:schemeClr val="accent2"/>
+          </a:solidFill>
+          <a:ln w="44450" cap="rnd">
+            <a:solidFill>
+              <a:schemeClr val="accent2"/>
+            </a:solidFill>
+            <a:round/>
+            <a:extLst>
+              <a:ext uri="{C807C97D-BFC1-408E-A445-0C87EB9F89A2}">
+                <ask:lineSketchStyleProps xmlns:ask="http://schemas.microsoft.com/office/drawing/2018/sketchyshapes" sd="2727557108">
+                  <a:prstGeom prst="rect">
+                    <a:avLst/>
+                  </a:prstGeom>
+                  <ask:type>
+                    <ask:lineSketchFreehand/>
+                  </ask:type>
+                </ask:lineSketchStyleProps>
+              </a:ext>
+            </a:extLst>
+          </a:ln>
+        </p:spPr>
+        <p:style>
+          <a:lnRef idx="2">
+            <a:schemeClr val="accent1">
+              <a:shade val="50000"/>
+            </a:schemeClr>
+          </a:lnRef>
+          <a:fillRef idx="1">
+            <a:schemeClr val="accent1"/>
+          </a:fillRef>
+          <a:effectRef idx="0">
+            <a:schemeClr val="accent1"/>
+          </a:effectRef>
+          <a:fontRef idx="minor">
+            <a:schemeClr val="lt1"/>
+          </a:fontRef>
+        </p:style>
+        <p:txBody>
+          <a:bodyPr rtlCol="0" anchor="ctr"/>
+          <a:lstStyle/>
+          <a:p>
+            <a:pPr algn="ctr"/>
+            <a:endParaRPr lang="en-US"/>
+          </a:p>
+        </p:txBody>
+      </p:sp>
+      <p:sp>
+        <p:nvSpPr>
+          <p:cNvPr id="3" name="Content Placeholder 2">
+            <a:extLst>
+              <a:ext uri="{FF2B5EF4-FFF2-40B4-BE49-F238E27FC236}">
+                <a16:creationId xmlns:a16="http://schemas.microsoft.com/office/drawing/2014/main" id="{E158DE29-B945-C52C-772E-020B430F3279}"/>
+              </a:ext>
+            </a:extLst>
+          </p:cNvPr>
+          <p:cNvSpPr>
+            <a:spLocks noGrp="1"/>
+          </p:cNvSpPr>
+          <p:nvPr>
+            <p:ph idx="1"/>
+          </p:nvPr>
+        </p:nvSpPr>
+        <p:spPr>
+          <a:xfrm>
+            <a:off x="5297762" y="2706624"/>
+            <a:ext cx="6251110" cy="3483864"/>
+          </a:xfrm>
+        </p:spPr>
+        <p:txBody>
+          <a:bodyPr>
+            <a:normAutofit/>
+          </a:bodyPr>
+          <a:lstStyle/>
+          <a:p>
+            <a:r>
+              <a:rPr lang="en-GB" dirty="0"/>
+              <a:t>Your application demands high performance and throughput for complex queries. Which AWS database service is a fully managed relational database engine designed for such demanding applications?</a:t>
+            </a:r>
+            <a:endParaRPr lang="en-CH" dirty="0"/>
+          </a:p>
+        </p:txBody>
+      </p:sp>
+    </p:spTree>
+    <p:extLst>
+      <p:ext uri="{BB962C8B-B14F-4D97-AF65-F5344CB8AC3E}">
+        <p14:creationId xmlns:p14="http://schemas.microsoft.com/office/powerpoint/2010/main" val="142665805"/>
+      </p:ext>
+    </p:extLst>
+  </p:cSld>
+  <p:clrMapOvr>
+    <a:masterClrMapping/>
+  </p:clrMapOvr>
+</p:sld>
+</file>
+
+<file path=ppt/slides/slide17.xml><?xml version="1.0" encoding="utf-8"?>
+<p:sld xmlns:a="http://schemas.openxmlformats.org/drawingml/2006/main" xmlns:r="http://schemas.openxmlformats.org/officeDocument/2006/relationships" xmlns:p="http://schemas.openxmlformats.org/presentationml/2006/main">
+  <p:cSld>
+    <p:bg>
+      <p:bgPr>
+        <a:solidFill>
+          <a:schemeClr val="bg1"/>
+        </a:solidFill>
+        <a:effectLst/>
+      </p:bgPr>
+    </p:bg>
+    <p:spTree>
+      <p:nvGrpSpPr>
+        <p:cNvPr id="1" name=""/>
+        <p:cNvGrpSpPr/>
+        <p:nvPr/>
+      </p:nvGrpSpPr>
+      <p:grpSpPr>
+        <a:xfrm>
+          <a:off x="0" y="0"/>
+          <a:ext cx="0" cy="0"/>
+          <a:chOff x="0" y="0"/>
+          <a:chExt cx="0" cy="0"/>
+        </a:xfrm>
+      </p:grpSpPr>
+      <p:sp useBgFill="1">
+        <p:nvSpPr>
+          <p:cNvPr id="9" name="Rectangle 8">
+            <a:extLst>
+              <a:ext uri="{FF2B5EF4-FFF2-40B4-BE49-F238E27FC236}">
+                <a16:creationId xmlns:a16="http://schemas.microsoft.com/office/drawing/2014/main" id="{2C61293E-6EBE-43EF-A52C-9BEBFD7679D4}"/>
+              </a:ext>
+              <a:ext uri="{C183D7F6-B498-43B3-948B-1728B52AA6E4}">
+                <adec:decorative xmlns:adec="http://schemas.microsoft.com/office/drawing/2017/decorative" val="1"/>
+              </a:ext>
+            </a:extLst>
+          </p:cNvPr>
+          <p:cNvSpPr>
+            <a:spLocks noGrp="1" noRot="1" noChangeAspect="1" noMove="1" noResize="1" noEditPoints="1" noAdjustHandles="1" noChangeArrowheads="1" noChangeShapeType="1" noTextEdit="1"/>
+          </p:cNvSpPr>
+          <p:nvPr>
+            <p:extLst>
+              <p:ext uri="{386F3935-93C4-4BCD-93E2-E3B085C9AB24}">
+                <p16:designElem xmlns:p16="http://schemas.microsoft.com/office/powerpoint/2015/main" val="1"/>
+              </p:ext>
+            </p:extLst>
+          </p:nvPr>
+        </p:nvSpPr>
+        <p:spPr>
+          <a:xfrm>
+            <a:off x="0" y="0"/>
+            <a:ext cx="12188952" cy="6858000"/>
+          </a:xfrm>
+          <a:prstGeom prst="rect">
+            <a:avLst/>
+          </a:prstGeom>
+          <a:ln>
+            <a:noFill/>
+          </a:ln>
+        </p:spPr>
+        <p:style>
+          <a:lnRef idx="2">
+            <a:schemeClr val="accent1">
+              <a:shade val="50000"/>
+            </a:schemeClr>
+          </a:lnRef>
+          <a:fillRef idx="1">
+            <a:schemeClr val="accent1"/>
+          </a:fillRef>
+          <a:effectRef idx="0">
+            <a:schemeClr val="accent1"/>
+          </a:effectRef>
+          <a:fontRef idx="minor">
+            <a:schemeClr val="lt1"/>
+          </a:fontRef>
+        </p:style>
+        <p:txBody>
+          <a:bodyPr rtlCol="0" anchor="ctr"/>
+          <a:lstStyle/>
+          <a:p>
+            <a:pPr algn="ctr"/>
+            <a:endParaRPr lang="en-US"/>
+          </a:p>
+        </p:txBody>
+      </p:sp>
+      <p:sp>
+        <p:nvSpPr>
+          <p:cNvPr id="2" name="Title 1">
+            <a:extLst>
+              <a:ext uri="{FF2B5EF4-FFF2-40B4-BE49-F238E27FC236}">
+                <a16:creationId xmlns:a16="http://schemas.microsoft.com/office/drawing/2014/main" id="{78CA6976-3C94-7225-F4F2-B2B95AA2AD3F}"/>
+              </a:ext>
+            </a:extLst>
+          </p:cNvPr>
+          <p:cNvSpPr>
+            <a:spLocks noGrp="1"/>
+          </p:cNvSpPr>
+          <p:nvPr>
+            <p:ph type="title"/>
+          </p:nvPr>
+        </p:nvSpPr>
+        <p:spPr>
+          <a:xfrm>
+            <a:off x="5297762" y="329184"/>
+            <a:ext cx="6251110" cy="1783080"/>
+          </a:xfrm>
+        </p:spPr>
+        <p:txBody>
+          <a:bodyPr anchor="b">
+            <a:normAutofit/>
+          </a:bodyPr>
+          <a:lstStyle/>
+          <a:p>
+            <a:r>
+              <a:rPr lang="en-CH" sz="5400" dirty="0"/>
+              <a:t>Question</a:t>
+            </a:r>
+          </a:p>
+        </p:txBody>
+      </p:sp>
+      <p:pic>
+        <p:nvPicPr>
+          <p:cNvPr id="5" name="Picture 4" descr="Many question marks on black background">
+            <a:extLst>
+              <a:ext uri="{FF2B5EF4-FFF2-40B4-BE49-F238E27FC236}">
+                <a16:creationId xmlns:a16="http://schemas.microsoft.com/office/drawing/2014/main" id="{1E2CD7CE-575E-E731-1428-4E1C0EEEBA01}"/>
+              </a:ext>
+            </a:extLst>
+          </p:cNvPr>
+          <p:cNvPicPr>
+            <a:picLocks noChangeAspect="1"/>
+          </p:cNvPicPr>
+          <p:nvPr/>
+        </p:nvPicPr>
+        <p:blipFill rotWithShape="1">
+          <a:blip r:embed="rId2"/>
+          <a:srcRect l="58573" r="2" b="2"/>
+          <a:stretch/>
+        </p:blipFill>
+        <p:spPr>
+          <a:xfrm>
+            <a:off x="1" y="10"/>
+            <a:ext cx="4657344" cy="6857990"/>
+          </a:xfrm>
+          <a:custGeom>
+            <a:avLst/>
+            <a:gdLst/>
+            <a:ahLst/>
+            <a:cxnLst/>
+            <a:rect l="l" t="t" r="r" b="b"/>
+            <a:pathLst>
+              <a:path w="4657344" h="6858000">
+                <a:moveTo>
+                  <a:pt x="0" y="0"/>
+                </a:moveTo>
+                <a:lnTo>
+                  <a:pt x="3429755" y="0"/>
+                </a:lnTo>
+                <a:lnTo>
+                  <a:pt x="3526016" y="148742"/>
+                </a:lnTo>
+                <a:cubicBezTo>
+                  <a:pt x="3657740" y="365513"/>
+                  <a:pt x="3777402" y="589569"/>
+                  <a:pt x="3886489" y="819975"/>
+                </a:cubicBezTo>
+                <a:cubicBezTo>
+                  <a:pt x="3891856" y="833492"/>
+                  <a:pt x="3900663" y="845393"/>
+                  <a:pt x="3912049" y="854514"/>
+                </a:cubicBezTo>
+                <a:cubicBezTo>
+                  <a:pt x="3897352" y="819849"/>
+                  <a:pt x="3883037" y="784928"/>
+                  <a:pt x="3868083" y="750263"/>
+                </a:cubicBezTo>
+                <a:cubicBezTo>
+                  <a:pt x="3806989" y="608712"/>
+                  <a:pt x="3742478" y="469145"/>
+                  <a:pt x="3674155" y="331786"/>
+                </a:cubicBezTo>
+                <a:lnTo>
+                  <a:pt x="3496656" y="0"/>
+                </a:lnTo>
+                <a:lnTo>
+                  <a:pt x="3554371" y="0"/>
+                </a:lnTo>
+                <a:lnTo>
+                  <a:pt x="3661621" y="196614"/>
+                </a:lnTo>
+                <a:cubicBezTo>
+                  <a:pt x="3856899" y="573253"/>
+                  <a:pt x="4021071" y="966066"/>
+                  <a:pt x="4161279" y="1371196"/>
+                </a:cubicBezTo>
+                <a:cubicBezTo>
+                  <a:pt x="4379525" y="2007265"/>
+                  <a:pt x="4530141" y="2664286"/>
+                  <a:pt x="4610660" y="3331516"/>
+                </a:cubicBezTo>
+                <a:cubicBezTo>
+                  <a:pt x="4652837" y="3672965"/>
+                  <a:pt x="4671625" y="4013908"/>
+                  <a:pt x="4645040" y="4357388"/>
+                </a:cubicBezTo>
+                <a:cubicBezTo>
+                  <a:pt x="4613599" y="4758899"/>
+                  <a:pt x="4566181" y="5157998"/>
+                  <a:pt x="4485789" y="5552906"/>
+                </a:cubicBezTo>
+                <a:cubicBezTo>
+                  <a:pt x="4397121" y="5988893"/>
+                  <a:pt x="4276748" y="6414594"/>
+                  <a:pt x="4117769" y="6828295"/>
+                </a:cubicBezTo>
+                <a:lnTo>
+                  <a:pt x="4105288" y="6858000"/>
+                </a:lnTo>
+                <a:lnTo>
+                  <a:pt x="4052520" y="6858000"/>
+                </a:lnTo>
+                <a:lnTo>
+                  <a:pt x="4059369" y="6841549"/>
+                </a:lnTo>
+                <a:cubicBezTo>
+                  <a:pt x="4147276" y="6614016"/>
+                  <a:pt x="4224193" y="6380817"/>
+                  <a:pt x="4291518" y="6142729"/>
+                </a:cubicBezTo>
+                <a:cubicBezTo>
+                  <a:pt x="4350055" y="5935370"/>
+                  <a:pt x="4393256" y="5723695"/>
+                  <a:pt x="4443357" y="5513923"/>
+                </a:cubicBezTo>
+                <a:cubicBezTo>
+                  <a:pt x="4444541" y="5502788"/>
+                  <a:pt x="4445137" y="5491601"/>
+                  <a:pt x="4445146" y="5480401"/>
+                </a:cubicBezTo>
+                <a:cubicBezTo>
+                  <a:pt x="4408465" y="5607635"/>
+                  <a:pt x="4379196" y="5719759"/>
+                  <a:pt x="4344559" y="5830359"/>
+                </a:cubicBezTo>
+                <a:cubicBezTo>
+                  <a:pt x="4254261" y="6118381"/>
+                  <a:pt x="4150112" y="6398531"/>
+                  <a:pt x="4031702" y="6670527"/>
+                </a:cubicBezTo>
+                <a:lnTo>
+                  <a:pt x="3943824" y="6858000"/>
+                </a:lnTo>
+                <a:lnTo>
+                  <a:pt x="0" y="6858000"/>
+                </a:lnTo>
+                <a:close/>
+              </a:path>
+            </a:pathLst>
+          </a:custGeom>
+        </p:spPr>
+      </p:pic>
+      <p:sp>
+        <p:nvSpPr>
+          <p:cNvPr id="11" name="sketchy line">
+            <a:extLst>
+              <a:ext uri="{FF2B5EF4-FFF2-40B4-BE49-F238E27FC236}">
+                <a16:creationId xmlns:a16="http://schemas.microsoft.com/office/drawing/2014/main" id="{21540236-BFD5-4A9D-8840-4703E7F76825}"/>
+              </a:ext>
+              <a:ext uri="{C183D7F6-B498-43B3-948B-1728B52AA6E4}">
+                <adec:decorative xmlns:adec="http://schemas.microsoft.com/office/drawing/2017/decorative" val="1"/>
+              </a:ext>
+            </a:extLst>
+          </p:cNvPr>
+          <p:cNvSpPr>
+            <a:spLocks noGrp="1" noRot="1" noChangeAspect="1" noMove="1" noResize="1" noEditPoints="1" noAdjustHandles="1" noChangeArrowheads="1" noChangeShapeType="1" noTextEdit="1"/>
+          </p:cNvSpPr>
+          <p:nvPr>
+            <p:extLst>
+              <p:ext uri="{386F3935-93C4-4BCD-93E2-E3B085C9AB24}">
+                <p16:designElem xmlns:p16="http://schemas.microsoft.com/office/powerpoint/2015/main" val="1"/>
+              </p:ext>
+            </p:extLst>
+          </p:nvPr>
+        </p:nvSpPr>
+        <p:spPr>
+          <a:xfrm>
+            <a:off x="5297762" y="2374947"/>
+            <a:ext cx="4243589" cy="18288"/>
+          </a:xfrm>
+          <a:custGeom>
+            <a:avLst/>
+            <a:gdLst>
+              <a:gd name="connsiteX0" fmla="*/ 0 w 4243589"/>
+              <a:gd name="connsiteY0" fmla="*/ 0 h 18288"/>
+              <a:gd name="connsiteX1" fmla="*/ 478919 w 4243589"/>
+              <a:gd name="connsiteY1" fmla="*/ 0 h 18288"/>
+              <a:gd name="connsiteX2" fmla="*/ 957839 w 4243589"/>
+              <a:gd name="connsiteY2" fmla="*/ 0 h 18288"/>
+              <a:gd name="connsiteX3" fmla="*/ 1521630 w 4243589"/>
+              <a:gd name="connsiteY3" fmla="*/ 0 h 18288"/>
+              <a:gd name="connsiteX4" fmla="*/ 2212729 w 4243589"/>
+              <a:gd name="connsiteY4" fmla="*/ 0 h 18288"/>
+              <a:gd name="connsiteX5" fmla="*/ 2734084 w 4243589"/>
+              <a:gd name="connsiteY5" fmla="*/ 0 h 18288"/>
+              <a:gd name="connsiteX6" fmla="*/ 3255439 w 4243589"/>
+              <a:gd name="connsiteY6" fmla="*/ 0 h 18288"/>
+              <a:gd name="connsiteX7" fmla="*/ 4243589 w 4243589"/>
+              <a:gd name="connsiteY7" fmla="*/ 0 h 18288"/>
+              <a:gd name="connsiteX8" fmla="*/ 4243589 w 4243589"/>
+              <a:gd name="connsiteY8" fmla="*/ 18288 h 18288"/>
+              <a:gd name="connsiteX9" fmla="*/ 3594926 w 4243589"/>
+              <a:gd name="connsiteY9" fmla="*/ 18288 h 18288"/>
+              <a:gd name="connsiteX10" fmla="*/ 3073571 w 4243589"/>
+              <a:gd name="connsiteY10" fmla="*/ 18288 h 18288"/>
+              <a:gd name="connsiteX11" fmla="*/ 2552216 w 4243589"/>
+              <a:gd name="connsiteY11" fmla="*/ 18288 h 18288"/>
+              <a:gd name="connsiteX12" fmla="*/ 1903553 w 4243589"/>
+              <a:gd name="connsiteY12" fmla="*/ 18288 h 18288"/>
+              <a:gd name="connsiteX13" fmla="*/ 1212454 w 4243589"/>
+              <a:gd name="connsiteY13" fmla="*/ 18288 h 18288"/>
+              <a:gd name="connsiteX14" fmla="*/ 733535 w 4243589"/>
+              <a:gd name="connsiteY14" fmla="*/ 18288 h 18288"/>
+              <a:gd name="connsiteX15" fmla="*/ 0 w 4243589"/>
+              <a:gd name="connsiteY15" fmla="*/ 18288 h 18288"/>
+              <a:gd name="connsiteX16" fmla="*/ 0 w 4243589"/>
+              <a:gd name="connsiteY16" fmla="*/ 0 h 18288"/>
+            </a:gdLst>
+            <a:ahLst/>
+            <a:cxnLst>
+              <a:cxn ang="0">
+                <a:pos x="connsiteX0" y="connsiteY0"/>
+              </a:cxn>
+              <a:cxn ang="0">
+                <a:pos x="connsiteX1" y="connsiteY1"/>
+              </a:cxn>
+              <a:cxn ang="0">
+                <a:pos x="connsiteX2" y="connsiteY2"/>
+              </a:cxn>
+              <a:cxn ang="0">
+                <a:pos x="connsiteX3" y="connsiteY3"/>
+              </a:cxn>
+              <a:cxn ang="0">
+                <a:pos x="connsiteX4" y="connsiteY4"/>
+              </a:cxn>
+              <a:cxn ang="0">
+                <a:pos x="connsiteX5" y="connsiteY5"/>
+              </a:cxn>
+              <a:cxn ang="0">
+                <a:pos x="connsiteX6" y="connsiteY6"/>
+              </a:cxn>
+              <a:cxn ang="0">
+                <a:pos x="connsiteX7" y="connsiteY7"/>
+              </a:cxn>
+              <a:cxn ang="0">
+                <a:pos x="connsiteX8" y="connsiteY8"/>
+              </a:cxn>
+              <a:cxn ang="0">
+                <a:pos x="connsiteX9" y="connsiteY9"/>
+              </a:cxn>
+              <a:cxn ang="0">
+                <a:pos x="connsiteX10" y="connsiteY10"/>
+              </a:cxn>
+              <a:cxn ang="0">
+                <a:pos x="connsiteX11" y="connsiteY11"/>
+              </a:cxn>
+              <a:cxn ang="0">
+                <a:pos x="connsiteX12" y="connsiteY12"/>
+              </a:cxn>
+              <a:cxn ang="0">
+                <a:pos x="connsiteX13" y="connsiteY13"/>
+              </a:cxn>
+              <a:cxn ang="0">
+                <a:pos x="connsiteX14" y="connsiteY14"/>
+              </a:cxn>
+              <a:cxn ang="0">
+                <a:pos x="connsiteX15" y="connsiteY15"/>
+              </a:cxn>
+              <a:cxn ang="0">
+                <a:pos x="connsiteX16" y="connsiteY16"/>
+              </a:cxn>
+            </a:cxnLst>
+            <a:rect l="l" t="t" r="r" b="b"/>
+            <a:pathLst>
+              <a:path w="4243589" h="18288" fill="none" extrusionOk="0">
+                <a:moveTo>
+                  <a:pt x="0" y="0"/>
+                </a:moveTo>
+                <a:cubicBezTo>
+                  <a:pt x="213395" y="-21006"/>
+                  <a:pt x="307421" y="-18116"/>
+                  <a:pt x="478919" y="0"/>
+                </a:cubicBezTo>
+                <a:cubicBezTo>
+                  <a:pt x="650417" y="18116"/>
+                  <a:pt x="831092" y="-21237"/>
+                  <a:pt x="957839" y="0"/>
+                </a:cubicBezTo>
+                <a:cubicBezTo>
+                  <a:pt x="1084586" y="21237"/>
+                  <a:pt x="1301682" y="25124"/>
+                  <a:pt x="1521630" y="0"/>
+                </a:cubicBezTo>
+                <a:cubicBezTo>
+                  <a:pt x="1741578" y="-25124"/>
+                  <a:pt x="1970269" y="-29139"/>
+                  <a:pt x="2212729" y="0"/>
+                </a:cubicBezTo>
+                <a:cubicBezTo>
+                  <a:pt x="2455189" y="29139"/>
+                  <a:pt x="2558847" y="-4796"/>
+                  <a:pt x="2734084" y="0"/>
+                </a:cubicBezTo>
+                <a:cubicBezTo>
+                  <a:pt x="2909321" y="4796"/>
+                  <a:pt x="3097217" y="-13409"/>
+                  <a:pt x="3255439" y="0"/>
+                </a:cubicBezTo>
+                <a:cubicBezTo>
+                  <a:pt x="3413662" y="13409"/>
+                  <a:pt x="3979999" y="-10121"/>
+                  <a:pt x="4243589" y="0"/>
+                </a:cubicBezTo>
+                <a:cubicBezTo>
+                  <a:pt x="4244484" y="8974"/>
+                  <a:pt x="4243043" y="9359"/>
+                  <a:pt x="4243589" y="18288"/>
+                </a:cubicBezTo>
+                <a:cubicBezTo>
+                  <a:pt x="4058777" y="31246"/>
+                  <a:pt x="3910348" y="3158"/>
+                  <a:pt x="3594926" y="18288"/>
+                </a:cubicBezTo>
+                <a:cubicBezTo>
+                  <a:pt x="3279504" y="33418"/>
+                  <a:pt x="3319955" y="-3977"/>
+                  <a:pt x="3073571" y="18288"/>
+                </a:cubicBezTo>
+                <a:cubicBezTo>
+                  <a:pt x="2827187" y="40553"/>
+                  <a:pt x="2767387" y="1863"/>
+                  <a:pt x="2552216" y="18288"/>
+                </a:cubicBezTo>
+                <a:cubicBezTo>
+                  <a:pt x="2337046" y="34713"/>
+                  <a:pt x="2181871" y="19527"/>
+                  <a:pt x="1903553" y="18288"/>
+                </a:cubicBezTo>
+                <a:cubicBezTo>
+                  <a:pt x="1625235" y="17049"/>
+                  <a:pt x="1557672" y="24174"/>
+                  <a:pt x="1212454" y="18288"/>
+                </a:cubicBezTo>
+                <a:cubicBezTo>
+                  <a:pt x="867236" y="12402"/>
+                  <a:pt x="874382" y="15627"/>
+                  <a:pt x="733535" y="18288"/>
+                </a:cubicBezTo>
+                <a:cubicBezTo>
+                  <a:pt x="592688" y="20949"/>
+                  <a:pt x="183477" y="14753"/>
+                  <a:pt x="0" y="18288"/>
+                </a:cubicBezTo>
+                <a:cubicBezTo>
+                  <a:pt x="-229" y="14222"/>
+                  <a:pt x="509" y="5816"/>
+                  <a:pt x="0" y="0"/>
+                </a:cubicBezTo>
+                <a:close/>
+              </a:path>
+              <a:path w="4243589" h="18288" stroke="0" extrusionOk="0">
+                <a:moveTo>
+                  <a:pt x="0" y="0"/>
+                </a:moveTo>
+                <a:cubicBezTo>
+                  <a:pt x="143690" y="16630"/>
+                  <a:pt x="266667" y="14847"/>
+                  <a:pt x="521355" y="0"/>
+                </a:cubicBezTo>
+                <a:cubicBezTo>
+                  <a:pt x="776043" y="-14847"/>
+                  <a:pt x="814491" y="-17363"/>
+                  <a:pt x="1000275" y="0"/>
+                </a:cubicBezTo>
+                <a:cubicBezTo>
+                  <a:pt x="1186059" y="17363"/>
+                  <a:pt x="1352504" y="-23507"/>
+                  <a:pt x="1521630" y="0"/>
+                </a:cubicBezTo>
+                <a:cubicBezTo>
+                  <a:pt x="1690756" y="23507"/>
+                  <a:pt x="1889525" y="5871"/>
+                  <a:pt x="2127857" y="0"/>
+                </a:cubicBezTo>
+                <a:cubicBezTo>
+                  <a:pt x="2366189" y="-5871"/>
+                  <a:pt x="2620628" y="-27997"/>
+                  <a:pt x="2776520" y="0"/>
+                </a:cubicBezTo>
+                <a:cubicBezTo>
+                  <a:pt x="2932412" y="27997"/>
+                  <a:pt x="3131683" y="-25073"/>
+                  <a:pt x="3467618" y="0"/>
+                </a:cubicBezTo>
+                <a:cubicBezTo>
+                  <a:pt x="3803553" y="25073"/>
+                  <a:pt x="4017371" y="3071"/>
+                  <a:pt x="4243589" y="0"/>
+                </a:cubicBezTo>
+                <a:cubicBezTo>
+                  <a:pt x="4243134" y="6162"/>
+                  <a:pt x="4243492" y="11775"/>
+                  <a:pt x="4243589" y="18288"/>
+                </a:cubicBezTo>
+                <a:cubicBezTo>
+                  <a:pt x="4017834" y="-5779"/>
+                  <a:pt x="3834586" y="13376"/>
+                  <a:pt x="3594926" y="18288"/>
+                </a:cubicBezTo>
+                <a:cubicBezTo>
+                  <a:pt x="3355266" y="23200"/>
+                  <a:pt x="3204179" y="2869"/>
+                  <a:pt x="2903827" y="18288"/>
+                </a:cubicBezTo>
+                <a:cubicBezTo>
+                  <a:pt x="2603475" y="33707"/>
+                  <a:pt x="2526187" y="46187"/>
+                  <a:pt x="2212729" y="18288"/>
+                </a:cubicBezTo>
+                <a:cubicBezTo>
+                  <a:pt x="1899271" y="-9611"/>
+                  <a:pt x="1966289" y="29692"/>
+                  <a:pt x="1733809" y="18288"/>
+                </a:cubicBezTo>
+                <a:cubicBezTo>
+                  <a:pt x="1501329" y="6884"/>
+                  <a:pt x="1343612" y="12492"/>
+                  <a:pt x="1085146" y="18288"/>
+                </a:cubicBezTo>
+                <a:cubicBezTo>
+                  <a:pt x="826680" y="24084"/>
+                  <a:pt x="778184" y="35607"/>
+                  <a:pt x="521355" y="18288"/>
+                </a:cubicBezTo>
+                <a:cubicBezTo>
+                  <a:pt x="264526" y="969"/>
+                  <a:pt x="120277" y="4268"/>
+                  <a:pt x="0" y="18288"/>
+                </a:cubicBezTo>
+                <a:cubicBezTo>
+                  <a:pt x="766" y="10800"/>
+                  <a:pt x="-457" y="8180"/>
+                  <a:pt x="0" y="0"/>
+                </a:cubicBezTo>
+                <a:close/>
+              </a:path>
+            </a:pathLst>
+          </a:custGeom>
+          <a:solidFill>
+            <a:schemeClr val="accent2"/>
+          </a:solidFill>
+          <a:ln w="44450" cap="rnd">
+            <a:solidFill>
+              <a:schemeClr val="accent2"/>
+            </a:solidFill>
+            <a:round/>
+            <a:extLst>
+              <a:ext uri="{C807C97D-BFC1-408E-A445-0C87EB9F89A2}">
+                <ask:lineSketchStyleProps xmlns:ask="http://schemas.microsoft.com/office/drawing/2018/sketchyshapes" sd="2727557108">
+                  <a:prstGeom prst="rect">
+                    <a:avLst/>
+                  </a:prstGeom>
+                  <ask:type>
+                    <ask:lineSketchFreehand/>
+                  </ask:type>
+                </ask:lineSketchStyleProps>
+              </a:ext>
+            </a:extLst>
+          </a:ln>
+        </p:spPr>
+        <p:style>
+          <a:lnRef idx="2">
+            <a:schemeClr val="accent1">
+              <a:shade val="50000"/>
+            </a:schemeClr>
+          </a:lnRef>
+          <a:fillRef idx="1">
+            <a:schemeClr val="accent1"/>
+          </a:fillRef>
+          <a:effectRef idx="0">
+            <a:schemeClr val="accent1"/>
+          </a:effectRef>
+          <a:fontRef idx="minor">
+            <a:schemeClr val="lt1"/>
+          </a:fontRef>
+        </p:style>
+        <p:txBody>
+          <a:bodyPr rtlCol="0" anchor="ctr"/>
+          <a:lstStyle/>
+          <a:p>
+            <a:pPr algn="ctr"/>
+            <a:endParaRPr lang="en-US"/>
+          </a:p>
+        </p:txBody>
+      </p:sp>
+      <p:sp>
+        <p:nvSpPr>
+          <p:cNvPr id="3" name="Content Placeholder 2">
+            <a:extLst>
+              <a:ext uri="{FF2B5EF4-FFF2-40B4-BE49-F238E27FC236}">
+                <a16:creationId xmlns:a16="http://schemas.microsoft.com/office/drawing/2014/main" id="{E158DE29-B945-C52C-772E-020B430F3279}"/>
+              </a:ext>
+            </a:extLst>
+          </p:cNvPr>
+          <p:cNvSpPr>
+            <a:spLocks noGrp="1"/>
+          </p:cNvSpPr>
+          <p:nvPr>
+            <p:ph idx="1"/>
+          </p:nvPr>
+        </p:nvSpPr>
+        <p:spPr>
+          <a:xfrm>
+            <a:off x="5297762" y="2706624"/>
+            <a:ext cx="6251110" cy="3483864"/>
+          </a:xfrm>
+        </p:spPr>
+        <p:txBody>
+          <a:bodyPr>
+            <a:normAutofit lnSpcReduction="10000"/>
+          </a:bodyPr>
+          <a:lstStyle/>
+          <a:p>
+            <a:pPr algn="l">
+              <a:buFont typeface="+mj-lt"/>
+              <a:buAutoNum type="arabicPeriod"/>
+            </a:pPr>
+            <a:endParaRPr lang="en-GB" dirty="0"/>
+          </a:p>
+          <a:p>
+            <a:pPr marL="457200" lvl="1" indent="0" algn="l">
+              <a:buNone/>
+            </a:pPr>
+            <a:r>
+              <a:rPr lang="en-GB" dirty="0"/>
+              <a:t>Your application deals with both structured transactional data and unstructured user-generated content. Additionally, there's a requirement for graph-based analysis of user relationships. Propose a database solution that can handle both scenarios and discuss the </a:t>
+            </a:r>
+            <a:r>
+              <a:rPr lang="en-GB" dirty="0" err="1"/>
+              <a:t>tradeoffs</a:t>
+            </a:r>
+            <a:r>
+              <a:rPr lang="en-GB" dirty="0"/>
+              <a:t>.</a:t>
+            </a:r>
+          </a:p>
+          <a:p>
+            <a:pPr marL="0" indent="0">
+              <a:buNone/>
+            </a:pPr>
+            <a:br>
+              <a:rPr lang="en-GB" dirty="0"/>
+            </a:br>
+            <a:endParaRPr lang="en-CH" dirty="0"/>
+          </a:p>
+        </p:txBody>
+      </p:sp>
+    </p:spTree>
+    <p:extLst>
+      <p:ext uri="{BB962C8B-B14F-4D97-AF65-F5344CB8AC3E}">
+        <p14:creationId xmlns:p14="http://schemas.microsoft.com/office/powerpoint/2010/main" val="27809833"/>
+      </p:ext>
+    </p:extLst>
+  </p:cSld>
+  <p:clrMapOvr>
+    <a:masterClrMapping/>
+  </p:clrMapOvr>
+</p:sld>
+</file>
+
+<file path=ppt/slides/slide18.xml><?xml version="1.0" encoding="utf-8"?>
+<p:sld xmlns:a="http://schemas.openxmlformats.org/drawingml/2006/main" xmlns:r="http://schemas.openxmlformats.org/officeDocument/2006/relationships" xmlns:p="http://schemas.openxmlformats.org/presentationml/2006/main">
+  <p:cSld>
+    <p:bg>
+      <p:bgPr>
+        <a:solidFill>
+          <a:schemeClr val="bg1"/>
+        </a:solidFill>
+        <a:effectLst/>
+      </p:bgPr>
+    </p:bg>
+    <p:spTree>
+      <p:nvGrpSpPr>
+        <p:cNvPr id="1" name=""/>
+        <p:cNvGrpSpPr/>
+        <p:nvPr/>
+      </p:nvGrpSpPr>
+      <p:grpSpPr>
+        <a:xfrm>
+          <a:off x="0" y="0"/>
+          <a:ext cx="0" cy="0"/>
+          <a:chOff x="0" y="0"/>
+          <a:chExt cx="0" cy="0"/>
+        </a:xfrm>
+      </p:grpSpPr>
+      <p:sp useBgFill="1">
+        <p:nvSpPr>
+          <p:cNvPr id="9" name="Rectangle 8">
+            <a:extLst>
+              <a:ext uri="{FF2B5EF4-FFF2-40B4-BE49-F238E27FC236}">
+                <a16:creationId xmlns:a16="http://schemas.microsoft.com/office/drawing/2014/main" id="{2C61293E-6EBE-43EF-A52C-9BEBFD7679D4}"/>
+              </a:ext>
+              <a:ext uri="{C183D7F6-B498-43B3-948B-1728B52AA6E4}">
+                <adec:decorative xmlns:adec="http://schemas.microsoft.com/office/drawing/2017/decorative" val="1"/>
+              </a:ext>
+            </a:extLst>
+          </p:cNvPr>
+          <p:cNvSpPr>
+            <a:spLocks noGrp="1" noRot="1" noChangeAspect="1" noMove="1" noResize="1" noEditPoints="1" noAdjustHandles="1" noChangeArrowheads="1" noChangeShapeType="1" noTextEdit="1"/>
+          </p:cNvSpPr>
+          <p:nvPr>
+            <p:extLst>
+              <p:ext uri="{386F3935-93C4-4BCD-93E2-E3B085C9AB24}">
+                <p16:designElem xmlns:p16="http://schemas.microsoft.com/office/powerpoint/2015/main" val="1"/>
+              </p:ext>
+            </p:extLst>
+          </p:nvPr>
+        </p:nvSpPr>
+        <p:spPr>
+          <a:xfrm>
+            <a:off x="0" y="0"/>
+            <a:ext cx="12188952" cy="6858000"/>
+          </a:xfrm>
+          <a:prstGeom prst="rect">
+            <a:avLst/>
+          </a:prstGeom>
+          <a:ln>
+            <a:noFill/>
+          </a:ln>
+        </p:spPr>
+        <p:style>
+          <a:lnRef idx="2">
+            <a:schemeClr val="accent1">
+              <a:shade val="50000"/>
+            </a:schemeClr>
+          </a:lnRef>
+          <a:fillRef idx="1">
+            <a:schemeClr val="accent1"/>
+          </a:fillRef>
+          <a:effectRef idx="0">
+            <a:schemeClr val="accent1"/>
+          </a:effectRef>
+          <a:fontRef idx="minor">
+            <a:schemeClr val="lt1"/>
+          </a:fontRef>
+        </p:style>
+        <p:txBody>
+          <a:bodyPr rtlCol="0" anchor="ctr"/>
+          <a:lstStyle/>
+          <a:p>
+            <a:pPr algn="ctr"/>
+            <a:endParaRPr lang="en-US"/>
+          </a:p>
+        </p:txBody>
+      </p:sp>
+      <p:sp>
+        <p:nvSpPr>
+          <p:cNvPr id="2" name="Title 1">
+            <a:extLst>
+              <a:ext uri="{FF2B5EF4-FFF2-40B4-BE49-F238E27FC236}">
+                <a16:creationId xmlns:a16="http://schemas.microsoft.com/office/drawing/2014/main" id="{78CA6976-3C94-7225-F4F2-B2B95AA2AD3F}"/>
+              </a:ext>
+            </a:extLst>
+          </p:cNvPr>
+          <p:cNvSpPr>
+            <a:spLocks noGrp="1"/>
+          </p:cNvSpPr>
+          <p:nvPr>
+            <p:ph type="title"/>
+          </p:nvPr>
+        </p:nvSpPr>
+        <p:spPr>
+          <a:xfrm>
+            <a:off x="5297762" y="329184"/>
+            <a:ext cx="6251110" cy="1783080"/>
+          </a:xfrm>
+        </p:spPr>
+        <p:txBody>
+          <a:bodyPr anchor="b">
+            <a:normAutofit/>
+          </a:bodyPr>
+          <a:lstStyle/>
+          <a:p>
+            <a:r>
+              <a:rPr lang="en-CH" sz="5400" dirty="0"/>
+              <a:t>Question</a:t>
+            </a:r>
+          </a:p>
+        </p:txBody>
+      </p:sp>
+      <p:pic>
+        <p:nvPicPr>
+          <p:cNvPr id="5" name="Picture 4" descr="Many question marks on black background">
+            <a:extLst>
+              <a:ext uri="{FF2B5EF4-FFF2-40B4-BE49-F238E27FC236}">
+                <a16:creationId xmlns:a16="http://schemas.microsoft.com/office/drawing/2014/main" id="{1E2CD7CE-575E-E731-1428-4E1C0EEEBA01}"/>
+              </a:ext>
+            </a:extLst>
+          </p:cNvPr>
+          <p:cNvPicPr>
+            <a:picLocks noChangeAspect="1"/>
+          </p:cNvPicPr>
+          <p:nvPr/>
+        </p:nvPicPr>
+        <p:blipFill rotWithShape="1">
+          <a:blip r:embed="rId2"/>
+          <a:srcRect l="58573" r="2" b="2"/>
+          <a:stretch/>
+        </p:blipFill>
+        <p:spPr>
+          <a:xfrm>
+            <a:off x="1" y="10"/>
+            <a:ext cx="4657344" cy="6857990"/>
+          </a:xfrm>
+          <a:custGeom>
+            <a:avLst/>
+            <a:gdLst/>
+            <a:ahLst/>
+            <a:cxnLst/>
+            <a:rect l="l" t="t" r="r" b="b"/>
+            <a:pathLst>
+              <a:path w="4657344" h="6858000">
+                <a:moveTo>
+                  <a:pt x="0" y="0"/>
+                </a:moveTo>
+                <a:lnTo>
+                  <a:pt x="3429755" y="0"/>
+                </a:lnTo>
+                <a:lnTo>
+                  <a:pt x="3526016" y="148742"/>
+                </a:lnTo>
+                <a:cubicBezTo>
+                  <a:pt x="3657740" y="365513"/>
+                  <a:pt x="3777402" y="589569"/>
+                  <a:pt x="3886489" y="819975"/>
+                </a:cubicBezTo>
+                <a:cubicBezTo>
+                  <a:pt x="3891856" y="833492"/>
+                  <a:pt x="3900663" y="845393"/>
+                  <a:pt x="3912049" y="854514"/>
+                </a:cubicBezTo>
+                <a:cubicBezTo>
+                  <a:pt x="3897352" y="819849"/>
+                  <a:pt x="3883037" y="784928"/>
+                  <a:pt x="3868083" y="750263"/>
+                </a:cubicBezTo>
+                <a:cubicBezTo>
+                  <a:pt x="3806989" y="608712"/>
+                  <a:pt x="3742478" y="469145"/>
+                  <a:pt x="3674155" y="331786"/>
+                </a:cubicBezTo>
+                <a:lnTo>
+                  <a:pt x="3496656" y="0"/>
+                </a:lnTo>
+                <a:lnTo>
+                  <a:pt x="3554371" y="0"/>
+                </a:lnTo>
+                <a:lnTo>
+                  <a:pt x="3661621" y="196614"/>
+                </a:lnTo>
+                <a:cubicBezTo>
+                  <a:pt x="3856899" y="573253"/>
+                  <a:pt x="4021071" y="966066"/>
+                  <a:pt x="4161279" y="1371196"/>
+                </a:cubicBezTo>
+                <a:cubicBezTo>
+                  <a:pt x="4379525" y="2007265"/>
+                  <a:pt x="4530141" y="2664286"/>
+                  <a:pt x="4610660" y="3331516"/>
+                </a:cubicBezTo>
+                <a:cubicBezTo>
+                  <a:pt x="4652837" y="3672965"/>
+                  <a:pt x="4671625" y="4013908"/>
+                  <a:pt x="4645040" y="4357388"/>
+                </a:cubicBezTo>
+                <a:cubicBezTo>
+                  <a:pt x="4613599" y="4758899"/>
+                  <a:pt x="4566181" y="5157998"/>
+                  <a:pt x="4485789" y="5552906"/>
+                </a:cubicBezTo>
+                <a:cubicBezTo>
+                  <a:pt x="4397121" y="5988893"/>
+                  <a:pt x="4276748" y="6414594"/>
+                  <a:pt x="4117769" y="6828295"/>
+                </a:cubicBezTo>
+                <a:lnTo>
+                  <a:pt x="4105288" y="6858000"/>
+                </a:lnTo>
+                <a:lnTo>
+                  <a:pt x="4052520" y="6858000"/>
+                </a:lnTo>
+                <a:lnTo>
+                  <a:pt x="4059369" y="6841549"/>
+                </a:lnTo>
+                <a:cubicBezTo>
+                  <a:pt x="4147276" y="6614016"/>
+                  <a:pt x="4224193" y="6380817"/>
+                  <a:pt x="4291518" y="6142729"/>
+                </a:cubicBezTo>
+                <a:cubicBezTo>
+                  <a:pt x="4350055" y="5935370"/>
+                  <a:pt x="4393256" y="5723695"/>
+                  <a:pt x="4443357" y="5513923"/>
+                </a:cubicBezTo>
+                <a:cubicBezTo>
+                  <a:pt x="4444541" y="5502788"/>
+                  <a:pt x="4445137" y="5491601"/>
+                  <a:pt x="4445146" y="5480401"/>
+                </a:cubicBezTo>
+                <a:cubicBezTo>
+                  <a:pt x="4408465" y="5607635"/>
+                  <a:pt x="4379196" y="5719759"/>
+                  <a:pt x="4344559" y="5830359"/>
+                </a:cubicBezTo>
+                <a:cubicBezTo>
+                  <a:pt x="4254261" y="6118381"/>
+                  <a:pt x="4150112" y="6398531"/>
+                  <a:pt x="4031702" y="6670527"/>
+                </a:cubicBezTo>
+                <a:lnTo>
+                  <a:pt x="3943824" y="6858000"/>
+                </a:lnTo>
+                <a:lnTo>
+                  <a:pt x="0" y="6858000"/>
+                </a:lnTo>
+                <a:close/>
+              </a:path>
+            </a:pathLst>
+          </a:custGeom>
+        </p:spPr>
+      </p:pic>
+      <p:sp>
+        <p:nvSpPr>
+          <p:cNvPr id="11" name="sketchy line">
+            <a:extLst>
+              <a:ext uri="{FF2B5EF4-FFF2-40B4-BE49-F238E27FC236}">
+                <a16:creationId xmlns:a16="http://schemas.microsoft.com/office/drawing/2014/main" id="{21540236-BFD5-4A9D-8840-4703E7F76825}"/>
+              </a:ext>
+              <a:ext uri="{C183D7F6-B498-43B3-948B-1728B52AA6E4}">
+                <adec:decorative xmlns:adec="http://schemas.microsoft.com/office/drawing/2017/decorative" val="1"/>
+              </a:ext>
+            </a:extLst>
+          </p:cNvPr>
+          <p:cNvSpPr>
+            <a:spLocks noGrp="1" noRot="1" noChangeAspect="1" noMove="1" noResize="1" noEditPoints="1" noAdjustHandles="1" noChangeArrowheads="1" noChangeShapeType="1" noTextEdit="1"/>
+          </p:cNvSpPr>
+          <p:nvPr>
+            <p:extLst>
+              <p:ext uri="{386F3935-93C4-4BCD-93E2-E3B085C9AB24}">
+                <p16:designElem xmlns:p16="http://schemas.microsoft.com/office/powerpoint/2015/main" val="1"/>
+              </p:ext>
+            </p:extLst>
+          </p:nvPr>
+        </p:nvSpPr>
+        <p:spPr>
+          <a:xfrm>
+            <a:off x="5297762" y="2374947"/>
+            <a:ext cx="4243589" cy="18288"/>
+          </a:xfrm>
+          <a:custGeom>
+            <a:avLst/>
+            <a:gdLst>
+              <a:gd name="connsiteX0" fmla="*/ 0 w 4243589"/>
+              <a:gd name="connsiteY0" fmla="*/ 0 h 18288"/>
+              <a:gd name="connsiteX1" fmla="*/ 478919 w 4243589"/>
+              <a:gd name="connsiteY1" fmla="*/ 0 h 18288"/>
+              <a:gd name="connsiteX2" fmla="*/ 957839 w 4243589"/>
+              <a:gd name="connsiteY2" fmla="*/ 0 h 18288"/>
+              <a:gd name="connsiteX3" fmla="*/ 1521630 w 4243589"/>
+              <a:gd name="connsiteY3" fmla="*/ 0 h 18288"/>
+              <a:gd name="connsiteX4" fmla="*/ 2212729 w 4243589"/>
+              <a:gd name="connsiteY4" fmla="*/ 0 h 18288"/>
+              <a:gd name="connsiteX5" fmla="*/ 2734084 w 4243589"/>
+              <a:gd name="connsiteY5" fmla="*/ 0 h 18288"/>
+              <a:gd name="connsiteX6" fmla="*/ 3255439 w 4243589"/>
+              <a:gd name="connsiteY6" fmla="*/ 0 h 18288"/>
+              <a:gd name="connsiteX7" fmla="*/ 4243589 w 4243589"/>
+              <a:gd name="connsiteY7" fmla="*/ 0 h 18288"/>
+              <a:gd name="connsiteX8" fmla="*/ 4243589 w 4243589"/>
+              <a:gd name="connsiteY8" fmla="*/ 18288 h 18288"/>
+              <a:gd name="connsiteX9" fmla="*/ 3594926 w 4243589"/>
+              <a:gd name="connsiteY9" fmla="*/ 18288 h 18288"/>
+              <a:gd name="connsiteX10" fmla="*/ 3073571 w 4243589"/>
+              <a:gd name="connsiteY10" fmla="*/ 18288 h 18288"/>
+              <a:gd name="connsiteX11" fmla="*/ 2552216 w 4243589"/>
+              <a:gd name="connsiteY11" fmla="*/ 18288 h 18288"/>
+              <a:gd name="connsiteX12" fmla="*/ 1903553 w 4243589"/>
+              <a:gd name="connsiteY12" fmla="*/ 18288 h 18288"/>
+              <a:gd name="connsiteX13" fmla="*/ 1212454 w 4243589"/>
+              <a:gd name="connsiteY13" fmla="*/ 18288 h 18288"/>
+              <a:gd name="connsiteX14" fmla="*/ 733535 w 4243589"/>
+              <a:gd name="connsiteY14" fmla="*/ 18288 h 18288"/>
+              <a:gd name="connsiteX15" fmla="*/ 0 w 4243589"/>
+              <a:gd name="connsiteY15" fmla="*/ 18288 h 18288"/>
+              <a:gd name="connsiteX16" fmla="*/ 0 w 4243589"/>
+              <a:gd name="connsiteY16" fmla="*/ 0 h 18288"/>
+            </a:gdLst>
+            <a:ahLst/>
+            <a:cxnLst>
+              <a:cxn ang="0">
+                <a:pos x="connsiteX0" y="connsiteY0"/>
+              </a:cxn>
+              <a:cxn ang="0">
+                <a:pos x="connsiteX1" y="connsiteY1"/>
+              </a:cxn>
+              <a:cxn ang="0">
+                <a:pos x="connsiteX2" y="connsiteY2"/>
+              </a:cxn>
+              <a:cxn ang="0">
+                <a:pos x="connsiteX3" y="connsiteY3"/>
+              </a:cxn>
+              <a:cxn ang="0">
+                <a:pos x="connsiteX4" y="connsiteY4"/>
+              </a:cxn>
+              <a:cxn ang="0">
+                <a:pos x="connsiteX5" y="connsiteY5"/>
+              </a:cxn>
+              <a:cxn ang="0">
+                <a:pos x="connsiteX6" y="connsiteY6"/>
+              </a:cxn>
+              <a:cxn ang="0">
+                <a:pos x="connsiteX7" y="connsiteY7"/>
+              </a:cxn>
+              <a:cxn ang="0">
+                <a:pos x="connsiteX8" y="connsiteY8"/>
+              </a:cxn>
+              <a:cxn ang="0">
+                <a:pos x="connsiteX9" y="connsiteY9"/>
+              </a:cxn>
+              <a:cxn ang="0">
+                <a:pos x="connsiteX10" y="connsiteY10"/>
+              </a:cxn>
+              <a:cxn ang="0">
+                <a:pos x="connsiteX11" y="connsiteY11"/>
+              </a:cxn>
+              <a:cxn ang="0">
+                <a:pos x="connsiteX12" y="connsiteY12"/>
+              </a:cxn>
+              <a:cxn ang="0">
+                <a:pos x="connsiteX13" y="connsiteY13"/>
+              </a:cxn>
+              <a:cxn ang="0">
+                <a:pos x="connsiteX14" y="connsiteY14"/>
+              </a:cxn>
+              <a:cxn ang="0">
+                <a:pos x="connsiteX15" y="connsiteY15"/>
+              </a:cxn>
+              <a:cxn ang="0">
+                <a:pos x="connsiteX16" y="connsiteY16"/>
+              </a:cxn>
+            </a:cxnLst>
+            <a:rect l="l" t="t" r="r" b="b"/>
+            <a:pathLst>
+              <a:path w="4243589" h="18288" fill="none" extrusionOk="0">
+                <a:moveTo>
+                  <a:pt x="0" y="0"/>
+                </a:moveTo>
+                <a:cubicBezTo>
+                  <a:pt x="213395" y="-21006"/>
+                  <a:pt x="307421" y="-18116"/>
+                  <a:pt x="478919" y="0"/>
+                </a:cubicBezTo>
+                <a:cubicBezTo>
+                  <a:pt x="650417" y="18116"/>
+                  <a:pt x="831092" y="-21237"/>
+                  <a:pt x="957839" y="0"/>
+                </a:cubicBezTo>
+                <a:cubicBezTo>
+                  <a:pt x="1084586" y="21237"/>
+                  <a:pt x="1301682" y="25124"/>
+                  <a:pt x="1521630" y="0"/>
+                </a:cubicBezTo>
+                <a:cubicBezTo>
+                  <a:pt x="1741578" y="-25124"/>
+                  <a:pt x="1970269" y="-29139"/>
+                  <a:pt x="2212729" y="0"/>
+                </a:cubicBezTo>
+                <a:cubicBezTo>
+                  <a:pt x="2455189" y="29139"/>
+                  <a:pt x="2558847" y="-4796"/>
+                  <a:pt x="2734084" y="0"/>
+                </a:cubicBezTo>
+                <a:cubicBezTo>
+                  <a:pt x="2909321" y="4796"/>
+                  <a:pt x="3097217" y="-13409"/>
+                  <a:pt x="3255439" y="0"/>
+                </a:cubicBezTo>
+                <a:cubicBezTo>
+                  <a:pt x="3413662" y="13409"/>
+                  <a:pt x="3979999" y="-10121"/>
+                  <a:pt x="4243589" y="0"/>
+                </a:cubicBezTo>
+                <a:cubicBezTo>
+                  <a:pt x="4244484" y="8974"/>
+                  <a:pt x="4243043" y="9359"/>
+                  <a:pt x="4243589" y="18288"/>
+                </a:cubicBezTo>
+                <a:cubicBezTo>
+                  <a:pt x="4058777" y="31246"/>
+                  <a:pt x="3910348" y="3158"/>
+                  <a:pt x="3594926" y="18288"/>
+                </a:cubicBezTo>
+                <a:cubicBezTo>
+                  <a:pt x="3279504" y="33418"/>
+                  <a:pt x="3319955" y="-3977"/>
+                  <a:pt x="3073571" y="18288"/>
+                </a:cubicBezTo>
+                <a:cubicBezTo>
+                  <a:pt x="2827187" y="40553"/>
+                  <a:pt x="2767387" y="1863"/>
+                  <a:pt x="2552216" y="18288"/>
+                </a:cubicBezTo>
+                <a:cubicBezTo>
+                  <a:pt x="2337046" y="34713"/>
+                  <a:pt x="2181871" y="19527"/>
+                  <a:pt x="1903553" y="18288"/>
+                </a:cubicBezTo>
+                <a:cubicBezTo>
+                  <a:pt x="1625235" y="17049"/>
+                  <a:pt x="1557672" y="24174"/>
+                  <a:pt x="1212454" y="18288"/>
+                </a:cubicBezTo>
+                <a:cubicBezTo>
+                  <a:pt x="867236" y="12402"/>
+                  <a:pt x="874382" y="15627"/>
+                  <a:pt x="733535" y="18288"/>
+                </a:cubicBezTo>
+                <a:cubicBezTo>
+                  <a:pt x="592688" y="20949"/>
+                  <a:pt x="183477" y="14753"/>
+                  <a:pt x="0" y="18288"/>
+                </a:cubicBezTo>
+                <a:cubicBezTo>
+                  <a:pt x="-229" y="14222"/>
+                  <a:pt x="509" y="5816"/>
+                  <a:pt x="0" y="0"/>
+                </a:cubicBezTo>
+                <a:close/>
+              </a:path>
+              <a:path w="4243589" h="18288" stroke="0" extrusionOk="0">
+                <a:moveTo>
+                  <a:pt x="0" y="0"/>
+                </a:moveTo>
+                <a:cubicBezTo>
+                  <a:pt x="143690" y="16630"/>
+                  <a:pt x="266667" y="14847"/>
+                  <a:pt x="521355" y="0"/>
+                </a:cubicBezTo>
+                <a:cubicBezTo>
+                  <a:pt x="776043" y="-14847"/>
+                  <a:pt x="814491" y="-17363"/>
+                  <a:pt x="1000275" y="0"/>
+                </a:cubicBezTo>
+                <a:cubicBezTo>
+                  <a:pt x="1186059" y="17363"/>
+                  <a:pt x="1352504" y="-23507"/>
+                  <a:pt x="1521630" y="0"/>
+                </a:cubicBezTo>
+                <a:cubicBezTo>
+                  <a:pt x="1690756" y="23507"/>
+                  <a:pt x="1889525" y="5871"/>
+                  <a:pt x="2127857" y="0"/>
+                </a:cubicBezTo>
+                <a:cubicBezTo>
+                  <a:pt x="2366189" y="-5871"/>
+                  <a:pt x="2620628" y="-27997"/>
+                  <a:pt x="2776520" y="0"/>
+                </a:cubicBezTo>
+                <a:cubicBezTo>
+                  <a:pt x="2932412" y="27997"/>
+                  <a:pt x="3131683" y="-25073"/>
+                  <a:pt x="3467618" y="0"/>
+                </a:cubicBezTo>
+                <a:cubicBezTo>
+                  <a:pt x="3803553" y="25073"/>
+                  <a:pt x="4017371" y="3071"/>
+                  <a:pt x="4243589" y="0"/>
+                </a:cubicBezTo>
+                <a:cubicBezTo>
+                  <a:pt x="4243134" y="6162"/>
+                  <a:pt x="4243492" y="11775"/>
+                  <a:pt x="4243589" y="18288"/>
+                </a:cubicBezTo>
+                <a:cubicBezTo>
+                  <a:pt x="4017834" y="-5779"/>
+                  <a:pt x="3834586" y="13376"/>
+                  <a:pt x="3594926" y="18288"/>
+                </a:cubicBezTo>
+                <a:cubicBezTo>
+                  <a:pt x="3355266" y="23200"/>
+                  <a:pt x="3204179" y="2869"/>
+                  <a:pt x="2903827" y="18288"/>
+                </a:cubicBezTo>
+                <a:cubicBezTo>
+                  <a:pt x="2603475" y="33707"/>
+                  <a:pt x="2526187" y="46187"/>
+                  <a:pt x="2212729" y="18288"/>
+                </a:cubicBezTo>
+                <a:cubicBezTo>
+                  <a:pt x="1899271" y="-9611"/>
+                  <a:pt x="1966289" y="29692"/>
+                  <a:pt x="1733809" y="18288"/>
+                </a:cubicBezTo>
+                <a:cubicBezTo>
+                  <a:pt x="1501329" y="6884"/>
+                  <a:pt x="1343612" y="12492"/>
+                  <a:pt x="1085146" y="18288"/>
+                </a:cubicBezTo>
+                <a:cubicBezTo>
+                  <a:pt x="826680" y="24084"/>
+                  <a:pt x="778184" y="35607"/>
+                  <a:pt x="521355" y="18288"/>
+                </a:cubicBezTo>
+                <a:cubicBezTo>
+                  <a:pt x="264526" y="969"/>
+                  <a:pt x="120277" y="4268"/>
+                  <a:pt x="0" y="18288"/>
+                </a:cubicBezTo>
+                <a:cubicBezTo>
+                  <a:pt x="766" y="10800"/>
+                  <a:pt x="-457" y="8180"/>
+                  <a:pt x="0" y="0"/>
+                </a:cubicBezTo>
+                <a:close/>
+              </a:path>
+            </a:pathLst>
+          </a:custGeom>
+          <a:solidFill>
+            <a:schemeClr val="accent2"/>
+          </a:solidFill>
+          <a:ln w="44450" cap="rnd">
+            <a:solidFill>
+              <a:schemeClr val="accent2"/>
+            </a:solidFill>
+            <a:round/>
+            <a:extLst>
+              <a:ext uri="{C807C97D-BFC1-408E-A445-0C87EB9F89A2}">
+                <ask:lineSketchStyleProps xmlns:ask="http://schemas.microsoft.com/office/drawing/2018/sketchyshapes" sd="2727557108">
+                  <a:prstGeom prst="rect">
+                    <a:avLst/>
+                  </a:prstGeom>
+                  <ask:type>
+                    <ask:lineSketchFreehand/>
+                  </ask:type>
+                </ask:lineSketchStyleProps>
+              </a:ext>
+            </a:extLst>
+          </a:ln>
+        </p:spPr>
+        <p:style>
+          <a:lnRef idx="2">
+            <a:schemeClr val="accent1">
+              <a:shade val="50000"/>
+            </a:schemeClr>
+          </a:lnRef>
+          <a:fillRef idx="1">
+            <a:schemeClr val="accent1"/>
+          </a:fillRef>
+          <a:effectRef idx="0">
+            <a:schemeClr val="accent1"/>
+          </a:effectRef>
+          <a:fontRef idx="minor">
+            <a:schemeClr val="lt1"/>
+          </a:fontRef>
+        </p:style>
+        <p:txBody>
+          <a:bodyPr rtlCol="0" anchor="ctr"/>
+          <a:lstStyle/>
+          <a:p>
+            <a:pPr algn="ctr"/>
+            <a:endParaRPr lang="en-US"/>
+          </a:p>
+        </p:txBody>
+      </p:sp>
+      <p:sp>
+        <p:nvSpPr>
+          <p:cNvPr id="3" name="Content Placeholder 2">
+            <a:extLst>
+              <a:ext uri="{FF2B5EF4-FFF2-40B4-BE49-F238E27FC236}">
+                <a16:creationId xmlns:a16="http://schemas.microsoft.com/office/drawing/2014/main" id="{E158DE29-B945-C52C-772E-020B430F3279}"/>
+              </a:ext>
+            </a:extLst>
+          </p:cNvPr>
+          <p:cNvSpPr>
+            <a:spLocks noGrp="1"/>
+          </p:cNvSpPr>
+          <p:nvPr>
+            <p:ph idx="1"/>
+          </p:nvPr>
+        </p:nvSpPr>
+        <p:spPr>
+          <a:xfrm>
+            <a:off x="5297762" y="2706624"/>
+            <a:ext cx="6251110" cy="3483864"/>
+          </a:xfrm>
+        </p:spPr>
+        <p:txBody>
+          <a:bodyPr>
+            <a:normAutofit/>
+          </a:bodyPr>
+          <a:lstStyle/>
+          <a:p>
+            <a:r>
+              <a:rPr lang="en-GB" dirty="0"/>
+              <a:t>Your project involves collecting and </a:t>
+            </a:r>
+            <a:r>
+              <a:rPr lang="en-GB" dirty="0" err="1"/>
+              <a:t>analyzing</a:t>
+            </a:r>
+            <a:r>
+              <a:rPr lang="en-GB" dirty="0"/>
+              <a:t> real-time data for operational insights, but you also have a need for historical analytics on the same dataset. Propose a solution that balances real-time analytics and cost efficiency, and discuss the </a:t>
+            </a:r>
+            <a:r>
+              <a:rPr lang="en-GB" dirty="0" err="1"/>
+              <a:t>tradeoffs</a:t>
+            </a:r>
+            <a:r>
+              <a:rPr lang="en-GB" dirty="0"/>
+              <a:t> involved.</a:t>
+            </a:r>
+            <a:endParaRPr lang="en-CH" dirty="0"/>
+          </a:p>
+        </p:txBody>
+      </p:sp>
+    </p:spTree>
+    <p:extLst>
+      <p:ext uri="{BB962C8B-B14F-4D97-AF65-F5344CB8AC3E}">
+        <p14:creationId xmlns:p14="http://schemas.microsoft.com/office/powerpoint/2010/main" val="3622511958"/>
+      </p:ext>
+    </p:extLst>
+  </p:cSld>
+  <p:clrMapOvr>
+    <a:masterClrMapping/>
+  </p:clrMapOvr>
+</p:sld>
+</file>
+
+<file path=ppt/slides/slide19.xml><?xml version="1.0" encoding="utf-8"?>
+<p:sld xmlns:a="http://schemas.openxmlformats.org/drawingml/2006/main" xmlns:r="http://schemas.openxmlformats.org/officeDocument/2006/relationships" xmlns:p="http://schemas.openxmlformats.org/presentationml/2006/main">
+  <p:cSld>
+    <p:bg>
+      <p:bgPr>
+        <a:solidFill>
+          <a:schemeClr val="bg1"/>
+        </a:solidFill>
+        <a:effectLst/>
+      </p:bgPr>
+    </p:bg>
+    <p:spTree>
+      <p:nvGrpSpPr>
+        <p:cNvPr id="1" name=""/>
+        <p:cNvGrpSpPr/>
+        <p:nvPr/>
+      </p:nvGrpSpPr>
+      <p:grpSpPr>
+        <a:xfrm>
+          <a:off x="0" y="0"/>
+          <a:ext cx="0" cy="0"/>
+          <a:chOff x="0" y="0"/>
+          <a:chExt cx="0" cy="0"/>
+        </a:xfrm>
+      </p:grpSpPr>
+      <p:sp useBgFill="1">
+        <p:nvSpPr>
+          <p:cNvPr id="9" name="Rectangle 8">
+            <a:extLst>
+              <a:ext uri="{FF2B5EF4-FFF2-40B4-BE49-F238E27FC236}">
+                <a16:creationId xmlns:a16="http://schemas.microsoft.com/office/drawing/2014/main" id="{2C61293E-6EBE-43EF-A52C-9BEBFD7679D4}"/>
+              </a:ext>
+              <a:ext uri="{C183D7F6-B498-43B3-948B-1728B52AA6E4}">
+                <adec:decorative xmlns:adec="http://schemas.microsoft.com/office/drawing/2017/decorative" val="1"/>
+              </a:ext>
+            </a:extLst>
+          </p:cNvPr>
+          <p:cNvSpPr>
+            <a:spLocks noGrp="1" noRot="1" noChangeAspect="1" noMove="1" noResize="1" noEditPoints="1" noAdjustHandles="1" noChangeArrowheads="1" noChangeShapeType="1" noTextEdit="1"/>
+          </p:cNvSpPr>
+          <p:nvPr>
+            <p:extLst>
+              <p:ext uri="{386F3935-93C4-4BCD-93E2-E3B085C9AB24}">
+                <p16:designElem xmlns:p16="http://schemas.microsoft.com/office/powerpoint/2015/main" val="1"/>
+              </p:ext>
+            </p:extLst>
+          </p:nvPr>
+        </p:nvSpPr>
+        <p:spPr>
+          <a:xfrm>
+            <a:off x="0" y="0"/>
+            <a:ext cx="12188952" cy="6858000"/>
+          </a:xfrm>
+          <a:prstGeom prst="rect">
+            <a:avLst/>
+          </a:prstGeom>
+          <a:ln>
+            <a:noFill/>
+          </a:ln>
+        </p:spPr>
+        <p:style>
+          <a:lnRef idx="2">
+            <a:schemeClr val="accent1">
+              <a:shade val="50000"/>
+            </a:schemeClr>
+          </a:lnRef>
+          <a:fillRef idx="1">
+            <a:schemeClr val="accent1"/>
+          </a:fillRef>
+          <a:effectRef idx="0">
+            <a:schemeClr val="accent1"/>
+          </a:effectRef>
+          <a:fontRef idx="minor">
+            <a:schemeClr val="lt1"/>
+          </a:fontRef>
+        </p:style>
+        <p:txBody>
+          <a:bodyPr rtlCol="0" anchor="ctr"/>
+          <a:lstStyle/>
+          <a:p>
+            <a:pPr algn="ctr"/>
+            <a:endParaRPr lang="en-US"/>
+          </a:p>
+        </p:txBody>
+      </p:sp>
+      <p:sp>
+        <p:nvSpPr>
+          <p:cNvPr id="2" name="Title 1">
+            <a:extLst>
+              <a:ext uri="{FF2B5EF4-FFF2-40B4-BE49-F238E27FC236}">
+                <a16:creationId xmlns:a16="http://schemas.microsoft.com/office/drawing/2014/main" id="{78CA6976-3C94-7225-F4F2-B2B95AA2AD3F}"/>
+              </a:ext>
+            </a:extLst>
+          </p:cNvPr>
+          <p:cNvSpPr>
+            <a:spLocks noGrp="1"/>
+          </p:cNvSpPr>
+          <p:nvPr>
+            <p:ph type="title"/>
+          </p:nvPr>
+        </p:nvSpPr>
+        <p:spPr>
+          <a:xfrm>
+            <a:off x="5297762" y="329184"/>
+            <a:ext cx="6251110" cy="1783080"/>
+          </a:xfrm>
+        </p:spPr>
+        <p:txBody>
+          <a:bodyPr anchor="b">
+            <a:normAutofit/>
+          </a:bodyPr>
+          <a:lstStyle/>
+          <a:p>
+            <a:r>
+              <a:rPr lang="en-CH" sz="5400" dirty="0"/>
+              <a:t>Question</a:t>
+            </a:r>
+          </a:p>
+        </p:txBody>
+      </p:sp>
+      <p:pic>
+        <p:nvPicPr>
+          <p:cNvPr id="5" name="Picture 4" descr="Many question marks on black background">
+            <a:extLst>
+              <a:ext uri="{FF2B5EF4-FFF2-40B4-BE49-F238E27FC236}">
+                <a16:creationId xmlns:a16="http://schemas.microsoft.com/office/drawing/2014/main" id="{1E2CD7CE-575E-E731-1428-4E1C0EEEBA01}"/>
+              </a:ext>
+            </a:extLst>
+          </p:cNvPr>
+          <p:cNvPicPr>
+            <a:picLocks noChangeAspect="1"/>
+          </p:cNvPicPr>
+          <p:nvPr/>
+        </p:nvPicPr>
+        <p:blipFill rotWithShape="1">
+          <a:blip r:embed="rId2"/>
+          <a:srcRect l="58573" r="2" b="2"/>
+          <a:stretch/>
+        </p:blipFill>
+        <p:spPr>
+          <a:xfrm>
+            <a:off x="1" y="10"/>
+            <a:ext cx="4657344" cy="6857990"/>
+          </a:xfrm>
+          <a:custGeom>
+            <a:avLst/>
+            <a:gdLst/>
+            <a:ahLst/>
+            <a:cxnLst/>
+            <a:rect l="l" t="t" r="r" b="b"/>
+            <a:pathLst>
+              <a:path w="4657344" h="6858000">
+                <a:moveTo>
+                  <a:pt x="0" y="0"/>
+                </a:moveTo>
+                <a:lnTo>
+                  <a:pt x="3429755" y="0"/>
+                </a:lnTo>
+                <a:lnTo>
+                  <a:pt x="3526016" y="148742"/>
+                </a:lnTo>
+                <a:cubicBezTo>
+                  <a:pt x="3657740" y="365513"/>
+                  <a:pt x="3777402" y="589569"/>
+                  <a:pt x="3886489" y="819975"/>
+                </a:cubicBezTo>
+                <a:cubicBezTo>
+                  <a:pt x="3891856" y="833492"/>
+                  <a:pt x="3900663" y="845393"/>
+                  <a:pt x="3912049" y="854514"/>
+                </a:cubicBezTo>
+                <a:cubicBezTo>
+                  <a:pt x="3897352" y="819849"/>
+                  <a:pt x="3883037" y="784928"/>
+                  <a:pt x="3868083" y="750263"/>
+                </a:cubicBezTo>
+                <a:cubicBezTo>
+                  <a:pt x="3806989" y="608712"/>
+                  <a:pt x="3742478" y="469145"/>
+                  <a:pt x="3674155" y="331786"/>
+                </a:cubicBezTo>
+                <a:lnTo>
+                  <a:pt x="3496656" y="0"/>
+                </a:lnTo>
+                <a:lnTo>
+                  <a:pt x="3554371" y="0"/>
+                </a:lnTo>
+                <a:lnTo>
+                  <a:pt x="3661621" y="196614"/>
+                </a:lnTo>
+                <a:cubicBezTo>
+                  <a:pt x="3856899" y="573253"/>
+                  <a:pt x="4021071" y="966066"/>
+                  <a:pt x="4161279" y="1371196"/>
+                </a:cubicBezTo>
+                <a:cubicBezTo>
+                  <a:pt x="4379525" y="2007265"/>
+                  <a:pt x="4530141" y="2664286"/>
+                  <a:pt x="4610660" y="3331516"/>
+                </a:cubicBezTo>
+                <a:cubicBezTo>
+                  <a:pt x="4652837" y="3672965"/>
+                  <a:pt x="4671625" y="4013908"/>
+                  <a:pt x="4645040" y="4357388"/>
+                </a:cubicBezTo>
+                <a:cubicBezTo>
+                  <a:pt x="4613599" y="4758899"/>
+                  <a:pt x="4566181" y="5157998"/>
+                  <a:pt x="4485789" y="5552906"/>
+                </a:cubicBezTo>
+                <a:cubicBezTo>
+                  <a:pt x="4397121" y="5988893"/>
+                  <a:pt x="4276748" y="6414594"/>
+                  <a:pt x="4117769" y="6828295"/>
+                </a:cubicBezTo>
+                <a:lnTo>
+                  <a:pt x="4105288" y="6858000"/>
+                </a:lnTo>
+                <a:lnTo>
+                  <a:pt x="4052520" y="6858000"/>
+                </a:lnTo>
+                <a:lnTo>
+                  <a:pt x="4059369" y="6841549"/>
+                </a:lnTo>
+                <a:cubicBezTo>
+                  <a:pt x="4147276" y="6614016"/>
+                  <a:pt x="4224193" y="6380817"/>
+                  <a:pt x="4291518" y="6142729"/>
+                </a:cubicBezTo>
+                <a:cubicBezTo>
+                  <a:pt x="4350055" y="5935370"/>
+                  <a:pt x="4393256" y="5723695"/>
+                  <a:pt x="4443357" y="5513923"/>
+                </a:cubicBezTo>
+                <a:cubicBezTo>
+                  <a:pt x="4444541" y="5502788"/>
+                  <a:pt x="4445137" y="5491601"/>
+                  <a:pt x="4445146" y="5480401"/>
+                </a:cubicBezTo>
+                <a:cubicBezTo>
+                  <a:pt x="4408465" y="5607635"/>
+                  <a:pt x="4379196" y="5719759"/>
+                  <a:pt x="4344559" y="5830359"/>
+                </a:cubicBezTo>
+                <a:cubicBezTo>
+                  <a:pt x="4254261" y="6118381"/>
+                  <a:pt x="4150112" y="6398531"/>
+                  <a:pt x="4031702" y="6670527"/>
+                </a:cubicBezTo>
+                <a:lnTo>
+                  <a:pt x="3943824" y="6858000"/>
+                </a:lnTo>
+                <a:lnTo>
+                  <a:pt x="0" y="6858000"/>
+                </a:lnTo>
+                <a:close/>
+              </a:path>
+            </a:pathLst>
+          </a:custGeom>
+        </p:spPr>
+      </p:pic>
+      <p:sp>
+        <p:nvSpPr>
+          <p:cNvPr id="11" name="sketchy line">
+            <a:extLst>
+              <a:ext uri="{FF2B5EF4-FFF2-40B4-BE49-F238E27FC236}">
+                <a16:creationId xmlns:a16="http://schemas.microsoft.com/office/drawing/2014/main" id="{21540236-BFD5-4A9D-8840-4703E7F76825}"/>
+              </a:ext>
+              <a:ext uri="{C183D7F6-B498-43B3-948B-1728B52AA6E4}">
+                <adec:decorative xmlns:adec="http://schemas.microsoft.com/office/drawing/2017/decorative" val="1"/>
+              </a:ext>
+            </a:extLst>
+          </p:cNvPr>
+          <p:cNvSpPr>
+            <a:spLocks noGrp="1" noRot="1" noChangeAspect="1" noMove="1" noResize="1" noEditPoints="1" noAdjustHandles="1" noChangeArrowheads="1" noChangeShapeType="1" noTextEdit="1"/>
+          </p:cNvSpPr>
+          <p:nvPr>
+            <p:extLst>
+              <p:ext uri="{386F3935-93C4-4BCD-93E2-E3B085C9AB24}">
+                <p16:designElem xmlns:p16="http://schemas.microsoft.com/office/powerpoint/2015/main" val="1"/>
+              </p:ext>
+            </p:extLst>
+          </p:nvPr>
+        </p:nvSpPr>
+        <p:spPr>
+          <a:xfrm>
+            <a:off x="5297762" y="2374947"/>
+            <a:ext cx="4243589" cy="18288"/>
+          </a:xfrm>
+          <a:custGeom>
+            <a:avLst/>
+            <a:gdLst>
+              <a:gd name="connsiteX0" fmla="*/ 0 w 4243589"/>
+              <a:gd name="connsiteY0" fmla="*/ 0 h 18288"/>
+              <a:gd name="connsiteX1" fmla="*/ 478919 w 4243589"/>
+              <a:gd name="connsiteY1" fmla="*/ 0 h 18288"/>
+              <a:gd name="connsiteX2" fmla="*/ 957839 w 4243589"/>
+              <a:gd name="connsiteY2" fmla="*/ 0 h 18288"/>
+              <a:gd name="connsiteX3" fmla="*/ 1521630 w 4243589"/>
+              <a:gd name="connsiteY3" fmla="*/ 0 h 18288"/>
+              <a:gd name="connsiteX4" fmla="*/ 2212729 w 4243589"/>
+              <a:gd name="connsiteY4" fmla="*/ 0 h 18288"/>
+              <a:gd name="connsiteX5" fmla="*/ 2734084 w 4243589"/>
+              <a:gd name="connsiteY5" fmla="*/ 0 h 18288"/>
+              <a:gd name="connsiteX6" fmla="*/ 3255439 w 4243589"/>
+              <a:gd name="connsiteY6" fmla="*/ 0 h 18288"/>
+              <a:gd name="connsiteX7" fmla="*/ 4243589 w 4243589"/>
+              <a:gd name="connsiteY7" fmla="*/ 0 h 18288"/>
+              <a:gd name="connsiteX8" fmla="*/ 4243589 w 4243589"/>
+              <a:gd name="connsiteY8" fmla="*/ 18288 h 18288"/>
+              <a:gd name="connsiteX9" fmla="*/ 3594926 w 4243589"/>
+              <a:gd name="connsiteY9" fmla="*/ 18288 h 18288"/>
+              <a:gd name="connsiteX10" fmla="*/ 3073571 w 4243589"/>
+              <a:gd name="connsiteY10" fmla="*/ 18288 h 18288"/>
+              <a:gd name="connsiteX11" fmla="*/ 2552216 w 4243589"/>
+              <a:gd name="connsiteY11" fmla="*/ 18288 h 18288"/>
+              <a:gd name="connsiteX12" fmla="*/ 1903553 w 4243589"/>
+              <a:gd name="connsiteY12" fmla="*/ 18288 h 18288"/>
+              <a:gd name="connsiteX13" fmla="*/ 1212454 w 4243589"/>
+              <a:gd name="connsiteY13" fmla="*/ 18288 h 18288"/>
+              <a:gd name="connsiteX14" fmla="*/ 733535 w 4243589"/>
+              <a:gd name="connsiteY14" fmla="*/ 18288 h 18288"/>
+              <a:gd name="connsiteX15" fmla="*/ 0 w 4243589"/>
+              <a:gd name="connsiteY15" fmla="*/ 18288 h 18288"/>
+              <a:gd name="connsiteX16" fmla="*/ 0 w 4243589"/>
+              <a:gd name="connsiteY16" fmla="*/ 0 h 18288"/>
+            </a:gdLst>
+            <a:ahLst/>
+            <a:cxnLst>
+              <a:cxn ang="0">
+                <a:pos x="connsiteX0" y="connsiteY0"/>
+              </a:cxn>
+              <a:cxn ang="0">
+                <a:pos x="connsiteX1" y="connsiteY1"/>
+              </a:cxn>
+              <a:cxn ang="0">
+                <a:pos x="connsiteX2" y="connsiteY2"/>
+              </a:cxn>
+              <a:cxn ang="0">
+                <a:pos x="connsiteX3" y="connsiteY3"/>
+              </a:cxn>
+              <a:cxn ang="0">
+                <a:pos x="connsiteX4" y="connsiteY4"/>
+              </a:cxn>
+              <a:cxn ang="0">
+                <a:pos x="connsiteX5" y="connsiteY5"/>
+              </a:cxn>
+              <a:cxn ang="0">
+                <a:pos x="connsiteX6" y="connsiteY6"/>
+              </a:cxn>
+              <a:cxn ang="0">
+                <a:pos x="connsiteX7" y="connsiteY7"/>
+              </a:cxn>
+              <a:cxn ang="0">
+                <a:pos x="connsiteX8" y="connsiteY8"/>
+              </a:cxn>
+              <a:cxn ang="0">
+                <a:pos x="connsiteX9" y="connsiteY9"/>
+              </a:cxn>
+              <a:cxn ang="0">
+                <a:pos x="connsiteX10" y="connsiteY10"/>
+              </a:cxn>
+              <a:cxn ang="0">
+                <a:pos x="connsiteX11" y="connsiteY11"/>
+              </a:cxn>
+              <a:cxn ang="0">
+                <a:pos x="connsiteX12" y="connsiteY12"/>
+              </a:cxn>
+              <a:cxn ang="0">
+                <a:pos x="connsiteX13" y="connsiteY13"/>
+              </a:cxn>
+              <a:cxn ang="0">
+                <a:pos x="connsiteX14" y="connsiteY14"/>
+              </a:cxn>
+              <a:cxn ang="0">
+                <a:pos x="connsiteX15" y="connsiteY15"/>
+              </a:cxn>
+              <a:cxn ang="0">
+                <a:pos x="connsiteX16" y="connsiteY16"/>
+              </a:cxn>
+            </a:cxnLst>
+            <a:rect l="l" t="t" r="r" b="b"/>
+            <a:pathLst>
+              <a:path w="4243589" h="18288" fill="none" extrusionOk="0">
+                <a:moveTo>
+                  <a:pt x="0" y="0"/>
+                </a:moveTo>
+                <a:cubicBezTo>
+                  <a:pt x="213395" y="-21006"/>
+                  <a:pt x="307421" y="-18116"/>
+                  <a:pt x="478919" y="0"/>
+                </a:cubicBezTo>
+                <a:cubicBezTo>
+                  <a:pt x="650417" y="18116"/>
+                  <a:pt x="831092" y="-21237"/>
+                  <a:pt x="957839" y="0"/>
+                </a:cubicBezTo>
+                <a:cubicBezTo>
+                  <a:pt x="1084586" y="21237"/>
+                  <a:pt x="1301682" y="25124"/>
+                  <a:pt x="1521630" y="0"/>
+                </a:cubicBezTo>
+                <a:cubicBezTo>
+                  <a:pt x="1741578" y="-25124"/>
+                  <a:pt x="1970269" y="-29139"/>
+                  <a:pt x="2212729" y="0"/>
+                </a:cubicBezTo>
+                <a:cubicBezTo>
+                  <a:pt x="2455189" y="29139"/>
+                  <a:pt x="2558847" y="-4796"/>
+                  <a:pt x="2734084" y="0"/>
+                </a:cubicBezTo>
+                <a:cubicBezTo>
+                  <a:pt x="2909321" y="4796"/>
+                  <a:pt x="3097217" y="-13409"/>
+                  <a:pt x="3255439" y="0"/>
+                </a:cubicBezTo>
+                <a:cubicBezTo>
+                  <a:pt x="3413662" y="13409"/>
+                  <a:pt x="3979999" y="-10121"/>
+                  <a:pt x="4243589" y="0"/>
+                </a:cubicBezTo>
+                <a:cubicBezTo>
+                  <a:pt x="4244484" y="8974"/>
+                  <a:pt x="4243043" y="9359"/>
+                  <a:pt x="4243589" y="18288"/>
+                </a:cubicBezTo>
+                <a:cubicBezTo>
+                  <a:pt x="4058777" y="31246"/>
+                  <a:pt x="3910348" y="3158"/>
+                  <a:pt x="3594926" y="18288"/>
+                </a:cubicBezTo>
+                <a:cubicBezTo>
+                  <a:pt x="3279504" y="33418"/>
+                  <a:pt x="3319955" y="-3977"/>
+                  <a:pt x="3073571" y="18288"/>
+                </a:cubicBezTo>
+                <a:cubicBezTo>
+                  <a:pt x="2827187" y="40553"/>
+                  <a:pt x="2767387" y="1863"/>
+                  <a:pt x="2552216" y="18288"/>
+                </a:cubicBezTo>
+                <a:cubicBezTo>
+                  <a:pt x="2337046" y="34713"/>
+                  <a:pt x="2181871" y="19527"/>
+                  <a:pt x="1903553" y="18288"/>
+                </a:cubicBezTo>
+                <a:cubicBezTo>
+                  <a:pt x="1625235" y="17049"/>
+                  <a:pt x="1557672" y="24174"/>
+                  <a:pt x="1212454" y="18288"/>
+                </a:cubicBezTo>
+                <a:cubicBezTo>
+                  <a:pt x="867236" y="12402"/>
+                  <a:pt x="874382" y="15627"/>
+                  <a:pt x="733535" y="18288"/>
+                </a:cubicBezTo>
+                <a:cubicBezTo>
+                  <a:pt x="592688" y="20949"/>
+                  <a:pt x="183477" y="14753"/>
+                  <a:pt x="0" y="18288"/>
+                </a:cubicBezTo>
+                <a:cubicBezTo>
+                  <a:pt x="-229" y="14222"/>
+                  <a:pt x="509" y="5816"/>
+                  <a:pt x="0" y="0"/>
+                </a:cubicBezTo>
+                <a:close/>
+              </a:path>
+              <a:path w="4243589" h="18288" stroke="0" extrusionOk="0">
+                <a:moveTo>
+                  <a:pt x="0" y="0"/>
+                </a:moveTo>
+                <a:cubicBezTo>
+                  <a:pt x="143690" y="16630"/>
+                  <a:pt x="266667" y="14847"/>
+                  <a:pt x="521355" y="0"/>
+                </a:cubicBezTo>
+                <a:cubicBezTo>
+                  <a:pt x="776043" y="-14847"/>
+                  <a:pt x="814491" y="-17363"/>
+                  <a:pt x="1000275" y="0"/>
+                </a:cubicBezTo>
+                <a:cubicBezTo>
+                  <a:pt x="1186059" y="17363"/>
+                  <a:pt x="1352504" y="-23507"/>
+                  <a:pt x="1521630" y="0"/>
+                </a:cubicBezTo>
+                <a:cubicBezTo>
+                  <a:pt x="1690756" y="23507"/>
+                  <a:pt x="1889525" y="5871"/>
+                  <a:pt x="2127857" y="0"/>
+                </a:cubicBezTo>
+                <a:cubicBezTo>
+                  <a:pt x="2366189" y="-5871"/>
+                  <a:pt x="2620628" y="-27997"/>
+                  <a:pt x="2776520" y="0"/>
+                </a:cubicBezTo>
+                <a:cubicBezTo>
+                  <a:pt x="2932412" y="27997"/>
+                  <a:pt x="3131683" y="-25073"/>
+                  <a:pt x="3467618" y="0"/>
+                </a:cubicBezTo>
+                <a:cubicBezTo>
+                  <a:pt x="3803553" y="25073"/>
+                  <a:pt x="4017371" y="3071"/>
+                  <a:pt x="4243589" y="0"/>
+                </a:cubicBezTo>
+                <a:cubicBezTo>
+                  <a:pt x="4243134" y="6162"/>
+                  <a:pt x="4243492" y="11775"/>
+                  <a:pt x="4243589" y="18288"/>
+                </a:cubicBezTo>
+                <a:cubicBezTo>
+                  <a:pt x="4017834" y="-5779"/>
+                  <a:pt x="3834586" y="13376"/>
+                  <a:pt x="3594926" y="18288"/>
+                </a:cubicBezTo>
+                <a:cubicBezTo>
+                  <a:pt x="3355266" y="23200"/>
+                  <a:pt x="3204179" y="2869"/>
+                  <a:pt x="2903827" y="18288"/>
+                </a:cubicBezTo>
+                <a:cubicBezTo>
+                  <a:pt x="2603475" y="33707"/>
+                  <a:pt x="2526187" y="46187"/>
+                  <a:pt x="2212729" y="18288"/>
+                </a:cubicBezTo>
+                <a:cubicBezTo>
+                  <a:pt x="1899271" y="-9611"/>
+                  <a:pt x="1966289" y="29692"/>
+                  <a:pt x="1733809" y="18288"/>
+                </a:cubicBezTo>
+                <a:cubicBezTo>
+                  <a:pt x="1501329" y="6884"/>
+                  <a:pt x="1343612" y="12492"/>
+                  <a:pt x="1085146" y="18288"/>
+                </a:cubicBezTo>
+                <a:cubicBezTo>
+                  <a:pt x="826680" y="24084"/>
+                  <a:pt x="778184" y="35607"/>
+                  <a:pt x="521355" y="18288"/>
+                </a:cubicBezTo>
+                <a:cubicBezTo>
+                  <a:pt x="264526" y="969"/>
+                  <a:pt x="120277" y="4268"/>
+                  <a:pt x="0" y="18288"/>
+                </a:cubicBezTo>
+                <a:cubicBezTo>
+                  <a:pt x="766" y="10800"/>
+                  <a:pt x="-457" y="8180"/>
+                  <a:pt x="0" y="0"/>
+                </a:cubicBezTo>
+                <a:close/>
+              </a:path>
+            </a:pathLst>
+          </a:custGeom>
+          <a:solidFill>
+            <a:schemeClr val="accent2"/>
+          </a:solidFill>
+          <a:ln w="44450" cap="rnd">
+            <a:solidFill>
+              <a:schemeClr val="accent2"/>
+            </a:solidFill>
+            <a:round/>
+            <a:extLst>
+              <a:ext uri="{C807C97D-BFC1-408E-A445-0C87EB9F89A2}">
+                <ask:lineSketchStyleProps xmlns:ask="http://schemas.microsoft.com/office/drawing/2018/sketchyshapes" sd="2727557108">
+                  <a:prstGeom prst="rect">
+                    <a:avLst/>
+                  </a:prstGeom>
+                  <ask:type>
+                    <ask:lineSketchFreehand/>
+                  </ask:type>
+                </ask:lineSketchStyleProps>
+              </a:ext>
+            </a:extLst>
+          </a:ln>
+        </p:spPr>
+        <p:style>
+          <a:lnRef idx="2">
+            <a:schemeClr val="accent1">
+              <a:shade val="50000"/>
+            </a:schemeClr>
+          </a:lnRef>
+          <a:fillRef idx="1">
+            <a:schemeClr val="accent1"/>
+          </a:fillRef>
+          <a:effectRef idx="0">
+            <a:schemeClr val="accent1"/>
+          </a:effectRef>
+          <a:fontRef idx="minor">
+            <a:schemeClr val="lt1"/>
+          </a:fontRef>
+        </p:style>
+        <p:txBody>
+          <a:bodyPr rtlCol="0" anchor="ctr"/>
+          <a:lstStyle/>
+          <a:p>
+            <a:pPr algn="ctr"/>
+            <a:endParaRPr lang="en-US"/>
+          </a:p>
+        </p:txBody>
+      </p:sp>
+      <p:sp>
+        <p:nvSpPr>
+          <p:cNvPr id="3" name="Content Placeholder 2">
+            <a:extLst>
+              <a:ext uri="{FF2B5EF4-FFF2-40B4-BE49-F238E27FC236}">
+                <a16:creationId xmlns:a16="http://schemas.microsoft.com/office/drawing/2014/main" id="{E158DE29-B945-C52C-772E-020B430F3279}"/>
+              </a:ext>
+            </a:extLst>
+          </p:cNvPr>
+          <p:cNvSpPr>
+            <a:spLocks noGrp="1"/>
+          </p:cNvSpPr>
+          <p:nvPr>
+            <p:ph idx="1"/>
+          </p:nvPr>
+        </p:nvSpPr>
+        <p:spPr>
+          <a:xfrm>
+            <a:off x="5297762" y="2706624"/>
+            <a:ext cx="6251110" cy="3483864"/>
+          </a:xfrm>
+        </p:spPr>
+        <p:txBody>
+          <a:bodyPr>
+            <a:normAutofit/>
+          </a:bodyPr>
+          <a:lstStyle/>
+          <a:p>
+            <a:r>
+              <a:rPr lang="en-GB" dirty="0"/>
+              <a:t>Your company is expanding globally, and the application needs to provide low-latency access to data for users across different regions. Propose a hybrid database architecture that can scale globally and discuss the </a:t>
+            </a:r>
+            <a:r>
+              <a:rPr lang="en-GB" dirty="0" err="1"/>
+              <a:t>tradeoffs</a:t>
+            </a:r>
+            <a:r>
+              <a:rPr lang="en-GB" dirty="0"/>
+              <a:t>.</a:t>
+            </a:r>
+            <a:endParaRPr lang="en-CH" dirty="0"/>
+          </a:p>
+        </p:txBody>
+      </p:sp>
+    </p:spTree>
+    <p:extLst>
+      <p:ext uri="{BB962C8B-B14F-4D97-AF65-F5344CB8AC3E}">
+        <p14:creationId xmlns:p14="http://schemas.microsoft.com/office/powerpoint/2010/main" val="2208902521"/>
+      </p:ext>
+    </p:extLst>
+  </p:cSld>
+  <p:clrMapOvr>
+    <a:masterClrMapping/>
+  </p:clrMapOvr>
 </p:sld>
 </file>
 
@@ -9443,6 +16051,2490 @@
 </p:sld>
 </file>
 
+<file path=ppt/slides/slide6.xml><?xml version="1.0" encoding="utf-8"?>
+<p:sld xmlns:a="http://schemas.openxmlformats.org/drawingml/2006/main" xmlns:r="http://schemas.openxmlformats.org/officeDocument/2006/relationships" xmlns:p="http://schemas.openxmlformats.org/presentationml/2006/main">
+  <p:cSld>
+    <p:bg>
+      <p:bgPr>
+        <a:solidFill>
+          <a:schemeClr val="bg1"/>
+        </a:solidFill>
+        <a:effectLst/>
+      </p:bgPr>
+    </p:bg>
+    <p:spTree>
+      <p:nvGrpSpPr>
+        <p:cNvPr id="1" name=""/>
+        <p:cNvGrpSpPr/>
+        <p:nvPr/>
+      </p:nvGrpSpPr>
+      <p:grpSpPr>
+        <a:xfrm>
+          <a:off x="0" y="0"/>
+          <a:ext cx="0" cy="0"/>
+          <a:chOff x="0" y="0"/>
+          <a:chExt cx="0" cy="0"/>
+        </a:xfrm>
+      </p:grpSpPr>
+      <p:sp useBgFill="1">
+        <p:nvSpPr>
+          <p:cNvPr id="9" name="Rectangle 8">
+            <a:extLst>
+              <a:ext uri="{FF2B5EF4-FFF2-40B4-BE49-F238E27FC236}">
+                <a16:creationId xmlns:a16="http://schemas.microsoft.com/office/drawing/2014/main" id="{8A94871E-96FC-4ADE-815B-41A636E34F1A}"/>
+              </a:ext>
+              <a:ext uri="{C183D7F6-B498-43B3-948B-1728B52AA6E4}">
+                <adec:decorative xmlns:adec="http://schemas.microsoft.com/office/drawing/2017/decorative" val="1"/>
+              </a:ext>
+            </a:extLst>
+          </p:cNvPr>
+          <p:cNvSpPr>
+            <a:spLocks noGrp="1" noRot="1" noChangeAspect="1" noMove="1" noResize="1" noEditPoints="1" noAdjustHandles="1" noChangeArrowheads="1" noChangeShapeType="1" noTextEdit="1"/>
+          </p:cNvSpPr>
+          <p:nvPr>
+            <p:extLst>
+              <p:ext uri="{386F3935-93C4-4BCD-93E2-E3B085C9AB24}">
+                <p16:designElem xmlns:p16="http://schemas.microsoft.com/office/powerpoint/2015/main" val="1"/>
+              </p:ext>
+            </p:extLst>
+          </p:nvPr>
+        </p:nvSpPr>
+        <p:spPr>
+          <a:xfrm>
+            <a:off x="0" y="0"/>
+            <a:ext cx="12192000" cy="6858000"/>
+          </a:xfrm>
+          <a:prstGeom prst="rect">
+            <a:avLst/>
+          </a:prstGeom>
+          <a:ln>
+            <a:noFill/>
+          </a:ln>
+        </p:spPr>
+        <p:style>
+          <a:lnRef idx="2">
+            <a:schemeClr val="accent1">
+              <a:shade val="50000"/>
+            </a:schemeClr>
+          </a:lnRef>
+          <a:fillRef idx="1">
+            <a:schemeClr val="accent1"/>
+          </a:fillRef>
+          <a:effectRef idx="0">
+            <a:schemeClr val="accent1"/>
+          </a:effectRef>
+          <a:fontRef idx="minor">
+            <a:schemeClr val="lt1"/>
+          </a:fontRef>
+        </p:style>
+        <p:txBody>
+          <a:bodyPr rtlCol="0" anchor="ctr"/>
+          <a:lstStyle/>
+          <a:p>
+            <a:pPr algn="ctr"/>
+            <a:endParaRPr lang="en-US"/>
+          </a:p>
+        </p:txBody>
+      </p:sp>
+      <p:sp>
+        <p:nvSpPr>
+          <p:cNvPr id="2" name="Title 1">
+            <a:extLst>
+              <a:ext uri="{FF2B5EF4-FFF2-40B4-BE49-F238E27FC236}">
+                <a16:creationId xmlns:a16="http://schemas.microsoft.com/office/drawing/2014/main" id="{77087FEF-2F81-0A66-0001-21A5DF0A13CB}"/>
+              </a:ext>
+            </a:extLst>
+          </p:cNvPr>
+          <p:cNvSpPr>
+            <a:spLocks noGrp="1"/>
+          </p:cNvSpPr>
+          <p:nvPr>
+            <p:ph type="title"/>
+          </p:nvPr>
+        </p:nvSpPr>
+        <p:spPr>
+          <a:xfrm>
+            <a:off x="640080" y="320040"/>
+            <a:ext cx="6692827" cy="3892669"/>
+          </a:xfrm>
+        </p:spPr>
+        <p:txBody>
+          <a:bodyPr vert="horz" lIns="91440" tIns="45720" rIns="91440" bIns="45720" rtlCol="0" anchor="b">
+            <a:normAutofit/>
+          </a:bodyPr>
+          <a:lstStyle/>
+          <a:p>
+            <a:r>
+              <a:rPr lang="en-US" sz="6600" kern="1200">
+                <a:solidFill>
+                  <a:schemeClr val="tx1"/>
+                </a:solidFill>
+                <a:latin typeface="+mj-lt"/>
+                <a:ea typeface="+mj-ea"/>
+                <a:cs typeface="+mj-cs"/>
+              </a:rPr>
+              <a:t>Lets practice</a:t>
+            </a:r>
+          </a:p>
+        </p:txBody>
+      </p:sp>
+      <p:sp>
+        <p:nvSpPr>
+          <p:cNvPr id="11" name="sketch line">
+            <a:extLst>
+              <a:ext uri="{FF2B5EF4-FFF2-40B4-BE49-F238E27FC236}">
+                <a16:creationId xmlns:a16="http://schemas.microsoft.com/office/drawing/2014/main" id="{3FCFB1DE-0B7E-48CC-BA90-B2AB0889F9D6}"/>
+              </a:ext>
+              <a:ext uri="{C183D7F6-B498-43B3-948B-1728B52AA6E4}">
+                <adec:decorative xmlns:adec="http://schemas.microsoft.com/office/drawing/2017/decorative" val="1"/>
+              </a:ext>
+            </a:extLst>
+          </p:cNvPr>
+          <p:cNvSpPr>
+            <a:spLocks noGrp="1" noRot="1" noChangeAspect="1" noMove="1" noResize="1" noEditPoints="1" noAdjustHandles="1" noChangeArrowheads="1" noChangeShapeType="1" noTextEdit="1"/>
+          </p:cNvSpPr>
+          <p:nvPr>
+            <p:extLst>
+              <p:ext uri="{386F3935-93C4-4BCD-93E2-E3B085C9AB24}">
+                <p16:designElem xmlns:p16="http://schemas.microsoft.com/office/powerpoint/2015/main" val="1"/>
+              </p:ext>
+            </p:extLst>
+          </p:nvPr>
+        </p:nvSpPr>
+        <p:spPr>
+          <a:xfrm>
+            <a:off x="714562" y="4409267"/>
+            <a:ext cx="4243589" cy="18288"/>
+          </a:xfrm>
+          <a:custGeom>
+            <a:avLst/>
+            <a:gdLst>
+              <a:gd name="connsiteX0" fmla="*/ 0 w 4243589"/>
+              <a:gd name="connsiteY0" fmla="*/ 0 h 18288"/>
+              <a:gd name="connsiteX1" fmla="*/ 563791 w 4243589"/>
+              <a:gd name="connsiteY1" fmla="*/ 0 h 18288"/>
+              <a:gd name="connsiteX2" fmla="*/ 1042710 w 4243589"/>
+              <a:gd name="connsiteY2" fmla="*/ 0 h 18288"/>
+              <a:gd name="connsiteX3" fmla="*/ 1564066 w 4243589"/>
+              <a:gd name="connsiteY3" fmla="*/ 0 h 18288"/>
+              <a:gd name="connsiteX4" fmla="*/ 2212729 w 4243589"/>
+              <a:gd name="connsiteY4" fmla="*/ 0 h 18288"/>
+              <a:gd name="connsiteX5" fmla="*/ 2776520 w 4243589"/>
+              <a:gd name="connsiteY5" fmla="*/ 0 h 18288"/>
+              <a:gd name="connsiteX6" fmla="*/ 3297875 w 4243589"/>
+              <a:gd name="connsiteY6" fmla="*/ 0 h 18288"/>
+              <a:gd name="connsiteX7" fmla="*/ 4243589 w 4243589"/>
+              <a:gd name="connsiteY7" fmla="*/ 0 h 18288"/>
+              <a:gd name="connsiteX8" fmla="*/ 4243589 w 4243589"/>
+              <a:gd name="connsiteY8" fmla="*/ 18288 h 18288"/>
+              <a:gd name="connsiteX9" fmla="*/ 3637362 w 4243589"/>
+              <a:gd name="connsiteY9" fmla="*/ 18288 h 18288"/>
+              <a:gd name="connsiteX10" fmla="*/ 3116007 w 4243589"/>
+              <a:gd name="connsiteY10" fmla="*/ 18288 h 18288"/>
+              <a:gd name="connsiteX11" fmla="*/ 2424908 w 4243589"/>
+              <a:gd name="connsiteY11" fmla="*/ 18288 h 18288"/>
+              <a:gd name="connsiteX12" fmla="*/ 1861117 w 4243589"/>
+              <a:gd name="connsiteY12" fmla="*/ 18288 h 18288"/>
+              <a:gd name="connsiteX13" fmla="*/ 1382198 w 4243589"/>
+              <a:gd name="connsiteY13" fmla="*/ 18288 h 18288"/>
+              <a:gd name="connsiteX14" fmla="*/ 733535 w 4243589"/>
+              <a:gd name="connsiteY14" fmla="*/ 18288 h 18288"/>
+              <a:gd name="connsiteX15" fmla="*/ 0 w 4243589"/>
+              <a:gd name="connsiteY15" fmla="*/ 18288 h 18288"/>
+              <a:gd name="connsiteX16" fmla="*/ 0 w 4243589"/>
+              <a:gd name="connsiteY16" fmla="*/ 0 h 18288"/>
+            </a:gdLst>
+            <a:ahLst/>
+            <a:cxnLst>
+              <a:cxn ang="0">
+                <a:pos x="connsiteX0" y="connsiteY0"/>
+              </a:cxn>
+              <a:cxn ang="0">
+                <a:pos x="connsiteX1" y="connsiteY1"/>
+              </a:cxn>
+              <a:cxn ang="0">
+                <a:pos x="connsiteX2" y="connsiteY2"/>
+              </a:cxn>
+              <a:cxn ang="0">
+                <a:pos x="connsiteX3" y="connsiteY3"/>
+              </a:cxn>
+              <a:cxn ang="0">
+                <a:pos x="connsiteX4" y="connsiteY4"/>
+              </a:cxn>
+              <a:cxn ang="0">
+                <a:pos x="connsiteX5" y="connsiteY5"/>
+              </a:cxn>
+              <a:cxn ang="0">
+                <a:pos x="connsiteX6" y="connsiteY6"/>
+              </a:cxn>
+              <a:cxn ang="0">
+                <a:pos x="connsiteX7" y="connsiteY7"/>
+              </a:cxn>
+              <a:cxn ang="0">
+                <a:pos x="connsiteX8" y="connsiteY8"/>
+              </a:cxn>
+              <a:cxn ang="0">
+                <a:pos x="connsiteX9" y="connsiteY9"/>
+              </a:cxn>
+              <a:cxn ang="0">
+                <a:pos x="connsiteX10" y="connsiteY10"/>
+              </a:cxn>
+              <a:cxn ang="0">
+                <a:pos x="connsiteX11" y="connsiteY11"/>
+              </a:cxn>
+              <a:cxn ang="0">
+                <a:pos x="connsiteX12" y="connsiteY12"/>
+              </a:cxn>
+              <a:cxn ang="0">
+                <a:pos x="connsiteX13" y="connsiteY13"/>
+              </a:cxn>
+              <a:cxn ang="0">
+                <a:pos x="connsiteX14" y="connsiteY14"/>
+              </a:cxn>
+              <a:cxn ang="0">
+                <a:pos x="connsiteX15" y="connsiteY15"/>
+              </a:cxn>
+              <a:cxn ang="0">
+                <a:pos x="connsiteX16" y="connsiteY16"/>
+              </a:cxn>
+            </a:cxnLst>
+            <a:rect l="l" t="t" r="r" b="b"/>
+            <a:pathLst>
+              <a:path w="4243589" h="18288" fill="none" extrusionOk="0">
+                <a:moveTo>
+                  <a:pt x="0" y="0"/>
+                </a:moveTo>
+                <a:cubicBezTo>
+                  <a:pt x="157351" y="-15653"/>
+                  <a:pt x="378877" y="-5828"/>
+                  <a:pt x="563791" y="0"/>
+                </a:cubicBezTo>
+                <a:cubicBezTo>
+                  <a:pt x="748705" y="5828"/>
+                  <a:pt x="905659" y="-5525"/>
+                  <a:pt x="1042710" y="0"/>
+                </a:cubicBezTo>
+                <a:cubicBezTo>
+                  <a:pt x="1179761" y="5525"/>
+                  <a:pt x="1356845" y="-21288"/>
+                  <a:pt x="1564066" y="0"/>
+                </a:cubicBezTo>
+                <a:cubicBezTo>
+                  <a:pt x="1771287" y="21288"/>
+                  <a:pt x="1912099" y="25135"/>
+                  <a:pt x="2212729" y="0"/>
+                </a:cubicBezTo>
+                <a:cubicBezTo>
+                  <a:pt x="2513359" y="-25135"/>
+                  <a:pt x="2514918" y="-27119"/>
+                  <a:pt x="2776520" y="0"/>
+                </a:cubicBezTo>
+                <a:cubicBezTo>
+                  <a:pt x="3038122" y="27119"/>
+                  <a:pt x="3178771" y="18116"/>
+                  <a:pt x="3297875" y="0"/>
+                </a:cubicBezTo>
+                <a:cubicBezTo>
+                  <a:pt x="3416980" y="-18116"/>
+                  <a:pt x="4012240" y="-40869"/>
+                  <a:pt x="4243589" y="0"/>
+                </a:cubicBezTo>
+                <a:cubicBezTo>
+                  <a:pt x="4243987" y="7429"/>
+                  <a:pt x="4243569" y="10822"/>
+                  <a:pt x="4243589" y="18288"/>
+                </a:cubicBezTo>
+                <a:cubicBezTo>
+                  <a:pt x="4112949" y="-2855"/>
+                  <a:pt x="3928037" y="1831"/>
+                  <a:pt x="3637362" y="18288"/>
+                </a:cubicBezTo>
+                <a:cubicBezTo>
+                  <a:pt x="3346687" y="34745"/>
+                  <a:pt x="3254446" y="26669"/>
+                  <a:pt x="3116007" y="18288"/>
+                </a:cubicBezTo>
+                <a:cubicBezTo>
+                  <a:pt x="2977569" y="9907"/>
+                  <a:pt x="2620228" y="28873"/>
+                  <a:pt x="2424908" y="18288"/>
+                </a:cubicBezTo>
+                <a:cubicBezTo>
+                  <a:pt x="2229588" y="7703"/>
+                  <a:pt x="2088287" y="-3854"/>
+                  <a:pt x="1861117" y="18288"/>
+                </a:cubicBezTo>
+                <a:cubicBezTo>
+                  <a:pt x="1633947" y="40430"/>
+                  <a:pt x="1502447" y="-871"/>
+                  <a:pt x="1382198" y="18288"/>
+                </a:cubicBezTo>
+                <a:cubicBezTo>
+                  <a:pt x="1261949" y="37447"/>
+                  <a:pt x="1045440" y="28353"/>
+                  <a:pt x="733535" y="18288"/>
+                </a:cubicBezTo>
+                <a:cubicBezTo>
+                  <a:pt x="421630" y="8223"/>
+                  <a:pt x="341257" y="-18359"/>
+                  <a:pt x="0" y="18288"/>
+                </a:cubicBezTo>
+                <a:cubicBezTo>
+                  <a:pt x="-591" y="13205"/>
+                  <a:pt x="-663" y="6329"/>
+                  <a:pt x="0" y="0"/>
+                </a:cubicBezTo>
+                <a:close/>
+              </a:path>
+              <a:path w="4243589" h="18288" stroke="0" extrusionOk="0">
+                <a:moveTo>
+                  <a:pt x="0" y="0"/>
+                </a:moveTo>
+                <a:cubicBezTo>
+                  <a:pt x="128164" y="17204"/>
+                  <a:pt x="312653" y="1129"/>
+                  <a:pt x="563791" y="0"/>
+                </a:cubicBezTo>
+                <a:cubicBezTo>
+                  <a:pt x="814929" y="-1129"/>
+                  <a:pt x="837271" y="8503"/>
+                  <a:pt x="1042710" y="0"/>
+                </a:cubicBezTo>
+                <a:cubicBezTo>
+                  <a:pt x="1248149" y="-8503"/>
+                  <a:pt x="1588432" y="-28862"/>
+                  <a:pt x="1733809" y="0"/>
+                </a:cubicBezTo>
+                <a:cubicBezTo>
+                  <a:pt x="1879186" y="28862"/>
+                  <a:pt x="2052815" y="5974"/>
+                  <a:pt x="2297600" y="0"/>
+                </a:cubicBezTo>
+                <a:cubicBezTo>
+                  <a:pt x="2542385" y="-5974"/>
+                  <a:pt x="2699960" y="-23550"/>
+                  <a:pt x="2861391" y="0"/>
+                </a:cubicBezTo>
+                <a:cubicBezTo>
+                  <a:pt x="3022822" y="23550"/>
+                  <a:pt x="3390411" y="25272"/>
+                  <a:pt x="3552490" y="0"/>
+                </a:cubicBezTo>
+                <a:cubicBezTo>
+                  <a:pt x="3714569" y="-25272"/>
+                  <a:pt x="3950585" y="-31327"/>
+                  <a:pt x="4243589" y="0"/>
+                </a:cubicBezTo>
+                <a:cubicBezTo>
+                  <a:pt x="4242703" y="5429"/>
+                  <a:pt x="4244410" y="14046"/>
+                  <a:pt x="4243589" y="18288"/>
+                </a:cubicBezTo>
+                <a:cubicBezTo>
+                  <a:pt x="4130424" y="-1240"/>
+                  <a:pt x="3932803" y="42249"/>
+                  <a:pt x="3722234" y="18288"/>
+                </a:cubicBezTo>
+                <a:cubicBezTo>
+                  <a:pt x="3511665" y="-5673"/>
+                  <a:pt x="3269903" y="45994"/>
+                  <a:pt x="3116007" y="18288"/>
+                </a:cubicBezTo>
+                <a:cubicBezTo>
+                  <a:pt x="2962111" y="-9418"/>
+                  <a:pt x="2744280" y="23224"/>
+                  <a:pt x="2509780" y="18288"/>
+                </a:cubicBezTo>
+                <a:cubicBezTo>
+                  <a:pt x="2275280" y="13352"/>
+                  <a:pt x="2066059" y="43664"/>
+                  <a:pt x="1945989" y="18288"/>
+                </a:cubicBezTo>
+                <a:cubicBezTo>
+                  <a:pt x="1825919" y="-7088"/>
+                  <a:pt x="1407329" y="12616"/>
+                  <a:pt x="1254890" y="18288"/>
+                </a:cubicBezTo>
+                <a:cubicBezTo>
+                  <a:pt x="1102451" y="23960"/>
+                  <a:pt x="837950" y="31673"/>
+                  <a:pt x="563791" y="18288"/>
+                </a:cubicBezTo>
+                <a:cubicBezTo>
+                  <a:pt x="289632" y="4903"/>
+                  <a:pt x="132768" y="7105"/>
+                  <a:pt x="0" y="18288"/>
+                </a:cubicBezTo>
+                <a:cubicBezTo>
+                  <a:pt x="668" y="13665"/>
+                  <a:pt x="578" y="5675"/>
+                  <a:pt x="0" y="0"/>
+                </a:cubicBezTo>
+                <a:close/>
+              </a:path>
+            </a:pathLst>
+          </a:custGeom>
+          <a:solidFill>
+            <a:schemeClr val="accent2"/>
+          </a:solidFill>
+          <a:ln w="38100" cap="rnd">
+            <a:solidFill>
+              <a:schemeClr val="accent2"/>
+            </a:solidFill>
+            <a:round/>
+            <a:extLst>
+              <a:ext uri="{C807C97D-BFC1-408E-A445-0C87EB9F89A2}">
+                <ask:lineSketchStyleProps xmlns:ask="http://schemas.microsoft.com/office/drawing/2018/sketchyshapes" sd="1219033472">
+                  <a:prstGeom prst="rect">
+                    <a:avLst/>
+                  </a:prstGeom>
+                  <ask:type>
+                    <ask:lineSketchFreehand/>
+                  </ask:type>
+                </ask:lineSketchStyleProps>
+              </a:ext>
+            </a:extLst>
+          </a:ln>
+        </p:spPr>
+        <p:style>
+          <a:lnRef idx="2">
+            <a:schemeClr val="accent1">
+              <a:shade val="50000"/>
+            </a:schemeClr>
+          </a:lnRef>
+          <a:fillRef idx="1">
+            <a:schemeClr val="accent1"/>
+          </a:fillRef>
+          <a:effectRef idx="0">
+            <a:schemeClr val="accent1"/>
+          </a:effectRef>
+          <a:fontRef idx="minor">
+            <a:schemeClr val="lt1"/>
+          </a:fontRef>
+        </p:style>
+        <p:txBody>
+          <a:bodyPr rtlCol="0" anchor="ctr"/>
+          <a:lstStyle/>
+          <a:p>
+            <a:pPr algn="ctr"/>
+            <a:endParaRPr lang="en-US"/>
+          </a:p>
+        </p:txBody>
+      </p:sp>
+      <p:pic>
+        <p:nvPicPr>
+          <p:cNvPr id="6" name="Graphic 5" descr="Border Dash">
+            <a:extLst>
+              <a:ext uri="{FF2B5EF4-FFF2-40B4-BE49-F238E27FC236}">
+                <a16:creationId xmlns:a16="http://schemas.microsoft.com/office/drawing/2014/main" id="{AD39C739-6228-76F3-0671-804DD86F276B}"/>
+              </a:ext>
+            </a:extLst>
+          </p:cNvPr>
+          <p:cNvPicPr>
+            <a:picLocks noChangeAspect="1"/>
+          </p:cNvPicPr>
+          <p:nvPr/>
+        </p:nvPicPr>
+        <p:blipFill>
+          <a:blip r:embed="rId2">
+            <a:extLst>
+              <a:ext uri="{28A0092B-C50C-407E-A947-70E740481C1C}">
+                <a14:useLocalDpi xmlns:a14="http://schemas.microsoft.com/office/drawing/2010/main" val="0"/>
+              </a:ext>
+              <a:ext uri="{96DAC541-7B7A-43D3-8B79-37D633B846F1}">
+                <asvg:svgBlip xmlns:asvg="http://schemas.microsoft.com/office/drawing/2016/SVG/main" r:embed="rId3"/>
+              </a:ext>
+            </a:extLst>
+          </a:blip>
+          <a:stretch>
+            <a:fillRect/>
+          </a:stretch>
+        </p:blipFill>
+        <p:spPr>
+          <a:xfrm>
+            <a:off x="7781544" y="1267079"/>
+            <a:ext cx="4087368" cy="4087368"/>
+          </a:xfrm>
+          <a:prstGeom prst="rect">
+            <a:avLst/>
+          </a:prstGeom>
+        </p:spPr>
+      </p:pic>
+    </p:spTree>
+    <p:extLst>
+      <p:ext uri="{BB962C8B-B14F-4D97-AF65-F5344CB8AC3E}">
+        <p14:creationId xmlns:p14="http://schemas.microsoft.com/office/powerpoint/2010/main" val="2516939915"/>
+      </p:ext>
+    </p:extLst>
+  </p:cSld>
+  <p:clrMapOvr>
+    <a:masterClrMapping/>
+  </p:clrMapOvr>
+</p:sld>
+</file>
+
+<file path=ppt/slides/slide7.xml><?xml version="1.0" encoding="utf-8"?>
+<p:sld xmlns:a="http://schemas.openxmlformats.org/drawingml/2006/main" xmlns:r="http://schemas.openxmlformats.org/officeDocument/2006/relationships" xmlns:p="http://schemas.openxmlformats.org/presentationml/2006/main">
+  <p:cSld>
+    <p:bg>
+      <p:bgPr>
+        <a:solidFill>
+          <a:schemeClr val="bg1"/>
+        </a:solidFill>
+        <a:effectLst/>
+      </p:bgPr>
+    </p:bg>
+    <p:spTree>
+      <p:nvGrpSpPr>
+        <p:cNvPr id="1" name=""/>
+        <p:cNvGrpSpPr/>
+        <p:nvPr/>
+      </p:nvGrpSpPr>
+      <p:grpSpPr>
+        <a:xfrm>
+          <a:off x="0" y="0"/>
+          <a:ext cx="0" cy="0"/>
+          <a:chOff x="0" y="0"/>
+          <a:chExt cx="0" cy="0"/>
+        </a:xfrm>
+      </p:grpSpPr>
+      <p:sp useBgFill="1">
+        <p:nvSpPr>
+          <p:cNvPr id="9" name="Rectangle 8">
+            <a:extLst>
+              <a:ext uri="{FF2B5EF4-FFF2-40B4-BE49-F238E27FC236}">
+                <a16:creationId xmlns:a16="http://schemas.microsoft.com/office/drawing/2014/main" id="{2C61293E-6EBE-43EF-A52C-9BEBFD7679D4}"/>
+              </a:ext>
+              <a:ext uri="{C183D7F6-B498-43B3-948B-1728B52AA6E4}">
+                <adec:decorative xmlns:adec="http://schemas.microsoft.com/office/drawing/2017/decorative" val="1"/>
+              </a:ext>
+            </a:extLst>
+          </p:cNvPr>
+          <p:cNvSpPr>
+            <a:spLocks noGrp="1" noRot="1" noChangeAspect="1" noMove="1" noResize="1" noEditPoints="1" noAdjustHandles="1" noChangeArrowheads="1" noChangeShapeType="1" noTextEdit="1"/>
+          </p:cNvSpPr>
+          <p:nvPr>
+            <p:extLst>
+              <p:ext uri="{386F3935-93C4-4BCD-93E2-E3B085C9AB24}">
+                <p16:designElem xmlns:p16="http://schemas.microsoft.com/office/powerpoint/2015/main" val="1"/>
+              </p:ext>
+            </p:extLst>
+          </p:nvPr>
+        </p:nvSpPr>
+        <p:spPr>
+          <a:xfrm>
+            <a:off x="0" y="0"/>
+            <a:ext cx="12188952" cy="6858000"/>
+          </a:xfrm>
+          <a:prstGeom prst="rect">
+            <a:avLst/>
+          </a:prstGeom>
+          <a:ln>
+            <a:noFill/>
+          </a:ln>
+        </p:spPr>
+        <p:style>
+          <a:lnRef idx="2">
+            <a:schemeClr val="accent1">
+              <a:shade val="50000"/>
+            </a:schemeClr>
+          </a:lnRef>
+          <a:fillRef idx="1">
+            <a:schemeClr val="accent1"/>
+          </a:fillRef>
+          <a:effectRef idx="0">
+            <a:schemeClr val="accent1"/>
+          </a:effectRef>
+          <a:fontRef idx="minor">
+            <a:schemeClr val="lt1"/>
+          </a:fontRef>
+        </p:style>
+        <p:txBody>
+          <a:bodyPr rtlCol="0" anchor="ctr"/>
+          <a:lstStyle/>
+          <a:p>
+            <a:pPr algn="ctr"/>
+            <a:endParaRPr lang="en-US"/>
+          </a:p>
+        </p:txBody>
+      </p:sp>
+      <p:sp>
+        <p:nvSpPr>
+          <p:cNvPr id="2" name="Title 1">
+            <a:extLst>
+              <a:ext uri="{FF2B5EF4-FFF2-40B4-BE49-F238E27FC236}">
+                <a16:creationId xmlns:a16="http://schemas.microsoft.com/office/drawing/2014/main" id="{78CA6976-3C94-7225-F4F2-B2B95AA2AD3F}"/>
+              </a:ext>
+            </a:extLst>
+          </p:cNvPr>
+          <p:cNvSpPr>
+            <a:spLocks noGrp="1"/>
+          </p:cNvSpPr>
+          <p:nvPr>
+            <p:ph type="title"/>
+          </p:nvPr>
+        </p:nvSpPr>
+        <p:spPr>
+          <a:xfrm>
+            <a:off x="5297762" y="329184"/>
+            <a:ext cx="6251110" cy="1783080"/>
+          </a:xfrm>
+        </p:spPr>
+        <p:txBody>
+          <a:bodyPr anchor="b">
+            <a:normAutofit/>
+          </a:bodyPr>
+          <a:lstStyle/>
+          <a:p>
+            <a:r>
+              <a:rPr lang="en-CH" sz="5400" dirty="0"/>
+              <a:t>Question</a:t>
+            </a:r>
+          </a:p>
+        </p:txBody>
+      </p:sp>
+      <p:pic>
+        <p:nvPicPr>
+          <p:cNvPr id="5" name="Picture 4" descr="Many question marks on black background">
+            <a:extLst>
+              <a:ext uri="{FF2B5EF4-FFF2-40B4-BE49-F238E27FC236}">
+                <a16:creationId xmlns:a16="http://schemas.microsoft.com/office/drawing/2014/main" id="{1E2CD7CE-575E-E731-1428-4E1C0EEEBA01}"/>
+              </a:ext>
+            </a:extLst>
+          </p:cNvPr>
+          <p:cNvPicPr>
+            <a:picLocks noChangeAspect="1"/>
+          </p:cNvPicPr>
+          <p:nvPr/>
+        </p:nvPicPr>
+        <p:blipFill rotWithShape="1">
+          <a:blip r:embed="rId2"/>
+          <a:srcRect l="58573" r="2" b="2"/>
+          <a:stretch/>
+        </p:blipFill>
+        <p:spPr>
+          <a:xfrm>
+            <a:off x="1" y="10"/>
+            <a:ext cx="4657344" cy="6857990"/>
+          </a:xfrm>
+          <a:custGeom>
+            <a:avLst/>
+            <a:gdLst/>
+            <a:ahLst/>
+            <a:cxnLst/>
+            <a:rect l="l" t="t" r="r" b="b"/>
+            <a:pathLst>
+              <a:path w="4657344" h="6858000">
+                <a:moveTo>
+                  <a:pt x="0" y="0"/>
+                </a:moveTo>
+                <a:lnTo>
+                  <a:pt x="3429755" y="0"/>
+                </a:lnTo>
+                <a:lnTo>
+                  <a:pt x="3526016" y="148742"/>
+                </a:lnTo>
+                <a:cubicBezTo>
+                  <a:pt x="3657740" y="365513"/>
+                  <a:pt x="3777402" y="589569"/>
+                  <a:pt x="3886489" y="819975"/>
+                </a:cubicBezTo>
+                <a:cubicBezTo>
+                  <a:pt x="3891856" y="833492"/>
+                  <a:pt x="3900663" y="845393"/>
+                  <a:pt x="3912049" y="854514"/>
+                </a:cubicBezTo>
+                <a:cubicBezTo>
+                  <a:pt x="3897352" y="819849"/>
+                  <a:pt x="3883037" y="784928"/>
+                  <a:pt x="3868083" y="750263"/>
+                </a:cubicBezTo>
+                <a:cubicBezTo>
+                  <a:pt x="3806989" y="608712"/>
+                  <a:pt x="3742478" y="469145"/>
+                  <a:pt x="3674155" y="331786"/>
+                </a:cubicBezTo>
+                <a:lnTo>
+                  <a:pt x="3496656" y="0"/>
+                </a:lnTo>
+                <a:lnTo>
+                  <a:pt x="3554371" y="0"/>
+                </a:lnTo>
+                <a:lnTo>
+                  <a:pt x="3661621" y="196614"/>
+                </a:lnTo>
+                <a:cubicBezTo>
+                  <a:pt x="3856899" y="573253"/>
+                  <a:pt x="4021071" y="966066"/>
+                  <a:pt x="4161279" y="1371196"/>
+                </a:cubicBezTo>
+                <a:cubicBezTo>
+                  <a:pt x="4379525" y="2007265"/>
+                  <a:pt x="4530141" y="2664286"/>
+                  <a:pt x="4610660" y="3331516"/>
+                </a:cubicBezTo>
+                <a:cubicBezTo>
+                  <a:pt x="4652837" y="3672965"/>
+                  <a:pt x="4671625" y="4013908"/>
+                  <a:pt x="4645040" y="4357388"/>
+                </a:cubicBezTo>
+                <a:cubicBezTo>
+                  <a:pt x="4613599" y="4758899"/>
+                  <a:pt x="4566181" y="5157998"/>
+                  <a:pt x="4485789" y="5552906"/>
+                </a:cubicBezTo>
+                <a:cubicBezTo>
+                  <a:pt x="4397121" y="5988893"/>
+                  <a:pt x="4276748" y="6414594"/>
+                  <a:pt x="4117769" y="6828295"/>
+                </a:cubicBezTo>
+                <a:lnTo>
+                  <a:pt x="4105288" y="6858000"/>
+                </a:lnTo>
+                <a:lnTo>
+                  <a:pt x="4052520" y="6858000"/>
+                </a:lnTo>
+                <a:lnTo>
+                  <a:pt x="4059369" y="6841549"/>
+                </a:lnTo>
+                <a:cubicBezTo>
+                  <a:pt x="4147276" y="6614016"/>
+                  <a:pt x="4224193" y="6380817"/>
+                  <a:pt x="4291518" y="6142729"/>
+                </a:cubicBezTo>
+                <a:cubicBezTo>
+                  <a:pt x="4350055" y="5935370"/>
+                  <a:pt x="4393256" y="5723695"/>
+                  <a:pt x="4443357" y="5513923"/>
+                </a:cubicBezTo>
+                <a:cubicBezTo>
+                  <a:pt x="4444541" y="5502788"/>
+                  <a:pt x="4445137" y="5491601"/>
+                  <a:pt x="4445146" y="5480401"/>
+                </a:cubicBezTo>
+                <a:cubicBezTo>
+                  <a:pt x="4408465" y="5607635"/>
+                  <a:pt x="4379196" y="5719759"/>
+                  <a:pt x="4344559" y="5830359"/>
+                </a:cubicBezTo>
+                <a:cubicBezTo>
+                  <a:pt x="4254261" y="6118381"/>
+                  <a:pt x="4150112" y="6398531"/>
+                  <a:pt x="4031702" y="6670527"/>
+                </a:cubicBezTo>
+                <a:lnTo>
+                  <a:pt x="3943824" y="6858000"/>
+                </a:lnTo>
+                <a:lnTo>
+                  <a:pt x="0" y="6858000"/>
+                </a:lnTo>
+                <a:close/>
+              </a:path>
+            </a:pathLst>
+          </a:custGeom>
+        </p:spPr>
+      </p:pic>
+      <p:sp>
+        <p:nvSpPr>
+          <p:cNvPr id="11" name="sketchy line">
+            <a:extLst>
+              <a:ext uri="{FF2B5EF4-FFF2-40B4-BE49-F238E27FC236}">
+                <a16:creationId xmlns:a16="http://schemas.microsoft.com/office/drawing/2014/main" id="{21540236-BFD5-4A9D-8840-4703E7F76825}"/>
+              </a:ext>
+              <a:ext uri="{C183D7F6-B498-43B3-948B-1728B52AA6E4}">
+                <adec:decorative xmlns:adec="http://schemas.microsoft.com/office/drawing/2017/decorative" val="1"/>
+              </a:ext>
+            </a:extLst>
+          </p:cNvPr>
+          <p:cNvSpPr>
+            <a:spLocks noGrp="1" noRot="1" noChangeAspect="1" noMove="1" noResize="1" noEditPoints="1" noAdjustHandles="1" noChangeArrowheads="1" noChangeShapeType="1" noTextEdit="1"/>
+          </p:cNvSpPr>
+          <p:nvPr>
+            <p:extLst>
+              <p:ext uri="{386F3935-93C4-4BCD-93E2-E3B085C9AB24}">
+                <p16:designElem xmlns:p16="http://schemas.microsoft.com/office/powerpoint/2015/main" val="1"/>
+              </p:ext>
+            </p:extLst>
+          </p:nvPr>
+        </p:nvSpPr>
+        <p:spPr>
+          <a:xfrm>
+            <a:off x="5297762" y="2374947"/>
+            <a:ext cx="4243589" cy="18288"/>
+          </a:xfrm>
+          <a:custGeom>
+            <a:avLst/>
+            <a:gdLst>
+              <a:gd name="connsiteX0" fmla="*/ 0 w 4243589"/>
+              <a:gd name="connsiteY0" fmla="*/ 0 h 18288"/>
+              <a:gd name="connsiteX1" fmla="*/ 478919 w 4243589"/>
+              <a:gd name="connsiteY1" fmla="*/ 0 h 18288"/>
+              <a:gd name="connsiteX2" fmla="*/ 957839 w 4243589"/>
+              <a:gd name="connsiteY2" fmla="*/ 0 h 18288"/>
+              <a:gd name="connsiteX3" fmla="*/ 1521630 w 4243589"/>
+              <a:gd name="connsiteY3" fmla="*/ 0 h 18288"/>
+              <a:gd name="connsiteX4" fmla="*/ 2212729 w 4243589"/>
+              <a:gd name="connsiteY4" fmla="*/ 0 h 18288"/>
+              <a:gd name="connsiteX5" fmla="*/ 2734084 w 4243589"/>
+              <a:gd name="connsiteY5" fmla="*/ 0 h 18288"/>
+              <a:gd name="connsiteX6" fmla="*/ 3255439 w 4243589"/>
+              <a:gd name="connsiteY6" fmla="*/ 0 h 18288"/>
+              <a:gd name="connsiteX7" fmla="*/ 4243589 w 4243589"/>
+              <a:gd name="connsiteY7" fmla="*/ 0 h 18288"/>
+              <a:gd name="connsiteX8" fmla="*/ 4243589 w 4243589"/>
+              <a:gd name="connsiteY8" fmla="*/ 18288 h 18288"/>
+              <a:gd name="connsiteX9" fmla="*/ 3594926 w 4243589"/>
+              <a:gd name="connsiteY9" fmla="*/ 18288 h 18288"/>
+              <a:gd name="connsiteX10" fmla="*/ 3073571 w 4243589"/>
+              <a:gd name="connsiteY10" fmla="*/ 18288 h 18288"/>
+              <a:gd name="connsiteX11" fmla="*/ 2552216 w 4243589"/>
+              <a:gd name="connsiteY11" fmla="*/ 18288 h 18288"/>
+              <a:gd name="connsiteX12" fmla="*/ 1903553 w 4243589"/>
+              <a:gd name="connsiteY12" fmla="*/ 18288 h 18288"/>
+              <a:gd name="connsiteX13" fmla="*/ 1212454 w 4243589"/>
+              <a:gd name="connsiteY13" fmla="*/ 18288 h 18288"/>
+              <a:gd name="connsiteX14" fmla="*/ 733535 w 4243589"/>
+              <a:gd name="connsiteY14" fmla="*/ 18288 h 18288"/>
+              <a:gd name="connsiteX15" fmla="*/ 0 w 4243589"/>
+              <a:gd name="connsiteY15" fmla="*/ 18288 h 18288"/>
+              <a:gd name="connsiteX16" fmla="*/ 0 w 4243589"/>
+              <a:gd name="connsiteY16" fmla="*/ 0 h 18288"/>
+            </a:gdLst>
+            <a:ahLst/>
+            <a:cxnLst>
+              <a:cxn ang="0">
+                <a:pos x="connsiteX0" y="connsiteY0"/>
+              </a:cxn>
+              <a:cxn ang="0">
+                <a:pos x="connsiteX1" y="connsiteY1"/>
+              </a:cxn>
+              <a:cxn ang="0">
+                <a:pos x="connsiteX2" y="connsiteY2"/>
+              </a:cxn>
+              <a:cxn ang="0">
+                <a:pos x="connsiteX3" y="connsiteY3"/>
+              </a:cxn>
+              <a:cxn ang="0">
+                <a:pos x="connsiteX4" y="connsiteY4"/>
+              </a:cxn>
+              <a:cxn ang="0">
+                <a:pos x="connsiteX5" y="connsiteY5"/>
+              </a:cxn>
+              <a:cxn ang="0">
+                <a:pos x="connsiteX6" y="connsiteY6"/>
+              </a:cxn>
+              <a:cxn ang="0">
+                <a:pos x="connsiteX7" y="connsiteY7"/>
+              </a:cxn>
+              <a:cxn ang="0">
+                <a:pos x="connsiteX8" y="connsiteY8"/>
+              </a:cxn>
+              <a:cxn ang="0">
+                <a:pos x="connsiteX9" y="connsiteY9"/>
+              </a:cxn>
+              <a:cxn ang="0">
+                <a:pos x="connsiteX10" y="connsiteY10"/>
+              </a:cxn>
+              <a:cxn ang="0">
+                <a:pos x="connsiteX11" y="connsiteY11"/>
+              </a:cxn>
+              <a:cxn ang="0">
+                <a:pos x="connsiteX12" y="connsiteY12"/>
+              </a:cxn>
+              <a:cxn ang="0">
+                <a:pos x="connsiteX13" y="connsiteY13"/>
+              </a:cxn>
+              <a:cxn ang="0">
+                <a:pos x="connsiteX14" y="connsiteY14"/>
+              </a:cxn>
+              <a:cxn ang="0">
+                <a:pos x="connsiteX15" y="connsiteY15"/>
+              </a:cxn>
+              <a:cxn ang="0">
+                <a:pos x="connsiteX16" y="connsiteY16"/>
+              </a:cxn>
+            </a:cxnLst>
+            <a:rect l="l" t="t" r="r" b="b"/>
+            <a:pathLst>
+              <a:path w="4243589" h="18288" fill="none" extrusionOk="0">
+                <a:moveTo>
+                  <a:pt x="0" y="0"/>
+                </a:moveTo>
+                <a:cubicBezTo>
+                  <a:pt x="213395" y="-21006"/>
+                  <a:pt x="307421" y="-18116"/>
+                  <a:pt x="478919" y="0"/>
+                </a:cubicBezTo>
+                <a:cubicBezTo>
+                  <a:pt x="650417" y="18116"/>
+                  <a:pt x="831092" y="-21237"/>
+                  <a:pt x="957839" y="0"/>
+                </a:cubicBezTo>
+                <a:cubicBezTo>
+                  <a:pt x="1084586" y="21237"/>
+                  <a:pt x="1301682" y="25124"/>
+                  <a:pt x="1521630" y="0"/>
+                </a:cubicBezTo>
+                <a:cubicBezTo>
+                  <a:pt x="1741578" y="-25124"/>
+                  <a:pt x="1970269" y="-29139"/>
+                  <a:pt x="2212729" y="0"/>
+                </a:cubicBezTo>
+                <a:cubicBezTo>
+                  <a:pt x="2455189" y="29139"/>
+                  <a:pt x="2558847" y="-4796"/>
+                  <a:pt x="2734084" y="0"/>
+                </a:cubicBezTo>
+                <a:cubicBezTo>
+                  <a:pt x="2909321" y="4796"/>
+                  <a:pt x="3097217" y="-13409"/>
+                  <a:pt x="3255439" y="0"/>
+                </a:cubicBezTo>
+                <a:cubicBezTo>
+                  <a:pt x="3413662" y="13409"/>
+                  <a:pt x="3979999" y="-10121"/>
+                  <a:pt x="4243589" y="0"/>
+                </a:cubicBezTo>
+                <a:cubicBezTo>
+                  <a:pt x="4244484" y="8974"/>
+                  <a:pt x="4243043" y="9359"/>
+                  <a:pt x="4243589" y="18288"/>
+                </a:cubicBezTo>
+                <a:cubicBezTo>
+                  <a:pt x="4058777" y="31246"/>
+                  <a:pt x="3910348" y="3158"/>
+                  <a:pt x="3594926" y="18288"/>
+                </a:cubicBezTo>
+                <a:cubicBezTo>
+                  <a:pt x="3279504" y="33418"/>
+                  <a:pt x="3319955" y="-3977"/>
+                  <a:pt x="3073571" y="18288"/>
+                </a:cubicBezTo>
+                <a:cubicBezTo>
+                  <a:pt x="2827187" y="40553"/>
+                  <a:pt x="2767387" y="1863"/>
+                  <a:pt x="2552216" y="18288"/>
+                </a:cubicBezTo>
+                <a:cubicBezTo>
+                  <a:pt x="2337046" y="34713"/>
+                  <a:pt x="2181871" y="19527"/>
+                  <a:pt x="1903553" y="18288"/>
+                </a:cubicBezTo>
+                <a:cubicBezTo>
+                  <a:pt x="1625235" y="17049"/>
+                  <a:pt x="1557672" y="24174"/>
+                  <a:pt x="1212454" y="18288"/>
+                </a:cubicBezTo>
+                <a:cubicBezTo>
+                  <a:pt x="867236" y="12402"/>
+                  <a:pt x="874382" y="15627"/>
+                  <a:pt x="733535" y="18288"/>
+                </a:cubicBezTo>
+                <a:cubicBezTo>
+                  <a:pt x="592688" y="20949"/>
+                  <a:pt x="183477" y="14753"/>
+                  <a:pt x="0" y="18288"/>
+                </a:cubicBezTo>
+                <a:cubicBezTo>
+                  <a:pt x="-229" y="14222"/>
+                  <a:pt x="509" y="5816"/>
+                  <a:pt x="0" y="0"/>
+                </a:cubicBezTo>
+                <a:close/>
+              </a:path>
+              <a:path w="4243589" h="18288" stroke="0" extrusionOk="0">
+                <a:moveTo>
+                  <a:pt x="0" y="0"/>
+                </a:moveTo>
+                <a:cubicBezTo>
+                  <a:pt x="143690" y="16630"/>
+                  <a:pt x="266667" y="14847"/>
+                  <a:pt x="521355" y="0"/>
+                </a:cubicBezTo>
+                <a:cubicBezTo>
+                  <a:pt x="776043" y="-14847"/>
+                  <a:pt x="814491" y="-17363"/>
+                  <a:pt x="1000275" y="0"/>
+                </a:cubicBezTo>
+                <a:cubicBezTo>
+                  <a:pt x="1186059" y="17363"/>
+                  <a:pt x="1352504" y="-23507"/>
+                  <a:pt x="1521630" y="0"/>
+                </a:cubicBezTo>
+                <a:cubicBezTo>
+                  <a:pt x="1690756" y="23507"/>
+                  <a:pt x="1889525" y="5871"/>
+                  <a:pt x="2127857" y="0"/>
+                </a:cubicBezTo>
+                <a:cubicBezTo>
+                  <a:pt x="2366189" y="-5871"/>
+                  <a:pt x="2620628" y="-27997"/>
+                  <a:pt x="2776520" y="0"/>
+                </a:cubicBezTo>
+                <a:cubicBezTo>
+                  <a:pt x="2932412" y="27997"/>
+                  <a:pt x="3131683" y="-25073"/>
+                  <a:pt x="3467618" y="0"/>
+                </a:cubicBezTo>
+                <a:cubicBezTo>
+                  <a:pt x="3803553" y="25073"/>
+                  <a:pt x="4017371" y="3071"/>
+                  <a:pt x="4243589" y="0"/>
+                </a:cubicBezTo>
+                <a:cubicBezTo>
+                  <a:pt x="4243134" y="6162"/>
+                  <a:pt x="4243492" y="11775"/>
+                  <a:pt x="4243589" y="18288"/>
+                </a:cubicBezTo>
+                <a:cubicBezTo>
+                  <a:pt x="4017834" y="-5779"/>
+                  <a:pt x="3834586" y="13376"/>
+                  <a:pt x="3594926" y="18288"/>
+                </a:cubicBezTo>
+                <a:cubicBezTo>
+                  <a:pt x="3355266" y="23200"/>
+                  <a:pt x="3204179" y="2869"/>
+                  <a:pt x="2903827" y="18288"/>
+                </a:cubicBezTo>
+                <a:cubicBezTo>
+                  <a:pt x="2603475" y="33707"/>
+                  <a:pt x="2526187" y="46187"/>
+                  <a:pt x="2212729" y="18288"/>
+                </a:cubicBezTo>
+                <a:cubicBezTo>
+                  <a:pt x="1899271" y="-9611"/>
+                  <a:pt x="1966289" y="29692"/>
+                  <a:pt x="1733809" y="18288"/>
+                </a:cubicBezTo>
+                <a:cubicBezTo>
+                  <a:pt x="1501329" y="6884"/>
+                  <a:pt x="1343612" y="12492"/>
+                  <a:pt x="1085146" y="18288"/>
+                </a:cubicBezTo>
+                <a:cubicBezTo>
+                  <a:pt x="826680" y="24084"/>
+                  <a:pt x="778184" y="35607"/>
+                  <a:pt x="521355" y="18288"/>
+                </a:cubicBezTo>
+                <a:cubicBezTo>
+                  <a:pt x="264526" y="969"/>
+                  <a:pt x="120277" y="4268"/>
+                  <a:pt x="0" y="18288"/>
+                </a:cubicBezTo>
+                <a:cubicBezTo>
+                  <a:pt x="766" y="10800"/>
+                  <a:pt x="-457" y="8180"/>
+                  <a:pt x="0" y="0"/>
+                </a:cubicBezTo>
+                <a:close/>
+              </a:path>
+            </a:pathLst>
+          </a:custGeom>
+          <a:solidFill>
+            <a:schemeClr val="accent2"/>
+          </a:solidFill>
+          <a:ln w="44450" cap="rnd">
+            <a:solidFill>
+              <a:schemeClr val="accent2"/>
+            </a:solidFill>
+            <a:round/>
+            <a:extLst>
+              <a:ext uri="{C807C97D-BFC1-408E-A445-0C87EB9F89A2}">
+                <ask:lineSketchStyleProps xmlns:ask="http://schemas.microsoft.com/office/drawing/2018/sketchyshapes" sd="2727557108">
+                  <a:prstGeom prst="rect">
+                    <a:avLst/>
+                  </a:prstGeom>
+                  <ask:type>
+                    <ask:lineSketchFreehand/>
+                  </ask:type>
+                </ask:lineSketchStyleProps>
+              </a:ext>
+            </a:extLst>
+          </a:ln>
+        </p:spPr>
+        <p:style>
+          <a:lnRef idx="2">
+            <a:schemeClr val="accent1">
+              <a:shade val="50000"/>
+            </a:schemeClr>
+          </a:lnRef>
+          <a:fillRef idx="1">
+            <a:schemeClr val="accent1"/>
+          </a:fillRef>
+          <a:effectRef idx="0">
+            <a:schemeClr val="accent1"/>
+          </a:effectRef>
+          <a:fontRef idx="minor">
+            <a:schemeClr val="lt1"/>
+          </a:fontRef>
+        </p:style>
+        <p:txBody>
+          <a:bodyPr rtlCol="0" anchor="ctr"/>
+          <a:lstStyle/>
+          <a:p>
+            <a:pPr algn="ctr"/>
+            <a:endParaRPr lang="en-US"/>
+          </a:p>
+        </p:txBody>
+      </p:sp>
+      <p:sp>
+        <p:nvSpPr>
+          <p:cNvPr id="3" name="Content Placeholder 2">
+            <a:extLst>
+              <a:ext uri="{FF2B5EF4-FFF2-40B4-BE49-F238E27FC236}">
+                <a16:creationId xmlns:a16="http://schemas.microsoft.com/office/drawing/2014/main" id="{E158DE29-B945-C52C-772E-020B430F3279}"/>
+              </a:ext>
+            </a:extLst>
+          </p:cNvPr>
+          <p:cNvSpPr>
+            <a:spLocks noGrp="1"/>
+          </p:cNvSpPr>
+          <p:nvPr>
+            <p:ph idx="1"/>
+          </p:nvPr>
+        </p:nvSpPr>
+        <p:spPr>
+          <a:xfrm>
+            <a:off x="5297762" y="2706624"/>
+            <a:ext cx="6251110" cy="3483864"/>
+          </a:xfrm>
+        </p:spPr>
+        <p:txBody>
+          <a:bodyPr>
+            <a:normAutofit/>
+          </a:bodyPr>
+          <a:lstStyle/>
+          <a:p>
+            <a:r>
+              <a:rPr lang="en-GB" sz="2200" b="0" i="0" dirty="0">
+                <a:effectLst/>
+                <a:latin typeface="Söhne"/>
+              </a:rPr>
+              <a:t>Your application involves structured data with complex relationships. You need to ensure ACID compliance for transactions. What database solution should you choose?</a:t>
+            </a:r>
+            <a:endParaRPr lang="en-CH" sz="2200" dirty="0"/>
+          </a:p>
+        </p:txBody>
+      </p:sp>
+    </p:spTree>
+    <p:extLst>
+      <p:ext uri="{BB962C8B-B14F-4D97-AF65-F5344CB8AC3E}">
+        <p14:creationId xmlns:p14="http://schemas.microsoft.com/office/powerpoint/2010/main" val="2685453246"/>
+      </p:ext>
+    </p:extLst>
+  </p:cSld>
+  <p:clrMapOvr>
+    <a:masterClrMapping/>
+  </p:clrMapOvr>
+</p:sld>
+</file>
+
+<file path=ppt/slides/slide8.xml><?xml version="1.0" encoding="utf-8"?>
+<p:sld xmlns:a="http://schemas.openxmlformats.org/drawingml/2006/main" xmlns:r="http://schemas.openxmlformats.org/officeDocument/2006/relationships" xmlns:p="http://schemas.openxmlformats.org/presentationml/2006/main">
+  <p:cSld>
+    <p:bg>
+      <p:bgPr>
+        <a:solidFill>
+          <a:schemeClr val="bg1"/>
+        </a:solidFill>
+        <a:effectLst/>
+      </p:bgPr>
+    </p:bg>
+    <p:spTree>
+      <p:nvGrpSpPr>
+        <p:cNvPr id="1" name=""/>
+        <p:cNvGrpSpPr/>
+        <p:nvPr/>
+      </p:nvGrpSpPr>
+      <p:grpSpPr>
+        <a:xfrm>
+          <a:off x="0" y="0"/>
+          <a:ext cx="0" cy="0"/>
+          <a:chOff x="0" y="0"/>
+          <a:chExt cx="0" cy="0"/>
+        </a:xfrm>
+      </p:grpSpPr>
+      <p:sp useBgFill="1">
+        <p:nvSpPr>
+          <p:cNvPr id="9" name="Rectangle 8">
+            <a:extLst>
+              <a:ext uri="{FF2B5EF4-FFF2-40B4-BE49-F238E27FC236}">
+                <a16:creationId xmlns:a16="http://schemas.microsoft.com/office/drawing/2014/main" id="{2C61293E-6EBE-43EF-A52C-9BEBFD7679D4}"/>
+              </a:ext>
+              <a:ext uri="{C183D7F6-B498-43B3-948B-1728B52AA6E4}">
+                <adec:decorative xmlns:adec="http://schemas.microsoft.com/office/drawing/2017/decorative" val="1"/>
+              </a:ext>
+            </a:extLst>
+          </p:cNvPr>
+          <p:cNvSpPr>
+            <a:spLocks noGrp="1" noRot="1" noChangeAspect="1" noMove="1" noResize="1" noEditPoints="1" noAdjustHandles="1" noChangeArrowheads="1" noChangeShapeType="1" noTextEdit="1"/>
+          </p:cNvSpPr>
+          <p:nvPr>
+            <p:extLst>
+              <p:ext uri="{386F3935-93C4-4BCD-93E2-E3B085C9AB24}">
+                <p16:designElem xmlns:p16="http://schemas.microsoft.com/office/powerpoint/2015/main" val="1"/>
+              </p:ext>
+            </p:extLst>
+          </p:nvPr>
+        </p:nvSpPr>
+        <p:spPr>
+          <a:xfrm>
+            <a:off x="0" y="0"/>
+            <a:ext cx="12188952" cy="6858000"/>
+          </a:xfrm>
+          <a:prstGeom prst="rect">
+            <a:avLst/>
+          </a:prstGeom>
+          <a:ln>
+            <a:noFill/>
+          </a:ln>
+        </p:spPr>
+        <p:style>
+          <a:lnRef idx="2">
+            <a:schemeClr val="accent1">
+              <a:shade val="50000"/>
+            </a:schemeClr>
+          </a:lnRef>
+          <a:fillRef idx="1">
+            <a:schemeClr val="accent1"/>
+          </a:fillRef>
+          <a:effectRef idx="0">
+            <a:schemeClr val="accent1"/>
+          </a:effectRef>
+          <a:fontRef idx="minor">
+            <a:schemeClr val="lt1"/>
+          </a:fontRef>
+        </p:style>
+        <p:txBody>
+          <a:bodyPr rtlCol="0" anchor="ctr"/>
+          <a:lstStyle/>
+          <a:p>
+            <a:pPr algn="ctr"/>
+            <a:endParaRPr lang="en-US"/>
+          </a:p>
+        </p:txBody>
+      </p:sp>
+      <p:sp>
+        <p:nvSpPr>
+          <p:cNvPr id="2" name="Title 1">
+            <a:extLst>
+              <a:ext uri="{FF2B5EF4-FFF2-40B4-BE49-F238E27FC236}">
+                <a16:creationId xmlns:a16="http://schemas.microsoft.com/office/drawing/2014/main" id="{78CA6976-3C94-7225-F4F2-B2B95AA2AD3F}"/>
+              </a:ext>
+            </a:extLst>
+          </p:cNvPr>
+          <p:cNvSpPr>
+            <a:spLocks noGrp="1"/>
+          </p:cNvSpPr>
+          <p:nvPr>
+            <p:ph type="title"/>
+          </p:nvPr>
+        </p:nvSpPr>
+        <p:spPr>
+          <a:xfrm>
+            <a:off x="5297762" y="329184"/>
+            <a:ext cx="6251110" cy="1783080"/>
+          </a:xfrm>
+        </p:spPr>
+        <p:txBody>
+          <a:bodyPr anchor="b">
+            <a:normAutofit/>
+          </a:bodyPr>
+          <a:lstStyle/>
+          <a:p>
+            <a:r>
+              <a:rPr lang="en-CH" sz="5400" dirty="0"/>
+              <a:t>Question</a:t>
+            </a:r>
+          </a:p>
+        </p:txBody>
+      </p:sp>
+      <p:pic>
+        <p:nvPicPr>
+          <p:cNvPr id="5" name="Picture 4" descr="Many question marks on black background">
+            <a:extLst>
+              <a:ext uri="{FF2B5EF4-FFF2-40B4-BE49-F238E27FC236}">
+                <a16:creationId xmlns:a16="http://schemas.microsoft.com/office/drawing/2014/main" id="{1E2CD7CE-575E-E731-1428-4E1C0EEEBA01}"/>
+              </a:ext>
+            </a:extLst>
+          </p:cNvPr>
+          <p:cNvPicPr>
+            <a:picLocks noChangeAspect="1"/>
+          </p:cNvPicPr>
+          <p:nvPr/>
+        </p:nvPicPr>
+        <p:blipFill rotWithShape="1">
+          <a:blip r:embed="rId2"/>
+          <a:srcRect l="58573" r="2" b="2"/>
+          <a:stretch/>
+        </p:blipFill>
+        <p:spPr>
+          <a:xfrm>
+            <a:off x="1" y="10"/>
+            <a:ext cx="4657344" cy="6857990"/>
+          </a:xfrm>
+          <a:custGeom>
+            <a:avLst/>
+            <a:gdLst/>
+            <a:ahLst/>
+            <a:cxnLst/>
+            <a:rect l="l" t="t" r="r" b="b"/>
+            <a:pathLst>
+              <a:path w="4657344" h="6858000">
+                <a:moveTo>
+                  <a:pt x="0" y="0"/>
+                </a:moveTo>
+                <a:lnTo>
+                  <a:pt x="3429755" y="0"/>
+                </a:lnTo>
+                <a:lnTo>
+                  <a:pt x="3526016" y="148742"/>
+                </a:lnTo>
+                <a:cubicBezTo>
+                  <a:pt x="3657740" y="365513"/>
+                  <a:pt x="3777402" y="589569"/>
+                  <a:pt x="3886489" y="819975"/>
+                </a:cubicBezTo>
+                <a:cubicBezTo>
+                  <a:pt x="3891856" y="833492"/>
+                  <a:pt x="3900663" y="845393"/>
+                  <a:pt x="3912049" y="854514"/>
+                </a:cubicBezTo>
+                <a:cubicBezTo>
+                  <a:pt x="3897352" y="819849"/>
+                  <a:pt x="3883037" y="784928"/>
+                  <a:pt x="3868083" y="750263"/>
+                </a:cubicBezTo>
+                <a:cubicBezTo>
+                  <a:pt x="3806989" y="608712"/>
+                  <a:pt x="3742478" y="469145"/>
+                  <a:pt x="3674155" y="331786"/>
+                </a:cubicBezTo>
+                <a:lnTo>
+                  <a:pt x="3496656" y="0"/>
+                </a:lnTo>
+                <a:lnTo>
+                  <a:pt x="3554371" y="0"/>
+                </a:lnTo>
+                <a:lnTo>
+                  <a:pt x="3661621" y="196614"/>
+                </a:lnTo>
+                <a:cubicBezTo>
+                  <a:pt x="3856899" y="573253"/>
+                  <a:pt x="4021071" y="966066"/>
+                  <a:pt x="4161279" y="1371196"/>
+                </a:cubicBezTo>
+                <a:cubicBezTo>
+                  <a:pt x="4379525" y="2007265"/>
+                  <a:pt x="4530141" y="2664286"/>
+                  <a:pt x="4610660" y="3331516"/>
+                </a:cubicBezTo>
+                <a:cubicBezTo>
+                  <a:pt x="4652837" y="3672965"/>
+                  <a:pt x="4671625" y="4013908"/>
+                  <a:pt x="4645040" y="4357388"/>
+                </a:cubicBezTo>
+                <a:cubicBezTo>
+                  <a:pt x="4613599" y="4758899"/>
+                  <a:pt x="4566181" y="5157998"/>
+                  <a:pt x="4485789" y="5552906"/>
+                </a:cubicBezTo>
+                <a:cubicBezTo>
+                  <a:pt x="4397121" y="5988893"/>
+                  <a:pt x="4276748" y="6414594"/>
+                  <a:pt x="4117769" y="6828295"/>
+                </a:cubicBezTo>
+                <a:lnTo>
+                  <a:pt x="4105288" y="6858000"/>
+                </a:lnTo>
+                <a:lnTo>
+                  <a:pt x="4052520" y="6858000"/>
+                </a:lnTo>
+                <a:lnTo>
+                  <a:pt x="4059369" y="6841549"/>
+                </a:lnTo>
+                <a:cubicBezTo>
+                  <a:pt x="4147276" y="6614016"/>
+                  <a:pt x="4224193" y="6380817"/>
+                  <a:pt x="4291518" y="6142729"/>
+                </a:cubicBezTo>
+                <a:cubicBezTo>
+                  <a:pt x="4350055" y="5935370"/>
+                  <a:pt x="4393256" y="5723695"/>
+                  <a:pt x="4443357" y="5513923"/>
+                </a:cubicBezTo>
+                <a:cubicBezTo>
+                  <a:pt x="4444541" y="5502788"/>
+                  <a:pt x="4445137" y="5491601"/>
+                  <a:pt x="4445146" y="5480401"/>
+                </a:cubicBezTo>
+                <a:cubicBezTo>
+                  <a:pt x="4408465" y="5607635"/>
+                  <a:pt x="4379196" y="5719759"/>
+                  <a:pt x="4344559" y="5830359"/>
+                </a:cubicBezTo>
+                <a:cubicBezTo>
+                  <a:pt x="4254261" y="6118381"/>
+                  <a:pt x="4150112" y="6398531"/>
+                  <a:pt x="4031702" y="6670527"/>
+                </a:cubicBezTo>
+                <a:lnTo>
+                  <a:pt x="3943824" y="6858000"/>
+                </a:lnTo>
+                <a:lnTo>
+                  <a:pt x="0" y="6858000"/>
+                </a:lnTo>
+                <a:close/>
+              </a:path>
+            </a:pathLst>
+          </a:custGeom>
+        </p:spPr>
+      </p:pic>
+      <p:sp>
+        <p:nvSpPr>
+          <p:cNvPr id="11" name="sketchy line">
+            <a:extLst>
+              <a:ext uri="{FF2B5EF4-FFF2-40B4-BE49-F238E27FC236}">
+                <a16:creationId xmlns:a16="http://schemas.microsoft.com/office/drawing/2014/main" id="{21540236-BFD5-4A9D-8840-4703E7F76825}"/>
+              </a:ext>
+              <a:ext uri="{C183D7F6-B498-43B3-948B-1728B52AA6E4}">
+                <adec:decorative xmlns:adec="http://schemas.microsoft.com/office/drawing/2017/decorative" val="1"/>
+              </a:ext>
+            </a:extLst>
+          </p:cNvPr>
+          <p:cNvSpPr>
+            <a:spLocks noGrp="1" noRot="1" noChangeAspect="1" noMove="1" noResize="1" noEditPoints="1" noAdjustHandles="1" noChangeArrowheads="1" noChangeShapeType="1" noTextEdit="1"/>
+          </p:cNvSpPr>
+          <p:nvPr>
+            <p:extLst>
+              <p:ext uri="{386F3935-93C4-4BCD-93E2-E3B085C9AB24}">
+                <p16:designElem xmlns:p16="http://schemas.microsoft.com/office/powerpoint/2015/main" val="1"/>
+              </p:ext>
+            </p:extLst>
+          </p:nvPr>
+        </p:nvSpPr>
+        <p:spPr>
+          <a:xfrm>
+            <a:off x="5297762" y="2374947"/>
+            <a:ext cx="4243589" cy="18288"/>
+          </a:xfrm>
+          <a:custGeom>
+            <a:avLst/>
+            <a:gdLst>
+              <a:gd name="connsiteX0" fmla="*/ 0 w 4243589"/>
+              <a:gd name="connsiteY0" fmla="*/ 0 h 18288"/>
+              <a:gd name="connsiteX1" fmla="*/ 478919 w 4243589"/>
+              <a:gd name="connsiteY1" fmla="*/ 0 h 18288"/>
+              <a:gd name="connsiteX2" fmla="*/ 957839 w 4243589"/>
+              <a:gd name="connsiteY2" fmla="*/ 0 h 18288"/>
+              <a:gd name="connsiteX3" fmla="*/ 1521630 w 4243589"/>
+              <a:gd name="connsiteY3" fmla="*/ 0 h 18288"/>
+              <a:gd name="connsiteX4" fmla="*/ 2212729 w 4243589"/>
+              <a:gd name="connsiteY4" fmla="*/ 0 h 18288"/>
+              <a:gd name="connsiteX5" fmla="*/ 2734084 w 4243589"/>
+              <a:gd name="connsiteY5" fmla="*/ 0 h 18288"/>
+              <a:gd name="connsiteX6" fmla="*/ 3255439 w 4243589"/>
+              <a:gd name="connsiteY6" fmla="*/ 0 h 18288"/>
+              <a:gd name="connsiteX7" fmla="*/ 4243589 w 4243589"/>
+              <a:gd name="connsiteY7" fmla="*/ 0 h 18288"/>
+              <a:gd name="connsiteX8" fmla="*/ 4243589 w 4243589"/>
+              <a:gd name="connsiteY8" fmla="*/ 18288 h 18288"/>
+              <a:gd name="connsiteX9" fmla="*/ 3594926 w 4243589"/>
+              <a:gd name="connsiteY9" fmla="*/ 18288 h 18288"/>
+              <a:gd name="connsiteX10" fmla="*/ 3073571 w 4243589"/>
+              <a:gd name="connsiteY10" fmla="*/ 18288 h 18288"/>
+              <a:gd name="connsiteX11" fmla="*/ 2552216 w 4243589"/>
+              <a:gd name="connsiteY11" fmla="*/ 18288 h 18288"/>
+              <a:gd name="connsiteX12" fmla="*/ 1903553 w 4243589"/>
+              <a:gd name="connsiteY12" fmla="*/ 18288 h 18288"/>
+              <a:gd name="connsiteX13" fmla="*/ 1212454 w 4243589"/>
+              <a:gd name="connsiteY13" fmla="*/ 18288 h 18288"/>
+              <a:gd name="connsiteX14" fmla="*/ 733535 w 4243589"/>
+              <a:gd name="connsiteY14" fmla="*/ 18288 h 18288"/>
+              <a:gd name="connsiteX15" fmla="*/ 0 w 4243589"/>
+              <a:gd name="connsiteY15" fmla="*/ 18288 h 18288"/>
+              <a:gd name="connsiteX16" fmla="*/ 0 w 4243589"/>
+              <a:gd name="connsiteY16" fmla="*/ 0 h 18288"/>
+            </a:gdLst>
+            <a:ahLst/>
+            <a:cxnLst>
+              <a:cxn ang="0">
+                <a:pos x="connsiteX0" y="connsiteY0"/>
+              </a:cxn>
+              <a:cxn ang="0">
+                <a:pos x="connsiteX1" y="connsiteY1"/>
+              </a:cxn>
+              <a:cxn ang="0">
+                <a:pos x="connsiteX2" y="connsiteY2"/>
+              </a:cxn>
+              <a:cxn ang="0">
+                <a:pos x="connsiteX3" y="connsiteY3"/>
+              </a:cxn>
+              <a:cxn ang="0">
+                <a:pos x="connsiteX4" y="connsiteY4"/>
+              </a:cxn>
+              <a:cxn ang="0">
+                <a:pos x="connsiteX5" y="connsiteY5"/>
+              </a:cxn>
+              <a:cxn ang="0">
+                <a:pos x="connsiteX6" y="connsiteY6"/>
+              </a:cxn>
+              <a:cxn ang="0">
+                <a:pos x="connsiteX7" y="connsiteY7"/>
+              </a:cxn>
+              <a:cxn ang="0">
+                <a:pos x="connsiteX8" y="connsiteY8"/>
+              </a:cxn>
+              <a:cxn ang="0">
+                <a:pos x="connsiteX9" y="connsiteY9"/>
+              </a:cxn>
+              <a:cxn ang="0">
+                <a:pos x="connsiteX10" y="connsiteY10"/>
+              </a:cxn>
+              <a:cxn ang="0">
+                <a:pos x="connsiteX11" y="connsiteY11"/>
+              </a:cxn>
+              <a:cxn ang="0">
+                <a:pos x="connsiteX12" y="connsiteY12"/>
+              </a:cxn>
+              <a:cxn ang="0">
+                <a:pos x="connsiteX13" y="connsiteY13"/>
+              </a:cxn>
+              <a:cxn ang="0">
+                <a:pos x="connsiteX14" y="connsiteY14"/>
+              </a:cxn>
+              <a:cxn ang="0">
+                <a:pos x="connsiteX15" y="connsiteY15"/>
+              </a:cxn>
+              <a:cxn ang="0">
+                <a:pos x="connsiteX16" y="connsiteY16"/>
+              </a:cxn>
+            </a:cxnLst>
+            <a:rect l="l" t="t" r="r" b="b"/>
+            <a:pathLst>
+              <a:path w="4243589" h="18288" fill="none" extrusionOk="0">
+                <a:moveTo>
+                  <a:pt x="0" y="0"/>
+                </a:moveTo>
+                <a:cubicBezTo>
+                  <a:pt x="213395" y="-21006"/>
+                  <a:pt x="307421" y="-18116"/>
+                  <a:pt x="478919" y="0"/>
+                </a:cubicBezTo>
+                <a:cubicBezTo>
+                  <a:pt x="650417" y="18116"/>
+                  <a:pt x="831092" y="-21237"/>
+                  <a:pt x="957839" y="0"/>
+                </a:cubicBezTo>
+                <a:cubicBezTo>
+                  <a:pt x="1084586" y="21237"/>
+                  <a:pt x="1301682" y="25124"/>
+                  <a:pt x="1521630" y="0"/>
+                </a:cubicBezTo>
+                <a:cubicBezTo>
+                  <a:pt x="1741578" y="-25124"/>
+                  <a:pt x="1970269" y="-29139"/>
+                  <a:pt x="2212729" y="0"/>
+                </a:cubicBezTo>
+                <a:cubicBezTo>
+                  <a:pt x="2455189" y="29139"/>
+                  <a:pt x="2558847" y="-4796"/>
+                  <a:pt x="2734084" y="0"/>
+                </a:cubicBezTo>
+                <a:cubicBezTo>
+                  <a:pt x="2909321" y="4796"/>
+                  <a:pt x="3097217" y="-13409"/>
+                  <a:pt x="3255439" y="0"/>
+                </a:cubicBezTo>
+                <a:cubicBezTo>
+                  <a:pt x="3413662" y="13409"/>
+                  <a:pt x="3979999" y="-10121"/>
+                  <a:pt x="4243589" y="0"/>
+                </a:cubicBezTo>
+                <a:cubicBezTo>
+                  <a:pt x="4244484" y="8974"/>
+                  <a:pt x="4243043" y="9359"/>
+                  <a:pt x="4243589" y="18288"/>
+                </a:cubicBezTo>
+                <a:cubicBezTo>
+                  <a:pt x="4058777" y="31246"/>
+                  <a:pt x="3910348" y="3158"/>
+                  <a:pt x="3594926" y="18288"/>
+                </a:cubicBezTo>
+                <a:cubicBezTo>
+                  <a:pt x="3279504" y="33418"/>
+                  <a:pt x="3319955" y="-3977"/>
+                  <a:pt x="3073571" y="18288"/>
+                </a:cubicBezTo>
+                <a:cubicBezTo>
+                  <a:pt x="2827187" y="40553"/>
+                  <a:pt x="2767387" y="1863"/>
+                  <a:pt x="2552216" y="18288"/>
+                </a:cubicBezTo>
+                <a:cubicBezTo>
+                  <a:pt x="2337046" y="34713"/>
+                  <a:pt x="2181871" y="19527"/>
+                  <a:pt x="1903553" y="18288"/>
+                </a:cubicBezTo>
+                <a:cubicBezTo>
+                  <a:pt x="1625235" y="17049"/>
+                  <a:pt x="1557672" y="24174"/>
+                  <a:pt x="1212454" y="18288"/>
+                </a:cubicBezTo>
+                <a:cubicBezTo>
+                  <a:pt x="867236" y="12402"/>
+                  <a:pt x="874382" y="15627"/>
+                  <a:pt x="733535" y="18288"/>
+                </a:cubicBezTo>
+                <a:cubicBezTo>
+                  <a:pt x="592688" y="20949"/>
+                  <a:pt x="183477" y="14753"/>
+                  <a:pt x="0" y="18288"/>
+                </a:cubicBezTo>
+                <a:cubicBezTo>
+                  <a:pt x="-229" y="14222"/>
+                  <a:pt x="509" y="5816"/>
+                  <a:pt x="0" y="0"/>
+                </a:cubicBezTo>
+                <a:close/>
+              </a:path>
+              <a:path w="4243589" h="18288" stroke="0" extrusionOk="0">
+                <a:moveTo>
+                  <a:pt x="0" y="0"/>
+                </a:moveTo>
+                <a:cubicBezTo>
+                  <a:pt x="143690" y="16630"/>
+                  <a:pt x="266667" y="14847"/>
+                  <a:pt x="521355" y="0"/>
+                </a:cubicBezTo>
+                <a:cubicBezTo>
+                  <a:pt x="776043" y="-14847"/>
+                  <a:pt x="814491" y="-17363"/>
+                  <a:pt x="1000275" y="0"/>
+                </a:cubicBezTo>
+                <a:cubicBezTo>
+                  <a:pt x="1186059" y="17363"/>
+                  <a:pt x="1352504" y="-23507"/>
+                  <a:pt x="1521630" y="0"/>
+                </a:cubicBezTo>
+                <a:cubicBezTo>
+                  <a:pt x="1690756" y="23507"/>
+                  <a:pt x="1889525" y="5871"/>
+                  <a:pt x="2127857" y="0"/>
+                </a:cubicBezTo>
+                <a:cubicBezTo>
+                  <a:pt x="2366189" y="-5871"/>
+                  <a:pt x="2620628" y="-27997"/>
+                  <a:pt x="2776520" y="0"/>
+                </a:cubicBezTo>
+                <a:cubicBezTo>
+                  <a:pt x="2932412" y="27997"/>
+                  <a:pt x="3131683" y="-25073"/>
+                  <a:pt x="3467618" y="0"/>
+                </a:cubicBezTo>
+                <a:cubicBezTo>
+                  <a:pt x="3803553" y="25073"/>
+                  <a:pt x="4017371" y="3071"/>
+                  <a:pt x="4243589" y="0"/>
+                </a:cubicBezTo>
+                <a:cubicBezTo>
+                  <a:pt x="4243134" y="6162"/>
+                  <a:pt x="4243492" y="11775"/>
+                  <a:pt x="4243589" y="18288"/>
+                </a:cubicBezTo>
+                <a:cubicBezTo>
+                  <a:pt x="4017834" y="-5779"/>
+                  <a:pt x="3834586" y="13376"/>
+                  <a:pt x="3594926" y="18288"/>
+                </a:cubicBezTo>
+                <a:cubicBezTo>
+                  <a:pt x="3355266" y="23200"/>
+                  <a:pt x="3204179" y="2869"/>
+                  <a:pt x="2903827" y="18288"/>
+                </a:cubicBezTo>
+                <a:cubicBezTo>
+                  <a:pt x="2603475" y="33707"/>
+                  <a:pt x="2526187" y="46187"/>
+                  <a:pt x="2212729" y="18288"/>
+                </a:cubicBezTo>
+                <a:cubicBezTo>
+                  <a:pt x="1899271" y="-9611"/>
+                  <a:pt x="1966289" y="29692"/>
+                  <a:pt x="1733809" y="18288"/>
+                </a:cubicBezTo>
+                <a:cubicBezTo>
+                  <a:pt x="1501329" y="6884"/>
+                  <a:pt x="1343612" y="12492"/>
+                  <a:pt x="1085146" y="18288"/>
+                </a:cubicBezTo>
+                <a:cubicBezTo>
+                  <a:pt x="826680" y="24084"/>
+                  <a:pt x="778184" y="35607"/>
+                  <a:pt x="521355" y="18288"/>
+                </a:cubicBezTo>
+                <a:cubicBezTo>
+                  <a:pt x="264526" y="969"/>
+                  <a:pt x="120277" y="4268"/>
+                  <a:pt x="0" y="18288"/>
+                </a:cubicBezTo>
+                <a:cubicBezTo>
+                  <a:pt x="766" y="10800"/>
+                  <a:pt x="-457" y="8180"/>
+                  <a:pt x="0" y="0"/>
+                </a:cubicBezTo>
+                <a:close/>
+              </a:path>
+            </a:pathLst>
+          </a:custGeom>
+          <a:solidFill>
+            <a:schemeClr val="accent2"/>
+          </a:solidFill>
+          <a:ln w="44450" cap="rnd">
+            <a:solidFill>
+              <a:schemeClr val="accent2"/>
+            </a:solidFill>
+            <a:round/>
+            <a:extLst>
+              <a:ext uri="{C807C97D-BFC1-408E-A445-0C87EB9F89A2}">
+                <ask:lineSketchStyleProps xmlns:ask="http://schemas.microsoft.com/office/drawing/2018/sketchyshapes" sd="2727557108">
+                  <a:prstGeom prst="rect">
+                    <a:avLst/>
+                  </a:prstGeom>
+                  <ask:type>
+                    <ask:lineSketchFreehand/>
+                  </ask:type>
+                </ask:lineSketchStyleProps>
+              </a:ext>
+            </a:extLst>
+          </a:ln>
+        </p:spPr>
+        <p:style>
+          <a:lnRef idx="2">
+            <a:schemeClr val="accent1">
+              <a:shade val="50000"/>
+            </a:schemeClr>
+          </a:lnRef>
+          <a:fillRef idx="1">
+            <a:schemeClr val="accent1"/>
+          </a:fillRef>
+          <a:effectRef idx="0">
+            <a:schemeClr val="accent1"/>
+          </a:effectRef>
+          <a:fontRef idx="minor">
+            <a:schemeClr val="lt1"/>
+          </a:fontRef>
+        </p:style>
+        <p:txBody>
+          <a:bodyPr rtlCol="0" anchor="ctr"/>
+          <a:lstStyle/>
+          <a:p>
+            <a:pPr algn="ctr"/>
+            <a:endParaRPr lang="en-US"/>
+          </a:p>
+        </p:txBody>
+      </p:sp>
+      <p:sp>
+        <p:nvSpPr>
+          <p:cNvPr id="3" name="Content Placeholder 2">
+            <a:extLst>
+              <a:ext uri="{FF2B5EF4-FFF2-40B4-BE49-F238E27FC236}">
+                <a16:creationId xmlns:a16="http://schemas.microsoft.com/office/drawing/2014/main" id="{E158DE29-B945-C52C-772E-020B430F3279}"/>
+              </a:ext>
+            </a:extLst>
+          </p:cNvPr>
+          <p:cNvSpPr>
+            <a:spLocks noGrp="1"/>
+          </p:cNvSpPr>
+          <p:nvPr>
+            <p:ph idx="1"/>
+          </p:nvPr>
+        </p:nvSpPr>
+        <p:spPr>
+          <a:xfrm>
+            <a:off x="5297762" y="2706624"/>
+            <a:ext cx="6251110" cy="3483864"/>
+          </a:xfrm>
+        </p:spPr>
+        <p:txBody>
+          <a:bodyPr>
+            <a:normAutofit/>
+          </a:bodyPr>
+          <a:lstStyle/>
+          <a:p>
+            <a:r>
+              <a:rPr lang="en-GB" dirty="0"/>
+              <a:t>Your application anticipates a high volume of traffic with complex query patterns. Scalability is a key consideration. Which database solution is suitable?</a:t>
+            </a:r>
+            <a:endParaRPr lang="en-CH" dirty="0"/>
+          </a:p>
+        </p:txBody>
+      </p:sp>
+    </p:spTree>
+    <p:extLst>
+      <p:ext uri="{BB962C8B-B14F-4D97-AF65-F5344CB8AC3E}">
+        <p14:creationId xmlns:p14="http://schemas.microsoft.com/office/powerpoint/2010/main" val="3023744288"/>
+      </p:ext>
+    </p:extLst>
+  </p:cSld>
+  <p:clrMapOvr>
+    <a:masterClrMapping/>
+  </p:clrMapOvr>
+</p:sld>
+</file>
+
+<file path=ppt/slides/slide9.xml><?xml version="1.0" encoding="utf-8"?>
+<p:sld xmlns:a="http://schemas.openxmlformats.org/drawingml/2006/main" xmlns:r="http://schemas.openxmlformats.org/officeDocument/2006/relationships" xmlns:p="http://schemas.openxmlformats.org/presentationml/2006/main">
+  <p:cSld>
+    <p:bg>
+      <p:bgPr>
+        <a:solidFill>
+          <a:schemeClr val="bg1"/>
+        </a:solidFill>
+        <a:effectLst/>
+      </p:bgPr>
+    </p:bg>
+    <p:spTree>
+      <p:nvGrpSpPr>
+        <p:cNvPr id="1" name=""/>
+        <p:cNvGrpSpPr/>
+        <p:nvPr/>
+      </p:nvGrpSpPr>
+      <p:grpSpPr>
+        <a:xfrm>
+          <a:off x="0" y="0"/>
+          <a:ext cx="0" cy="0"/>
+          <a:chOff x="0" y="0"/>
+          <a:chExt cx="0" cy="0"/>
+        </a:xfrm>
+      </p:grpSpPr>
+      <p:sp useBgFill="1">
+        <p:nvSpPr>
+          <p:cNvPr id="9" name="Rectangle 8">
+            <a:extLst>
+              <a:ext uri="{FF2B5EF4-FFF2-40B4-BE49-F238E27FC236}">
+                <a16:creationId xmlns:a16="http://schemas.microsoft.com/office/drawing/2014/main" id="{2C61293E-6EBE-43EF-A52C-9BEBFD7679D4}"/>
+              </a:ext>
+              <a:ext uri="{C183D7F6-B498-43B3-948B-1728B52AA6E4}">
+                <adec:decorative xmlns:adec="http://schemas.microsoft.com/office/drawing/2017/decorative" val="1"/>
+              </a:ext>
+            </a:extLst>
+          </p:cNvPr>
+          <p:cNvSpPr>
+            <a:spLocks noGrp="1" noRot="1" noChangeAspect="1" noMove="1" noResize="1" noEditPoints="1" noAdjustHandles="1" noChangeArrowheads="1" noChangeShapeType="1" noTextEdit="1"/>
+          </p:cNvSpPr>
+          <p:nvPr>
+            <p:extLst>
+              <p:ext uri="{386F3935-93C4-4BCD-93E2-E3B085C9AB24}">
+                <p16:designElem xmlns:p16="http://schemas.microsoft.com/office/powerpoint/2015/main" val="1"/>
+              </p:ext>
+            </p:extLst>
+          </p:nvPr>
+        </p:nvSpPr>
+        <p:spPr>
+          <a:xfrm>
+            <a:off x="0" y="0"/>
+            <a:ext cx="12188952" cy="6858000"/>
+          </a:xfrm>
+          <a:prstGeom prst="rect">
+            <a:avLst/>
+          </a:prstGeom>
+          <a:ln>
+            <a:noFill/>
+          </a:ln>
+        </p:spPr>
+        <p:style>
+          <a:lnRef idx="2">
+            <a:schemeClr val="accent1">
+              <a:shade val="50000"/>
+            </a:schemeClr>
+          </a:lnRef>
+          <a:fillRef idx="1">
+            <a:schemeClr val="accent1"/>
+          </a:fillRef>
+          <a:effectRef idx="0">
+            <a:schemeClr val="accent1"/>
+          </a:effectRef>
+          <a:fontRef idx="minor">
+            <a:schemeClr val="lt1"/>
+          </a:fontRef>
+        </p:style>
+        <p:txBody>
+          <a:bodyPr rtlCol="0" anchor="ctr"/>
+          <a:lstStyle/>
+          <a:p>
+            <a:pPr algn="ctr"/>
+            <a:endParaRPr lang="en-US"/>
+          </a:p>
+        </p:txBody>
+      </p:sp>
+      <p:sp>
+        <p:nvSpPr>
+          <p:cNvPr id="2" name="Title 1">
+            <a:extLst>
+              <a:ext uri="{FF2B5EF4-FFF2-40B4-BE49-F238E27FC236}">
+                <a16:creationId xmlns:a16="http://schemas.microsoft.com/office/drawing/2014/main" id="{78CA6976-3C94-7225-F4F2-B2B95AA2AD3F}"/>
+              </a:ext>
+            </a:extLst>
+          </p:cNvPr>
+          <p:cNvSpPr>
+            <a:spLocks noGrp="1"/>
+          </p:cNvSpPr>
+          <p:nvPr>
+            <p:ph type="title"/>
+          </p:nvPr>
+        </p:nvSpPr>
+        <p:spPr>
+          <a:xfrm>
+            <a:off x="5297762" y="329184"/>
+            <a:ext cx="6251110" cy="1783080"/>
+          </a:xfrm>
+        </p:spPr>
+        <p:txBody>
+          <a:bodyPr anchor="b">
+            <a:normAutofit/>
+          </a:bodyPr>
+          <a:lstStyle/>
+          <a:p>
+            <a:r>
+              <a:rPr lang="en-CH" sz="5400" dirty="0"/>
+              <a:t>Question</a:t>
+            </a:r>
+          </a:p>
+        </p:txBody>
+      </p:sp>
+      <p:pic>
+        <p:nvPicPr>
+          <p:cNvPr id="5" name="Picture 4" descr="Many question marks on black background">
+            <a:extLst>
+              <a:ext uri="{FF2B5EF4-FFF2-40B4-BE49-F238E27FC236}">
+                <a16:creationId xmlns:a16="http://schemas.microsoft.com/office/drawing/2014/main" id="{1E2CD7CE-575E-E731-1428-4E1C0EEEBA01}"/>
+              </a:ext>
+            </a:extLst>
+          </p:cNvPr>
+          <p:cNvPicPr>
+            <a:picLocks noChangeAspect="1"/>
+          </p:cNvPicPr>
+          <p:nvPr/>
+        </p:nvPicPr>
+        <p:blipFill rotWithShape="1">
+          <a:blip r:embed="rId2"/>
+          <a:srcRect l="58573" r="2" b="2"/>
+          <a:stretch/>
+        </p:blipFill>
+        <p:spPr>
+          <a:xfrm>
+            <a:off x="1" y="10"/>
+            <a:ext cx="4657344" cy="6857990"/>
+          </a:xfrm>
+          <a:custGeom>
+            <a:avLst/>
+            <a:gdLst/>
+            <a:ahLst/>
+            <a:cxnLst/>
+            <a:rect l="l" t="t" r="r" b="b"/>
+            <a:pathLst>
+              <a:path w="4657344" h="6858000">
+                <a:moveTo>
+                  <a:pt x="0" y="0"/>
+                </a:moveTo>
+                <a:lnTo>
+                  <a:pt x="3429755" y="0"/>
+                </a:lnTo>
+                <a:lnTo>
+                  <a:pt x="3526016" y="148742"/>
+                </a:lnTo>
+                <a:cubicBezTo>
+                  <a:pt x="3657740" y="365513"/>
+                  <a:pt x="3777402" y="589569"/>
+                  <a:pt x="3886489" y="819975"/>
+                </a:cubicBezTo>
+                <a:cubicBezTo>
+                  <a:pt x="3891856" y="833492"/>
+                  <a:pt x="3900663" y="845393"/>
+                  <a:pt x="3912049" y="854514"/>
+                </a:cubicBezTo>
+                <a:cubicBezTo>
+                  <a:pt x="3897352" y="819849"/>
+                  <a:pt x="3883037" y="784928"/>
+                  <a:pt x="3868083" y="750263"/>
+                </a:cubicBezTo>
+                <a:cubicBezTo>
+                  <a:pt x="3806989" y="608712"/>
+                  <a:pt x="3742478" y="469145"/>
+                  <a:pt x="3674155" y="331786"/>
+                </a:cubicBezTo>
+                <a:lnTo>
+                  <a:pt x="3496656" y="0"/>
+                </a:lnTo>
+                <a:lnTo>
+                  <a:pt x="3554371" y="0"/>
+                </a:lnTo>
+                <a:lnTo>
+                  <a:pt x="3661621" y="196614"/>
+                </a:lnTo>
+                <a:cubicBezTo>
+                  <a:pt x="3856899" y="573253"/>
+                  <a:pt x="4021071" y="966066"/>
+                  <a:pt x="4161279" y="1371196"/>
+                </a:cubicBezTo>
+                <a:cubicBezTo>
+                  <a:pt x="4379525" y="2007265"/>
+                  <a:pt x="4530141" y="2664286"/>
+                  <a:pt x="4610660" y="3331516"/>
+                </a:cubicBezTo>
+                <a:cubicBezTo>
+                  <a:pt x="4652837" y="3672965"/>
+                  <a:pt x="4671625" y="4013908"/>
+                  <a:pt x="4645040" y="4357388"/>
+                </a:cubicBezTo>
+                <a:cubicBezTo>
+                  <a:pt x="4613599" y="4758899"/>
+                  <a:pt x="4566181" y="5157998"/>
+                  <a:pt x="4485789" y="5552906"/>
+                </a:cubicBezTo>
+                <a:cubicBezTo>
+                  <a:pt x="4397121" y="5988893"/>
+                  <a:pt x="4276748" y="6414594"/>
+                  <a:pt x="4117769" y="6828295"/>
+                </a:cubicBezTo>
+                <a:lnTo>
+                  <a:pt x="4105288" y="6858000"/>
+                </a:lnTo>
+                <a:lnTo>
+                  <a:pt x="4052520" y="6858000"/>
+                </a:lnTo>
+                <a:lnTo>
+                  <a:pt x="4059369" y="6841549"/>
+                </a:lnTo>
+                <a:cubicBezTo>
+                  <a:pt x="4147276" y="6614016"/>
+                  <a:pt x="4224193" y="6380817"/>
+                  <a:pt x="4291518" y="6142729"/>
+                </a:cubicBezTo>
+                <a:cubicBezTo>
+                  <a:pt x="4350055" y="5935370"/>
+                  <a:pt x="4393256" y="5723695"/>
+                  <a:pt x="4443357" y="5513923"/>
+                </a:cubicBezTo>
+                <a:cubicBezTo>
+                  <a:pt x="4444541" y="5502788"/>
+                  <a:pt x="4445137" y="5491601"/>
+                  <a:pt x="4445146" y="5480401"/>
+                </a:cubicBezTo>
+                <a:cubicBezTo>
+                  <a:pt x="4408465" y="5607635"/>
+                  <a:pt x="4379196" y="5719759"/>
+                  <a:pt x="4344559" y="5830359"/>
+                </a:cubicBezTo>
+                <a:cubicBezTo>
+                  <a:pt x="4254261" y="6118381"/>
+                  <a:pt x="4150112" y="6398531"/>
+                  <a:pt x="4031702" y="6670527"/>
+                </a:cubicBezTo>
+                <a:lnTo>
+                  <a:pt x="3943824" y="6858000"/>
+                </a:lnTo>
+                <a:lnTo>
+                  <a:pt x="0" y="6858000"/>
+                </a:lnTo>
+                <a:close/>
+              </a:path>
+            </a:pathLst>
+          </a:custGeom>
+        </p:spPr>
+      </p:pic>
+      <p:sp>
+        <p:nvSpPr>
+          <p:cNvPr id="11" name="sketchy line">
+            <a:extLst>
+              <a:ext uri="{FF2B5EF4-FFF2-40B4-BE49-F238E27FC236}">
+                <a16:creationId xmlns:a16="http://schemas.microsoft.com/office/drawing/2014/main" id="{21540236-BFD5-4A9D-8840-4703E7F76825}"/>
+              </a:ext>
+              <a:ext uri="{C183D7F6-B498-43B3-948B-1728B52AA6E4}">
+                <adec:decorative xmlns:adec="http://schemas.microsoft.com/office/drawing/2017/decorative" val="1"/>
+              </a:ext>
+            </a:extLst>
+          </p:cNvPr>
+          <p:cNvSpPr>
+            <a:spLocks noGrp="1" noRot="1" noChangeAspect="1" noMove="1" noResize="1" noEditPoints="1" noAdjustHandles="1" noChangeArrowheads="1" noChangeShapeType="1" noTextEdit="1"/>
+          </p:cNvSpPr>
+          <p:nvPr>
+            <p:extLst>
+              <p:ext uri="{386F3935-93C4-4BCD-93E2-E3B085C9AB24}">
+                <p16:designElem xmlns:p16="http://schemas.microsoft.com/office/powerpoint/2015/main" val="1"/>
+              </p:ext>
+            </p:extLst>
+          </p:nvPr>
+        </p:nvSpPr>
+        <p:spPr>
+          <a:xfrm>
+            <a:off x="5297762" y="2374947"/>
+            <a:ext cx="4243589" cy="18288"/>
+          </a:xfrm>
+          <a:custGeom>
+            <a:avLst/>
+            <a:gdLst>
+              <a:gd name="connsiteX0" fmla="*/ 0 w 4243589"/>
+              <a:gd name="connsiteY0" fmla="*/ 0 h 18288"/>
+              <a:gd name="connsiteX1" fmla="*/ 478919 w 4243589"/>
+              <a:gd name="connsiteY1" fmla="*/ 0 h 18288"/>
+              <a:gd name="connsiteX2" fmla="*/ 957839 w 4243589"/>
+              <a:gd name="connsiteY2" fmla="*/ 0 h 18288"/>
+              <a:gd name="connsiteX3" fmla="*/ 1521630 w 4243589"/>
+              <a:gd name="connsiteY3" fmla="*/ 0 h 18288"/>
+              <a:gd name="connsiteX4" fmla="*/ 2212729 w 4243589"/>
+              <a:gd name="connsiteY4" fmla="*/ 0 h 18288"/>
+              <a:gd name="connsiteX5" fmla="*/ 2734084 w 4243589"/>
+              <a:gd name="connsiteY5" fmla="*/ 0 h 18288"/>
+              <a:gd name="connsiteX6" fmla="*/ 3255439 w 4243589"/>
+              <a:gd name="connsiteY6" fmla="*/ 0 h 18288"/>
+              <a:gd name="connsiteX7" fmla="*/ 4243589 w 4243589"/>
+              <a:gd name="connsiteY7" fmla="*/ 0 h 18288"/>
+              <a:gd name="connsiteX8" fmla="*/ 4243589 w 4243589"/>
+              <a:gd name="connsiteY8" fmla="*/ 18288 h 18288"/>
+              <a:gd name="connsiteX9" fmla="*/ 3594926 w 4243589"/>
+              <a:gd name="connsiteY9" fmla="*/ 18288 h 18288"/>
+              <a:gd name="connsiteX10" fmla="*/ 3073571 w 4243589"/>
+              <a:gd name="connsiteY10" fmla="*/ 18288 h 18288"/>
+              <a:gd name="connsiteX11" fmla="*/ 2552216 w 4243589"/>
+              <a:gd name="connsiteY11" fmla="*/ 18288 h 18288"/>
+              <a:gd name="connsiteX12" fmla="*/ 1903553 w 4243589"/>
+              <a:gd name="connsiteY12" fmla="*/ 18288 h 18288"/>
+              <a:gd name="connsiteX13" fmla="*/ 1212454 w 4243589"/>
+              <a:gd name="connsiteY13" fmla="*/ 18288 h 18288"/>
+              <a:gd name="connsiteX14" fmla="*/ 733535 w 4243589"/>
+              <a:gd name="connsiteY14" fmla="*/ 18288 h 18288"/>
+              <a:gd name="connsiteX15" fmla="*/ 0 w 4243589"/>
+              <a:gd name="connsiteY15" fmla="*/ 18288 h 18288"/>
+              <a:gd name="connsiteX16" fmla="*/ 0 w 4243589"/>
+              <a:gd name="connsiteY16" fmla="*/ 0 h 18288"/>
+            </a:gdLst>
+            <a:ahLst/>
+            <a:cxnLst>
+              <a:cxn ang="0">
+                <a:pos x="connsiteX0" y="connsiteY0"/>
+              </a:cxn>
+              <a:cxn ang="0">
+                <a:pos x="connsiteX1" y="connsiteY1"/>
+              </a:cxn>
+              <a:cxn ang="0">
+                <a:pos x="connsiteX2" y="connsiteY2"/>
+              </a:cxn>
+              <a:cxn ang="0">
+                <a:pos x="connsiteX3" y="connsiteY3"/>
+              </a:cxn>
+              <a:cxn ang="0">
+                <a:pos x="connsiteX4" y="connsiteY4"/>
+              </a:cxn>
+              <a:cxn ang="0">
+                <a:pos x="connsiteX5" y="connsiteY5"/>
+              </a:cxn>
+              <a:cxn ang="0">
+                <a:pos x="connsiteX6" y="connsiteY6"/>
+              </a:cxn>
+              <a:cxn ang="0">
+                <a:pos x="connsiteX7" y="connsiteY7"/>
+              </a:cxn>
+              <a:cxn ang="0">
+                <a:pos x="connsiteX8" y="connsiteY8"/>
+              </a:cxn>
+              <a:cxn ang="0">
+                <a:pos x="connsiteX9" y="connsiteY9"/>
+              </a:cxn>
+              <a:cxn ang="0">
+                <a:pos x="connsiteX10" y="connsiteY10"/>
+              </a:cxn>
+              <a:cxn ang="0">
+                <a:pos x="connsiteX11" y="connsiteY11"/>
+              </a:cxn>
+              <a:cxn ang="0">
+                <a:pos x="connsiteX12" y="connsiteY12"/>
+              </a:cxn>
+              <a:cxn ang="0">
+                <a:pos x="connsiteX13" y="connsiteY13"/>
+              </a:cxn>
+              <a:cxn ang="0">
+                <a:pos x="connsiteX14" y="connsiteY14"/>
+              </a:cxn>
+              <a:cxn ang="0">
+                <a:pos x="connsiteX15" y="connsiteY15"/>
+              </a:cxn>
+              <a:cxn ang="0">
+                <a:pos x="connsiteX16" y="connsiteY16"/>
+              </a:cxn>
+            </a:cxnLst>
+            <a:rect l="l" t="t" r="r" b="b"/>
+            <a:pathLst>
+              <a:path w="4243589" h="18288" fill="none" extrusionOk="0">
+                <a:moveTo>
+                  <a:pt x="0" y="0"/>
+                </a:moveTo>
+                <a:cubicBezTo>
+                  <a:pt x="213395" y="-21006"/>
+                  <a:pt x="307421" y="-18116"/>
+                  <a:pt x="478919" y="0"/>
+                </a:cubicBezTo>
+                <a:cubicBezTo>
+                  <a:pt x="650417" y="18116"/>
+                  <a:pt x="831092" y="-21237"/>
+                  <a:pt x="957839" y="0"/>
+                </a:cubicBezTo>
+                <a:cubicBezTo>
+                  <a:pt x="1084586" y="21237"/>
+                  <a:pt x="1301682" y="25124"/>
+                  <a:pt x="1521630" y="0"/>
+                </a:cubicBezTo>
+                <a:cubicBezTo>
+                  <a:pt x="1741578" y="-25124"/>
+                  <a:pt x="1970269" y="-29139"/>
+                  <a:pt x="2212729" y="0"/>
+                </a:cubicBezTo>
+                <a:cubicBezTo>
+                  <a:pt x="2455189" y="29139"/>
+                  <a:pt x="2558847" y="-4796"/>
+                  <a:pt x="2734084" y="0"/>
+                </a:cubicBezTo>
+                <a:cubicBezTo>
+                  <a:pt x="2909321" y="4796"/>
+                  <a:pt x="3097217" y="-13409"/>
+                  <a:pt x="3255439" y="0"/>
+                </a:cubicBezTo>
+                <a:cubicBezTo>
+                  <a:pt x="3413662" y="13409"/>
+                  <a:pt x="3979999" y="-10121"/>
+                  <a:pt x="4243589" y="0"/>
+                </a:cubicBezTo>
+                <a:cubicBezTo>
+                  <a:pt x="4244484" y="8974"/>
+                  <a:pt x="4243043" y="9359"/>
+                  <a:pt x="4243589" y="18288"/>
+                </a:cubicBezTo>
+                <a:cubicBezTo>
+                  <a:pt x="4058777" y="31246"/>
+                  <a:pt x="3910348" y="3158"/>
+                  <a:pt x="3594926" y="18288"/>
+                </a:cubicBezTo>
+                <a:cubicBezTo>
+                  <a:pt x="3279504" y="33418"/>
+                  <a:pt x="3319955" y="-3977"/>
+                  <a:pt x="3073571" y="18288"/>
+                </a:cubicBezTo>
+                <a:cubicBezTo>
+                  <a:pt x="2827187" y="40553"/>
+                  <a:pt x="2767387" y="1863"/>
+                  <a:pt x="2552216" y="18288"/>
+                </a:cubicBezTo>
+                <a:cubicBezTo>
+                  <a:pt x="2337046" y="34713"/>
+                  <a:pt x="2181871" y="19527"/>
+                  <a:pt x="1903553" y="18288"/>
+                </a:cubicBezTo>
+                <a:cubicBezTo>
+                  <a:pt x="1625235" y="17049"/>
+                  <a:pt x="1557672" y="24174"/>
+                  <a:pt x="1212454" y="18288"/>
+                </a:cubicBezTo>
+                <a:cubicBezTo>
+                  <a:pt x="867236" y="12402"/>
+                  <a:pt x="874382" y="15627"/>
+                  <a:pt x="733535" y="18288"/>
+                </a:cubicBezTo>
+                <a:cubicBezTo>
+                  <a:pt x="592688" y="20949"/>
+                  <a:pt x="183477" y="14753"/>
+                  <a:pt x="0" y="18288"/>
+                </a:cubicBezTo>
+                <a:cubicBezTo>
+                  <a:pt x="-229" y="14222"/>
+                  <a:pt x="509" y="5816"/>
+                  <a:pt x="0" y="0"/>
+                </a:cubicBezTo>
+                <a:close/>
+              </a:path>
+              <a:path w="4243589" h="18288" stroke="0" extrusionOk="0">
+                <a:moveTo>
+                  <a:pt x="0" y="0"/>
+                </a:moveTo>
+                <a:cubicBezTo>
+                  <a:pt x="143690" y="16630"/>
+                  <a:pt x="266667" y="14847"/>
+                  <a:pt x="521355" y="0"/>
+                </a:cubicBezTo>
+                <a:cubicBezTo>
+                  <a:pt x="776043" y="-14847"/>
+                  <a:pt x="814491" y="-17363"/>
+                  <a:pt x="1000275" y="0"/>
+                </a:cubicBezTo>
+                <a:cubicBezTo>
+                  <a:pt x="1186059" y="17363"/>
+                  <a:pt x="1352504" y="-23507"/>
+                  <a:pt x="1521630" y="0"/>
+                </a:cubicBezTo>
+                <a:cubicBezTo>
+                  <a:pt x="1690756" y="23507"/>
+                  <a:pt x="1889525" y="5871"/>
+                  <a:pt x="2127857" y="0"/>
+                </a:cubicBezTo>
+                <a:cubicBezTo>
+                  <a:pt x="2366189" y="-5871"/>
+                  <a:pt x="2620628" y="-27997"/>
+                  <a:pt x="2776520" y="0"/>
+                </a:cubicBezTo>
+                <a:cubicBezTo>
+                  <a:pt x="2932412" y="27997"/>
+                  <a:pt x="3131683" y="-25073"/>
+                  <a:pt x="3467618" y="0"/>
+                </a:cubicBezTo>
+                <a:cubicBezTo>
+                  <a:pt x="3803553" y="25073"/>
+                  <a:pt x="4017371" y="3071"/>
+                  <a:pt x="4243589" y="0"/>
+                </a:cubicBezTo>
+                <a:cubicBezTo>
+                  <a:pt x="4243134" y="6162"/>
+                  <a:pt x="4243492" y="11775"/>
+                  <a:pt x="4243589" y="18288"/>
+                </a:cubicBezTo>
+                <a:cubicBezTo>
+                  <a:pt x="4017834" y="-5779"/>
+                  <a:pt x="3834586" y="13376"/>
+                  <a:pt x="3594926" y="18288"/>
+                </a:cubicBezTo>
+                <a:cubicBezTo>
+                  <a:pt x="3355266" y="23200"/>
+                  <a:pt x="3204179" y="2869"/>
+                  <a:pt x="2903827" y="18288"/>
+                </a:cubicBezTo>
+                <a:cubicBezTo>
+                  <a:pt x="2603475" y="33707"/>
+                  <a:pt x="2526187" y="46187"/>
+                  <a:pt x="2212729" y="18288"/>
+                </a:cubicBezTo>
+                <a:cubicBezTo>
+                  <a:pt x="1899271" y="-9611"/>
+                  <a:pt x="1966289" y="29692"/>
+                  <a:pt x="1733809" y="18288"/>
+                </a:cubicBezTo>
+                <a:cubicBezTo>
+                  <a:pt x="1501329" y="6884"/>
+                  <a:pt x="1343612" y="12492"/>
+                  <a:pt x="1085146" y="18288"/>
+                </a:cubicBezTo>
+                <a:cubicBezTo>
+                  <a:pt x="826680" y="24084"/>
+                  <a:pt x="778184" y="35607"/>
+                  <a:pt x="521355" y="18288"/>
+                </a:cubicBezTo>
+                <a:cubicBezTo>
+                  <a:pt x="264526" y="969"/>
+                  <a:pt x="120277" y="4268"/>
+                  <a:pt x="0" y="18288"/>
+                </a:cubicBezTo>
+                <a:cubicBezTo>
+                  <a:pt x="766" y="10800"/>
+                  <a:pt x="-457" y="8180"/>
+                  <a:pt x="0" y="0"/>
+                </a:cubicBezTo>
+                <a:close/>
+              </a:path>
+            </a:pathLst>
+          </a:custGeom>
+          <a:solidFill>
+            <a:schemeClr val="accent2"/>
+          </a:solidFill>
+          <a:ln w="44450" cap="rnd">
+            <a:solidFill>
+              <a:schemeClr val="accent2"/>
+            </a:solidFill>
+            <a:round/>
+            <a:extLst>
+              <a:ext uri="{C807C97D-BFC1-408E-A445-0C87EB9F89A2}">
+                <ask:lineSketchStyleProps xmlns:ask="http://schemas.microsoft.com/office/drawing/2018/sketchyshapes" sd="2727557108">
+                  <a:prstGeom prst="rect">
+                    <a:avLst/>
+                  </a:prstGeom>
+                  <ask:type>
+                    <ask:lineSketchFreehand/>
+                  </ask:type>
+                </ask:lineSketchStyleProps>
+              </a:ext>
+            </a:extLst>
+          </a:ln>
+        </p:spPr>
+        <p:style>
+          <a:lnRef idx="2">
+            <a:schemeClr val="accent1">
+              <a:shade val="50000"/>
+            </a:schemeClr>
+          </a:lnRef>
+          <a:fillRef idx="1">
+            <a:schemeClr val="accent1"/>
+          </a:fillRef>
+          <a:effectRef idx="0">
+            <a:schemeClr val="accent1"/>
+          </a:effectRef>
+          <a:fontRef idx="minor">
+            <a:schemeClr val="lt1"/>
+          </a:fontRef>
+        </p:style>
+        <p:txBody>
+          <a:bodyPr rtlCol="0" anchor="ctr"/>
+          <a:lstStyle/>
+          <a:p>
+            <a:pPr algn="ctr"/>
+            <a:endParaRPr lang="en-US"/>
+          </a:p>
+        </p:txBody>
+      </p:sp>
+      <p:sp>
+        <p:nvSpPr>
+          <p:cNvPr id="3" name="Content Placeholder 2">
+            <a:extLst>
+              <a:ext uri="{FF2B5EF4-FFF2-40B4-BE49-F238E27FC236}">
+                <a16:creationId xmlns:a16="http://schemas.microsoft.com/office/drawing/2014/main" id="{E158DE29-B945-C52C-772E-020B430F3279}"/>
+              </a:ext>
+            </a:extLst>
+          </p:cNvPr>
+          <p:cNvSpPr>
+            <a:spLocks noGrp="1"/>
+          </p:cNvSpPr>
+          <p:nvPr>
+            <p:ph idx="1"/>
+          </p:nvPr>
+        </p:nvSpPr>
+        <p:spPr>
+          <a:xfrm>
+            <a:off x="5297762" y="2706624"/>
+            <a:ext cx="6251110" cy="3483864"/>
+          </a:xfrm>
+        </p:spPr>
+        <p:txBody>
+          <a:bodyPr>
+            <a:normAutofit/>
+          </a:bodyPr>
+          <a:lstStyle/>
+          <a:p>
+            <a:r>
+              <a:rPr lang="en-GB" dirty="0"/>
+              <a:t>Your project demands cost efficiency, especially for variable workloads. Which AWS database service is suitable for optimizing costs and resources?</a:t>
+            </a:r>
+            <a:endParaRPr lang="en-CH" dirty="0"/>
+          </a:p>
+        </p:txBody>
+      </p:sp>
+    </p:spTree>
+    <p:extLst>
+      <p:ext uri="{BB962C8B-B14F-4D97-AF65-F5344CB8AC3E}">
+        <p14:creationId xmlns:p14="http://schemas.microsoft.com/office/powerpoint/2010/main" val="1554714493"/>
+      </p:ext>
+    </p:extLst>
+  </p:cSld>
+  <p:clrMapOvr>
+    <a:masterClrMapping/>
+  </p:clrMapOvr>
+</p:sld>
+</file>
+
 <file path=ppt/theme/theme1.xml><?xml version="1.0" encoding="utf-8"?>
 <a:theme xmlns:a="http://schemas.openxmlformats.org/drawingml/2006/main" name="Тема Office">
   <a:themeElements>
